--- a/Battleship GUI.pptx
+++ b/Battleship GUI.pptx
@@ -1,48 +1,48 @@
 
 <file path=ppt/presentation.xml><?xml version="1.0" encoding="utf-8"?>
-<p:presentation xmlns:a="http://schemas.openxmlformats.org/drawingml/2006/main" xmlns:r="http://schemas.openxmlformats.org/officeDocument/2006/relationships" xmlns:mc="http://schemas.openxmlformats.org/markup-compatibility/2006" xmlns:mv="urn:schemas-microsoft-com:mac:vml" xmlns:p="http://schemas.openxmlformats.org/presentationml/2006/main" xmlns:c="http://schemas.openxmlformats.org/drawingml/2006/chart" xmlns:dgm="http://schemas.openxmlformats.org/drawingml/2006/diagram" xmlns:o="urn:schemas-microsoft-com:office:office" xmlns:v="urn:schemas-microsoft-com:vml" xmlns:pvml="urn:schemas-microsoft-com:office:powerpoint" xmlns:com="http://schemas.openxmlformats.org/drawingml/2006/compatibility" xmlns:p14="http://schemas.microsoft.com/office/powerpoint/2010/main" xmlns:p15="http://schemas.microsoft.com/office/powerpoint/2012/main" autoCompressPictures="0" embedTrueTypeFonts="1" strictFirstAndLastChars="0" saveSubsetFonts="1">
+<p:presentation xmlns:a="http://schemas.openxmlformats.org/drawingml/2006/main" xmlns:r="http://schemas.openxmlformats.org/officeDocument/2006/relationships" xmlns:p="http://schemas.openxmlformats.org/presentationml/2006/main" strictFirstAndLastChars="0" embedTrueTypeFonts="1" saveSubsetFonts="1" autoCompressPictures="0">
   <p:sldMasterIdLst>
-    <p:sldMasterId id="2147483659" r:id="rId4"/>
+    <p:sldMasterId id="2147483659" r:id="rId1"/>
   </p:sldMasterIdLst>
   <p:notesMasterIdLst>
-    <p:notesMasterId r:id="rId5"/>
+    <p:notesMasterId r:id="rId23"/>
   </p:notesMasterIdLst>
   <p:sldIdLst>
-    <p:sldId id="256" r:id="rId6"/>
-    <p:sldId id="257" r:id="rId7"/>
-    <p:sldId id="258" r:id="rId8"/>
-    <p:sldId id="259" r:id="rId9"/>
-    <p:sldId id="260" r:id="rId10"/>
-    <p:sldId id="261" r:id="rId11"/>
-    <p:sldId id="262" r:id="rId12"/>
-    <p:sldId id="263" r:id="rId13"/>
-    <p:sldId id="264" r:id="rId14"/>
-    <p:sldId id="265" r:id="rId15"/>
-    <p:sldId id="266" r:id="rId16"/>
-    <p:sldId id="267" r:id="rId17"/>
-    <p:sldId id="268" r:id="rId18"/>
-    <p:sldId id="269" r:id="rId19"/>
-    <p:sldId id="270" r:id="rId20"/>
-    <p:sldId id="271" r:id="rId21"/>
-    <p:sldId id="272" r:id="rId22"/>
-    <p:sldId id="273" r:id="rId23"/>
-    <p:sldId id="274" r:id="rId24"/>
-    <p:sldId id="275" r:id="rId25"/>
-    <p:sldId id="276" r:id="rId26"/>
+    <p:sldId id="256" r:id="rId2"/>
+    <p:sldId id="257" r:id="rId3"/>
+    <p:sldId id="258" r:id="rId4"/>
+    <p:sldId id="259" r:id="rId5"/>
+    <p:sldId id="260" r:id="rId6"/>
+    <p:sldId id="261" r:id="rId7"/>
+    <p:sldId id="262" r:id="rId8"/>
+    <p:sldId id="263" r:id="rId9"/>
+    <p:sldId id="264" r:id="rId10"/>
+    <p:sldId id="265" r:id="rId11"/>
+    <p:sldId id="266" r:id="rId12"/>
+    <p:sldId id="267" r:id="rId13"/>
+    <p:sldId id="268" r:id="rId14"/>
+    <p:sldId id="269" r:id="rId15"/>
+    <p:sldId id="270" r:id="rId16"/>
+    <p:sldId id="271" r:id="rId17"/>
+    <p:sldId id="272" r:id="rId18"/>
+    <p:sldId id="273" r:id="rId19"/>
+    <p:sldId id="274" r:id="rId20"/>
+    <p:sldId id="275" r:id="rId21"/>
+    <p:sldId id="276" r:id="rId22"/>
   </p:sldIdLst>
-  <p:sldSz cy="5143500" cx="9144000"/>
+  <p:sldSz cx="9144000" cy="5143500" type="screen16x9"/>
   <p:notesSz cx="6858000" cy="9144000"/>
   <p:embeddedFontLst>
     <p:embeddedFont>
-      <p:font typeface="Proxima Nova"/>
-      <p:regular r:id="rId27"/>
-      <p:bold r:id="rId28"/>
-      <p:italic r:id="rId29"/>
-      <p:boldItalic r:id="rId30"/>
+      <p:font typeface="Proxima Nova" panose="020B0604020202020204" charset="0"/>
+      <p:regular r:id="rId24"/>
+      <p:bold r:id="rId25"/>
+      <p:italic r:id="rId26"/>
+      <p:boldItalic r:id="rId27"/>
     </p:embeddedFont>
   </p:embeddedFontLst>
   <p:defaultTextStyle>
-    <a:defPPr lvl="0" marR="0" rtl="0" algn="l">
+    <a:defPPr marR="0" lvl="0" algn="l" rtl="0">
       <a:lnSpc>
         <a:spcPct val="100000"/>
       </a:lnSpc>
@@ -53,7 +53,7 @@
         <a:spcPts val="0"/>
       </a:spcAft>
     </a:defPPr>
-    <a:lvl1pPr lvl="0" marR="0" rtl="0" algn="l">
+    <a:lvl1pPr marR="0" lvl="0" algn="l" rtl="0">
       <a:lnSpc>
         <a:spcPct val="100000"/>
       </a:lnSpc>
@@ -67,7 +67,7 @@
         <a:srgbClr val="000000"/>
       </a:buClr>
       <a:buFont typeface="Arial"/>
-      <a:defRPr b="0" i="0" sz="1400" u="none" cap="none" strike="noStrike">
+      <a:defRPr sz="1400" b="0" i="0" u="none" strike="noStrike" cap="none">
         <a:solidFill>
           <a:srgbClr val="000000"/>
         </a:solidFill>
@@ -77,7 +77,7 @@
         <a:sym typeface="Arial"/>
       </a:defRPr>
     </a:lvl1pPr>
-    <a:lvl2pPr lvl="1" marR="0" rtl="0" algn="l">
+    <a:lvl2pPr marR="0" lvl="1" algn="l" rtl="0">
       <a:lnSpc>
         <a:spcPct val="100000"/>
       </a:lnSpc>
@@ -91,7 +91,7 @@
         <a:srgbClr val="000000"/>
       </a:buClr>
       <a:buFont typeface="Arial"/>
-      <a:defRPr b="0" i="0" sz="1400" u="none" cap="none" strike="noStrike">
+      <a:defRPr sz="1400" b="0" i="0" u="none" strike="noStrike" cap="none">
         <a:solidFill>
           <a:srgbClr val="000000"/>
         </a:solidFill>
@@ -101,7 +101,7 @@
         <a:sym typeface="Arial"/>
       </a:defRPr>
     </a:lvl2pPr>
-    <a:lvl3pPr lvl="2" marR="0" rtl="0" algn="l">
+    <a:lvl3pPr marR="0" lvl="2" algn="l" rtl="0">
       <a:lnSpc>
         <a:spcPct val="100000"/>
       </a:lnSpc>
@@ -115,7 +115,7 @@
         <a:srgbClr val="000000"/>
       </a:buClr>
       <a:buFont typeface="Arial"/>
-      <a:defRPr b="0" i="0" sz="1400" u="none" cap="none" strike="noStrike">
+      <a:defRPr sz="1400" b="0" i="0" u="none" strike="noStrike" cap="none">
         <a:solidFill>
           <a:srgbClr val="000000"/>
         </a:solidFill>
@@ -125,7 +125,7 @@
         <a:sym typeface="Arial"/>
       </a:defRPr>
     </a:lvl3pPr>
-    <a:lvl4pPr lvl="3" marR="0" rtl="0" algn="l">
+    <a:lvl4pPr marR="0" lvl="3" algn="l" rtl="0">
       <a:lnSpc>
         <a:spcPct val="100000"/>
       </a:lnSpc>
@@ -139,7 +139,7 @@
         <a:srgbClr val="000000"/>
       </a:buClr>
       <a:buFont typeface="Arial"/>
-      <a:defRPr b="0" i="0" sz="1400" u="none" cap="none" strike="noStrike">
+      <a:defRPr sz="1400" b="0" i="0" u="none" strike="noStrike" cap="none">
         <a:solidFill>
           <a:srgbClr val="000000"/>
         </a:solidFill>
@@ -149,7 +149,7 @@
         <a:sym typeface="Arial"/>
       </a:defRPr>
     </a:lvl4pPr>
-    <a:lvl5pPr lvl="4" marR="0" rtl="0" algn="l">
+    <a:lvl5pPr marR="0" lvl="4" algn="l" rtl="0">
       <a:lnSpc>
         <a:spcPct val="100000"/>
       </a:lnSpc>
@@ -163,7 +163,7 @@
         <a:srgbClr val="000000"/>
       </a:buClr>
       <a:buFont typeface="Arial"/>
-      <a:defRPr b="0" i="0" sz="1400" u="none" cap="none" strike="noStrike">
+      <a:defRPr sz="1400" b="0" i="0" u="none" strike="noStrike" cap="none">
         <a:solidFill>
           <a:srgbClr val="000000"/>
         </a:solidFill>
@@ -173,7 +173,7 @@
         <a:sym typeface="Arial"/>
       </a:defRPr>
     </a:lvl5pPr>
-    <a:lvl6pPr lvl="5" marR="0" rtl="0" algn="l">
+    <a:lvl6pPr marR="0" lvl="5" algn="l" rtl="0">
       <a:lnSpc>
         <a:spcPct val="100000"/>
       </a:lnSpc>
@@ -187,7 +187,7 @@
         <a:srgbClr val="000000"/>
       </a:buClr>
       <a:buFont typeface="Arial"/>
-      <a:defRPr b="0" i="0" sz="1400" u="none" cap="none" strike="noStrike">
+      <a:defRPr sz="1400" b="0" i="0" u="none" strike="noStrike" cap="none">
         <a:solidFill>
           <a:srgbClr val="000000"/>
         </a:solidFill>
@@ -197,7 +197,7 @@
         <a:sym typeface="Arial"/>
       </a:defRPr>
     </a:lvl6pPr>
-    <a:lvl7pPr lvl="6" marR="0" rtl="0" algn="l">
+    <a:lvl7pPr marR="0" lvl="6" algn="l" rtl="0">
       <a:lnSpc>
         <a:spcPct val="100000"/>
       </a:lnSpc>
@@ -211,7 +211,7 @@
         <a:srgbClr val="000000"/>
       </a:buClr>
       <a:buFont typeface="Arial"/>
-      <a:defRPr b="0" i="0" sz="1400" u="none" cap="none" strike="noStrike">
+      <a:defRPr sz="1400" b="0" i="0" u="none" strike="noStrike" cap="none">
         <a:solidFill>
           <a:srgbClr val="000000"/>
         </a:solidFill>
@@ -221,7 +221,7 @@
         <a:sym typeface="Arial"/>
       </a:defRPr>
     </a:lvl7pPr>
-    <a:lvl8pPr lvl="7" marR="0" rtl="0" algn="l">
+    <a:lvl8pPr marR="0" lvl="7" algn="l" rtl="0">
       <a:lnSpc>
         <a:spcPct val="100000"/>
       </a:lnSpc>
@@ -235,7 +235,7 @@
         <a:srgbClr val="000000"/>
       </a:buClr>
       <a:buFont typeface="Arial"/>
-      <a:defRPr b="0" i="0" sz="1400" u="none" cap="none" strike="noStrike">
+      <a:defRPr sz="1400" b="0" i="0" u="none" strike="noStrike" cap="none">
         <a:solidFill>
           <a:srgbClr val="000000"/>
         </a:solidFill>
@@ -245,7 +245,7 @@
         <a:sym typeface="Arial"/>
       </a:defRPr>
     </a:lvl8pPr>
-    <a:lvl9pPr lvl="8" marR="0" rtl="0" algn="l">
+    <a:lvl9pPr marR="0" lvl="8" algn="l" rtl="0">
       <a:lnSpc>
         <a:spcPct val="100000"/>
       </a:lnSpc>
@@ -259,7 +259,7 @@
         <a:srgbClr val="000000"/>
       </a:buClr>
       <a:buFont typeface="Arial"/>
-      <a:defRPr b="0" i="0" sz="1400" u="none" cap="none" strike="noStrike">
+      <a:defRPr sz="1400" b="0" i="0" u="none" strike="noStrike" cap="none">
         <a:solidFill>
           <a:srgbClr val="000000"/>
         </a:solidFill>
@@ -272,7 +272,7 @@
   </p:defaultTextStyle>
   <p:extLst>
     <p:ext uri="{EFAFB233-063F-42B5-8137-9DF3F51BA10A}">
-      <p15:sldGuideLst>
+      <p15:sldGuideLst xmlns:p15="http://schemas.microsoft.com/office/powerpoint/2012/main">
         <p15:guide id="1" orient="horz" pos="1620">
           <p15:clr>
             <a:srgbClr val="A4A3A4"/>
@@ -290,11 +290,16 @@
 </file>
 
 <file path=ppt/notesMasters/notesMaster1.xml><?xml version="1.0" encoding="utf-8"?>
-<p:notesMaster xmlns:a="http://schemas.openxmlformats.org/drawingml/2006/main" xmlns:r="http://schemas.openxmlformats.org/officeDocument/2006/relationships" xmlns:mc="http://schemas.openxmlformats.org/markup-compatibility/2006" xmlns:mv="urn:schemas-microsoft-com:mac:vml" xmlns:p="http://schemas.openxmlformats.org/presentationml/2006/main" xmlns:c="http://schemas.openxmlformats.org/drawingml/2006/chart" xmlns:dgm="http://schemas.openxmlformats.org/drawingml/2006/diagram" xmlns:o="urn:schemas-microsoft-com:office:office" xmlns:v="urn:schemas-microsoft-com:vml" xmlns:pvml="urn:schemas-microsoft-com:office:powerpoint" xmlns:com="http://schemas.openxmlformats.org/drawingml/2006/compatibility" xmlns:p14="http://schemas.microsoft.com/office/powerpoint/2010/main" xmlns:p15="http://schemas.microsoft.com/office/powerpoint/2012/main">
+<p:notesMaster xmlns:a="http://schemas.openxmlformats.org/drawingml/2006/main" xmlns:r="http://schemas.openxmlformats.org/officeDocument/2006/relationships" xmlns:p="http://schemas.openxmlformats.org/presentationml/2006/main">
   <p:cSld>
+    <p:bg>
+      <p:bgRef idx="1001">
+        <a:schemeClr val="bg1"/>
+      </p:bgRef>
+    </p:bg>
     <p:spTree>
       <p:nvGrpSpPr>
-        <p:cNvPr id="2" name="Shape 2"/>
+        <p:cNvPr id="1" name="Shape 2"/>
         <p:cNvGrpSpPr/>
         <p:nvPr/>
       </p:nvGrpSpPr>
@@ -309,9 +314,11 @@
       <p:sp>
         <p:nvSpPr>
           <p:cNvPr id="3" name="Google Shape;3;n"/>
-          <p:cNvSpPr/>
+          <p:cNvSpPr>
+            <a:spLocks noGrp="1" noRot="1" noChangeAspect="1"/>
+          </p:cNvSpPr>
           <p:nvPr>
-            <p:ph idx="2" type="sldImg"/>
+            <p:ph type="sldImg" idx="2"/>
           </p:nvPr>
         </p:nvSpPr>
         <p:spPr>
@@ -320,9 +327,13 @@
             <a:ext cx="6096075" cy="3429000"/>
           </a:xfrm>
           <a:custGeom>
-            <a:rect b="b" l="l" r="r" t="t"/>
+            <a:avLst/>
+            <a:gdLst/>
+            <a:ahLst/>
+            <a:cxnLst/>
+            <a:rect l="l" t="t" r="r" b="b"/>
             <a:pathLst>
-              <a:path extrusionOk="0" h="120000" w="120000">
+              <a:path w="120000" h="120000" extrusionOk="0">
                 <a:moveTo>
                   <a:pt x="0" y="0"/>
                 </a:moveTo>
@@ -340,23 +351,25 @@
             </a:pathLst>
           </a:custGeom>
           <a:noFill/>
-          <a:ln cap="flat" cmpd="sng" w="9525">
+          <a:ln w="9525" cap="flat" cmpd="sng">
             <a:solidFill>
               <a:srgbClr val="000000"/>
             </a:solidFill>
             <a:prstDash val="solid"/>
             <a:round/>
-            <a:headEnd len="sm" w="sm" type="none"/>
-            <a:tailEnd len="sm" w="sm" type="none"/>
+            <a:headEnd type="none" w="sm" len="sm"/>
+            <a:tailEnd type="none" w="sm" len="sm"/>
           </a:ln>
         </p:spPr>
       </p:sp>
       <p:sp>
         <p:nvSpPr>
           <p:cNvPr id="4" name="Google Shape;4;n"/>
-          <p:cNvSpPr txBox="1"/>
+          <p:cNvSpPr txBox="1">
+            <a:spLocks noGrp="1"/>
+          </p:cNvSpPr>
           <p:nvPr>
-            <p:ph idx="1" type="body"/>
+            <p:ph type="body" idx="1"/>
           </p:nvPr>
         </p:nvSpPr>
         <p:spPr>
@@ -373,9 +386,9 @@
           </a:ln>
         </p:spPr>
         <p:txBody>
-          <a:bodyPr anchorCtr="0" anchor="t" bIns="91425" lIns="91425" spcFirstLastPara="1" rIns="91425" wrap="square" tIns="91425"/>
+          <a:bodyPr spcFirstLastPara="1" wrap="square" lIns="91425" tIns="91425" rIns="91425" bIns="91425" anchor="t" anchorCtr="0"/>
           <a:lstStyle>
-            <a:lvl1pPr indent="-298450" lvl="0" marL="457200">
+            <a:lvl1pPr marL="457200" lvl="0" indent="-298450">
               <a:spcBef>
                 <a:spcPts val="0"/>
               </a:spcBef>
@@ -386,7 +399,7 @@
               <a:buChar char="●"/>
               <a:defRPr sz="1100"/>
             </a:lvl1pPr>
-            <a:lvl2pPr indent="-298450" lvl="1" marL="914400">
+            <a:lvl2pPr marL="914400" lvl="1" indent="-298450">
               <a:spcBef>
                 <a:spcPts val="0"/>
               </a:spcBef>
@@ -397,7 +410,7 @@
               <a:buChar char="○"/>
               <a:defRPr sz="1100"/>
             </a:lvl2pPr>
-            <a:lvl3pPr indent="-298450" lvl="2" marL="1371600">
+            <a:lvl3pPr marL="1371600" lvl="2" indent="-298450">
               <a:spcBef>
                 <a:spcPts val="0"/>
               </a:spcBef>
@@ -408,7 +421,7 @@
               <a:buChar char="■"/>
               <a:defRPr sz="1100"/>
             </a:lvl3pPr>
-            <a:lvl4pPr indent="-298450" lvl="3" marL="1828800">
+            <a:lvl4pPr marL="1828800" lvl="3" indent="-298450">
               <a:spcBef>
                 <a:spcPts val="0"/>
               </a:spcBef>
@@ -419,7 +432,7 @@
               <a:buChar char="●"/>
               <a:defRPr sz="1100"/>
             </a:lvl4pPr>
-            <a:lvl5pPr indent="-298450" lvl="4" marL="2286000">
+            <a:lvl5pPr marL="2286000" lvl="4" indent="-298450">
               <a:spcBef>
                 <a:spcPts val="0"/>
               </a:spcBef>
@@ -430,7 +443,7 @@
               <a:buChar char="○"/>
               <a:defRPr sz="1100"/>
             </a:lvl5pPr>
-            <a:lvl6pPr indent="-298450" lvl="5" marL="2743200">
+            <a:lvl6pPr marL="2743200" lvl="5" indent="-298450">
               <a:spcBef>
                 <a:spcPts val="0"/>
               </a:spcBef>
@@ -441,7 +454,7 @@
               <a:buChar char="■"/>
               <a:defRPr sz="1100"/>
             </a:lvl6pPr>
-            <a:lvl7pPr indent="-298450" lvl="6" marL="3200400">
+            <a:lvl7pPr marL="3200400" lvl="6" indent="-298450">
               <a:spcBef>
                 <a:spcPts val="0"/>
               </a:spcBef>
@@ -452,7 +465,7 @@
               <a:buChar char="●"/>
               <a:defRPr sz="1100"/>
             </a:lvl7pPr>
-            <a:lvl8pPr indent="-298450" lvl="7" marL="3657600">
+            <a:lvl8pPr marL="3657600" lvl="7" indent="-298450">
               <a:spcBef>
                 <a:spcPts val="0"/>
               </a:spcBef>
@@ -463,7 +476,7 @@
               <a:buChar char="○"/>
               <a:defRPr sz="1100"/>
             </a:lvl8pPr>
-            <a:lvl9pPr indent="-298450" lvl="8" marL="4114800">
+            <a:lvl9pPr marL="4114800" lvl="8" indent="-298450">
               <a:spcBef>
                 <a:spcPts val="0"/>
               </a:spcBef>
@@ -475,14 +488,16 @@
               <a:defRPr sz="1100"/>
             </a:lvl9pPr>
           </a:lstStyle>
-          <a:p/>
+          <a:p>
+            <a:endParaRPr/>
+          </a:p>
         </p:txBody>
       </p:sp>
     </p:spTree>
   </p:cSld>
-  <p:clrMap accent1="accent1" accent2="accent2" accent3="accent3" accent4="accent4" accent5="accent5" accent6="accent6" bg1="lt1" bg2="dk2" tx1="dk1" tx2="lt2" folHlink="folHlink" hlink="hlink"/>
+  <p:clrMap bg1="lt1" tx1="dk1" bg2="dk2" tx2="lt2" accent1="accent1" accent2="accent2" accent3="accent3" accent4="accent4" accent5="accent5" accent6="accent6" hlink="hlink" folHlink="folHlink"/>
   <p:notesStyle>
-    <a:defPPr lvl="0" marR="0" rtl="0" algn="l">
+    <a:defPPr marR="0" lvl="0" algn="l" rtl="0">
       <a:lnSpc>
         <a:spcPct val="100000"/>
       </a:lnSpc>
@@ -493,7 +508,7 @@
         <a:spcPts val="0"/>
       </a:spcAft>
     </a:defPPr>
-    <a:lvl1pPr lvl="0" marR="0" rtl="0" algn="l">
+    <a:lvl1pPr marR="0" lvl="0" algn="l" rtl="0">
       <a:lnSpc>
         <a:spcPct val="100000"/>
       </a:lnSpc>
@@ -507,7 +522,7 @@
         <a:srgbClr val="000000"/>
       </a:buClr>
       <a:buFont typeface="Arial"/>
-      <a:defRPr b="0" i="0" sz="1400" u="none" cap="none" strike="noStrike">
+      <a:defRPr sz="1400" b="0" i="0" u="none" strike="noStrike" cap="none">
         <a:solidFill>
           <a:srgbClr val="000000"/>
         </a:solidFill>
@@ -517,7 +532,7 @@
         <a:sym typeface="Arial"/>
       </a:defRPr>
     </a:lvl1pPr>
-    <a:lvl2pPr lvl="1" marR="0" rtl="0" algn="l">
+    <a:lvl2pPr marR="0" lvl="1" algn="l" rtl="0">
       <a:lnSpc>
         <a:spcPct val="100000"/>
       </a:lnSpc>
@@ -531,7 +546,7 @@
         <a:srgbClr val="000000"/>
       </a:buClr>
       <a:buFont typeface="Arial"/>
-      <a:defRPr b="0" i="0" sz="1400" u="none" cap="none" strike="noStrike">
+      <a:defRPr sz="1400" b="0" i="0" u="none" strike="noStrike" cap="none">
         <a:solidFill>
           <a:srgbClr val="000000"/>
         </a:solidFill>
@@ -541,7 +556,7 @@
         <a:sym typeface="Arial"/>
       </a:defRPr>
     </a:lvl2pPr>
-    <a:lvl3pPr lvl="2" marR="0" rtl="0" algn="l">
+    <a:lvl3pPr marR="0" lvl="2" algn="l" rtl="0">
       <a:lnSpc>
         <a:spcPct val="100000"/>
       </a:lnSpc>
@@ -555,7 +570,7 @@
         <a:srgbClr val="000000"/>
       </a:buClr>
       <a:buFont typeface="Arial"/>
-      <a:defRPr b="0" i="0" sz="1400" u="none" cap="none" strike="noStrike">
+      <a:defRPr sz="1400" b="0" i="0" u="none" strike="noStrike" cap="none">
         <a:solidFill>
           <a:srgbClr val="000000"/>
         </a:solidFill>
@@ -565,7 +580,7 @@
         <a:sym typeface="Arial"/>
       </a:defRPr>
     </a:lvl3pPr>
-    <a:lvl4pPr lvl="3" marR="0" rtl="0" algn="l">
+    <a:lvl4pPr marR="0" lvl="3" algn="l" rtl="0">
       <a:lnSpc>
         <a:spcPct val="100000"/>
       </a:lnSpc>
@@ -579,7 +594,7 @@
         <a:srgbClr val="000000"/>
       </a:buClr>
       <a:buFont typeface="Arial"/>
-      <a:defRPr b="0" i="0" sz="1400" u="none" cap="none" strike="noStrike">
+      <a:defRPr sz="1400" b="0" i="0" u="none" strike="noStrike" cap="none">
         <a:solidFill>
           <a:srgbClr val="000000"/>
         </a:solidFill>
@@ -589,7 +604,7 @@
         <a:sym typeface="Arial"/>
       </a:defRPr>
     </a:lvl4pPr>
-    <a:lvl5pPr lvl="4" marR="0" rtl="0" algn="l">
+    <a:lvl5pPr marR="0" lvl="4" algn="l" rtl="0">
       <a:lnSpc>
         <a:spcPct val="100000"/>
       </a:lnSpc>
@@ -603,7 +618,7 @@
         <a:srgbClr val="000000"/>
       </a:buClr>
       <a:buFont typeface="Arial"/>
-      <a:defRPr b="0" i="0" sz="1400" u="none" cap="none" strike="noStrike">
+      <a:defRPr sz="1400" b="0" i="0" u="none" strike="noStrike" cap="none">
         <a:solidFill>
           <a:srgbClr val="000000"/>
         </a:solidFill>
@@ -613,7 +628,7 @@
         <a:sym typeface="Arial"/>
       </a:defRPr>
     </a:lvl5pPr>
-    <a:lvl6pPr lvl="5" marR="0" rtl="0" algn="l">
+    <a:lvl6pPr marR="0" lvl="5" algn="l" rtl="0">
       <a:lnSpc>
         <a:spcPct val="100000"/>
       </a:lnSpc>
@@ -627,7 +642,7 @@
         <a:srgbClr val="000000"/>
       </a:buClr>
       <a:buFont typeface="Arial"/>
-      <a:defRPr b="0" i="0" sz="1400" u="none" cap="none" strike="noStrike">
+      <a:defRPr sz="1400" b="0" i="0" u="none" strike="noStrike" cap="none">
         <a:solidFill>
           <a:srgbClr val="000000"/>
         </a:solidFill>
@@ -637,7 +652,7 @@
         <a:sym typeface="Arial"/>
       </a:defRPr>
     </a:lvl6pPr>
-    <a:lvl7pPr lvl="6" marR="0" rtl="0" algn="l">
+    <a:lvl7pPr marR="0" lvl="6" algn="l" rtl="0">
       <a:lnSpc>
         <a:spcPct val="100000"/>
       </a:lnSpc>
@@ -651,7 +666,7 @@
         <a:srgbClr val="000000"/>
       </a:buClr>
       <a:buFont typeface="Arial"/>
-      <a:defRPr b="0" i="0" sz="1400" u="none" cap="none" strike="noStrike">
+      <a:defRPr sz="1400" b="0" i="0" u="none" strike="noStrike" cap="none">
         <a:solidFill>
           <a:srgbClr val="000000"/>
         </a:solidFill>
@@ -661,7 +676,7 @@
         <a:sym typeface="Arial"/>
       </a:defRPr>
     </a:lvl7pPr>
-    <a:lvl8pPr lvl="7" marR="0" rtl="0" algn="l">
+    <a:lvl8pPr marR="0" lvl="7" algn="l" rtl="0">
       <a:lnSpc>
         <a:spcPct val="100000"/>
       </a:lnSpc>
@@ -675,7 +690,7 @@
         <a:srgbClr val="000000"/>
       </a:buClr>
       <a:buFont typeface="Arial"/>
-      <a:defRPr b="0" i="0" sz="1400" u="none" cap="none" strike="noStrike">
+      <a:defRPr sz="1400" b="0" i="0" u="none" strike="noStrike" cap="none">
         <a:solidFill>
           <a:srgbClr val="000000"/>
         </a:solidFill>
@@ -685,7 +700,7 @@
         <a:sym typeface="Arial"/>
       </a:defRPr>
     </a:lvl8pPr>
-    <a:lvl9pPr lvl="8" marR="0" rtl="0" algn="l">
+    <a:lvl9pPr marR="0" lvl="8" algn="l" rtl="0">
       <a:lnSpc>
         <a:spcPct val="100000"/>
       </a:lnSpc>
@@ -699,7 +714,7 @@
         <a:srgbClr val="000000"/>
       </a:buClr>
       <a:buFont typeface="Arial"/>
-      <a:defRPr b="0" i="0" sz="1400" u="none" cap="none" strike="noStrike">
+      <a:defRPr sz="1400" b="0" i="0" u="none" strike="noStrike" cap="none">
         <a:solidFill>
           <a:srgbClr val="000000"/>
         </a:solidFill>
@@ -714,11 +729,11 @@
 </file>
 
 <file path=ppt/notesSlides/notesSlide1.xml><?xml version="1.0" encoding="utf-8"?>
-<p:notes xmlns:a="http://schemas.openxmlformats.org/drawingml/2006/main" xmlns:r="http://schemas.openxmlformats.org/officeDocument/2006/relationships" xmlns:mc="http://schemas.openxmlformats.org/markup-compatibility/2006" xmlns:mv="urn:schemas-microsoft-com:mac:vml" xmlns:p="http://schemas.openxmlformats.org/presentationml/2006/main" xmlns:c="http://schemas.openxmlformats.org/drawingml/2006/chart" xmlns:dgm="http://schemas.openxmlformats.org/drawingml/2006/diagram" xmlns:o="urn:schemas-microsoft-com:office:office" xmlns:v="urn:schemas-microsoft-com:vml" xmlns:pvml="urn:schemas-microsoft-com:office:powerpoint" xmlns:com="http://schemas.openxmlformats.org/drawingml/2006/compatibility" xmlns:p14="http://schemas.microsoft.com/office/powerpoint/2010/main" xmlns:p15="http://schemas.microsoft.com/office/powerpoint/2012/main" showMasterPhAnim="0" showMasterSp="0">
+<p:notes xmlns:a="http://schemas.openxmlformats.org/drawingml/2006/main" xmlns:r="http://schemas.openxmlformats.org/officeDocument/2006/relationships" xmlns:p="http://schemas.openxmlformats.org/presentationml/2006/main" showMasterSp="0" showMasterPhAnim="0">
   <p:cSld>
     <p:spTree>
       <p:nvGrpSpPr>
-        <p:cNvPr id="55" name="Shape 55"/>
+        <p:cNvPr id="1" name="Shape 55"/>
         <p:cNvGrpSpPr/>
         <p:nvPr/>
       </p:nvGrpSpPr>
@@ -733,9 +748,11 @@
       <p:sp>
         <p:nvSpPr>
           <p:cNvPr id="56" name="Google Shape;56;g4885fe8058_0_126:notes"/>
-          <p:cNvSpPr/>
+          <p:cNvSpPr>
+            <a:spLocks noGrp="1" noRot="1" noChangeAspect="1"/>
+          </p:cNvSpPr>
           <p:nvPr>
-            <p:ph idx="2" type="sldImg"/>
+            <p:ph type="sldImg" idx="2"/>
           </p:nvPr>
         </p:nvSpPr>
         <p:spPr>
@@ -744,9 +761,13 @@
             <a:ext cx="6096000" cy="3429000"/>
           </a:xfrm>
           <a:custGeom>
-            <a:rect b="b" l="l" r="r" t="t"/>
+            <a:avLst/>
+            <a:gdLst/>
+            <a:ahLst/>
+            <a:cxnLst/>
+            <a:rect l="l" t="t" r="r" b="b"/>
             <a:pathLst>
-              <a:path extrusionOk="0" h="120000" w="120000">
+              <a:path w="120000" h="120000" extrusionOk="0">
                 <a:moveTo>
                   <a:pt x="0" y="0"/>
                 </a:moveTo>
@@ -768,9 +789,11 @@
       <p:sp>
         <p:nvSpPr>
           <p:cNvPr id="57" name="Google Shape;57;g4885fe8058_0_126:notes"/>
-          <p:cNvSpPr txBox="1"/>
+          <p:cNvSpPr txBox="1">
+            <a:spLocks noGrp="1"/>
+          </p:cNvSpPr>
           <p:nvPr>
-            <p:ph idx="1" type="body"/>
+            <p:ph type="body" idx="1"/>
           </p:nvPr>
         </p:nvSpPr>
         <p:spPr>
@@ -783,12 +806,12 @@
           </a:prstGeom>
         </p:spPr>
         <p:txBody>
-          <a:bodyPr anchorCtr="0" anchor="t" bIns="91425" lIns="91425" spcFirstLastPara="1" rIns="91425" wrap="square" tIns="91425">
+          <a:bodyPr spcFirstLastPara="1" wrap="square" lIns="91425" tIns="91425" rIns="91425" bIns="91425" anchor="t" anchorCtr="0">
             <a:noAutofit/>
           </a:bodyPr>
           <a:lstStyle/>
           <a:p>
-            <a:pPr indent="0" lvl="0" marL="0" rtl="0" algn="l">
+            <a:pPr marL="0" lvl="0" indent="0" algn="l" rtl="0">
               <a:spcBef>
                 <a:spcPts val="0"/>
               </a:spcBef>
@@ -797,9 +820,6 @@
               </a:spcAft>
               <a:buNone/>
             </a:pPr>
-            <a:r>
-              <a:t/>
-            </a:r>
             <a:endParaRPr/>
           </a:p>
         </p:txBody>
@@ -813,11 +833,11 @@
 </file>
 
 <file path=ppt/notesSlides/notesSlide10.xml><?xml version="1.0" encoding="utf-8"?>
-<p:notes xmlns:a="http://schemas.openxmlformats.org/drawingml/2006/main" xmlns:r="http://schemas.openxmlformats.org/officeDocument/2006/relationships" xmlns:mc="http://schemas.openxmlformats.org/markup-compatibility/2006" xmlns:mv="urn:schemas-microsoft-com:mac:vml" xmlns:p="http://schemas.openxmlformats.org/presentationml/2006/main" xmlns:c="http://schemas.openxmlformats.org/drawingml/2006/chart" xmlns:dgm="http://schemas.openxmlformats.org/drawingml/2006/diagram" xmlns:o="urn:schemas-microsoft-com:office:office" xmlns:v="urn:schemas-microsoft-com:vml" xmlns:pvml="urn:schemas-microsoft-com:office:powerpoint" xmlns:com="http://schemas.openxmlformats.org/drawingml/2006/compatibility" xmlns:p14="http://schemas.microsoft.com/office/powerpoint/2010/main" xmlns:p15="http://schemas.microsoft.com/office/powerpoint/2012/main" showMasterPhAnim="0" showMasterSp="0">
+<p:notes xmlns:a="http://schemas.openxmlformats.org/drawingml/2006/main" xmlns:r="http://schemas.openxmlformats.org/officeDocument/2006/relationships" xmlns:p="http://schemas.openxmlformats.org/presentationml/2006/main" showMasterSp="0" showMasterPhAnim="0">
   <p:cSld>
     <p:spTree>
       <p:nvGrpSpPr>
-        <p:cNvPr id="121" name="Shape 121"/>
+        <p:cNvPr id="1" name="Shape 121"/>
         <p:cNvGrpSpPr/>
         <p:nvPr/>
       </p:nvGrpSpPr>
@@ -832,20 +852,26 @@
       <p:sp>
         <p:nvSpPr>
           <p:cNvPr id="122" name="Google Shape;122;g42b2c8d538_0_10:notes"/>
-          <p:cNvSpPr/>
+          <p:cNvSpPr>
+            <a:spLocks noGrp="1" noRot="1" noChangeAspect="1"/>
+          </p:cNvSpPr>
           <p:nvPr>
-            <p:ph idx="2" type="sldImg"/>
+            <p:ph type="sldImg" idx="2"/>
           </p:nvPr>
         </p:nvSpPr>
         <p:spPr>
           <a:xfrm>
-            <a:off x="381300" y="685800"/>
+            <a:off x="381000" y="685800"/>
             <a:ext cx="6096000" cy="3429000"/>
           </a:xfrm>
           <a:custGeom>
-            <a:rect b="b" l="l" r="r" t="t"/>
+            <a:avLst/>
+            <a:gdLst/>
+            <a:ahLst/>
+            <a:cxnLst/>
+            <a:rect l="l" t="t" r="r" b="b"/>
             <a:pathLst>
-              <a:path extrusionOk="0" h="120000" w="120000">
+              <a:path w="120000" h="120000" extrusionOk="0">
                 <a:moveTo>
                   <a:pt x="0" y="0"/>
                 </a:moveTo>
@@ -867,9 +893,11 @@
       <p:sp>
         <p:nvSpPr>
           <p:cNvPr id="123" name="Google Shape;123;g42b2c8d538_0_10:notes"/>
-          <p:cNvSpPr txBox="1"/>
+          <p:cNvSpPr txBox="1">
+            <a:spLocks noGrp="1"/>
+          </p:cNvSpPr>
           <p:nvPr>
-            <p:ph idx="1" type="body"/>
+            <p:ph type="body" idx="1"/>
           </p:nvPr>
         </p:nvSpPr>
         <p:spPr>
@@ -882,12 +910,12 @@
           </a:prstGeom>
         </p:spPr>
         <p:txBody>
-          <a:bodyPr anchorCtr="0" anchor="t" bIns="91425" lIns="91425" spcFirstLastPara="1" rIns="91425" wrap="square" tIns="91425">
+          <a:bodyPr spcFirstLastPara="1" wrap="square" lIns="91425" tIns="91425" rIns="91425" bIns="91425" anchor="t" anchorCtr="0">
             <a:noAutofit/>
           </a:bodyPr>
           <a:lstStyle/>
           <a:p>
-            <a:pPr indent="0" lvl="0" marL="0" rtl="0" algn="l">
+            <a:pPr marL="0" lvl="0" indent="0" algn="l" rtl="0">
               <a:spcBef>
                 <a:spcPts val="0"/>
               </a:spcBef>
@@ -896,9 +924,6 @@
               </a:spcAft>
               <a:buNone/>
             </a:pPr>
-            <a:r>
-              <a:t/>
-            </a:r>
             <a:endParaRPr/>
           </a:p>
         </p:txBody>
@@ -912,11 +937,11 @@
 </file>
 
 <file path=ppt/notesSlides/notesSlide11.xml><?xml version="1.0" encoding="utf-8"?>
-<p:notes xmlns:a="http://schemas.openxmlformats.org/drawingml/2006/main" xmlns:r="http://schemas.openxmlformats.org/officeDocument/2006/relationships" xmlns:mc="http://schemas.openxmlformats.org/markup-compatibility/2006" xmlns:mv="urn:schemas-microsoft-com:mac:vml" xmlns:p="http://schemas.openxmlformats.org/presentationml/2006/main" xmlns:c="http://schemas.openxmlformats.org/drawingml/2006/chart" xmlns:dgm="http://schemas.openxmlformats.org/drawingml/2006/diagram" xmlns:o="urn:schemas-microsoft-com:office:office" xmlns:v="urn:schemas-microsoft-com:vml" xmlns:pvml="urn:schemas-microsoft-com:office:powerpoint" xmlns:com="http://schemas.openxmlformats.org/drawingml/2006/compatibility" xmlns:p14="http://schemas.microsoft.com/office/powerpoint/2010/main" xmlns:p15="http://schemas.microsoft.com/office/powerpoint/2012/main" showMasterPhAnim="0" showMasterSp="0">
+<p:notes xmlns:a="http://schemas.openxmlformats.org/drawingml/2006/main" xmlns:r="http://schemas.openxmlformats.org/officeDocument/2006/relationships" xmlns:p="http://schemas.openxmlformats.org/presentationml/2006/main" showMasterSp="0" showMasterPhAnim="0">
   <p:cSld>
     <p:spTree>
       <p:nvGrpSpPr>
-        <p:cNvPr id="129" name="Shape 129"/>
+        <p:cNvPr id="1" name="Shape 129"/>
         <p:cNvGrpSpPr/>
         <p:nvPr/>
       </p:nvGrpSpPr>
@@ -931,9 +956,11 @@
       <p:sp>
         <p:nvSpPr>
           <p:cNvPr id="130" name="Google Shape;130;g471c54f961_0_0:notes"/>
-          <p:cNvSpPr/>
+          <p:cNvSpPr>
+            <a:spLocks noGrp="1" noRot="1" noChangeAspect="1"/>
+          </p:cNvSpPr>
           <p:nvPr>
-            <p:ph idx="2" type="sldImg"/>
+            <p:ph type="sldImg" idx="2"/>
           </p:nvPr>
         </p:nvSpPr>
         <p:spPr>
@@ -942,9 +969,13 @@
             <a:ext cx="6096000" cy="3429000"/>
           </a:xfrm>
           <a:custGeom>
-            <a:rect b="b" l="l" r="r" t="t"/>
+            <a:avLst/>
+            <a:gdLst/>
+            <a:ahLst/>
+            <a:cxnLst/>
+            <a:rect l="l" t="t" r="r" b="b"/>
             <a:pathLst>
-              <a:path extrusionOk="0" h="120000" w="120000">
+              <a:path w="120000" h="120000" extrusionOk="0">
                 <a:moveTo>
                   <a:pt x="0" y="0"/>
                 </a:moveTo>
@@ -966,9 +997,11 @@
       <p:sp>
         <p:nvSpPr>
           <p:cNvPr id="131" name="Google Shape;131;g471c54f961_0_0:notes"/>
-          <p:cNvSpPr txBox="1"/>
+          <p:cNvSpPr txBox="1">
+            <a:spLocks noGrp="1"/>
+          </p:cNvSpPr>
           <p:nvPr>
-            <p:ph idx="1" type="body"/>
+            <p:ph type="body" idx="1"/>
           </p:nvPr>
         </p:nvSpPr>
         <p:spPr>
@@ -981,12 +1014,12 @@
           </a:prstGeom>
         </p:spPr>
         <p:txBody>
-          <a:bodyPr anchorCtr="0" anchor="t" bIns="91425" lIns="91425" spcFirstLastPara="1" rIns="91425" wrap="square" tIns="91425">
+          <a:bodyPr spcFirstLastPara="1" wrap="square" lIns="91425" tIns="91425" rIns="91425" bIns="91425" anchor="t" anchorCtr="0">
             <a:noAutofit/>
           </a:bodyPr>
           <a:lstStyle/>
           <a:p>
-            <a:pPr indent="0" lvl="0" marL="0" rtl="0" algn="l">
+            <a:pPr marL="0" lvl="0" indent="0" algn="l" rtl="0">
               <a:spcBef>
                 <a:spcPts val="0"/>
               </a:spcBef>
@@ -995,9 +1028,6 @@
               </a:spcAft>
               <a:buNone/>
             </a:pPr>
-            <a:r>
-              <a:t/>
-            </a:r>
             <a:endParaRPr/>
           </a:p>
         </p:txBody>
@@ -1011,11 +1041,11 @@
 </file>
 
 <file path=ppt/notesSlides/notesSlide12.xml><?xml version="1.0" encoding="utf-8"?>
-<p:notes xmlns:a="http://schemas.openxmlformats.org/drawingml/2006/main" xmlns:r="http://schemas.openxmlformats.org/officeDocument/2006/relationships" xmlns:mc="http://schemas.openxmlformats.org/markup-compatibility/2006" xmlns:mv="urn:schemas-microsoft-com:mac:vml" xmlns:p="http://schemas.openxmlformats.org/presentationml/2006/main" xmlns:c="http://schemas.openxmlformats.org/drawingml/2006/chart" xmlns:dgm="http://schemas.openxmlformats.org/drawingml/2006/diagram" xmlns:o="urn:schemas-microsoft-com:office:office" xmlns:v="urn:schemas-microsoft-com:vml" xmlns:pvml="urn:schemas-microsoft-com:office:powerpoint" xmlns:com="http://schemas.openxmlformats.org/drawingml/2006/compatibility" xmlns:p14="http://schemas.microsoft.com/office/powerpoint/2010/main" xmlns:p15="http://schemas.microsoft.com/office/powerpoint/2012/main" showMasterPhAnim="0" showMasterSp="0">
+<p:notes xmlns:a="http://schemas.openxmlformats.org/drawingml/2006/main" xmlns:r="http://schemas.openxmlformats.org/officeDocument/2006/relationships" xmlns:p="http://schemas.openxmlformats.org/presentationml/2006/main" showMasterSp="0" showMasterPhAnim="0">
   <p:cSld>
     <p:spTree>
       <p:nvGrpSpPr>
-        <p:cNvPr id="135" name="Shape 135"/>
+        <p:cNvPr id="1" name="Shape 135"/>
         <p:cNvGrpSpPr/>
         <p:nvPr/>
       </p:nvGrpSpPr>
@@ -1030,20 +1060,26 @@
       <p:sp>
         <p:nvSpPr>
           <p:cNvPr id="136" name="Google Shape;136;g417d7ca5f1_0_0:notes"/>
-          <p:cNvSpPr/>
+          <p:cNvSpPr>
+            <a:spLocks noGrp="1" noRot="1" noChangeAspect="1"/>
+          </p:cNvSpPr>
           <p:nvPr>
-            <p:ph idx="2" type="sldImg"/>
+            <p:ph type="sldImg" idx="2"/>
           </p:nvPr>
         </p:nvSpPr>
         <p:spPr>
           <a:xfrm>
-            <a:off x="381300" y="685800"/>
+            <a:off x="381000" y="685800"/>
             <a:ext cx="6096000" cy="3429000"/>
           </a:xfrm>
           <a:custGeom>
-            <a:rect b="b" l="l" r="r" t="t"/>
+            <a:avLst/>
+            <a:gdLst/>
+            <a:ahLst/>
+            <a:cxnLst/>
+            <a:rect l="l" t="t" r="r" b="b"/>
             <a:pathLst>
-              <a:path extrusionOk="0" h="120000" w="120000">
+              <a:path w="120000" h="120000" extrusionOk="0">
                 <a:moveTo>
                   <a:pt x="0" y="0"/>
                 </a:moveTo>
@@ -1065,9 +1101,11 @@
       <p:sp>
         <p:nvSpPr>
           <p:cNvPr id="137" name="Google Shape;137;g417d7ca5f1_0_0:notes"/>
-          <p:cNvSpPr txBox="1"/>
+          <p:cNvSpPr txBox="1">
+            <a:spLocks noGrp="1"/>
+          </p:cNvSpPr>
           <p:nvPr>
-            <p:ph idx="1" type="body"/>
+            <p:ph type="body" idx="1"/>
           </p:nvPr>
         </p:nvSpPr>
         <p:spPr>
@@ -1080,12 +1118,12 @@
           </a:prstGeom>
         </p:spPr>
         <p:txBody>
-          <a:bodyPr anchorCtr="0" anchor="t" bIns="91425" lIns="91425" spcFirstLastPara="1" rIns="91425" wrap="square" tIns="91425">
+          <a:bodyPr spcFirstLastPara="1" wrap="square" lIns="91425" tIns="91425" rIns="91425" bIns="91425" anchor="t" anchorCtr="0">
             <a:noAutofit/>
           </a:bodyPr>
           <a:lstStyle/>
           <a:p>
-            <a:pPr indent="0" lvl="0" marL="0" rtl="0" algn="l">
+            <a:pPr marL="0" lvl="0" indent="0" algn="l" rtl="0">
               <a:spcBef>
                 <a:spcPts val="0"/>
               </a:spcBef>
@@ -1094,9 +1132,6 @@
               </a:spcAft>
               <a:buNone/>
             </a:pPr>
-            <a:r>
-              <a:t/>
-            </a:r>
             <a:endParaRPr/>
           </a:p>
         </p:txBody>
@@ -1110,11 +1145,11 @@
 </file>
 
 <file path=ppt/notesSlides/notesSlide13.xml><?xml version="1.0" encoding="utf-8"?>
-<p:notes xmlns:a="http://schemas.openxmlformats.org/drawingml/2006/main" xmlns:r="http://schemas.openxmlformats.org/officeDocument/2006/relationships" xmlns:mc="http://schemas.openxmlformats.org/markup-compatibility/2006" xmlns:mv="urn:schemas-microsoft-com:mac:vml" xmlns:p="http://schemas.openxmlformats.org/presentationml/2006/main" xmlns:c="http://schemas.openxmlformats.org/drawingml/2006/chart" xmlns:dgm="http://schemas.openxmlformats.org/drawingml/2006/diagram" xmlns:o="urn:schemas-microsoft-com:office:office" xmlns:v="urn:schemas-microsoft-com:vml" xmlns:pvml="urn:schemas-microsoft-com:office:powerpoint" xmlns:com="http://schemas.openxmlformats.org/drawingml/2006/compatibility" xmlns:p14="http://schemas.microsoft.com/office/powerpoint/2010/main" xmlns:p15="http://schemas.microsoft.com/office/powerpoint/2012/main" showMasterPhAnim="0" showMasterSp="0">
+<p:notes xmlns:a="http://schemas.openxmlformats.org/drawingml/2006/main" xmlns:r="http://schemas.openxmlformats.org/officeDocument/2006/relationships" xmlns:p="http://schemas.openxmlformats.org/presentationml/2006/main" showMasterSp="0" showMasterPhAnim="0">
   <p:cSld>
     <p:spTree>
       <p:nvGrpSpPr>
-        <p:cNvPr id="141" name="Shape 141"/>
+        <p:cNvPr id="1" name="Shape 141"/>
         <p:cNvGrpSpPr/>
         <p:nvPr/>
       </p:nvGrpSpPr>
@@ -1129,9 +1164,11 @@
       <p:sp>
         <p:nvSpPr>
           <p:cNvPr id="142" name="Google Shape;142;g417d7ca5f1_0_5:notes"/>
-          <p:cNvSpPr/>
+          <p:cNvSpPr>
+            <a:spLocks noGrp="1" noRot="1" noChangeAspect="1"/>
+          </p:cNvSpPr>
           <p:nvPr>
-            <p:ph idx="2" type="sldImg"/>
+            <p:ph type="sldImg" idx="2"/>
           </p:nvPr>
         </p:nvSpPr>
         <p:spPr>
@@ -1140,9 +1177,13 @@
             <a:ext cx="6096000" cy="3429000"/>
           </a:xfrm>
           <a:custGeom>
-            <a:rect b="b" l="l" r="r" t="t"/>
+            <a:avLst/>
+            <a:gdLst/>
+            <a:ahLst/>
+            <a:cxnLst/>
+            <a:rect l="l" t="t" r="r" b="b"/>
             <a:pathLst>
-              <a:path extrusionOk="0" h="120000" w="120000">
+              <a:path w="120000" h="120000" extrusionOk="0">
                 <a:moveTo>
                   <a:pt x="0" y="0"/>
                 </a:moveTo>
@@ -1164,9 +1205,11 @@
       <p:sp>
         <p:nvSpPr>
           <p:cNvPr id="143" name="Google Shape;143;g417d7ca5f1_0_5:notes"/>
-          <p:cNvSpPr txBox="1"/>
+          <p:cNvSpPr txBox="1">
+            <a:spLocks noGrp="1"/>
+          </p:cNvSpPr>
           <p:nvPr>
-            <p:ph idx="1" type="body"/>
+            <p:ph type="body" idx="1"/>
           </p:nvPr>
         </p:nvSpPr>
         <p:spPr>
@@ -1179,12 +1222,12 @@
           </a:prstGeom>
         </p:spPr>
         <p:txBody>
-          <a:bodyPr anchorCtr="0" anchor="t" bIns="91425" lIns="91425" spcFirstLastPara="1" rIns="91425" wrap="square" tIns="91425">
+          <a:bodyPr spcFirstLastPara="1" wrap="square" lIns="91425" tIns="91425" rIns="91425" bIns="91425" anchor="t" anchorCtr="0">
             <a:noAutofit/>
           </a:bodyPr>
           <a:lstStyle/>
           <a:p>
-            <a:pPr indent="0" lvl="0" marL="0" rtl="0" algn="l">
+            <a:pPr marL="0" lvl="0" indent="0" algn="l" rtl="0">
               <a:spcBef>
                 <a:spcPts val="0"/>
               </a:spcBef>
@@ -1193,9 +1236,6 @@
               </a:spcAft>
               <a:buNone/>
             </a:pPr>
-            <a:r>
-              <a:t/>
-            </a:r>
             <a:endParaRPr/>
           </a:p>
         </p:txBody>
@@ -1209,11 +1249,11 @@
 </file>
 
 <file path=ppt/notesSlides/notesSlide14.xml><?xml version="1.0" encoding="utf-8"?>
-<p:notes xmlns:a="http://schemas.openxmlformats.org/drawingml/2006/main" xmlns:r="http://schemas.openxmlformats.org/officeDocument/2006/relationships" xmlns:mc="http://schemas.openxmlformats.org/markup-compatibility/2006" xmlns:mv="urn:schemas-microsoft-com:mac:vml" xmlns:p="http://schemas.openxmlformats.org/presentationml/2006/main" xmlns:c="http://schemas.openxmlformats.org/drawingml/2006/chart" xmlns:dgm="http://schemas.openxmlformats.org/drawingml/2006/diagram" xmlns:o="urn:schemas-microsoft-com:office:office" xmlns:v="urn:schemas-microsoft-com:vml" xmlns:pvml="urn:schemas-microsoft-com:office:powerpoint" xmlns:com="http://schemas.openxmlformats.org/drawingml/2006/compatibility" xmlns:p14="http://schemas.microsoft.com/office/powerpoint/2010/main" xmlns:p15="http://schemas.microsoft.com/office/powerpoint/2012/main" showMasterPhAnim="0" showMasterSp="0">
+<p:notes xmlns:a="http://schemas.openxmlformats.org/drawingml/2006/main" xmlns:r="http://schemas.openxmlformats.org/officeDocument/2006/relationships" xmlns:p="http://schemas.openxmlformats.org/presentationml/2006/main" showMasterSp="0" showMasterPhAnim="0">
   <p:cSld>
     <p:spTree>
       <p:nvGrpSpPr>
-        <p:cNvPr id="154" name="Shape 154"/>
+        <p:cNvPr id="1" name="Shape 154"/>
         <p:cNvGrpSpPr/>
         <p:nvPr/>
       </p:nvGrpSpPr>
@@ -1228,20 +1268,26 @@
       <p:sp>
         <p:nvSpPr>
           <p:cNvPr id="155" name="Google Shape;155;g417d7ca5f1_0_10:notes"/>
-          <p:cNvSpPr/>
+          <p:cNvSpPr>
+            <a:spLocks noGrp="1" noRot="1" noChangeAspect="1"/>
+          </p:cNvSpPr>
           <p:nvPr>
-            <p:ph idx="2" type="sldImg"/>
+            <p:ph type="sldImg" idx="2"/>
           </p:nvPr>
         </p:nvSpPr>
         <p:spPr>
           <a:xfrm>
-            <a:off x="381300" y="685800"/>
+            <a:off x="381000" y="685800"/>
             <a:ext cx="6096000" cy="3429000"/>
           </a:xfrm>
           <a:custGeom>
-            <a:rect b="b" l="l" r="r" t="t"/>
+            <a:avLst/>
+            <a:gdLst/>
+            <a:ahLst/>
+            <a:cxnLst/>
+            <a:rect l="l" t="t" r="r" b="b"/>
             <a:pathLst>
-              <a:path extrusionOk="0" h="120000" w="120000">
+              <a:path w="120000" h="120000" extrusionOk="0">
                 <a:moveTo>
                   <a:pt x="0" y="0"/>
                 </a:moveTo>
@@ -1263,9 +1309,11 @@
       <p:sp>
         <p:nvSpPr>
           <p:cNvPr id="156" name="Google Shape;156;g417d7ca5f1_0_10:notes"/>
-          <p:cNvSpPr txBox="1"/>
+          <p:cNvSpPr txBox="1">
+            <a:spLocks noGrp="1"/>
+          </p:cNvSpPr>
           <p:nvPr>
-            <p:ph idx="1" type="body"/>
+            <p:ph type="body" idx="1"/>
           </p:nvPr>
         </p:nvSpPr>
         <p:spPr>
@@ -1278,12 +1326,12 @@
           </a:prstGeom>
         </p:spPr>
         <p:txBody>
-          <a:bodyPr anchorCtr="0" anchor="t" bIns="91425" lIns="91425" spcFirstLastPara="1" rIns="91425" wrap="square" tIns="91425">
+          <a:bodyPr spcFirstLastPara="1" wrap="square" lIns="91425" tIns="91425" rIns="91425" bIns="91425" anchor="t" anchorCtr="0">
             <a:noAutofit/>
           </a:bodyPr>
           <a:lstStyle/>
           <a:p>
-            <a:pPr indent="0" lvl="0" marL="0" rtl="0" algn="l">
+            <a:pPr marL="0" lvl="0" indent="0" algn="l" rtl="0">
               <a:spcBef>
                 <a:spcPts val="0"/>
               </a:spcBef>
@@ -1292,9 +1340,6 @@
               </a:spcAft>
               <a:buNone/>
             </a:pPr>
-            <a:r>
-              <a:t/>
-            </a:r>
             <a:endParaRPr/>
           </a:p>
         </p:txBody>
@@ -1308,11 +1353,11 @@
 </file>
 
 <file path=ppt/notesSlides/notesSlide15.xml><?xml version="1.0" encoding="utf-8"?>
-<p:notes xmlns:a="http://schemas.openxmlformats.org/drawingml/2006/main" xmlns:r="http://schemas.openxmlformats.org/officeDocument/2006/relationships" xmlns:mc="http://schemas.openxmlformats.org/markup-compatibility/2006" xmlns:mv="urn:schemas-microsoft-com:mac:vml" xmlns:p="http://schemas.openxmlformats.org/presentationml/2006/main" xmlns:c="http://schemas.openxmlformats.org/drawingml/2006/chart" xmlns:dgm="http://schemas.openxmlformats.org/drawingml/2006/diagram" xmlns:o="urn:schemas-microsoft-com:office:office" xmlns:v="urn:schemas-microsoft-com:vml" xmlns:pvml="urn:schemas-microsoft-com:office:powerpoint" xmlns:com="http://schemas.openxmlformats.org/drawingml/2006/compatibility" xmlns:p14="http://schemas.microsoft.com/office/powerpoint/2010/main" xmlns:p15="http://schemas.microsoft.com/office/powerpoint/2012/main" showMasterPhAnim="0" showMasterSp="0">
+<p:notes xmlns:a="http://schemas.openxmlformats.org/drawingml/2006/main" xmlns:r="http://schemas.openxmlformats.org/officeDocument/2006/relationships" xmlns:p="http://schemas.openxmlformats.org/presentationml/2006/main" showMasterSp="0" showMasterPhAnim="0">
   <p:cSld>
     <p:spTree>
       <p:nvGrpSpPr>
-        <p:cNvPr id="160" name="Shape 160"/>
+        <p:cNvPr id="1" name="Shape 160"/>
         <p:cNvGrpSpPr/>
         <p:nvPr/>
       </p:nvGrpSpPr>
@@ -1327,20 +1372,26 @@
       <p:sp>
         <p:nvSpPr>
           <p:cNvPr id="161" name="Google Shape;161;g417d7ca5f1_0_15:notes"/>
-          <p:cNvSpPr/>
+          <p:cNvSpPr>
+            <a:spLocks noGrp="1" noRot="1" noChangeAspect="1"/>
+          </p:cNvSpPr>
           <p:nvPr>
-            <p:ph idx="2" type="sldImg"/>
+            <p:ph type="sldImg" idx="2"/>
           </p:nvPr>
         </p:nvSpPr>
         <p:spPr>
           <a:xfrm>
-            <a:off x="381300" y="685800"/>
+            <a:off x="381000" y="685800"/>
             <a:ext cx="6096000" cy="3429000"/>
           </a:xfrm>
           <a:custGeom>
-            <a:rect b="b" l="l" r="r" t="t"/>
+            <a:avLst/>
+            <a:gdLst/>
+            <a:ahLst/>
+            <a:cxnLst/>
+            <a:rect l="l" t="t" r="r" b="b"/>
             <a:pathLst>
-              <a:path extrusionOk="0" h="120000" w="120000">
+              <a:path w="120000" h="120000" extrusionOk="0">
                 <a:moveTo>
                   <a:pt x="0" y="0"/>
                 </a:moveTo>
@@ -1362,9 +1413,11 @@
       <p:sp>
         <p:nvSpPr>
           <p:cNvPr id="162" name="Google Shape;162;g417d7ca5f1_0_15:notes"/>
-          <p:cNvSpPr txBox="1"/>
+          <p:cNvSpPr txBox="1">
+            <a:spLocks noGrp="1"/>
+          </p:cNvSpPr>
           <p:nvPr>
-            <p:ph idx="1" type="body"/>
+            <p:ph type="body" idx="1"/>
           </p:nvPr>
         </p:nvSpPr>
         <p:spPr>
@@ -1377,12 +1430,12 @@
           </a:prstGeom>
         </p:spPr>
         <p:txBody>
-          <a:bodyPr anchorCtr="0" anchor="t" bIns="91425" lIns="91425" spcFirstLastPara="1" rIns="91425" wrap="square" tIns="91425">
+          <a:bodyPr spcFirstLastPara="1" wrap="square" lIns="91425" tIns="91425" rIns="91425" bIns="91425" anchor="t" anchorCtr="0">
             <a:noAutofit/>
           </a:bodyPr>
           <a:lstStyle/>
           <a:p>
-            <a:pPr indent="0" lvl="0" marL="0" rtl="0" algn="l">
+            <a:pPr marL="0" lvl="0" indent="0" algn="l" rtl="0">
               <a:spcBef>
                 <a:spcPts val="0"/>
               </a:spcBef>
@@ -1391,9 +1444,6 @@
               </a:spcAft>
               <a:buNone/>
             </a:pPr>
-            <a:r>
-              <a:t/>
-            </a:r>
             <a:endParaRPr/>
           </a:p>
         </p:txBody>
@@ -1407,11 +1457,11 @@
 </file>
 
 <file path=ppt/notesSlides/notesSlide16.xml><?xml version="1.0" encoding="utf-8"?>
-<p:notes xmlns:a="http://schemas.openxmlformats.org/drawingml/2006/main" xmlns:r="http://schemas.openxmlformats.org/officeDocument/2006/relationships" xmlns:mc="http://schemas.openxmlformats.org/markup-compatibility/2006" xmlns:mv="urn:schemas-microsoft-com:mac:vml" xmlns:p="http://schemas.openxmlformats.org/presentationml/2006/main" xmlns:c="http://schemas.openxmlformats.org/drawingml/2006/chart" xmlns:dgm="http://schemas.openxmlformats.org/drawingml/2006/diagram" xmlns:o="urn:schemas-microsoft-com:office:office" xmlns:v="urn:schemas-microsoft-com:vml" xmlns:pvml="urn:schemas-microsoft-com:office:powerpoint" xmlns:com="http://schemas.openxmlformats.org/drawingml/2006/compatibility" xmlns:p14="http://schemas.microsoft.com/office/powerpoint/2010/main" xmlns:p15="http://schemas.microsoft.com/office/powerpoint/2012/main" showMasterPhAnim="0" showMasterSp="0">
+<p:notes xmlns:a="http://schemas.openxmlformats.org/drawingml/2006/main" xmlns:r="http://schemas.openxmlformats.org/officeDocument/2006/relationships" xmlns:p="http://schemas.openxmlformats.org/presentationml/2006/main" showMasterSp="0" showMasterPhAnim="0">
   <p:cSld>
     <p:spTree>
       <p:nvGrpSpPr>
-        <p:cNvPr id="167" name="Shape 167"/>
+        <p:cNvPr id="1" name="Shape 167"/>
         <p:cNvGrpSpPr/>
         <p:nvPr/>
       </p:nvGrpSpPr>
@@ -1426,20 +1476,26 @@
       <p:sp>
         <p:nvSpPr>
           <p:cNvPr id="168" name="Google Shape;168;g474b683b8e_0_1:notes"/>
-          <p:cNvSpPr/>
+          <p:cNvSpPr>
+            <a:spLocks noGrp="1" noRot="1" noChangeAspect="1"/>
+          </p:cNvSpPr>
           <p:nvPr>
-            <p:ph idx="2" type="sldImg"/>
+            <p:ph type="sldImg" idx="2"/>
           </p:nvPr>
         </p:nvSpPr>
         <p:spPr>
           <a:xfrm>
-            <a:off x="381300" y="685800"/>
+            <a:off x="381000" y="685800"/>
             <a:ext cx="6096000" cy="3429000"/>
           </a:xfrm>
           <a:custGeom>
-            <a:rect b="b" l="l" r="r" t="t"/>
+            <a:avLst/>
+            <a:gdLst/>
+            <a:ahLst/>
+            <a:cxnLst/>
+            <a:rect l="l" t="t" r="r" b="b"/>
             <a:pathLst>
-              <a:path extrusionOk="0" h="120000" w="120000">
+              <a:path w="120000" h="120000" extrusionOk="0">
                 <a:moveTo>
                   <a:pt x="0" y="0"/>
                 </a:moveTo>
@@ -1461,9 +1517,11 @@
       <p:sp>
         <p:nvSpPr>
           <p:cNvPr id="169" name="Google Shape;169;g474b683b8e_0_1:notes"/>
-          <p:cNvSpPr txBox="1"/>
+          <p:cNvSpPr txBox="1">
+            <a:spLocks noGrp="1"/>
+          </p:cNvSpPr>
           <p:nvPr>
-            <p:ph idx="1" type="body"/>
+            <p:ph type="body" idx="1"/>
           </p:nvPr>
         </p:nvSpPr>
         <p:spPr>
@@ -1476,12 +1534,12 @@
           </a:prstGeom>
         </p:spPr>
         <p:txBody>
-          <a:bodyPr anchorCtr="0" anchor="t" bIns="91425" lIns="91425" spcFirstLastPara="1" rIns="91425" wrap="square" tIns="91425">
+          <a:bodyPr spcFirstLastPara="1" wrap="square" lIns="91425" tIns="91425" rIns="91425" bIns="91425" anchor="t" anchorCtr="0">
             <a:noAutofit/>
           </a:bodyPr>
           <a:lstStyle/>
           <a:p>
-            <a:pPr indent="0" lvl="0" marL="0" rtl="0" algn="l">
+            <a:pPr marL="0" lvl="0" indent="0" algn="l" rtl="0">
               <a:spcBef>
                 <a:spcPts val="0"/>
               </a:spcBef>
@@ -1490,9 +1548,6 @@
               </a:spcAft>
               <a:buNone/>
             </a:pPr>
-            <a:r>
-              <a:t/>
-            </a:r>
             <a:endParaRPr/>
           </a:p>
         </p:txBody>
@@ -1506,11 +1561,11 @@
 </file>
 
 <file path=ppt/notesSlides/notesSlide17.xml><?xml version="1.0" encoding="utf-8"?>
-<p:notes xmlns:a="http://schemas.openxmlformats.org/drawingml/2006/main" xmlns:r="http://schemas.openxmlformats.org/officeDocument/2006/relationships" xmlns:mc="http://schemas.openxmlformats.org/markup-compatibility/2006" xmlns:mv="urn:schemas-microsoft-com:mac:vml" xmlns:p="http://schemas.openxmlformats.org/presentationml/2006/main" xmlns:c="http://schemas.openxmlformats.org/drawingml/2006/chart" xmlns:dgm="http://schemas.openxmlformats.org/drawingml/2006/diagram" xmlns:o="urn:schemas-microsoft-com:office:office" xmlns:v="urn:schemas-microsoft-com:vml" xmlns:pvml="urn:schemas-microsoft-com:office:powerpoint" xmlns:com="http://schemas.openxmlformats.org/drawingml/2006/compatibility" xmlns:p14="http://schemas.microsoft.com/office/powerpoint/2010/main" xmlns:p15="http://schemas.microsoft.com/office/powerpoint/2012/main" showMasterPhAnim="0" showMasterSp="0">
+<p:notes xmlns:a="http://schemas.openxmlformats.org/drawingml/2006/main" xmlns:r="http://schemas.openxmlformats.org/officeDocument/2006/relationships" xmlns:p="http://schemas.openxmlformats.org/presentationml/2006/main" showMasterSp="0" showMasterPhAnim="0">
   <p:cSld>
     <p:spTree>
       <p:nvGrpSpPr>
-        <p:cNvPr id="174" name="Shape 174"/>
+        <p:cNvPr id="1" name="Shape 174"/>
         <p:cNvGrpSpPr/>
         <p:nvPr/>
       </p:nvGrpSpPr>
@@ -1525,9 +1580,11 @@
       <p:sp>
         <p:nvSpPr>
           <p:cNvPr id="175" name="Google Shape;175;g474b683b8e_1_11:notes"/>
-          <p:cNvSpPr/>
+          <p:cNvSpPr>
+            <a:spLocks noGrp="1" noRot="1" noChangeAspect="1"/>
+          </p:cNvSpPr>
           <p:nvPr>
-            <p:ph idx="2" type="sldImg"/>
+            <p:ph type="sldImg" idx="2"/>
           </p:nvPr>
         </p:nvSpPr>
         <p:spPr>
@@ -1536,9 +1593,13 @@
             <a:ext cx="6096000" cy="3429000"/>
           </a:xfrm>
           <a:custGeom>
-            <a:rect b="b" l="l" r="r" t="t"/>
+            <a:avLst/>
+            <a:gdLst/>
+            <a:ahLst/>
+            <a:cxnLst/>
+            <a:rect l="l" t="t" r="r" b="b"/>
             <a:pathLst>
-              <a:path extrusionOk="0" h="120000" w="120000">
+              <a:path w="120000" h="120000" extrusionOk="0">
                 <a:moveTo>
                   <a:pt x="0" y="0"/>
                 </a:moveTo>
@@ -1560,9 +1621,11 @@
       <p:sp>
         <p:nvSpPr>
           <p:cNvPr id="176" name="Google Shape;176;g474b683b8e_1_11:notes"/>
-          <p:cNvSpPr txBox="1"/>
+          <p:cNvSpPr txBox="1">
+            <a:spLocks noGrp="1"/>
+          </p:cNvSpPr>
           <p:nvPr>
-            <p:ph idx="1" type="body"/>
+            <p:ph type="body" idx="1"/>
           </p:nvPr>
         </p:nvSpPr>
         <p:spPr>
@@ -1575,12 +1638,12 @@
           </a:prstGeom>
         </p:spPr>
         <p:txBody>
-          <a:bodyPr anchorCtr="0" anchor="t" bIns="91425" lIns="91425" spcFirstLastPara="1" rIns="91425" wrap="square" tIns="91425">
+          <a:bodyPr spcFirstLastPara="1" wrap="square" lIns="91425" tIns="91425" rIns="91425" bIns="91425" anchor="t" anchorCtr="0">
             <a:noAutofit/>
           </a:bodyPr>
           <a:lstStyle/>
           <a:p>
-            <a:pPr indent="0" lvl="0" marL="0" rtl="0" algn="l">
+            <a:pPr marL="0" lvl="0" indent="0" algn="l" rtl="0">
               <a:spcBef>
                 <a:spcPts val="0"/>
               </a:spcBef>
@@ -1589,9 +1652,6 @@
               </a:spcAft>
               <a:buNone/>
             </a:pPr>
-            <a:r>
-              <a:t/>
-            </a:r>
             <a:endParaRPr/>
           </a:p>
         </p:txBody>
@@ -1605,11 +1665,11 @@
 </file>
 
 <file path=ppt/notesSlides/notesSlide18.xml><?xml version="1.0" encoding="utf-8"?>
-<p:notes xmlns:a="http://schemas.openxmlformats.org/drawingml/2006/main" xmlns:r="http://schemas.openxmlformats.org/officeDocument/2006/relationships" xmlns:mc="http://schemas.openxmlformats.org/markup-compatibility/2006" xmlns:mv="urn:schemas-microsoft-com:mac:vml" xmlns:p="http://schemas.openxmlformats.org/presentationml/2006/main" xmlns:c="http://schemas.openxmlformats.org/drawingml/2006/chart" xmlns:dgm="http://schemas.openxmlformats.org/drawingml/2006/diagram" xmlns:o="urn:schemas-microsoft-com:office:office" xmlns:v="urn:schemas-microsoft-com:vml" xmlns:pvml="urn:schemas-microsoft-com:office:powerpoint" xmlns:com="http://schemas.openxmlformats.org/drawingml/2006/compatibility" xmlns:p14="http://schemas.microsoft.com/office/powerpoint/2010/main" xmlns:p15="http://schemas.microsoft.com/office/powerpoint/2012/main" showMasterPhAnim="0" showMasterSp="0">
+<p:notes xmlns:a="http://schemas.openxmlformats.org/drawingml/2006/main" xmlns:r="http://schemas.openxmlformats.org/officeDocument/2006/relationships" xmlns:p="http://schemas.openxmlformats.org/presentationml/2006/main" showMasterSp="0" showMasterPhAnim="0">
   <p:cSld>
     <p:spTree>
       <p:nvGrpSpPr>
-        <p:cNvPr id="183" name="Shape 183"/>
+        <p:cNvPr id="1" name="Shape 183"/>
         <p:cNvGrpSpPr/>
         <p:nvPr/>
       </p:nvGrpSpPr>
@@ -1624,20 +1684,26 @@
       <p:sp>
         <p:nvSpPr>
           <p:cNvPr id="184" name="Google Shape;184;g474b683b8e_1_16:notes"/>
-          <p:cNvSpPr/>
+          <p:cNvSpPr>
+            <a:spLocks noGrp="1" noRot="1" noChangeAspect="1"/>
+          </p:cNvSpPr>
           <p:nvPr>
-            <p:ph idx="2" type="sldImg"/>
+            <p:ph type="sldImg" idx="2"/>
           </p:nvPr>
         </p:nvSpPr>
         <p:spPr>
           <a:xfrm>
-            <a:off x="381300" y="685800"/>
+            <a:off x="381000" y="685800"/>
             <a:ext cx="6096000" cy="3429000"/>
           </a:xfrm>
           <a:custGeom>
-            <a:rect b="b" l="l" r="r" t="t"/>
+            <a:avLst/>
+            <a:gdLst/>
+            <a:ahLst/>
+            <a:cxnLst/>
+            <a:rect l="l" t="t" r="r" b="b"/>
             <a:pathLst>
-              <a:path extrusionOk="0" h="120000" w="120000">
+              <a:path w="120000" h="120000" extrusionOk="0">
                 <a:moveTo>
                   <a:pt x="0" y="0"/>
                 </a:moveTo>
@@ -1659,9 +1725,11 @@
       <p:sp>
         <p:nvSpPr>
           <p:cNvPr id="185" name="Google Shape;185;g474b683b8e_1_16:notes"/>
-          <p:cNvSpPr txBox="1"/>
+          <p:cNvSpPr txBox="1">
+            <a:spLocks noGrp="1"/>
+          </p:cNvSpPr>
           <p:nvPr>
-            <p:ph idx="1" type="body"/>
+            <p:ph type="body" idx="1"/>
           </p:nvPr>
         </p:nvSpPr>
         <p:spPr>
@@ -1674,12 +1742,12 @@
           </a:prstGeom>
         </p:spPr>
         <p:txBody>
-          <a:bodyPr anchorCtr="0" anchor="t" bIns="91425" lIns="91425" spcFirstLastPara="1" rIns="91425" wrap="square" tIns="91425">
+          <a:bodyPr spcFirstLastPara="1" wrap="square" lIns="91425" tIns="91425" rIns="91425" bIns="91425" anchor="t" anchorCtr="0">
             <a:noAutofit/>
           </a:bodyPr>
           <a:lstStyle/>
           <a:p>
-            <a:pPr indent="0" lvl="0" marL="0" rtl="0" algn="l">
+            <a:pPr marL="0" lvl="0" indent="0" algn="l" rtl="0">
               <a:spcBef>
                 <a:spcPts val="0"/>
               </a:spcBef>
@@ -1688,9 +1756,6 @@
               </a:spcAft>
               <a:buNone/>
             </a:pPr>
-            <a:r>
-              <a:t/>
-            </a:r>
             <a:endParaRPr/>
           </a:p>
         </p:txBody>
@@ -1704,11 +1769,11 @@
 </file>
 
 <file path=ppt/notesSlides/notesSlide19.xml><?xml version="1.0" encoding="utf-8"?>
-<p:notes xmlns:a="http://schemas.openxmlformats.org/drawingml/2006/main" xmlns:r="http://schemas.openxmlformats.org/officeDocument/2006/relationships" xmlns:mc="http://schemas.openxmlformats.org/markup-compatibility/2006" xmlns:mv="urn:schemas-microsoft-com:mac:vml" xmlns:p="http://schemas.openxmlformats.org/presentationml/2006/main" xmlns:c="http://schemas.openxmlformats.org/drawingml/2006/chart" xmlns:dgm="http://schemas.openxmlformats.org/drawingml/2006/diagram" xmlns:o="urn:schemas-microsoft-com:office:office" xmlns:v="urn:schemas-microsoft-com:vml" xmlns:pvml="urn:schemas-microsoft-com:office:powerpoint" xmlns:com="http://schemas.openxmlformats.org/drawingml/2006/compatibility" xmlns:p14="http://schemas.microsoft.com/office/powerpoint/2010/main" xmlns:p15="http://schemas.microsoft.com/office/powerpoint/2012/main" showMasterPhAnim="0" showMasterSp="0">
+<p:notes xmlns:a="http://schemas.openxmlformats.org/drawingml/2006/main" xmlns:r="http://schemas.openxmlformats.org/officeDocument/2006/relationships" xmlns:p="http://schemas.openxmlformats.org/presentationml/2006/main" showMasterSp="0" showMasterPhAnim="0">
   <p:cSld>
     <p:spTree>
       <p:nvGrpSpPr>
-        <p:cNvPr id="190" name="Shape 190"/>
+        <p:cNvPr id="1" name="Shape 190"/>
         <p:cNvGrpSpPr/>
         <p:nvPr/>
       </p:nvGrpSpPr>
@@ -1723,20 +1788,26 @@
       <p:sp>
         <p:nvSpPr>
           <p:cNvPr id="191" name="Google Shape;191;g474b683b8e_1_22:notes"/>
-          <p:cNvSpPr/>
+          <p:cNvSpPr>
+            <a:spLocks noGrp="1" noRot="1" noChangeAspect="1"/>
+          </p:cNvSpPr>
           <p:nvPr>
-            <p:ph idx="2" type="sldImg"/>
+            <p:ph type="sldImg" idx="2"/>
           </p:nvPr>
         </p:nvSpPr>
         <p:spPr>
           <a:xfrm>
-            <a:off x="381300" y="685800"/>
+            <a:off x="381000" y="685800"/>
             <a:ext cx="6096000" cy="3429000"/>
           </a:xfrm>
           <a:custGeom>
-            <a:rect b="b" l="l" r="r" t="t"/>
+            <a:avLst/>
+            <a:gdLst/>
+            <a:ahLst/>
+            <a:cxnLst/>
+            <a:rect l="l" t="t" r="r" b="b"/>
             <a:pathLst>
-              <a:path extrusionOk="0" h="120000" w="120000">
+              <a:path w="120000" h="120000" extrusionOk="0">
                 <a:moveTo>
                   <a:pt x="0" y="0"/>
                 </a:moveTo>
@@ -1758,9 +1829,11 @@
       <p:sp>
         <p:nvSpPr>
           <p:cNvPr id="192" name="Google Shape;192;g474b683b8e_1_22:notes"/>
-          <p:cNvSpPr txBox="1"/>
+          <p:cNvSpPr txBox="1">
+            <a:spLocks noGrp="1"/>
+          </p:cNvSpPr>
           <p:nvPr>
-            <p:ph idx="1" type="body"/>
+            <p:ph type="body" idx="1"/>
           </p:nvPr>
         </p:nvSpPr>
         <p:spPr>
@@ -1773,12 +1846,12 @@
           </a:prstGeom>
         </p:spPr>
         <p:txBody>
-          <a:bodyPr anchorCtr="0" anchor="t" bIns="91425" lIns="91425" spcFirstLastPara="1" rIns="91425" wrap="square" tIns="91425">
+          <a:bodyPr spcFirstLastPara="1" wrap="square" lIns="91425" tIns="91425" rIns="91425" bIns="91425" anchor="t" anchorCtr="0">
             <a:noAutofit/>
           </a:bodyPr>
           <a:lstStyle/>
           <a:p>
-            <a:pPr indent="0" lvl="0" marL="0" rtl="0" algn="l">
+            <a:pPr marL="0" lvl="0" indent="0" algn="l" rtl="0">
               <a:spcBef>
                 <a:spcPts val="0"/>
               </a:spcBef>
@@ -1787,9 +1860,6 @@
               </a:spcAft>
               <a:buNone/>
             </a:pPr>
-            <a:r>
-              <a:t/>
-            </a:r>
             <a:endParaRPr/>
           </a:p>
         </p:txBody>
@@ -1803,11 +1873,11 @@
 </file>
 
 <file path=ppt/notesSlides/notesSlide2.xml><?xml version="1.0" encoding="utf-8"?>
-<p:notes xmlns:a="http://schemas.openxmlformats.org/drawingml/2006/main" xmlns:r="http://schemas.openxmlformats.org/officeDocument/2006/relationships" xmlns:mc="http://schemas.openxmlformats.org/markup-compatibility/2006" xmlns:mv="urn:schemas-microsoft-com:mac:vml" xmlns:p="http://schemas.openxmlformats.org/presentationml/2006/main" xmlns:c="http://schemas.openxmlformats.org/drawingml/2006/chart" xmlns:dgm="http://schemas.openxmlformats.org/drawingml/2006/diagram" xmlns:o="urn:schemas-microsoft-com:office:office" xmlns:v="urn:schemas-microsoft-com:vml" xmlns:pvml="urn:schemas-microsoft-com:office:powerpoint" xmlns:com="http://schemas.openxmlformats.org/drawingml/2006/compatibility" xmlns:p14="http://schemas.microsoft.com/office/powerpoint/2010/main" xmlns:p15="http://schemas.microsoft.com/office/powerpoint/2012/main" showMasterPhAnim="0" showMasterSp="0">
+<p:notes xmlns:a="http://schemas.openxmlformats.org/drawingml/2006/main" xmlns:r="http://schemas.openxmlformats.org/officeDocument/2006/relationships" xmlns:p="http://schemas.openxmlformats.org/presentationml/2006/main" showMasterSp="0" showMasterPhAnim="0">
   <p:cSld>
     <p:spTree>
       <p:nvGrpSpPr>
-        <p:cNvPr id="61" name="Shape 61"/>
+        <p:cNvPr id="1" name="Shape 61"/>
         <p:cNvGrpSpPr/>
         <p:nvPr/>
       </p:nvGrpSpPr>
@@ -1822,9 +1892,11 @@
       <p:sp>
         <p:nvSpPr>
           <p:cNvPr id="62" name="Google Shape;62;g47231514e0_1_0:notes"/>
-          <p:cNvSpPr/>
+          <p:cNvSpPr>
+            <a:spLocks noGrp="1" noRot="1" noChangeAspect="1"/>
+          </p:cNvSpPr>
           <p:nvPr>
-            <p:ph idx="2" type="sldImg"/>
+            <p:ph type="sldImg" idx="2"/>
           </p:nvPr>
         </p:nvSpPr>
         <p:spPr>
@@ -1833,9 +1905,13 @@
             <a:ext cx="6096000" cy="3429000"/>
           </a:xfrm>
           <a:custGeom>
-            <a:rect b="b" l="l" r="r" t="t"/>
+            <a:avLst/>
+            <a:gdLst/>
+            <a:ahLst/>
+            <a:cxnLst/>
+            <a:rect l="l" t="t" r="r" b="b"/>
             <a:pathLst>
-              <a:path extrusionOk="0" h="120000" w="120000">
+              <a:path w="120000" h="120000" extrusionOk="0">
                 <a:moveTo>
                   <a:pt x="0" y="0"/>
                 </a:moveTo>
@@ -1857,9 +1933,11 @@
       <p:sp>
         <p:nvSpPr>
           <p:cNvPr id="63" name="Google Shape;63;g47231514e0_1_0:notes"/>
-          <p:cNvSpPr txBox="1"/>
+          <p:cNvSpPr txBox="1">
+            <a:spLocks noGrp="1"/>
+          </p:cNvSpPr>
           <p:nvPr>
-            <p:ph idx="1" type="body"/>
+            <p:ph type="body" idx="1"/>
           </p:nvPr>
         </p:nvSpPr>
         <p:spPr>
@@ -1872,12 +1950,12 @@
           </a:prstGeom>
         </p:spPr>
         <p:txBody>
-          <a:bodyPr anchorCtr="0" anchor="t" bIns="91425" lIns="91425" spcFirstLastPara="1" rIns="91425" wrap="square" tIns="91425">
+          <a:bodyPr spcFirstLastPara="1" wrap="square" lIns="91425" tIns="91425" rIns="91425" bIns="91425" anchor="t" anchorCtr="0">
             <a:noAutofit/>
           </a:bodyPr>
           <a:lstStyle/>
           <a:p>
-            <a:pPr indent="0" lvl="0" marL="0" rtl="0" algn="l">
+            <a:pPr marL="0" lvl="0" indent="0" algn="l" rtl="0">
               <a:spcBef>
                 <a:spcPts val="0"/>
               </a:spcBef>
@@ -1886,9 +1964,6 @@
               </a:spcAft>
               <a:buNone/>
             </a:pPr>
-            <a:r>
-              <a:t/>
-            </a:r>
             <a:endParaRPr/>
           </a:p>
         </p:txBody>
@@ -1902,11 +1977,11 @@
 </file>
 
 <file path=ppt/notesSlides/notesSlide20.xml><?xml version="1.0" encoding="utf-8"?>
-<p:notes xmlns:a="http://schemas.openxmlformats.org/drawingml/2006/main" xmlns:r="http://schemas.openxmlformats.org/officeDocument/2006/relationships" xmlns:mc="http://schemas.openxmlformats.org/markup-compatibility/2006" xmlns:mv="urn:schemas-microsoft-com:mac:vml" xmlns:p="http://schemas.openxmlformats.org/presentationml/2006/main" xmlns:c="http://schemas.openxmlformats.org/drawingml/2006/chart" xmlns:dgm="http://schemas.openxmlformats.org/drawingml/2006/diagram" xmlns:o="urn:schemas-microsoft-com:office:office" xmlns:v="urn:schemas-microsoft-com:vml" xmlns:pvml="urn:schemas-microsoft-com:office:powerpoint" xmlns:com="http://schemas.openxmlformats.org/drawingml/2006/compatibility" xmlns:p14="http://schemas.microsoft.com/office/powerpoint/2010/main" xmlns:p15="http://schemas.microsoft.com/office/powerpoint/2012/main" showMasterPhAnim="0" showMasterSp="0">
+<p:notes xmlns:a="http://schemas.openxmlformats.org/drawingml/2006/main" xmlns:r="http://schemas.openxmlformats.org/officeDocument/2006/relationships" xmlns:p="http://schemas.openxmlformats.org/presentationml/2006/main" showMasterSp="0" showMasterPhAnim="0">
   <p:cSld>
     <p:spTree>
       <p:nvGrpSpPr>
-        <p:cNvPr id="197" name="Shape 197"/>
+        <p:cNvPr id="1" name="Shape 197"/>
         <p:cNvGrpSpPr/>
         <p:nvPr/>
       </p:nvGrpSpPr>
@@ -1921,20 +1996,26 @@
       <p:sp>
         <p:nvSpPr>
           <p:cNvPr id="198" name="Google Shape;198;g474b683b8e_1_28:notes"/>
-          <p:cNvSpPr/>
+          <p:cNvSpPr>
+            <a:spLocks noGrp="1" noRot="1" noChangeAspect="1"/>
+          </p:cNvSpPr>
           <p:nvPr>
-            <p:ph idx="2" type="sldImg"/>
+            <p:ph type="sldImg" idx="2"/>
           </p:nvPr>
         </p:nvSpPr>
         <p:spPr>
           <a:xfrm>
-            <a:off x="381300" y="685800"/>
+            <a:off x="381000" y="685800"/>
             <a:ext cx="6096000" cy="3429000"/>
           </a:xfrm>
           <a:custGeom>
-            <a:rect b="b" l="l" r="r" t="t"/>
+            <a:avLst/>
+            <a:gdLst/>
+            <a:ahLst/>
+            <a:cxnLst/>
+            <a:rect l="l" t="t" r="r" b="b"/>
             <a:pathLst>
-              <a:path extrusionOk="0" h="120000" w="120000">
+              <a:path w="120000" h="120000" extrusionOk="0">
                 <a:moveTo>
                   <a:pt x="0" y="0"/>
                 </a:moveTo>
@@ -1956,9 +2037,11 @@
       <p:sp>
         <p:nvSpPr>
           <p:cNvPr id="199" name="Google Shape;199;g474b683b8e_1_28:notes"/>
-          <p:cNvSpPr txBox="1"/>
+          <p:cNvSpPr txBox="1">
+            <a:spLocks noGrp="1"/>
+          </p:cNvSpPr>
           <p:nvPr>
-            <p:ph idx="1" type="body"/>
+            <p:ph type="body" idx="1"/>
           </p:nvPr>
         </p:nvSpPr>
         <p:spPr>
@@ -1971,12 +2054,12 @@
           </a:prstGeom>
         </p:spPr>
         <p:txBody>
-          <a:bodyPr anchorCtr="0" anchor="t" bIns="91425" lIns="91425" spcFirstLastPara="1" rIns="91425" wrap="square" tIns="91425">
+          <a:bodyPr spcFirstLastPara="1" wrap="square" lIns="91425" tIns="91425" rIns="91425" bIns="91425" anchor="t" anchorCtr="0">
             <a:noAutofit/>
           </a:bodyPr>
           <a:lstStyle/>
           <a:p>
-            <a:pPr indent="0" lvl="0" marL="0" rtl="0" algn="l">
+            <a:pPr marL="0" lvl="0" indent="0" algn="l" rtl="0">
               <a:spcBef>
                 <a:spcPts val="0"/>
               </a:spcBef>
@@ -1985,9 +2068,6 @@
               </a:spcAft>
               <a:buNone/>
             </a:pPr>
-            <a:r>
-              <a:t/>
-            </a:r>
             <a:endParaRPr/>
           </a:p>
         </p:txBody>
@@ -2001,11 +2081,11 @@
 </file>
 
 <file path=ppt/notesSlides/notesSlide21.xml><?xml version="1.0" encoding="utf-8"?>
-<p:notes xmlns:a="http://schemas.openxmlformats.org/drawingml/2006/main" xmlns:r="http://schemas.openxmlformats.org/officeDocument/2006/relationships" xmlns:mc="http://schemas.openxmlformats.org/markup-compatibility/2006" xmlns:mv="urn:schemas-microsoft-com:mac:vml" xmlns:p="http://schemas.openxmlformats.org/presentationml/2006/main" xmlns:c="http://schemas.openxmlformats.org/drawingml/2006/chart" xmlns:dgm="http://schemas.openxmlformats.org/drawingml/2006/diagram" xmlns:o="urn:schemas-microsoft-com:office:office" xmlns:v="urn:schemas-microsoft-com:vml" xmlns:pvml="urn:schemas-microsoft-com:office:powerpoint" xmlns:com="http://schemas.openxmlformats.org/drawingml/2006/compatibility" xmlns:p14="http://schemas.microsoft.com/office/powerpoint/2010/main" xmlns:p15="http://schemas.microsoft.com/office/powerpoint/2012/main" showMasterPhAnim="0" showMasterSp="0">
+<p:notes xmlns:a="http://schemas.openxmlformats.org/drawingml/2006/main" xmlns:r="http://schemas.openxmlformats.org/officeDocument/2006/relationships" xmlns:p="http://schemas.openxmlformats.org/presentationml/2006/main" showMasterSp="0" showMasterPhAnim="0">
   <p:cSld>
     <p:spTree>
       <p:nvGrpSpPr>
-        <p:cNvPr id="204" name="Shape 204"/>
+        <p:cNvPr id="1" name="Shape 204"/>
         <p:cNvGrpSpPr/>
         <p:nvPr/>
       </p:nvGrpSpPr>
@@ -2020,9 +2100,11 @@
       <p:sp>
         <p:nvSpPr>
           <p:cNvPr id="205" name="Google Shape;205;g474b683b8e_1_34:notes"/>
-          <p:cNvSpPr/>
+          <p:cNvSpPr>
+            <a:spLocks noGrp="1" noRot="1" noChangeAspect="1"/>
+          </p:cNvSpPr>
           <p:nvPr>
-            <p:ph idx="2" type="sldImg"/>
+            <p:ph type="sldImg" idx="2"/>
           </p:nvPr>
         </p:nvSpPr>
         <p:spPr>
@@ -2031,9 +2113,13 @@
             <a:ext cx="6096000" cy="3429000"/>
           </a:xfrm>
           <a:custGeom>
-            <a:rect b="b" l="l" r="r" t="t"/>
+            <a:avLst/>
+            <a:gdLst/>
+            <a:ahLst/>
+            <a:cxnLst/>
+            <a:rect l="l" t="t" r="r" b="b"/>
             <a:pathLst>
-              <a:path extrusionOk="0" h="120000" w="120000">
+              <a:path w="120000" h="120000" extrusionOk="0">
                 <a:moveTo>
                   <a:pt x="0" y="0"/>
                 </a:moveTo>
@@ -2055,9 +2141,11 @@
       <p:sp>
         <p:nvSpPr>
           <p:cNvPr id="206" name="Google Shape;206;g474b683b8e_1_34:notes"/>
-          <p:cNvSpPr txBox="1"/>
+          <p:cNvSpPr txBox="1">
+            <a:spLocks noGrp="1"/>
+          </p:cNvSpPr>
           <p:nvPr>
-            <p:ph idx="1" type="body"/>
+            <p:ph type="body" idx="1"/>
           </p:nvPr>
         </p:nvSpPr>
         <p:spPr>
@@ -2070,12 +2158,12 @@
           </a:prstGeom>
         </p:spPr>
         <p:txBody>
-          <a:bodyPr anchorCtr="0" anchor="t" bIns="91425" lIns="91425" spcFirstLastPara="1" rIns="91425" wrap="square" tIns="91425">
+          <a:bodyPr spcFirstLastPara="1" wrap="square" lIns="91425" tIns="91425" rIns="91425" bIns="91425" anchor="t" anchorCtr="0">
             <a:noAutofit/>
           </a:bodyPr>
           <a:lstStyle/>
           <a:p>
-            <a:pPr indent="0" lvl="0" marL="0" rtl="0" algn="l">
+            <a:pPr marL="0" lvl="0" indent="0" algn="l" rtl="0">
               <a:spcBef>
                 <a:spcPts val="0"/>
               </a:spcBef>
@@ -2084,9 +2172,6 @@
               </a:spcAft>
               <a:buNone/>
             </a:pPr>
-            <a:r>
-              <a:t/>
-            </a:r>
             <a:endParaRPr/>
           </a:p>
         </p:txBody>
@@ -2100,11 +2185,11 @@
 </file>
 
 <file path=ppt/notesSlides/notesSlide3.xml><?xml version="1.0" encoding="utf-8"?>
-<p:notes xmlns:a="http://schemas.openxmlformats.org/drawingml/2006/main" xmlns:r="http://schemas.openxmlformats.org/officeDocument/2006/relationships" xmlns:mc="http://schemas.openxmlformats.org/markup-compatibility/2006" xmlns:mv="urn:schemas-microsoft-com:mac:vml" xmlns:p="http://schemas.openxmlformats.org/presentationml/2006/main" xmlns:c="http://schemas.openxmlformats.org/drawingml/2006/chart" xmlns:dgm="http://schemas.openxmlformats.org/drawingml/2006/diagram" xmlns:o="urn:schemas-microsoft-com:office:office" xmlns:v="urn:schemas-microsoft-com:vml" xmlns:pvml="urn:schemas-microsoft-com:office:powerpoint" xmlns:com="http://schemas.openxmlformats.org/drawingml/2006/compatibility" xmlns:p14="http://schemas.microsoft.com/office/powerpoint/2010/main" xmlns:p15="http://schemas.microsoft.com/office/powerpoint/2012/main" showMasterPhAnim="0" showMasterSp="0">
+<p:notes xmlns:a="http://schemas.openxmlformats.org/drawingml/2006/main" xmlns:r="http://schemas.openxmlformats.org/officeDocument/2006/relationships" xmlns:p="http://schemas.openxmlformats.org/presentationml/2006/main" showMasterSp="0" showMasterPhAnim="0">
   <p:cSld>
     <p:spTree>
       <p:nvGrpSpPr>
-        <p:cNvPr id="67" name="Shape 67"/>
+        <p:cNvPr id="1" name="Shape 67"/>
         <p:cNvGrpSpPr/>
         <p:nvPr/>
       </p:nvGrpSpPr>
@@ -2119,9 +2204,11 @@
       <p:sp>
         <p:nvSpPr>
           <p:cNvPr id="68" name="Google Shape;68;g446cc85e42_0_10:notes"/>
-          <p:cNvSpPr/>
+          <p:cNvSpPr>
+            <a:spLocks noGrp="1" noRot="1" noChangeAspect="1"/>
+          </p:cNvSpPr>
           <p:nvPr>
-            <p:ph idx="2" type="sldImg"/>
+            <p:ph type="sldImg" idx="2"/>
           </p:nvPr>
         </p:nvSpPr>
         <p:spPr>
@@ -2130,9 +2217,13 @@
             <a:ext cx="6096000" cy="3429000"/>
           </a:xfrm>
           <a:custGeom>
-            <a:rect b="b" l="l" r="r" t="t"/>
+            <a:avLst/>
+            <a:gdLst/>
+            <a:ahLst/>
+            <a:cxnLst/>
+            <a:rect l="l" t="t" r="r" b="b"/>
             <a:pathLst>
-              <a:path extrusionOk="0" h="120000" w="120000">
+              <a:path w="120000" h="120000" extrusionOk="0">
                 <a:moveTo>
                   <a:pt x="0" y="0"/>
                 </a:moveTo>
@@ -2154,9 +2245,11 @@
       <p:sp>
         <p:nvSpPr>
           <p:cNvPr id="69" name="Google Shape;69;g446cc85e42_0_10:notes"/>
-          <p:cNvSpPr txBox="1"/>
+          <p:cNvSpPr txBox="1">
+            <a:spLocks noGrp="1"/>
+          </p:cNvSpPr>
           <p:nvPr>
-            <p:ph idx="1" type="body"/>
+            <p:ph type="body" idx="1"/>
           </p:nvPr>
         </p:nvSpPr>
         <p:spPr>
@@ -2169,12 +2262,12 @@
           </a:prstGeom>
         </p:spPr>
         <p:txBody>
-          <a:bodyPr anchorCtr="0" anchor="t" bIns="91425" lIns="91425" spcFirstLastPara="1" rIns="91425" wrap="square" tIns="91425">
+          <a:bodyPr spcFirstLastPara="1" wrap="square" lIns="91425" tIns="91425" rIns="91425" bIns="91425" anchor="t" anchorCtr="0">
             <a:noAutofit/>
           </a:bodyPr>
           <a:lstStyle/>
           <a:p>
-            <a:pPr indent="0" lvl="0" marL="0" rtl="0" algn="l">
+            <a:pPr marL="0" lvl="0" indent="0" algn="l" rtl="0">
               <a:spcBef>
                 <a:spcPts val="0"/>
               </a:spcBef>
@@ -2183,9 +2276,6 @@
               </a:spcAft>
               <a:buNone/>
             </a:pPr>
-            <a:r>
-              <a:t/>
-            </a:r>
             <a:endParaRPr/>
           </a:p>
         </p:txBody>
@@ -2199,11 +2289,11 @@
 </file>
 
 <file path=ppt/notesSlides/notesSlide4.xml><?xml version="1.0" encoding="utf-8"?>
-<p:notes xmlns:a="http://schemas.openxmlformats.org/drawingml/2006/main" xmlns:r="http://schemas.openxmlformats.org/officeDocument/2006/relationships" xmlns:mc="http://schemas.openxmlformats.org/markup-compatibility/2006" xmlns:mv="urn:schemas-microsoft-com:mac:vml" xmlns:p="http://schemas.openxmlformats.org/presentationml/2006/main" xmlns:c="http://schemas.openxmlformats.org/drawingml/2006/chart" xmlns:dgm="http://schemas.openxmlformats.org/drawingml/2006/diagram" xmlns:o="urn:schemas-microsoft-com:office:office" xmlns:v="urn:schemas-microsoft-com:vml" xmlns:pvml="urn:schemas-microsoft-com:office:powerpoint" xmlns:com="http://schemas.openxmlformats.org/drawingml/2006/compatibility" xmlns:p14="http://schemas.microsoft.com/office/powerpoint/2010/main" xmlns:p15="http://schemas.microsoft.com/office/powerpoint/2012/main" showMasterPhAnim="0" showMasterSp="0">
+<p:notes xmlns:a="http://schemas.openxmlformats.org/drawingml/2006/main" xmlns:r="http://schemas.openxmlformats.org/officeDocument/2006/relationships" xmlns:p="http://schemas.openxmlformats.org/presentationml/2006/main" showMasterSp="0" showMasterPhAnim="0">
   <p:cSld>
     <p:spTree>
       <p:nvGrpSpPr>
-        <p:cNvPr id="73" name="Shape 73"/>
+        <p:cNvPr id="1" name="Shape 73"/>
         <p:cNvGrpSpPr/>
         <p:nvPr/>
       </p:nvGrpSpPr>
@@ -2218,20 +2308,26 @@
       <p:sp>
         <p:nvSpPr>
           <p:cNvPr id="74" name="Google Shape;74;g4177a24748_0_0:notes"/>
-          <p:cNvSpPr/>
+          <p:cNvSpPr>
+            <a:spLocks noGrp="1" noRot="1" noChangeAspect="1"/>
+          </p:cNvSpPr>
           <p:nvPr>
-            <p:ph idx="2" type="sldImg"/>
+            <p:ph type="sldImg" idx="2"/>
           </p:nvPr>
         </p:nvSpPr>
         <p:spPr>
           <a:xfrm>
-            <a:off x="381300" y="685800"/>
+            <a:off x="381000" y="685800"/>
             <a:ext cx="6096000" cy="3429000"/>
           </a:xfrm>
           <a:custGeom>
-            <a:rect b="b" l="l" r="r" t="t"/>
+            <a:avLst/>
+            <a:gdLst/>
+            <a:ahLst/>
+            <a:cxnLst/>
+            <a:rect l="l" t="t" r="r" b="b"/>
             <a:pathLst>
-              <a:path extrusionOk="0" h="120000" w="120000">
+              <a:path w="120000" h="120000" extrusionOk="0">
                 <a:moveTo>
                   <a:pt x="0" y="0"/>
                 </a:moveTo>
@@ -2253,9 +2349,11 @@
       <p:sp>
         <p:nvSpPr>
           <p:cNvPr id="75" name="Google Shape;75;g4177a24748_0_0:notes"/>
-          <p:cNvSpPr txBox="1"/>
+          <p:cNvSpPr txBox="1">
+            <a:spLocks noGrp="1"/>
+          </p:cNvSpPr>
           <p:nvPr>
-            <p:ph idx="1" type="body"/>
+            <p:ph type="body" idx="1"/>
           </p:nvPr>
         </p:nvSpPr>
         <p:spPr>
@@ -2268,12 +2366,12 @@
           </a:prstGeom>
         </p:spPr>
         <p:txBody>
-          <a:bodyPr anchorCtr="0" anchor="t" bIns="91425" lIns="91425" spcFirstLastPara="1" rIns="91425" wrap="square" tIns="91425">
+          <a:bodyPr spcFirstLastPara="1" wrap="square" lIns="91425" tIns="91425" rIns="91425" bIns="91425" anchor="t" anchorCtr="0">
             <a:noAutofit/>
           </a:bodyPr>
           <a:lstStyle/>
           <a:p>
-            <a:pPr indent="0" lvl="0" marL="0" rtl="0" algn="l">
+            <a:pPr marL="0" lvl="0" indent="0" algn="l" rtl="0">
               <a:spcBef>
                 <a:spcPts val="0"/>
               </a:spcBef>
@@ -2282,9 +2380,6 @@
               </a:spcAft>
               <a:buNone/>
             </a:pPr>
-            <a:r>
-              <a:t/>
-            </a:r>
             <a:endParaRPr/>
           </a:p>
         </p:txBody>
@@ -2298,11 +2393,11 @@
 </file>
 
 <file path=ppt/notesSlides/notesSlide5.xml><?xml version="1.0" encoding="utf-8"?>
-<p:notes xmlns:a="http://schemas.openxmlformats.org/drawingml/2006/main" xmlns:r="http://schemas.openxmlformats.org/officeDocument/2006/relationships" xmlns:mc="http://schemas.openxmlformats.org/markup-compatibility/2006" xmlns:mv="urn:schemas-microsoft-com:mac:vml" xmlns:p="http://schemas.openxmlformats.org/presentationml/2006/main" xmlns:c="http://schemas.openxmlformats.org/drawingml/2006/chart" xmlns:dgm="http://schemas.openxmlformats.org/drawingml/2006/diagram" xmlns:o="urn:schemas-microsoft-com:office:office" xmlns:v="urn:schemas-microsoft-com:vml" xmlns:pvml="urn:schemas-microsoft-com:office:powerpoint" xmlns:com="http://schemas.openxmlformats.org/drawingml/2006/compatibility" xmlns:p14="http://schemas.microsoft.com/office/powerpoint/2010/main" xmlns:p15="http://schemas.microsoft.com/office/powerpoint/2012/main" showMasterPhAnim="0" showMasterSp="0">
+<p:notes xmlns:a="http://schemas.openxmlformats.org/drawingml/2006/main" xmlns:r="http://schemas.openxmlformats.org/officeDocument/2006/relationships" xmlns:p="http://schemas.openxmlformats.org/presentationml/2006/main" showMasterSp="0" showMasterPhAnim="0">
   <p:cSld>
     <p:spTree>
       <p:nvGrpSpPr>
-        <p:cNvPr id="81" name="Shape 81"/>
+        <p:cNvPr id="1" name="Shape 81"/>
         <p:cNvGrpSpPr/>
         <p:nvPr/>
       </p:nvGrpSpPr>
@@ -2317,9 +2412,11 @@
       <p:sp>
         <p:nvSpPr>
           <p:cNvPr id="82" name="Google Shape;82;g42b2c8d538_0_20:notes"/>
-          <p:cNvSpPr/>
+          <p:cNvSpPr>
+            <a:spLocks noGrp="1" noRot="1" noChangeAspect="1"/>
+          </p:cNvSpPr>
           <p:nvPr>
-            <p:ph idx="2" type="sldImg"/>
+            <p:ph type="sldImg" idx="2"/>
           </p:nvPr>
         </p:nvSpPr>
         <p:spPr>
@@ -2328,9 +2425,13 @@
             <a:ext cx="6096000" cy="3429000"/>
           </a:xfrm>
           <a:custGeom>
-            <a:rect b="b" l="l" r="r" t="t"/>
+            <a:avLst/>
+            <a:gdLst/>
+            <a:ahLst/>
+            <a:cxnLst/>
+            <a:rect l="l" t="t" r="r" b="b"/>
             <a:pathLst>
-              <a:path extrusionOk="0" h="120000" w="120000">
+              <a:path w="120000" h="120000" extrusionOk="0">
                 <a:moveTo>
                   <a:pt x="0" y="0"/>
                 </a:moveTo>
@@ -2352,9 +2453,11 @@
       <p:sp>
         <p:nvSpPr>
           <p:cNvPr id="83" name="Google Shape;83;g42b2c8d538_0_20:notes"/>
-          <p:cNvSpPr txBox="1"/>
+          <p:cNvSpPr txBox="1">
+            <a:spLocks noGrp="1"/>
+          </p:cNvSpPr>
           <p:nvPr>
-            <p:ph idx="1" type="body"/>
+            <p:ph type="body" idx="1"/>
           </p:nvPr>
         </p:nvSpPr>
         <p:spPr>
@@ -2367,12 +2470,12 @@
           </a:prstGeom>
         </p:spPr>
         <p:txBody>
-          <a:bodyPr anchorCtr="0" anchor="t" bIns="91425" lIns="91425" spcFirstLastPara="1" rIns="91425" wrap="square" tIns="91425">
+          <a:bodyPr spcFirstLastPara="1" wrap="square" lIns="91425" tIns="91425" rIns="91425" bIns="91425" anchor="t" anchorCtr="0">
             <a:noAutofit/>
           </a:bodyPr>
           <a:lstStyle/>
           <a:p>
-            <a:pPr indent="0" lvl="0" marL="0" rtl="0" algn="l">
+            <a:pPr marL="0" lvl="0" indent="0" algn="l" rtl="0">
               <a:spcBef>
                 <a:spcPts val="0"/>
               </a:spcBef>
@@ -2381,9 +2484,6 @@
               </a:spcAft>
               <a:buNone/>
             </a:pPr>
-            <a:r>
-              <a:t/>
-            </a:r>
             <a:endParaRPr/>
           </a:p>
         </p:txBody>
@@ -2397,11 +2497,11 @@
 </file>
 
 <file path=ppt/notesSlides/notesSlide6.xml><?xml version="1.0" encoding="utf-8"?>
-<p:notes xmlns:a="http://schemas.openxmlformats.org/drawingml/2006/main" xmlns:r="http://schemas.openxmlformats.org/officeDocument/2006/relationships" xmlns:mc="http://schemas.openxmlformats.org/markup-compatibility/2006" xmlns:mv="urn:schemas-microsoft-com:mac:vml" xmlns:p="http://schemas.openxmlformats.org/presentationml/2006/main" xmlns:c="http://schemas.openxmlformats.org/drawingml/2006/chart" xmlns:dgm="http://schemas.openxmlformats.org/drawingml/2006/diagram" xmlns:o="urn:schemas-microsoft-com:office:office" xmlns:v="urn:schemas-microsoft-com:vml" xmlns:pvml="urn:schemas-microsoft-com:office:powerpoint" xmlns:com="http://schemas.openxmlformats.org/drawingml/2006/compatibility" xmlns:p14="http://schemas.microsoft.com/office/powerpoint/2010/main" xmlns:p15="http://schemas.microsoft.com/office/powerpoint/2012/main" showMasterPhAnim="0" showMasterSp="0">
+<p:notes xmlns:a="http://schemas.openxmlformats.org/drawingml/2006/main" xmlns:r="http://schemas.openxmlformats.org/officeDocument/2006/relationships" xmlns:p="http://schemas.openxmlformats.org/presentationml/2006/main" showMasterSp="0" showMasterPhAnim="0">
   <p:cSld>
     <p:spTree>
       <p:nvGrpSpPr>
-        <p:cNvPr id="87" name="Shape 87"/>
+        <p:cNvPr id="1" name="Shape 87"/>
         <p:cNvGrpSpPr/>
         <p:nvPr/>
       </p:nvGrpSpPr>
@@ -2416,9 +2516,11 @@
       <p:sp>
         <p:nvSpPr>
           <p:cNvPr id="88" name="Google Shape;88;g4885fe8058_2_2:notes"/>
-          <p:cNvSpPr/>
+          <p:cNvSpPr>
+            <a:spLocks noGrp="1" noRot="1" noChangeAspect="1"/>
+          </p:cNvSpPr>
           <p:nvPr>
-            <p:ph idx="2" type="sldImg"/>
+            <p:ph type="sldImg" idx="2"/>
           </p:nvPr>
         </p:nvSpPr>
         <p:spPr>
@@ -2427,9 +2529,13 @@
             <a:ext cx="6096000" cy="3429000"/>
           </a:xfrm>
           <a:custGeom>
-            <a:rect b="b" l="l" r="r" t="t"/>
+            <a:avLst/>
+            <a:gdLst/>
+            <a:ahLst/>
+            <a:cxnLst/>
+            <a:rect l="l" t="t" r="r" b="b"/>
             <a:pathLst>
-              <a:path extrusionOk="0" h="120000" w="120000">
+              <a:path w="120000" h="120000" extrusionOk="0">
                 <a:moveTo>
                   <a:pt x="0" y="0"/>
                 </a:moveTo>
@@ -2451,9 +2557,11 @@
       <p:sp>
         <p:nvSpPr>
           <p:cNvPr id="89" name="Google Shape;89;g4885fe8058_2_2:notes"/>
-          <p:cNvSpPr txBox="1"/>
+          <p:cNvSpPr txBox="1">
+            <a:spLocks noGrp="1"/>
+          </p:cNvSpPr>
           <p:nvPr>
-            <p:ph idx="1" type="body"/>
+            <p:ph type="body" idx="1"/>
           </p:nvPr>
         </p:nvSpPr>
         <p:spPr>
@@ -2466,12 +2574,12 @@
           </a:prstGeom>
         </p:spPr>
         <p:txBody>
-          <a:bodyPr anchorCtr="0" anchor="t" bIns="91425" lIns="91425" spcFirstLastPara="1" rIns="91425" wrap="square" tIns="91425">
+          <a:bodyPr spcFirstLastPara="1" wrap="square" lIns="91425" tIns="91425" rIns="91425" bIns="91425" anchor="t" anchorCtr="0">
             <a:noAutofit/>
           </a:bodyPr>
           <a:lstStyle/>
           <a:p>
-            <a:pPr indent="0" lvl="0" marL="0" rtl="0" algn="l">
+            <a:pPr marL="0" lvl="0" indent="0" algn="l" rtl="0">
               <a:spcBef>
                 <a:spcPts val="0"/>
               </a:spcBef>
@@ -2480,9 +2588,6 @@
               </a:spcAft>
               <a:buNone/>
             </a:pPr>
-            <a:r>
-              <a:t/>
-            </a:r>
             <a:endParaRPr/>
           </a:p>
         </p:txBody>
@@ -2496,11 +2601,11 @@
 </file>
 
 <file path=ppt/notesSlides/notesSlide7.xml><?xml version="1.0" encoding="utf-8"?>
-<p:notes xmlns:a="http://schemas.openxmlformats.org/drawingml/2006/main" xmlns:r="http://schemas.openxmlformats.org/officeDocument/2006/relationships" xmlns:mc="http://schemas.openxmlformats.org/markup-compatibility/2006" xmlns:mv="urn:schemas-microsoft-com:mac:vml" xmlns:p="http://schemas.openxmlformats.org/presentationml/2006/main" xmlns:c="http://schemas.openxmlformats.org/drawingml/2006/chart" xmlns:dgm="http://schemas.openxmlformats.org/drawingml/2006/diagram" xmlns:o="urn:schemas-microsoft-com:office:office" xmlns:v="urn:schemas-microsoft-com:vml" xmlns:pvml="urn:schemas-microsoft-com:office:powerpoint" xmlns:com="http://schemas.openxmlformats.org/drawingml/2006/compatibility" xmlns:p14="http://schemas.microsoft.com/office/powerpoint/2010/main" xmlns:p15="http://schemas.microsoft.com/office/powerpoint/2012/main" showMasterPhAnim="0" showMasterSp="0">
+<p:notes xmlns:a="http://schemas.openxmlformats.org/drawingml/2006/main" xmlns:r="http://schemas.openxmlformats.org/officeDocument/2006/relationships" xmlns:p="http://schemas.openxmlformats.org/presentationml/2006/main" showMasterSp="0" showMasterPhAnim="0">
   <p:cSld>
     <p:spTree>
       <p:nvGrpSpPr>
-        <p:cNvPr id="96" name="Shape 96"/>
+        <p:cNvPr id="1" name="Shape 96"/>
         <p:cNvGrpSpPr/>
         <p:nvPr/>
       </p:nvGrpSpPr>
@@ -2515,9 +2620,11 @@
       <p:sp>
         <p:nvSpPr>
           <p:cNvPr id="97" name="Google Shape;97;g42b2c8d538_0_15:notes"/>
-          <p:cNvSpPr/>
+          <p:cNvSpPr>
+            <a:spLocks noGrp="1" noRot="1" noChangeAspect="1"/>
+          </p:cNvSpPr>
           <p:nvPr>
-            <p:ph idx="2" type="sldImg"/>
+            <p:ph type="sldImg" idx="2"/>
           </p:nvPr>
         </p:nvSpPr>
         <p:spPr>
@@ -2526,9 +2633,13 @@
             <a:ext cx="6096000" cy="3429000"/>
           </a:xfrm>
           <a:custGeom>
-            <a:rect b="b" l="l" r="r" t="t"/>
+            <a:avLst/>
+            <a:gdLst/>
+            <a:ahLst/>
+            <a:cxnLst/>
+            <a:rect l="l" t="t" r="r" b="b"/>
             <a:pathLst>
-              <a:path extrusionOk="0" h="120000" w="120000">
+              <a:path w="120000" h="120000" extrusionOk="0">
                 <a:moveTo>
                   <a:pt x="0" y="0"/>
                 </a:moveTo>
@@ -2550,9 +2661,11 @@
       <p:sp>
         <p:nvSpPr>
           <p:cNvPr id="98" name="Google Shape;98;g42b2c8d538_0_15:notes"/>
-          <p:cNvSpPr txBox="1"/>
+          <p:cNvSpPr txBox="1">
+            <a:spLocks noGrp="1"/>
+          </p:cNvSpPr>
           <p:nvPr>
-            <p:ph idx="1" type="body"/>
+            <p:ph type="body" idx="1"/>
           </p:nvPr>
         </p:nvSpPr>
         <p:spPr>
@@ -2565,12 +2678,12 @@
           </a:prstGeom>
         </p:spPr>
         <p:txBody>
-          <a:bodyPr anchorCtr="0" anchor="t" bIns="91425" lIns="91425" spcFirstLastPara="1" rIns="91425" wrap="square" tIns="91425">
+          <a:bodyPr spcFirstLastPara="1" wrap="square" lIns="91425" tIns="91425" rIns="91425" bIns="91425" anchor="t" anchorCtr="0">
             <a:noAutofit/>
           </a:bodyPr>
           <a:lstStyle/>
           <a:p>
-            <a:pPr indent="0" lvl="0" marL="0" rtl="0" algn="l">
+            <a:pPr marL="0" lvl="0" indent="0" algn="l" rtl="0">
               <a:spcBef>
                 <a:spcPts val="0"/>
               </a:spcBef>
@@ -2579,9 +2692,6 @@
               </a:spcAft>
               <a:buNone/>
             </a:pPr>
-            <a:r>
-              <a:t/>
-            </a:r>
             <a:endParaRPr/>
           </a:p>
         </p:txBody>
@@ -2595,11 +2705,11 @@
 </file>
 
 <file path=ppt/notesSlides/notesSlide8.xml><?xml version="1.0" encoding="utf-8"?>
-<p:notes xmlns:a="http://schemas.openxmlformats.org/drawingml/2006/main" xmlns:r="http://schemas.openxmlformats.org/officeDocument/2006/relationships" xmlns:mc="http://schemas.openxmlformats.org/markup-compatibility/2006" xmlns:mv="urn:schemas-microsoft-com:mac:vml" xmlns:p="http://schemas.openxmlformats.org/presentationml/2006/main" xmlns:c="http://schemas.openxmlformats.org/drawingml/2006/chart" xmlns:dgm="http://schemas.openxmlformats.org/drawingml/2006/diagram" xmlns:o="urn:schemas-microsoft-com:office:office" xmlns:v="urn:schemas-microsoft-com:vml" xmlns:pvml="urn:schemas-microsoft-com:office:powerpoint" xmlns:com="http://schemas.openxmlformats.org/drawingml/2006/compatibility" xmlns:p14="http://schemas.microsoft.com/office/powerpoint/2010/main" xmlns:p15="http://schemas.microsoft.com/office/powerpoint/2012/main" showMasterPhAnim="0" showMasterSp="0">
+<p:notes xmlns:a="http://schemas.openxmlformats.org/drawingml/2006/main" xmlns:r="http://schemas.openxmlformats.org/officeDocument/2006/relationships" xmlns:p="http://schemas.openxmlformats.org/presentationml/2006/main" showMasterSp="0" showMasterPhAnim="0">
   <p:cSld>
     <p:spTree>
       <p:nvGrpSpPr>
-        <p:cNvPr id="104" name="Shape 104"/>
+        <p:cNvPr id="1" name="Shape 104"/>
         <p:cNvGrpSpPr/>
         <p:nvPr/>
       </p:nvGrpSpPr>
@@ -2614,9 +2724,11 @@
       <p:sp>
         <p:nvSpPr>
           <p:cNvPr id="105" name="Google Shape;105;g42b2c8d538_0_29:notes"/>
-          <p:cNvSpPr/>
+          <p:cNvSpPr>
+            <a:spLocks noGrp="1" noRot="1" noChangeAspect="1"/>
+          </p:cNvSpPr>
           <p:nvPr>
-            <p:ph idx="2" type="sldImg"/>
+            <p:ph type="sldImg" idx="2"/>
           </p:nvPr>
         </p:nvSpPr>
         <p:spPr>
@@ -2625,9 +2737,13 @@
             <a:ext cx="6096000" cy="3429000"/>
           </a:xfrm>
           <a:custGeom>
-            <a:rect b="b" l="l" r="r" t="t"/>
+            <a:avLst/>
+            <a:gdLst/>
+            <a:ahLst/>
+            <a:cxnLst/>
+            <a:rect l="l" t="t" r="r" b="b"/>
             <a:pathLst>
-              <a:path extrusionOk="0" h="120000" w="120000">
+              <a:path w="120000" h="120000" extrusionOk="0">
                 <a:moveTo>
                   <a:pt x="0" y="0"/>
                 </a:moveTo>
@@ -2649,9 +2765,11 @@
       <p:sp>
         <p:nvSpPr>
           <p:cNvPr id="106" name="Google Shape;106;g42b2c8d538_0_29:notes"/>
-          <p:cNvSpPr txBox="1"/>
+          <p:cNvSpPr txBox="1">
+            <a:spLocks noGrp="1"/>
+          </p:cNvSpPr>
           <p:nvPr>
-            <p:ph idx="1" type="body"/>
+            <p:ph type="body" idx="1"/>
           </p:nvPr>
         </p:nvSpPr>
         <p:spPr>
@@ -2664,12 +2782,12 @@
           </a:prstGeom>
         </p:spPr>
         <p:txBody>
-          <a:bodyPr anchorCtr="0" anchor="t" bIns="91425" lIns="91425" spcFirstLastPara="1" rIns="91425" wrap="square" tIns="91425">
+          <a:bodyPr spcFirstLastPara="1" wrap="square" lIns="91425" tIns="91425" rIns="91425" bIns="91425" anchor="t" anchorCtr="0">
             <a:noAutofit/>
           </a:bodyPr>
           <a:lstStyle/>
           <a:p>
-            <a:pPr indent="0" lvl="0" marL="0" rtl="0" algn="l">
+            <a:pPr marL="0" lvl="0" indent="0" algn="l" rtl="0">
               <a:spcBef>
                 <a:spcPts val="0"/>
               </a:spcBef>
@@ -2678,9 +2796,6 @@
               </a:spcAft>
               <a:buNone/>
             </a:pPr>
-            <a:r>
-              <a:t/>
-            </a:r>
             <a:endParaRPr/>
           </a:p>
         </p:txBody>
@@ -2694,11 +2809,11 @@
 </file>
 
 <file path=ppt/notesSlides/notesSlide9.xml><?xml version="1.0" encoding="utf-8"?>
-<p:notes xmlns:a="http://schemas.openxmlformats.org/drawingml/2006/main" xmlns:r="http://schemas.openxmlformats.org/officeDocument/2006/relationships" xmlns:mc="http://schemas.openxmlformats.org/markup-compatibility/2006" xmlns:mv="urn:schemas-microsoft-com:mac:vml" xmlns:p="http://schemas.openxmlformats.org/presentationml/2006/main" xmlns:c="http://schemas.openxmlformats.org/drawingml/2006/chart" xmlns:dgm="http://schemas.openxmlformats.org/drawingml/2006/diagram" xmlns:o="urn:schemas-microsoft-com:office:office" xmlns:v="urn:schemas-microsoft-com:vml" xmlns:pvml="urn:schemas-microsoft-com:office:powerpoint" xmlns:com="http://schemas.openxmlformats.org/drawingml/2006/compatibility" xmlns:p14="http://schemas.microsoft.com/office/powerpoint/2010/main" xmlns:p15="http://schemas.microsoft.com/office/powerpoint/2012/main" showMasterPhAnim="0" showMasterSp="0">
+<p:notes xmlns:a="http://schemas.openxmlformats.org/drawingml/2006/main" xmlns:r="http://schemas.openxmlformats.org/officeDocument/2006/relationships" xmlns:p="http://schemas.openxmlformats.org/presentationml/2006/main" showMasterSp="0" showMasterPhAnim="0">
   <p:cSld>
     <p:spTree>
       <p:nvGrpSpPr>
-        <p:cNvPr id="113" name="Shape 113"/>
+        <p:cNvPr id="1" name="Shape 113"/>
         <p:cNvGrpSpPr/>
         <p:nvPr/>
       </p:nvGrpSpPr>
@@ -2713,9 +2828,11 @@
       <p:sp>
         <p:nvSpPr>
           <p:cNvPr id="114" name="Google Shape;114;g46e1a44c68_0_2:notes"/>
-          <p:cNvSpPr/>
+          <p:cNvSpPr>
+            <a:spLocks noGrp="1" noRot="1" noChangeAspect="1"/>
+          </p:cNvSpPr>
           <p:nvPr>
-            <p:ph idx="2" type="sldImg"/>
+            <p:ph type="sldImg" idx="2"/>
           </p:nvPr>
         </p:nvSpPr>
         <p:spPr>
@@ -2724,9 +2841,13 @@
             <a:ext cx="6096000" cy="3429000"/>
           </a:xfrm>
           <a:custGeom>
-            <a:rect b="b" l="l" r="r" t="t"/>
+            <a:avLst/>
+            <a:gdLst/>
+            <a:ahLst/>
+            <a:cxnLst/>
+            <a:rect l="l" t="t" r="r" b="b"/>
             <a:pathLst>
-              <a:path extrusionOk="0" h="120000" w="120000">
+              <a:path w="120000" h="120000" extrusionOk="0">
                 <a:moveTo>
                   <a:pt x="0" y="0"/>
                 </a:moveTo>
@@ -2748,9 +2869,11 @@
       <p:sp>
         <p:nvSpPr>
           <p:cNvPr id="115" name="Google Shape;115;g46e1a44c68_0_2:notes"/>
-          <p:cNvSpPr txBox="1"/>
+          <p:cNvSpPr txBox="1">
+            <a:spLocks noGrp="1"/>
+          </p:cNvSpPr>
           <p:nvPr>
-            <p:ph idx="1" type="body"/>
+            <p:ph type="body" idx="1"/>
           </p:nvPr>
         </p:nvSpPr>
         <p:spPr>
@@ -2763,12 +2886,12 @@
           </a:prstGeom>
         </p:spPr>
         <p:txBody>
-          <a:bodyPr anchorCtr="0" anchor="t" bIns="91425" lIns="91425" spcFirstLastPara="1" rIns="91425" wrap="square" tIns="91425">
+          <a:bodyPr spcFirstLastPara="1" wrap="square" lIns="91425" tIns="91425" rIns="91425" bIns="91425" anchor="t" anchorCtr="0">
             <a:noAutofit/>
           </a:bodyPr>
           <a:lstStyle/>
           <a:p>
-            <a:pPr indent="0" lvl="0" marL="0" rtl="0" algn="l">
+            <a:pPr marL="0" lvl="0" indent="0" algn="l" rtl="0">
               <a:spcBef>
                 <a:spcPts val="0"/>
               </a:spcBef>
@@ -2777,9 +2900,6 @@
               </a:spcAft>
               <a:buNone/>
             </a:pPr>
-            <a:r>
-              <a:t/>
-            </a:r>
             <a:endParaRPr/>
           </a:p>
         </p:txBody>
@@ -2793,18 +2913,19 @@
 </file>
 
 <file path=ppt/slideLayouts/slideLayout1.xml><?xml version="1.0" encoding="utf-8"?>
-<p:sldLayout xmlns:a="http://schemas.openxmlformats.org/drawingml/2006/main" xmlns:r="http://schemas.openxmlformats.org/officeDocument/2006/relationships" xmlns:mc="http://schemas.openxmlformats.org/markup-compatibility/2006" xmlns:mv="urn:schemas-microsoft-com:mac:vml" xmlns:p="http://schemas.openxmlformats.org/presentationml/2006/main" xmlns:c="http://schemas.openxmlformats.org/drawingml/2006/chart" xmlns:dgm="http://schemas.openxmlformats.org/drawingml/2006/diagram" xmlns:o="urn:schemas-microsoft-com:office:office" xmlns:v="urn:schemas-microsoft-com:vml" xmlns:pvml="urn:schemas-microsoft-com:office:powerpoint" xmlns:com="http://schemas.openxmlformats.org/drawingml/2006/compatibility" xmlns:p14="http://schemas.microsoft.com/office/powerpoint/2010/main" xmlns:p15="http://schemas.microsoft.com/office/powerpoint/2012/main" matchingName="Title slide" type="title">
+<p:sldLayout xmlns:a="http://schemas.openxmlformats.org/drawingml/2006/main" xmlns:r="http://schemas.openxmlformats.org/officeDocument/2006/relationships" xmlns:p="http://schemas.openxmlformats.org/presentationml/2006/main" matchingName="Title slide" type="title">
   <p:cSld name="TITLE">
     <p:bg>
       <p:bgPr>
         <a:solidFill>
           <a:schemeClr val="dk1"/>
         </a:solidFill>
+        <a:effectLst/>
       </p:bgPr>
     </p:bg>
     <p:spTree>
       <p:nvGrpSpPr>
-        <p:cNvPr id="9" name="Shape 9"/>
+        <p:cNvPr id="1" name="Shape 9"/>
         <p:cNvGrpSpPr/>
         <p:nvPr/>
       </p:nvGrpSpPr>
@@ -2831,21 +2952,23 @@
             <a:avLst/>
           </a:prstGeom>
           <a:noFill/>
-          <a:ln cap="flat" cmpd="sng" w="19050">
+          <a:ln w="19050" cap="flat" cmpd="sng">
             <a:solidFill>
               <a:schemeClr val="lt2"/>
             </a:solidFill>
             <a:prstDash val="solid"/>
             <a:round/>
-            <a:headEnd len="sm" w="sm" type="none"/>
-            <a:tailEnd len="sm" w="sm" type="none"/>
+            <a:headEnd type="none" w="sm" len="sm"/>
+            <a:tailEnd type="none" w="sm" len="sm"/>
           </a:ln>
         </p:spPr>
       </p:cxnSp>
       <p:sp>
         <p:nvSpPr>
           <p:cNvPr id="11" name="Google Shape;11;p2"/>
-          <p:cNvSpPr txBox="1"/>
+          <p:cNvSpPr txBox="1">
+            <a:spLocks noGrp="1"/>
+          </p:cNvSpPr>
           <p:nvPr>
             <p:ph type="ctrTitle"/>
           </p:nvPr>
@@ -2860,7 +2983,7 @@
           </a:prstGeom>
         </p:spPr>
         <p:txBody>
-          <a:bodyPr anchorCtr="0" anchor="b" bIns="91425" lIns="91425" spcFirstLastPara="1" rIns="91425" wrap="square" tIns="91425"/>
+          <a:bodyPr spcFirstLastPara="1" wrap="square" lIns="91425" tIns="91425" rIns="91425" bIns="91425" anchor="b" anchorCtr="0"/>
           <a:lstStyle>
             <a:lvl1pPr lvl="0">
               <a:spcBef>
@@ -3025,15 +3148,19 @@
               </a:defRPr>
             </a:lvl9pPr>
           </a:lstStyle>
-          <a:p/>
+          <a:p>
+            <a:endParaRPr/>
+          </a:p>
         </p:txBody>
       </p:sp>
       <p:sp>
         <p:nvSpPr>
           <p:cNvPr id="12" name="Google Shape;12;p2"/>
-          <p:cNvSpPr txBox="1"/>
+          <p:cNvSpPr txBox="1">
+            <a:spLocks noGrp="1"/>
+          </p:cNvSpPr>
           <p:nvPr>
-            <p:ph idx="1" type="subTitle"/>
+            <p:ph type="subTitle" idx="1"/>
           </p:nvPr>
         </p:nvSpPr>
         <p:spPr>
@@ -3046,7 +3173,7 @@
           </a:prstGeom>
         </p:spPr>
         <p:txBody>
-          <a:bodyPr anchorCtr="0" anchor="t" bIns="91425" lIns="91425" spcFirstLastPara="1" rIns="91425" wrap="square" tIns="91425"/>
+          <a:bodyPr spcFirstLastPara="1" wrap="square" lIns="91425" tIns="91425" rIns="91425" bIns="91425" anchor="t" anchorCtr="0"/>
           <a:lstStyle>
             <a:lvl1pPr lvl="0">
               <a:lnSpc>
@@ -3238,15 +3365,19 @@
               </a:defRPr>
             </a:lvl9pPr>
           </a:lstStyle>
-          <a:p/>
+          <a:p>
+            <a:endParaRPr/>
+          </a:p>
         </p:txBody>
       </p:sp>
       <p:sp>
         <p:nvSpPr>
           <p:cNvPr id="13" name="Google Shape;13;p2"/>
-          <p:cNvSpPr txBox="1"/>
+          <p:cNvSpPr txBox="1">
+            <a:spLocks noGrp="1"/>
+          </p:cNvSpPr>
           <p:nvPr>
-            <p:ph idx="12" type="sldNum"/>
+            <p:ph type="sldNum" idx="12"/>
           </p:nvPr>
         </p:nvSpPr>
         <p:spPr>
@@ -3259,7 +3390,7 @@
           </a:prstGeom>
         </p:spPr>
         <p:txBody>
-          <a:bodyPr anchorCtr="0" anchor="ctr" bIns="91425" lIns="91425" spcFirstLastPara="1" rIns="91425" wrap="square" tIns="91425">
+          <a:bodyPr spcFirstLastPara="1" wrap="square" lIns="91425" tIns="91425" rIns="91425" bIns="91425" anchor="ctr" anchorCtr="0">
             <a:noAutofit/>
           </a:bodyPr>
           <a:lstStyle>
@@ -3337,7 +3468,7 @@
             </a:lvl9pPr>
           </a:lstStyle>
           <a:p>
-            <a:pPr indent="0" lvl="0" marL="0" rtl="0" algn="r">
+            <a:pPr marL="0" lvl="0" indent="0" algn="r" rtl="0">
               <a:spcBef>
                 <a:spcPts val="0"/>
               </a:spcBef>
@@ -3363,11 +3494,11 @@
 </file>
 
 <file path=ppt/slideLayouts/slideLayout10.xml><?xml version="1.0" encoding="utf-8"?>
-<p:sldLayout xmlns:a="http://schemas.openxmlformats.org/drawingml/2006/main" xmlns:r="http://schemas.openxmlformats.org/officeDocument/2006/relationships" xmlns:mc="http://schemas.openxmlformats.org/markup-compatibility/2006" xmlns:mv="urn:schemas-microsoft-com:mac:vml" xmlns:p="http://schemas.openxmlformats.org/presentationml/2006/main" xmlns:c="http://schemas.openxmlformats.org/drawingml/2006/chart" xmlns:dgm="http://schemas.openxmlformats.org/drawingml/2006/diagram" xmlns:o="urn:schemas-microsoft-com:office:office" xmlns:v="urn:schemas-microsoft-com:vml" xmlns:pvml="urn:schemas-microsoft-com:office:powerpoint" xmlns:com="http://schemas.openxmlformats.org/drawingml/2006/compatibility" xmlns:p14="http://schemas.microsoft.com/office/powerpoint/2010/main" xmlns:p15="http://schemas.microsoft.com/office/powerpoint/2012/main" matchingName="Big number">
+<p:sldLayout xmlns:a="http://schemas.openxmlformats.org/drawingml/2006/main" xmlns:r="http://schemas.openxmlformats.org/officeDocument/2006/relationships" xmlns:p="http://schemas.openxmlformats.org/presentationml/2006/main" matchingName="Big number">
   <p:cSld name="BIG_NUMBER">
     <p:spTree>
       <p:nvGrpSpPr>
-        <p:cNvPr id="48" name="Shape 48"/>
+        <p:cNvPr id="1" name="Shape 48"/>
         <p:cNvGrpSpPr/>
         <p:nvPr/>
       </p:nvGrpSpPr>
@@ -3401,12 +3532,12 @@
           </a:ln>
         </p:spPr>
         <p:txBody>
-          <a:bodyPr anchorCtr="0" anchor="ctr" bIns="91425" lIns="91425" spcFirstLastPara="1" rIns="91425" wrap="square" tIns="91425">
+          <a:bodyPr spcFirstLastPara="1" wrap="square" lIns="91425" tIns="91425" rIns="91425" bIns="91425" anchor="ctr" anchorCtr="0">
             <a:noAutofit/>
           </a:bodyPr>
           <a:lstStyle/>
           <a:p>
-            <a:pPr indent="0" lvl="0" marL="0" rtl="0" algn="l">
+            <a:pPr marL="0" lvl="0" indent="0" algn="l" rtl="0">
               <a:spcBef>
                 <a:spcPts val="0"/>
               </a:spcBef>
@@ -3415,9 +3546,6 @@
               </a:spcAft>
               <a:buNone/>
             </a:pPr>
-            <a:r>
-              <a:t/>
-            </a:r>
             <a:endParaRPr/>
           </a:p>
         </p:txBody>
@@ -3425,9 +3553,11 @@
       <p:sp>
         <p:nvSpPr>
           <p:cNvPr id="50" name="Google Shape;50;p11"/>
-          <p:cNvSpPr txBox="1"/>
+          <p:cNvSpPr txBox="1">
+            <a:spLocks noGrp="1"/>
+          </p:cNvSpPr>
           <p:nvPr>
-            <p:ph hasCustomPrompt="1" type="title"/>
+            <p:ph type="title" hasCustomPrompt="1"/>
           </p:nvPr>
         </p:nvSpPr>
         <p:spPr>
@@ -3440,7 +3570,7 @@
           </a:prstGeom>
         </p:spPr>
         <p:txBody>
-          <a:bodyPr anchorCtr="0" anchor="ctr" bIns="91425" lIns="91425" spcFirstLastPara="1" rIns="91425" wrap="square" tIns="91425"/>
+          <a:bodyPr spcFirstLastPara="1" wrap="square" lIns="91425" tIns="91425" rIns="91425" bIns="91425" anchor="ctr" anchorCtr="0"/>
           <a:lstStyle>
             <a:lvl1pPr lvl="0" algn="ctr">
               <a:spcBef>
@@ -3451,7 +3581,7 @@
               </a:spcAft>
               <a:buSzPts val="14000"/>
               <a:buNone/>
-              <a:defRPr b="1" sz="14000"/>
+              <a:defRPr sz="14000" b="1"/>
             </a:lvl1pPr>
             <a:lvl2pPr lvl="1" algn="ctr">
               <a:spcBef>
@@ -3462,7 +3592,7 @@
               </a:spcAft>
               <a:buSzPts val="14000"/>
               <a:buNone/>
-              <a:defRPr b="1" sz="14000"/>
+              <a:defRPr sz="14000" b="1"/>
             </a:lvl2pPr>
             <a:lvl3pPr lvl="2" algn="ctr">
               <a:spcBef>
@@ -3473,7 +3603,7 @@
               </a:spcAft>
               <a:buSzPts val="14000"/>
               <a:buNone/>
-              <a:defRPr b="1" sz="14000"/>
+              <a:defRPr sz="14000" b="1"/>
             </a:lvl3pPr>
             <a:lvl4pPr lvl="3" algn="ctr">
               <a:spcBef>
@@ -3484,7 +3614,7 @@
               </a:spcAft>
               <a:buSzPts val="14000"/>
               <a:buNone/>
-              <a:defRPr b="1" sz="14000"/>
+              <a:defRPr sz="14000" b="1"/>
             </a:lvl4pPr>
             <a:lvl5pPr lvl="4" algn="ctr">
               <a:spcBef>
@@ -3495,7 +3625,7 @@
               </a:spcAft>
               <a:buSzPts val="14000"/>
               <a:buNone/>
-              <a:defRPr b="1" sz="14000"/>
+              <a:defRPr sz="14000" b="1"/>
             </a:lvl5pPr>
             <a:lvl6pPr lvl="5" algn="ctr">
               <a:spcBef>
@@ -3506,7 +3636,7 @@
               </a:spcAft>
               <a:buSzPts val="14000"/>
               <a:buNone/>
-              <a:defRPr b="1" sz="14000"/>
+              <a:defRPr sz="14000" b="1"/>
             </a:lvl6pPr>
             <a:lvl7pPr lvl="6" algn="ctr">
               <a:spcBef>
@@ -3517,7 +3647,7 @@
               </a:spcAft>
               <a:buSzPts val="14000"/>
               <a:buNone/>
-              <a:defRPr b="1" sz="14000"/>
+              <a:defRPr sz="14000" b="1"/>
             </a:lvl7pPr>
             <a:lvl8pPr lvl="7" algn="ctr">
               <a:spcBef>
@@ -3528,7 +3658,7 @@
               </a:spcAft>
               <a:buSzPts val="14000"/>
               <a:buNone/>
-              <a:defRPr b="1" sz="14000"/>
+              <a:defRPr sz="14000" b="1"/>
             </a:lvl8pPr>
             <a:lvl9pPr lvl="8" algn="ctr">
               <a:spcBef>
@@ -3539,7 +3669,7 @@
               </a:spcAft>
               <a:buSzPts val="14000"/>
               <a:buNone/>
-              <a:defRPr b="1" sz="14000"/>
+              <a:defRPr sz="14000" b="1"/>
             </a:lvl9pPr>
           </a:lstStyle>
           <a:p>
@@ -3552,9 +3682,11 @@
       <p:sp>
         <p:nvSpPr>
           <p:cNvPr id="51" name="Google Shape;51;p11"/>
-          <p:cNvSpPr txBox="1"/>
+          <p:cNvSpPr txBox="1">
+            <a:spLocks noGrp="1"/>
+          </p:cNvSpPr>
           <p:nvPr>
-            <p:ph idx="1" type="body"/>
+            <p:ph type="body" idx="1"/>
           </p:nvPr>
         </p:nvSpPr>
         <p:spPr>
@@ -3567,9 +3699,9 @@
           </a:prstGeom>
         </p:spPr>
         <p:txBody>
-          <a:bodyPr anchorCtr="0" anchor="t" bIns="91425" lIns="91425" spcFirstLastPara="1" rIns="91425" wrap="square" tIns="91425"/>
+          <a:bodyPr spcFirstLastPara="1" wrap="square" lIns="91425" tIns="91425" rIns="91425" bIns="91425" anchor="t" anchorCtr="0"/>
           <a:lstStyle>
-            <a:lvl1pPr indent="-342900" lvl="0" marL="457200" algn="ctr">
+            <a:lvl1pPr marL="457200" lvl="0" indent="-342900" algn="ctr">
               <a:spcBef>
                 <a:spcPts val="0"/>
               </a:spcBef>
@@ -3580,7 +3712,7 @@
               <a:buChar char="●"/>
               <a:defRPr/>
             </a:lvl1pPr>
-            <a:lvl2pPr indent="-317500" lvl="1" marL="914400" algn="ctr">
+            <a:lvl2pPr marL="914400" lvl="1" indent="-317500" algn="ctr">
               <a:spcBef>
                 <a:spcPts val="1600"/>
               </a:spcBef>
@@ -3591,7 +3723,7 @@
               <a:buChar char="○"/>
               <a:defRPr/>
             </a:lvl2pPr>
-            <a:lvl3pPr indent="-317500" lvl="2" marL="1371600" algn="ctr">
+            <a:lvl3pPr marL="1371600" lvl="2" indent="-317500" algn="ctr">
               <a:spcBef>
                 <a:spcPts val="1600"/>
               </a:spcBef>
@@ -3602,7 +3734,7 @@
               <a:buChar char="■"/>
               <a:defRPr/>
             </a:lvl3pPr>
-            <a:lvl4pPr indent="-317500" lvl="3" marL="1828800" algn="ctr">
+            <a:lvl4pPr marL="1828800" lvl="3" indent="-317500" algn="ctr">
               <a:spcBef>
                 <a:spcPts val="1600"/>
               </a:spcBef>
@@ -3613,7 +3745,7 @@
               <a:buChar char="●"/>
               <a:defRPr/>
             </a:lvl4pPr>
-            <a:lvl5pPr indent="-317500" lvl="4" marL="2286000" algn="ctr">
+            <a:lvl5pPr marL="2286000" lvl="4" indent="-317500" algn="ctr">
               <a:spcBef>
                 <a:spcPts val="1600"/>
               </a:spcBef>
@@ -3624,7 +3756,7 @@
               <a:buChar char="○"/>
               <a:defRPr/>
             </a:lvl5pPr>
-            <a:lvl6pPr indent="-317500" lvl="5" marL="2743200" algn="ctr">
+            <a:lvl6pPr marL="2743200" lvl="5" indent="-317500" algn="ctr">
               <a:spcBef>
                 <a:spcPts val="1600"/>
               </a:spcBef>
@@ -3635,7 +3767,7 @@
               <a:buChar char="■"/>
               <a:defRPr/>
             </a:lvl6pPr>
-            <a:lvl7pPr indent="-317500" lvl="6" marL="3200400" algn="ctr">
+            <a:lvl7pPr marL="3200400" lvl="6" indent="-317500" algn="ctr">
               <a:spcBef>
                 <a:spcPts val="1600"/>
               </a:spcBef>
@@ -3646,7 +3778,7 @@
               <a:buChar char="●"/>
               <a:defRPr/>
             </a:lvl7pPr>
-            <a:lvl8pPr indent="-317500" lvl="7" marL="3657600" algn="ctr">
+            <a:lvl8pPr marL="3657600" lvl="7" indent="-317500" algn="ctr">
               <a:spcBef>
                 <a:spcPts val="1600"/>
               </a:spcBef>
@@ -3657,7 +3789,7 @@
               <a:buChar char="○"/>
               <a:defRPr/>
             </a:lvl8pPr>
-            <a:lvl9pPr indent="-317500" lvl="8" marL="4114800" algn="ctr">
+            <a:lvl9pPr marL="4114800" lvl="8" indent="-317500" algn="ctr">
               <a:spcBef>
                 <a:spcPts val="1600"/>
               </a:spcBef>
@@ -3669,15 +3801,19 @@
               <a:defRPr/>
             </a:lvl9pPr>
           </a:lstStyle>
-          <a:p/>
+          <a:p>
+            <a:endParaRPr/>
+          </a:p>
         </p:txBody>
       </p:sp>
       <p:sp>
         <p:nvSpPr>
           <p:cNvPr id="52" name="Google Shape;52;p11"/>
-          <p:cNvSpPr txBox="1"/>
+          <p:cNvSpPr txBox="1">
+            <a:spLocks noGrp="1"/>
+          </p:cNvSpPr>
           <p:nvPr>
-            <p:ph idx="12" type="sldNum"/>
+            <p:ph type="sldNum" idx="12"/>
           </p:nvPr>
         </p:nvSpPr>
         <p:spPr>
@@ -3690,7 +3826,7 @@
           </a:prstGeom>
         </p:spPr>
         <p:txBody>
-          <a:bodyPr anchorCtr="0" anchor="ctr" bIns="91425" lIns="91425" spcFirstLastPara="1" rIns="91425" wrap="square" tIns="91425">
+          <a:bodyPr spcFirstLastPara="1" wrap="square" lIns="91425" tIns="91425" rIns="91425" bIns="91425" anchor="ctr" anchorCtr="0">
             <a:noAutofit/>
           </a:bodyPr>
           <a:lstStyle>
@@ -3732,7 +3868,7 @@
             </a:lvl9pPr>
           </a:lstStyle>
           <a:p>
-            <a:pPr indent="0" lvl="0" marL="0" rtl="0" algn="r">
+            <a:pPr marL="0" lvl="0" indent="0" algn="r" rtl="0">
               <a:spcBef>
                 <a:spcPts val="0"/>
               </a:spcBef>
@@ -3758,11 +3894,11 @@
 </file>
 
 <file path=ppt/slideLayouts/slideLayout11.xml><?xml version="1.0" encoding="utf-8"?>
-<p:sldLayout xmlns:a="http://schemas.openxmlformats.org/drawingml/2006/main" xmlns:r="http://schemas.openxmlformats.org/officeDocument/2006/relationships" xmlns:mc="http://schemas.openxmlformats.org/markup-compatibility/2006" xmlns:mv="urn:schemas-microsoft-com:mac:vml" xmlns:p="http://schemas.openxmlformats.org/presentationml/2006/main" xmlns:c="http://schemas.openxmlformats.org/drawingml/2006/chart" xmlns:dgm="http://schemas.openxmlformats.org/drawingml/2006/diagram" xmlns:o="urn:schemas-microsoft-com:office:office" xmlns:v="urn:schemas-microsoft-com:vml" xmlns:pvml="urn:schemas-microsoft-com:office:powerpoint" xmlns:com="http://schemas.openxmlformats.org/drawingml/2006/compatibility" xmlns:p14="http://schemas.microsoft.com/office/powerpoint/2010/main" xmlns:p15="http://schemas.microsoft.com/office/powerpoint/2012/main" matchingName="Blank" type="blank">
+<p:sldLayout xmlns:a="http://schemas.openxmlformats.org/drawingml/2006/main" xmlns:r="http://schemas.openxmlformats.org/officeDocument/2006/relationships" xmlns:p="http://schemas.openxmlformats.org/presentationml/2006/main" matchingName="Blank" type="blank">
   <p:cSld name="BLANK">
     <p:spTree>
       <p:nvGrpSpPr>
-        <p:cNvPr id="53" name="Shape 53"/>
+        <p:cNvPr id="1" name="Shape 53"/>
         <p:cNvGrpSpPr/>
         <p:nvPr/>
       </p:nvGrpSpPr>
@@ -3777,9 +3913,11 @@
       <p:sp>
         <p:nvSpPr>
           <p:cNvPr id="54" name="Google Shape;54;p12"/>
-          <p:cNvSpPr txBox="1"/>
+          <p:cNvSpPr txBox="1">
+            <a:spLocks noGrp="1"/>
+          </p:cNvSpPr>
           <p:nvPr>
-            <p:ph idx="12" type="sldNum"/>
+            <p:ph type="sldNum" idx="12"/>
           </p:nvPr>
         </p:nvSpPr>
         <p:spPr>
@@ -3792,7 +3930,7 @@
           </a:prstGeom>
         </p:spPr>
         <p:txBody>
-          <a:bodyPr anchorCtr="0" anchor="ctr" bIns="91425" lIns="91425" spcFirstLastPara="1" rIns="91425" wrap="square" tIns="91425">
+          <a:bodyPr spcFirstLastPara="1" wrap="square" lIns="91425" tIns="91425" rIns="91425" bIns="91425" anchor="ctr" anchorCtr="0">
             <a:noAutofit/>
           </a:bodyPr>
           <a:lstStyle>
@@ -3834,7 +3972,7 @@
             </a:lvl9pPr>
           </a:lstStyle>
           <a:p>
-            <a:pPr indent="0" lvl="0" marL="0" rtl="0" algn="r">
+            <a:pPr marL="0" lvl="0" indent="0" algn="r" rtl="0">
               <a:spcBef>
                 <a:spcPts val="0"/>
               </a:spcBef>
@@ -3860,18 +3998,19 @@
 </file>
 
 <file path=ppt/slideLayouts/slideLayout2.xml><?xml version="1.0" encoding="utf-8"?>
-<p:sldLayout xmlns:a="http://schemas.openxmlformats.org/drawingml/2006/main" xmlns:r="http://schemas.openxmlformats.org/officeDocument/2006/relationships" xmlns:mc="http://schemas.openxmlformats.org/markup-compatibility/2006" xmlns:mv="urn:schemas-microsoft-com:mac:vml" xmlns:p="http://schemas.openxmlformats.org/presentationml/2006/main" xmlns:c="http://schemas.openxmlformats.org/drawingml/2006/chart" xmlns:dgm="http://schemas.openxmlformats.org/drawingml/2006/diagram" xmlns:o="urn:schemas-microsoft-com:office:office" xmlns:v="urn:schemas-microsoft-com:vml" xmlns:pvml="urn:schemas-microsoft-com:office:powerpoint" xmlns:com="http://schemas.openxmlformats.org/drawingml/2006/compatibility" xmlns:p14="http://schemas.microsoft.com/office/powerpoint/2010/main" xmlns:p15="http://schemas.microsoft.com/office/powerpoint/2012/main" matchingName="Section header" type="secHead">
+<p:sldLayout xmlns:a="http://schemas.openxmlformats.org/drawingml/2006/main" xmlns:r="http://schemas.openxmlformats.org/officeDocument/2006/relationships" xmlns:p="http://schemas.openxmlformats.org/presentationml/2006/main" matchingName="Section header" type="secHead">
   <p:cSld name="SECTION_HEADER">
     <p:bg>
       <p:bgPr>
         <a:solidFill>
           <a:schemeClr val="dk1"/>
         </a:solidFill>
+        <a:effectLst/>
       </p:bgPr>
     </p:bg>
     <p:spTree>
       <p:nvGrpSpPr>
-        <p:cNvPr id="14" name="Shape 14"/>
+        <p:cNvPr id="1" name="Shape 14"/>
         <p:cNvGrpSpPr/>
         <p:nvPr/>
       </p:nvGrpSpPr>
@@ -3898,21 +4037,23 @@
             <a:avLst/>
           </a:prstGeom>
           <a:noFill/>
-          <a:ln cap="flat" cmpd="sng" w="19050">
+          <a:ln w="19050" cap="flat" cmpd="sng">
             <a:solidFill>
               <a:schemeClr val="lt2"/>
             </a:solidFill>
             <a:prstDash val="solid"/>
             <a:round/>
-            <a:headEnd len="sm" w="sm" type="none"/>
-            <a:tailEnd len="sm" w="sm" type="none"/>
+            <a:headEnd type="none" w="sm" len="sm"/>
+            <a:tailEnd type="none" w="sm" len="sm"/>
           </a:ln>
         </p:spPr>
       </p:cxnSp>
       <p:sp>
         <p:nvSpPr>
           <p:cNvPr id="16" name="Google Shape;16;p3"/>
-          <p:cNvSpPr txBox="1"/>
+          <p:cNvSpPr txBox="1">
+            <a:spLocks noGrp="1"/>
+          </p:cNvSpPr>
           <p:nvPr>
             <p:ph type="title"/>
           </p:nvPr>
@@ -3927,7 +4068,7 @@
           </a:prstGeom>
         </p:spPr>
         <p:txBody>
-          <a:bodyPr anchorCtr="0" anchor="b" bIns="91425" lIns="91425" spcFirstLastPara="1" rIns="91425" wrap="square" tIns="91425"/>
+          <a:bodyPr spcFirstLastPara="1" wrap="square" lIns="91425" tIns="91425" rIns="91425" bIns="91425" anchor="b" anchorCtr="0"/>
           <a:lstStyle>
             <a:lvl1pPr lvl="0">
               <a:spcBef>
@@ -4092,15 +4233,19 @@
               </a:defRPr>
             </a:lvl9pPr>
           </a:lstStyle>
-          <a:p/>
+          <a:p>
+            <a:endParaRPr/>
+          </a:p>
         </p:txBody>
       </p:sp>
       <p:sp>
         <p:nvSpPr>
           <p:cNvPr id="17" name="Google Shape;17;p3"/>
-          <p:cNvSpPr txBox="1"/>
+          <p:cNvSpPr txBox="1">
+            <a:spLocks noGrp="1"/>
+          </p:cNvSpPr>
           <p:nvPr>
-            <p:ph idx="12" type="sldNum"/>
+            <p:ph type="sldNum" idx="12"/>
           </p:nvPr>
         </p:nvSpPr>
         <p:spPr>
@@ -4113,7 +4258,7 @@
           </a:prstGeom>
         </p:spPr>
         <p:txBody>
-          <a:bodyPr anchorCtr="0" anchor="ctr" bIns="91425" lIns="91425" spcFirstLastPara="1" rIns="91425" wrap="square" tIns="91425">
+          <a:bodyPr spcFirstLastPara="1" wrap="square" lIns="91425" tIns="91425" rIns="91425" bIns="91425" anchor="ctr" anchorCtr="0">
             <a:noAutofit/>
           </a:bodyPr>
           <a:lstStyle>
@@ -4191,7 +4336,7 @@
             </a:lvl9pPr>
           </a:lstStyle>
           <a:p>
-            <a:pPr indent="0" lvl="0" marL="0" rtl="0" algn="r">
+            <a:pPr marL="0" lvl="0" indent="0" algn="r" rtl="0">
               <a:spcBef>
                 <a:spcPts val="0"/>
               </a:spcBef>
@@ -4217,11 +4362,11 @@
 </file>
 
 <file path=ppt/slideLayouts/slideLayout3.xml><?xml version="1.0" encoding="utf-8"?>
-<p:sldLayout xmlns:a="http://schemas.openxmlformats.org/drawingml/2006/main" xmlns:r="http://schemas.openxmlformats.org/officeDocument/2006/relationships" xmlns:mc="http://schemas.openxmlformats.org/markup-compatibility/2006" xmlns:mv="urn:schemas-microsoft-com:mac:vml" xmlns:p="http://schemas.openxmlformats.org/presentationml/2006/main" xmlns:c="http://schemas.openxmlformats.org/drawingml/2006/chart" xmlns:dgm="http://schemas.openxmlformats.org/drawingml/2006/diagram" xmlns:o="urn:schemas-microsoft-com:office:office" xmlns:v="urn:schemas-microsoft-com:vml" xmlns:pvml="urn:schemas-microsoft-com:office:powerpoint" xmlns:com="http://schemas.openxmlformats.org/drawingml/2006/compatibility" xmlns:p14="http://schemas.microsoft.com/office/powerpoint/2010/main" xmlns:p15="http://schemas.microsoft.com/office/powerpoint/2012/main" matchingName="Title and body" type="tx">
+<p:sldLayout xmlns:a="http://schemas.openxmlformats.org/drawingml/2006/main" xmlns:r="http://schemas.openxmlformats.org/officeDocument/2006/relationships" xmlns:p="http://schemas.openxmlformats.org/presentationml/2006/main" matchingName="Title and body" type="tx">
   <p:cSld name="TITLE_AND_BODY">
     <p:spTree>
       <p:nvGrpSpPr>
-        <p:cNvPr id="18" name="Shape 18"/>
+        <p:cNvPr id="1" name="Shape 18"/>
         <p:cNvGrpSpPr/>
         <p:nvPr/>
       </p:nvGrpSpPr>
@@ -4255,12 +4400,12 @@
           </a:ln>
         </p:spPr>
         <p:txBody>
-          <a:bodyPr anchorCtr="0" anchor="ctr" bIns="91425" lIns="91425" spcFirstLastPara="1" rIns="91425" wrap="square" tIns="91425">
+          <a:bodyPr spcFirstLastPara="1" wrap="square" lIns="91425" tIns="91425" rIns="91425" bIns="91425" anchor="ctr" anchorCtr="0">
             <a:noAutofit/>
           </a:bodyPr>
           <a:lstStyle/>
           <a:p>
-            <a:pPr indent="0" lvl="0" marL="0" rtl="0" algn="l">
+            <a:pPr marL="0" lvl="0" indent="0" algn="l" rtl="0">
               <a:spcBef>
                 <a:spcPts val="0"/>
               </a:spcBef>
@@ -4269,9 +4414,6 @@
               </a:spcAft>
               <a:buNone/>
             </a:pPr>
-            <a:r>
-              <a:t/>
-            </a:r>
             <a:endParaRPr/>
           </a:p>
         </p:txBody>
@@ -4279,7 +4421,9 @@
       <p:sp>
         <p:nvSpPr>
           <p:cNvPr id="20" name="Google Shape;20;p4"/>
-          <p:cNvSpPr txBox="1"/>
+          <p:cNvSpPr txBox="1">
+            <a:spLocks noGrp="1"/>
+          </p:cNvSpPr>
           <p:nvPr>
             <p:ph type="title"/>
           </p:nvPr>
@@ -4294,7 +4438,7 @@
           </a:prstGeom>
         </p:spPr>
         <p:txBody>
-          <a:bodyPr anchorCtr="0" anchor="t" bIns="91425" lIns="91425" spcFirstLastPara="1" rIns="91425" wrap="square" tIns="91425"/>
+          <a:bodyPr spcFirstLastPara="1" wrap="square" lIns="91425" tIns="91425" rIns="91425" bIns="91425" anchor="t" anchorCtr="0"/>
           <a:lstStyle>
             <a:lvl1pPr lvl="0">
               <a:spcBef>
@@ -4396,15 +4540,19 @@
               <a:defRPr/>
             </a:lvl9pPr>
           </a:lstStyle>
-          <a:p/>
+          <a:p>
+            <a:endParaRPr/>
+          </a:p>
         </p:txBody>
       </p:sp>
       <p:sp>
         <p:nvSpPr>
           <p:cNvPr id="21" name="Google Shape;21;p4"/>
-          <p:cNvSpPr txBox="1"/>
+          <p:cNvSpPr txBox="1">
+            <a:spLocks noGrp="1"/>
+          </p:cNvSpPr>
           <p:nvPr>
-            <p:ph idx="1" type="body"/>
+            <p:ph type="body" idx="1"/>
           </p:nvPr>
         </p:nvSpPr>
         <p:spPr>
@@ -4417,9 +4565,9 @@
           </a:prstGeom>
         </p:spPr>
         <p:txBody>
-          <a:bodyPr anchorCtr="0" anchor="t" bIns="91425" lIns="91425" spcFirstLastPara="1" rIns="91425" wrap="square" tIns="91425"/>
+          <a:bodyPr spcFirstLastPara="1" wrap="square" lIns="91425" tIns="91425" rIns="91425" bIns="91425" anchor="t" anchorCtr="0"/>
           <a:lstStyle>
-            <a:lvl1pPr indent="-342900" lvl="0" marL="457200">
+            <a:lvl1pPr marL="457200" lvl="0" indent="-342900">
               <a:spcBef>
                 <a:spcPts val="0"/>
               </a:spcBef>
@@ -4430,7 +4578,7 @@
               <a:buChar char="●"/>
               <a:defRPr/>
             </a:lvl1pPr>
-            <a:lvl2pPr indent="-317500" lvl="1" marL="914400">
+            <a:lvl2pPr marL="914400" lvl="1" indent="-317500">
               <a:spcBef>
                 <a:spcPts val="1600"/>
               </a:spcBef>
@@ -4441,7 +4589,7 @@
               <a:buChar char="○"/>
               <a:defRPr/>
             </a:lvl2pPr>
-            <a:lvl3pPr indent="-317500" lvl="2" marL="1371600">
+            <a:lvl3pPr marL="1371600" lvl="2" indent="-317500">
               <a:spcBef>
                 <a:spcPts val="1600"/>
               </a:spcBef>
@@ -4452,7 +4600,7 @@
               <a:buChar char="■"/>
               <a:defRPr/>
             </a:lvl3pPr>
-            <a:lvl4pPr indent="-317500" lvl="3" marL="1828800">
+            <a:lvl4pPr marL="1828800" lvl="3" indent="-317500">
               <a:spcBef>
                 <a:spcPts val="1600"/>
               </a:spcBef>
@@ -4463,7 +4611,7 @@
               <a:buChar char="●"/>
               <a:defRPr/>
             </a:lvl4pPr>
-            <a:lvl5pPr indent="-317500" lvl="4" marL="2286000">
+            <a:lvl5pPr marL="2286000" lvl="4" indent="-317500">
               <a:spcBef>
                 <a:spcPts val="1600"/>
               </a:spcBef>
@@ -4474,7 +4622,7 @@
               <a:buChar char="○"/>
               <a:defRPr/>
             </a:lvl5pPr>
-            <a:lvl6pPr indent="-317500" lvl="5" marL="2743200">
+            <a:lvl6pPr marL="2743200" lvl="5" indent="-317500">
               <a:spcBef>
                 <a:spcPts val="1600"/>
               </a:spcBef>
@@ -4485,7 +4633,7 @@
               <a:buChar char="■"/>
               <a:defRPr/>
             </a:lvl6pPr>
-            <a:lvl7pPr indent="-317500" lvl="6" marL="3200400">
+            <a:lvl7pPr marL="3200400" lvl="6" indent="-317500">
               <a:spcBef>
                 <a:spcPts val="1600"/>
               </a:spcBef>
@@ -4496,7 +4644,7 @@
               <a:buChar char="●"/>
               <a:defRPr/>
             </a:lvl7pPr>
-            <a:lvl8pPr indent="-317500" lvl="7" marL="3657600">
+            <a:lvl8pPr marL="3657600" lvl="7" indent="-317500">
               <a:spcBef>
                 <a:spcPts val="1600"/>
               </a:spcBef>
@@ -4507,7 +4655,7 @@
               <a:buChar char="○"/>
               <a:defRPr/>
             </a:lvl8pPr>
-            <a:lvl9pPr indent="-317500" lvl="8" marL="4114800">
+            <a:lvl9pPr marL="4114800" lvl="8" indent="-317500">
               <a:spcBef>
                 <a:spcPts val="1600"/>
               </a:spcBef>
@@ -4519,15 +4667,19 @@
               <a:defRPr/>
             </a:lvl9pPr>
           </a:lstStyle>
-          <a:p/>
+          <a:p>
+            <a:endParaRPr/>
+          </a:p>
         </p:txBody>
       </p:sp>
       <p:sp>
         <p:nvSpPr>
           <p:cNvPr id="22" name="Google Shape;22;p4"/>
-          <p:cNvSpPr txBox="1"/>
+          <p:cNvSpPr txBox="1">
+            <a:spLocks noGrp="1"/>
+          </p:cNvSpPr>
           <p:nvPr>
-            <p:ph idx="12" type="sldNum"/>
+            <p:ph type="sldNum" idx="12"/>
           </p:nvPr>
         </p:nvSpPr>
         <p:spPr>
@@ -4540,7 +4692,7 @@
           </a:prstGeom>
         </p:spPr>
         <p:txBody>
-          <a:bodyPr anchorCtr="0" anchor="ctr" bIns="91425" lIns="91425" spcFirstLastPara="1" rIns="91425" wrap="square" tIns="91425">
+          <a:bodyPr spcFirstLastPara="1" wrap="square" lIns="91425" tIns="91425" rIns="91425" bIns="91425" anchor="ctr" anchorCtr="0">
             <a:noAutofit/>
           </a:bodyPr>
           <a:lstStyle>
@@ -4582,7 +4734,7 @@
             </a:lvl9pPr>
           </a:lstStyle>
           <a:p>
-            <a:pPr indent="0" lvl="0" marL="0" rtl="0" algn="r">
+            <a:pPr marL="0" lvl="0" indent="0" algn="r" rtl="0">
               <a:spcBef>
                 <a:spcPts val="0"/>
               </a:spcBef>
@@ -4608,11 +4760,11 @@
 </file>
 
 <file path=ppt/slideLayouts/slideLayout4.xml><?xml version="1.0" encoding="utf-8"?>
-<p:sldLayout xmlns:a="http://schemas.openxmlformats.org/drawingml/2006/main" xmlns:r="http://schemas.openxmlformats.org/officeDocument/2006/relationships" xmlns:mc="http://schemas.openxmlformats.org/markup-compatibility/2006" xmlns:mv="urn:schemas-microsoft-com:mac:vml" xmlns:p="http://schemas.openxmlformats.org/presentationml/2006/main" xmlns:c="http://schemas.openxmlformats.org/drawingml/2006/chart" xmlns:dgm="http://schemas.openxmlformats.org/drawingml/2006/diagram" xmlns:o="urn:schemas-microsoft-com:office:office" xmlns:v="urn:schemas-microsoft-com:vml" xmlns:pvml="urn:schemas-microsoft-com:office:powerpoint" xmlns:com="http://schemas.openxmlformats.org/drawingml/2006/compatibility" xmlns:p14="http://schemas.microsoft.com/office/powerpoint/2010/main" xmlns:p15="http://schemas.microsoft.com/office/powerpoint/2012/main" matchingName="Title and two columns" type="twoColTx">
+<p:sldLayout xmlns:a="http://schemas.openxmlformats.org/drawingml/2006/main" xmlns:r="http://schemas.openxmlformats.org/officeDocument/2006/relationships" xmlns:p="http://schemas.openxmlformats.org/presentationml/2006/main" matchingName="Title and two columns" type="twoColTx">
   <p:cSld name="TITLE_AND_TWO_COLUMNS">
     <p:spTree>
       <p:nvGrpSpPr>
-        <p:cNvPr id="23" name="Shape 23"/>
+        <p:cNvPr id="1" name="Shape 23"/>
         <p:cNvGrpSpPr/>
         <p:nvPr/>
       </p:nvGrpSpPr>
@@ -4627,7 +4779,9 @@
       <p:sp>
         <p:nvSpPr>
           <p:cNvPr id="24" name="Google Shape;24;p5"/>
-          <p:cNvSpPr txBox="1"/>
+          <p:cNvSpPr txBox="1">
+            <a:spLocks noGrp="1"/>
+          </p:cNvSpPr>
           <p:nvPr>
             <p:ph type="title"/>
           </p:nvPr>
@@ -4642,7 +4796,7 @@
           </a:prstGeom>
         </p:spPr>
         <p:txBody>
-          <a:bodyPr anchorCtr="0" anchor="t" bIns="91425" lIns="91425" spcFirstLastPara="1" rIns="91425" wrap="square" tIns="91425"/>
+          <a:bodyPr spcFirstLastPara="1" wrap="square" lIns="91425" tIns="91425" rIns="91425" bIns="91425" anchor="t" anchorCtr="0"/>
           <a:lstStyle>
             <a:lvl1pPr lvl="0">
               <a:spcBef>
@@ -4744,15 +4898,19 @@
               <a:defRPr/>
             </a:lvl9pPr>
           </a:lstStyle>
-          <a:p/>
+          <a:p>
+            <a:endParaRPr/>
+          </a:p>
         </p:txBody>
       </p:sp>
       <p:sp>
         <p:nvSpPr>
           <p:cNvPr id="25" name="Google Shape;25;p5"/>
-          <p:cNvSpPr txBox="1"/>
+          <p:cNvSpPr txBox="1">
+            <a:spLocks noGrp="1"/>
+          </p:cNvSpPr>
           <p:nvPr>
-            <p:ph idx="1" type="body"/>
+            <p:ph type="body" idx="1"/>
           </p:nvPr>
         </p:nvSpPr>
         <p:spPr>
@@ -4765,9 +4923,9 @@
           </a:prstGeom>
         </p:spPr>
         <p:txBody>
-          <a:bodyPr anchorCtr="0" anchor="t" bIns="91425" lIns="91425" spcFirstLastPara="1" rIns="91425" wrap="square" tIns="91425"/>
+          <a:bodyPr spcFirstLastPara="1" wrap="square" lIns="91425" tIns="91425" rIns="91425" bIns="91425" anchor="t" anchorCtr="0"/>
           <a:lstStyle>
-            <a:lvl1pPr indent="-317500" lvl="0" marL="457200">
+            <a:lvl1pPr marL="457200" lvl="0" indent="-317500">
               <a:spcBef>
                 <a:spcPts val="0"/>
               </a:spcBef>
@@ -4778,7 +4936,7 @@
               <a:buChar char="●"/>
               <a:defRPr sz="1400"/>
             </a:lvl1pPr>
-            <a:lvl2pPr indent="-304800" lvl="1" marL="914400">
+            <a:lvl2pPr marL="914400" lvl="1" indent="-304800">
               <a:spcBef>
                 <a:spcPts val="1600"/>
               </a:spcBef>
@@ -4789,7 +4947,7 @@
               <a:buChar char="○"/>
               <a:defRPr sz="1200"/>
             </a:lvl2pPr>
-            <a:lvl3pPr indent="-304800" lvl="2" marL="1371600">
+            <a:lvl3pPr marL="1371600" lvl="2" indent="-304800">
               <a:spcBef>
                 <a:spcPts val="1600"/>
               </a:spcBef>
@@ -4800,7 +4958,7 @@
               <a:buChar char="■"/>
               <a:defRPr sz="1200"/>
             </a:lvl3pPr>
-            <a:lvl4pPr indent="-304800" lvl="3" marL="1828800">
+            <a:lvl4pPr marL="1828800" lvl="3" indent="-304800">
               <a:spcBef>
                 <a:spcPts val="1600"/>
               </a:spcBef>
@@ -4811,7 +4969,7 @@
               <a:buChar char="●"/>
               <a:defRPr sz="1200"/>
             </a:lvl4pPr>
-            <a:lvl5pPr indent="-304800" lvl="4" marL="2286000">
+            <a:lvl5pPr marL="2286000" lvl="4" indent="-304800">
               <a:spcBef>
                 <a:spcPts val="1600"/>
               </a:spcBef>
@@ -4822,7 +4980,7 @@
               <a:buChar char="○"/>
               <a:defRPr sz="1200"/>
             </a:lvl5pPr>
-            <a:lvl6pPr indent="-304800" lvl="5" marL="2743200">
+            <a:lvl6pPr marL="2743200" lvl="5" indent="-304800">
               <a:spcBef>
                 <a:spcPts val="1600"/>
               </a:spcBef>
@@ -4833,7 +4991,7 @@
               <a:buChar char="■"/>
               <a:defRPr sz="1200"/>
             </a:lvl6pPr>
-            <a:lvl7pPr indent="-304800" lvl="6" marL="3200400">
+            <a:lvl7pPr marL="3200400" lvl="6" indent="-304800">
               <a:spcBef>
                 <a:spcPts val="1600"/>
               </a:spcBef>
@@ -4844,7 +5002,7 @@
               <a:buChar char="●"/>
               <a:defRPr sz="1200"/>
             </a:lvl7pPr>
-            <a:lvl8pPr indent="-304800" lvl="7" marL="3657600">
+            <a:lvl8pPr marL="3657600" lvl="7" indent="-304800">
               <a:spcBef>
                 <a:spcPts val="1600"/>
               </a:spcBef>
@@ -4855,7 +5013,7 @@
               <a:buChar char="○"/>
               <a:defRPr sz="1200"/>
             </a:lvl8pPr>
-            <a:lvl9pPr indent="-304800" lvl="8" marL="4114800">
+            <a:lvl9pPr marL="4114800" lvl="8" indent="-304800">
               <a:spcBef>
                 <a:spcPts val="1600"/>
               </a:spcBef>
@@ -4867,15 +5025,19 @@
               <a:defRPr sz="1200"/>
             </a:lvl9pPr>
           </a:lstStyle>
-          <a:p/>
+          <a:p>
+            <a:endParaRPr/>
+          </a:p>
         </p:txBody>
       </p:sp>
       <p:sp>
         <p:nvSpPr>
           <p:cNvPr id="26" name="Google Shape;26;p5"/>
-          <p:cNvSpPr txBox="1"/>
+          <p:cNvSpPr txBox="1">
+            <a:spLocks noGrp="1"/>
+          </p:cNvSpPr>
           <p:nvPr>
-            <p:ph idx="2" type="body"/>
+            <p:ph type="body" idx="2"/>
           </p:nvPr>
         </p:nvSpPr>
         <p:spPr>
@@ -4888,9 +5050,9 @@
           </a:prstGeom>
         </p:spPr>
         <p:txBody>
-          <a:bodyPr anchorCtr="0" anchor="t" bIns="91425" lIns="91425" spcFirstLastPara="1" rIns="91425" wrap="square" tIns="91425"/>
+          <a:bodyPr spcFirstLastPara="1" wrap="square" lIns="91425" tIns="91425" rIns="91425" bIns="91425" anchor="t" anchorCtr="0"/>
           <a:lstStyle>
-            <a:lvl1pPr indent="-317500" lvl="0" marL="457200">
+            <a:lvl1pPr marL="457200" lvl="0" indent="-317500">
               <a:spcBef>
                 <a:spcPts val="0"/>
               </a:spcBef>
@@ -4901,7 +5063,7 @@
               <a:buChar char="●"/>
               <a:defRPr sz="1400"/>
             </a:lvl1pPr>
-            <a:lvl2pPr indent="-304800" lvl="1" marL="914400">
+            <a:lvl2pPr marL="914400" lvl="1" indent="-304800">
               <a:spcBef>
                 <a:spcPts val="1600"/>
               </a:spcBef>
@@ -4912,7 +5074,7 @@
               <a:buChar char="○"/>
               <a:defRPr sz="1200"/>
             </a:lvl2pPr>
-            <a:lvl3pPr indent="-304800" lvl="2" marL="1371600">
+            <a:lvl3pPr marL="1371600" lvl="2" indent="-304800">
               <a:spcBef>
                 <a:spcPts val="1600"/>
               </a:spcBef>
@@ -4923,7 +5085,7 @@
               <a:buChar char="■"/>
               <a:defRPr sz="1200"/>
             </a:lvl3pPr>
-            <a:lvl4pPr indent="-304800" lvl="3" marL="1828800">
+            <a:lvl4pPr marL="1828800" lvl="3" indent="-304800">
               <a:spcBef>
                 <a:spcPts val="1600"/>
               </a:spcBef>
@@ -4934,7 +5096,7 @@
               <a:buChar char="●"/>
               <a:defRPr sz="1200"/>
             </a:lvl4pPr>
-            <a:lvl5pPr indent="-304800" lvl="4" marL="2286000">
+            <a:lvl5pPr marL="2286000" lvl="4" indent="-304800">
               <a:spcBef>
                 <a:spcPts val="1600"/>
               </a:spcBef>
@@ -4945,7 +5107,7 @@
               <a:buChar char="○"/>
               <a:defRPr sz="1200"/>
             </a:lvl5pPr>
-            <a:lvl6pPr indent="-304800" lvl="5" marL="2743200">
+            <a:lvl6pPr marL="2743200" lvl="5" indent="-304800">
               <a:spcBef>
                 <a:spcPts val="1600"/>
               </a:spcBef>
@@ -4956,7 +5118,7 @@
               <a:buChar char="■"/>
               <a:defRPr sz="1200"/>
             </a:lvl6pPr>
-            <a:lvl7pPr indent="-304800" lvl="6" marL="3200400">
+            <a:lvl7pPr marL="3200400" lvl="6" indent="-304800">
               <a:spcBef>
                 <a:spcPts val="1600"/>
               </a:spcBef>
@@ -4967,7 +5129,7 @@
               <a:buChar char="●"/>
               <a:defRPr sz="1200"/>
             </a:lvl7pPr>
-            <a:lvl8pPr indent="-304800" lvl="7" marL="3657600">
+            <a:lvl8pPr marL="3657600" lvl="7" indent="-304800">
               <a:spcBef>
                 <a:spcPts val="1600"/>
               </a:spcBef>
@@ -4978,7 +5140,7 @@
               <a:buChar char="○"/>
               <a:defRPr sz="1200"/>
             </a:lvl8pPr>
-            <a:lvl9pPr indent="-304800" lvl="8" marL="4114800">
+            <a:lvl9pPr marL="4114800" lvl="8" indent="-304800">
               <a:spcBef>
                 <a:spcPts val="1600"/>
               </a:spcBef>
@@ -4990,15 +5152,19 @@
               <a:defRPr sz="1200"/>
             </a:lvl9pPr>
           </a:lstStyle>
-          <a:p/>
+          <a:p>
+            <a:endParaRPr/>
+          </a:p>
         </p:txBody>
       </p:sp>
       <p:sp>
         <p:nvSpPr>
           <p:cNvPr id="27" name="Google Shape;27;p5"/>
-          <p:cNvSpPr txBox="1"/>
+          <p:cNvSpPr txBox="1">
+            <a:spLocks noGrp="1"/>
+          </p:cNvSpPr>
           <p:nvPr>
-            <p:ph idx="12" type="sldNum"/>
+            <p:ph type="sldNum" idx="12"/>
           </p:nvPr>
         </p:nvSpPr>
         <p:spPr>
@@ -5011,7 +5177,7 @@
           </a:prstGeom>
         </p:spPr>
         <p:txBody>
-          <a:bodyPr anchorCtr="0" anchor="ctr" bIns="91425" lIns="91425" spcFirstLastPara="1" rIns="91425" wrap="square" tIns="91425">
+          <a:bodyPr spcFirstLastPara="1" wrap="square" lIns="91425" tIns="91425" rIns="91425" bIns="91425" anchor="ctr" anchorCtr="0">
             <a:noAutofit/>
           </a:bodyPr>
           <a:lstStyle>
@@ -5053,7 +5219,7 @@
             </a:lvl9pPr>
           </a:lstStyle>
           <a:p>
-            <a:pPr indent="0" lvl="0" marL="0" rtl="0" algn="r">
+            <a:pPr marL="0" lvl="0" indent="0" algn="r" rtl="0">
               <a:spcBef>
                 <a:spcPts val="0"/>
               </a:spcBef>
@@ -5079,11 +5245,11 @@
 </file>
 
 <file path=ppt/slideLayouts/slideLayout5.xml><?xml version="1.0" encoding="utf-8"?>
-<p:sldLayout xmlns:a="http://schemas.openxmlformats.org/drawingml/2006/main" xmlns:r="http://schemas.openxmlformats.org/officeDocument/2006/relationships" xmlns:mc="http://schemas.openxmlformats.org/markup-compatibility/2006" xmlns:mv="urn:schemas-microsoft-com:mac:vml" xmlns:p="http://schemas.openxmlformats.org/presentationml/2006/main" xmlns:c="http://schemas.openxmlformats.org/drawingml/2006/chart" xmlns:dgm="http://schemas.openxmlformats.org/drawingml/2006/diagram" xmlns:o="urn:schemas-microsoft-com:office:office" xmlns:v="urn:schemas-microsoft-com:vml" xmlns:pvml="urn:schemas-microsoft-com:office:powerpoint" xmlns:com="http://schemas.openxmlformats.org/drawingml/2006/compatibility" xmlns:p14="http://schemas.microsoft.com/office/powerpoint/2010/main" xmlns:p15="http://schemas.microsoft.com/office/powerpoint/2012/main" matchingName="Title only" type="titleOnly">
+<p:sldLayout xmlns:a="http://schemas.openxmlformats.org/drawingml/2006/main" xmlns:r="http://schemas.openxmlformats.org/officeDocument/2006/relationships" xmlns:p="http://schemas.openxmlformats.org/presentationml/2006/main" matchingName="Title only" type="titleOnly">
   <p:cSld name="TITLE_ONLY">
     <p:spTree>
       <p:nvGrpSpPr>
-        <p:cNvPr id="28" name="Shape 28"/>
+        <p:cNvPr id="1" name="Shape 28"/>
         <p:cNvGrpSpPr/>
         <p:nvPr/>
       </p:nvGrpSpPr>
@@ -5098,7 +5264,9 @@
       <p:sp>
         <p:nvSpPr>
           <p:cNvPr id="29" name="Google Shape;29;p6"/>
-          <p:cNvSpPr txBox="1"/>
+          <p:cNvSpPr txBox="1">
+            <a:spLocks noGrp="1"/>
+          </p:cNvSpPr>
           <p:nvPr>
             <p:ph type="title"/>
           </p:nvPr>
@@ -5113,7 +5281,7 @@
           </a:prstGeom>
         </p:spPr>
         <p:txBody>
-          <a:bodyPr anchorCtr="0" anchor="t" bIns="91425" lIns="91425" spcFirstLastPara="1" rIns="91425" wrap="square" tIns="91425"/>
+          <a:bodyPr spcFirstLastPara="1" wrap="square" lIns="91425" tIns="91425" rIns="91425" bIns="91425" anchor="t" anchorCtr="0"/>
           <a:lstStyle>
             <a:lvl1pPr lvl="0">
               <a:spcBef>
@@ -5215,15 +5383,19 @@
               <a:defRPr/>
             </a:lvl9pPr>
           </a:lstStyle>
-          <a:p/>
+          <a:p>
+            <a:endParaRPr/>
+          </a:p>
         </p:txBody>
       </p:sp>
       <p:sp>
         <p:nvSpPr>
           <p:cNvPr id="30" name="Google Shape;30;p6"/>
-          <p:cNvSpPr txBox="1"/>
+          <p:cNvSpPr txBox="1">
+            <a:spLocks noGrp="1"/>
+          </p:cNvSpPr>
           <p:nvPr>
-            <p:ph idx="12" type="sldNum"/>
+            <p:ph type="sldNum" idx="12"/>
           </p:nvPr>
         </p:nvSpPr>
         <p:spPr>
@@ -5236,7 +5408,7 @@
           </a:prstGeom>
         </p:spPr>
         <p:txBody>
-          <a:bodyPr anchorCtr="0" anchor="ctr" bIns="91425" lIns="91425" spcFirstLastPara="1" rIns="91425" wrap="square" tIns="91425">
+          <a:bodyPr spcFirstLastPara="1" wrap="square" lIns="91425" tIns="91425" rIns="91425" bIns="91425" anchor="ctr" anchorCtr="0">
             <a:noAutofit/>
           </a:bodyPr>
           <a:lstStyle>
@@ -5278,7 +5450,7 @@
             </a:lvl9pPr>
           </a:lstStyle>
           <a:p>
-            <a:pPr indent="0" lvl="0" marL="0" rtl="0" algn="r">
+            <a:pPr marL="0" lvl="0" indent="0" algn="r" rtl="0">
               <a:spcBef>
                 <a:spcPts val="0"/>
               </a:spcBef>
@@ -5304,11 +5476,11 @@
 </file>
 
 <file path=ppt/slideLayouts/slideLayout6.xml><?xml version="1.0" encoding="utf-8"?>
-<p:sldLayout xmlns:a="http://schemas.openxmlformats.org/drawingml/2006/main" xmlns:r="http://schemas.openxmlformats.org/officeDocument/2006/relationships" xmlns:mc="http://schemas.openxmlformats.org/markup-compatibility/2006" xmlns:mv="urn:schemas-microsoft-com:mac:vml" xmlns:p="http://schemas.openxmlformats.org/presentationml/2006/main" xmlns:c="http://schemas.openxmlformats.org/drawingml/2006/chart" xmlns:dgm="http://schemas.openxmlformats.org/drawingml/2006/diagram" xmlns:o="urn:schemas-microsoft-com:office:office" xmlns:v="urn:schemas-microsoft-com:vml" xmlns:pvml="urn:schemas-microsoft-com:office:powerpoint" xmlns:com="http://schemas.openxmlformats.org/drawingml/2006/compatibility" xmlns:p14="http://schemas.microsoft.com/office/powerpoint/2010/main" xmlns:p15="http://schemas.microsoft.com/office/powerpoint/2012/main" matchingName="One column text">
+<p:sldLayout xmlns:a="http://schemas.openxmlformats.org/drawingml/2006/main" xmlns:r="http://schemas.openxmlformats.org/officeDocument/2006/relationships" xmlns:p="http://schemas.openxmlformats.org/presentationml/2006/main" matchingName="One column text">
   <p:cSld name="ONE_COLUMN_TEXT">
     <p:spTree>
       <p:nvGrpSpPr>
-        <p:cNvPr id="31" name="Shape 31"/>
+        <p:cNvPr id="1" name="Shape 31"/>
         <p:cNvGrpSpPr/>
         <p:nvPr/>
       </p:nvGrpSpPr>
@@ -5323,7 +5495,9 @@
       <p:sp>
         <p:nvSpPr>
           <p:cNvPr id="32" name="Google Shape;32;p7"/>
-          <p:cNvSpPr txBox="1"/>
+          <p:cNvSpPr txBox="1">
+            <a:spLocks noGrp="1"/>
+          </p:cNvSpPr>
           <p:nvPr>
             <p:ph type="title"/>
           </p:nvPr>
@@ -5338,7 +5512,7 @@
           </a:prstGeom>
         </p:spPr>
         <p:txBody>
-          <a:bodyPr anchorCtr="0" anchor="b" bIns="91425" lIns="91425" spcFirstLastPara="1" rIns="91425" wrap="square" tIns="91425"/>
+          <a:bodyPr spcFirstLastPara="1" wrap="square" lIns="91425" tIns="91425" rIns="91425" bIns="91425" anchor="b" anchorCtr="0"/>
           <a:lstStyle>
             <a:lvl1pPr lvl="0">
               <a:spcBef>
@@ -5440,15 +5614,19 @@
               <a:defRPr sz="2400"/>
             </a:lvl9pPr>
           </a:lstStyle>
-          <a:p/>
+          <a:p>
+            <a:endParaRPr/>
+          </a:p>
         </p:txBody>
       </p:sp>
       <p:sp>
         <p:nvSpPr>
           <p:cNvPr id="33" name="Google Shape;33;p7"/>
-          <p:cNvSpPr txBox="1"/>
+          <p:cNvSpPr txBox="1">
+            <a:spLocks noGrp="1"/>
+          </p:cNvSpPr>
           <p:nvPr>
-            <p:ph idx="1" type="body"/>
+            <p:ph type="body" idx="1"/>
           </p:nvPr>
         </p:nvSpPr>
         <p:spPr>
@@ -5461,9 +5639,9 @@
           </a:prstGeom>
         </p:spPr>
         <p:txBody>
-          <a:bodyPr anchorCtr="0" anchor="t" bIns="91425" lIns="91425" spcFirstLastPara="1" rIns="91425" wrap="square" tIns="91425"/>
+          <a:bodyPr spcFirstLastPara="1" wrap="square" lIns="91425" tIns="91425" rIns="91425" bIns="91425" anchor="t" anchorCtr="0"/>
           <a:lstStyle>
-            <a:lvl1pPr indent="-304800" lvl="0" marL="457200">
+            <a:lvl1pPr marL="457200" lvl="0" indent="-304800">
               <a:spcBef>
                 <a:spcPts val="0"/>
               </a:spcBef>
@@ -5474,7 +5652,7 @@
               <a:buChar char="●"/>
               <a:defRPr sz="1200"/>
             </a:lvl1pPr>
-            <a:lvl2pPr indent="-304800" lvl="1" marL="914400">
+            <a:lvl2pPr marL="914400" lvl="1" indent="-304800">
               <a:spcBef>
                 <a:spcPts val="1600"/>
               </a:spcBef>
@@ -5485,7 +5663,7 @@
               <a:buChar char="○"/>
               <a:defRPr sz="1200"/>
             </a:lvl2pPr>
-            <a:lvl3pPr indent="-304800" lvl="2" marL="1371600">
+            <a:lvl3pPr marL="1371600" lvl="2" indent="-304800">
               <a:spcBef>
                 <a:spcPts val="1600"/>
               </a:spcBef>
@@ -5496,7 +5674,7 @@
               <a:buChar char="■"/>
               <a:defRPr sz="1200"/>
             </a:lvl3pPr>
-            <a:lvl4pPr indent="-304800" lvl="3" marL="1828800">
+            <a:lvl4pPr marL="1828800" lvl="3" indent="-304800">
               <a:spcBef>
                 <a:spcPts val="1600"/>
               </a:spcBef>
@@ -5507,7 +5685,7 @@
               <a:buChar char="●"/>
               <a:defRPr sz="1200"/>
             </a:lvl4pPr>
-            <a:lvl5pPr indent="-304800" lvl="4" marL="2286000">
+            <a:lvl5pPr marL="2286000" lvl="4" indent="-304800">
               <a:spcBef>
                 <a:spcPts val="1600"/>
               </a:spcBef>
@@ -5518,7 +5696,7 @@
               <a:buChar char="○"/>
               <a:defRPr sz="1200"/>
             </a:lvl5pPr>
-            <a:lvl6pPr indent="-304800" lvl="5" marL="2743200">
+            <a:lvl6pPr marL="2743200" lvl="5" indent="-304800">
               <a:spcBef>
                 <a:spcPts val="1600"/>
               </a:spcBef>
@@ -5529,7 +5707,7 @@
               <a:buChar char="■"/>
               <a:defRPr sz="1200"/>
             </a:lvl6pPr>
-            <a:lvl7pPr indent="-304800" lvl="6" marL="3200400">
+            <a:lvl7pPr marL="3200400" lvl="6" indent="-304800">
               <a:spcBef>
                 <a:spcPts val="1600"/>
               </a:spcBef>
@@ -5540,7 +5718,7 @@
               <a:buChar char="●"/>
               <a:defRPr sz="1200"/>
             </a:lvl7pPr>
-            <a:lvl8pPr indent="-304800" lvl="7" marL="3657600">
+            <a:lvl8pPr marL="3657600" lvl="7" indent="-304800">
               <a:spcBef>
                 <a:spcPts val="1600"/>
               </a:spcBef>
@@ -5551,7 +5729,7 @@
               <a:buChar char="○"/>
               <a:defRPr sz="1200"/>
             </a:lvl8pPr>
-            <a:lvl9pPr indent="-304800" lvl="8" marL="4114800">
+            <a:lvl9pPr marL="4114800" lvl="8" indent="-304800">
               <a:spcBef>
                 <a:spcPts val="1600"/>
               </a:spcBef>
@@ -5563,15 +5741,19 @@
               <a:defRPr sz="1200"/>
             </a:lvl9pPr>
           </a:lstStyle>
-          <a:p/>
+          <a:p>
+            <a:endParaRPr/>
+          </a:p>
         </p:txBody>
       </p:sp>
       <p:sp>
         <p:nvSpPr>
           <p:cNvPr id="34" name="Google Shape;34;p7"/>
-          <p:cNvSpPr txBox="1"/>
+          <p:cNvSpPr txBox="1">
+            <a:spLocks noGrp="1"/>
+          </p:cNvSpPr>
           <p:nvPr>
-            <p:ph idx="12" type="sldNum"/>
+            <p:ph type="sldNum" idx="12"/>
           </p:nvPr>
         </p:nvSpPr>
         <p:spPr>
@@ -5584,7 +5766,7 @@
           </a:prstGeom>
         </p:spPr>
         <p:txBody>
-          <a:bodyPr anchorCtr="0" anchor="ctr" bIns="91425" lIns="91425" spcFirstLastPara="1" rIns="91425" wrap="square" tIns="91425">
+          <a:bodyPr spcFirstLastPara="1" wrap="square" lIns="91425" tIns="91425" rIns="91425" bIns="91425" anchor="ctr" anchorCtr="0">
             <a:noAutofit/>
           </a:bodyPr>
           <a:lstStyle>
@@ -5626,7 +5808,7 @@
             </a:lvl9pPr>
           </a:lstStyle>
           <a:p>
-            <a:pPr indent="0" lvl="0" marL="0" rtl="0" algn="r">
+            <a:pPr marL="0" lvl="0" indent="0" algn="r" rtl="0">
               <a:spcBef>
                 <a:spcPts val="0"/>
               </a:spcBef>
@@ -5652,18 +5834,19 @@
 </file>
 
 <file path=ppt/slideLayouts/slideLayout7.xml><?xml version="1.0" encoding="utf-8"?>
-<p:sldLayout xmlns:a="http://schemas.openxmlformats.org/drawingml/2006/main" xmlns:r="http://schemas.openxmlformats.org/officeDocument/2006/relationships" xmlns:mc="http://schemas.openxmlformats.org/markup-compatibility/2006" xmlns:mv="urn:schemas-microsoft-com:mac:vml" xmlns:p="http://schemas.openxmlformats.org/presentationml/2006/main" xmlns:c="http://schemas.openxmlformats.org/drawingml/2006/chart" xmlns:dgm="http://schemas.openxmlformats.org/drawingml/2006/diagram" xmlns:o="urn:schemas-microsoft-com:office:office" xmlns:v="urn:schemas-microsoft-com:vml" xmlns:pvml="urn:schemas-microsoft-com:office:powerpoint" xmlns:com="http://schemas.openxmlformats.org/drawingml/2006/compatibility" xmlns:p14="http://schemas.microsoft.com/office/powerpoint/2010/main" xmlns:p15="http://schemas.microsoft.com/office/powerpoint/2012/main" matchingName="Main point">
+<p:sldLayout xmlns:a="http://schemas.openxmlformats.org/drawingml/2006/main" xmlns:r="http://schemas.openxmlformats.org/officeDocument/2006/relationships" xmlns:p="http://schemas.openxmlformats.org/presentationml/2006/main" matchingName="Main point">
   <p:cSld name="MAIN_POINT">
     <p:bg>
       <p:bgPr>
         <a:solidFill>
           <a:schemeClr val="lt2"/>
         </a:solidFill>
+        <a:effectLst/>
       </p:bgPr>
     </p:bg>
     <p:spTree>
       <p:nvGrpSpPr>
-        <p:cNvPr id="35" name="Shape 35"/>
+        <p:cNvPr id="1" name="Shape 35"/>
         <p:cNvGrpSpPr/>
         <p:nvPr/>
       </p:nvGrpSpPr>
@@ -5678,7 +5861,9 @@
       <p:sp>
         <p:nvSpPr>
           <p:cNvPr id="36" name="Google Shape;36;p8"/>
-          <p:cNvSpPr txBox="1"/>
+          <p:cNvSpPr txBox="1">
+            <a:spLocks noGrp="1"/>
+          </p:cNvSpPr>
           <p:nvPr>
             <p:ph type="title"/>
           </p:nvPr>
@@ -5693,7 +5878,7 @@
           </a:prstGeom>
         </p:spPr>
         <p:txBody>
-          <a:bodyPr anchorCtr="0" anchor="ctr" bIns="91425" lIns="91425" spcFirstLastPara="1" rIns="91425" wrap="square" tIns="91425"/>
+          <a:bodyPr spcFirstLastPara="1" wrap="square" lIns="91425" tIns="91425" rIns="91425" bIns="91425" anchor="ctr" anchorCtr="0"/>
           <a:lstStyle>
             <a:lvl1pPr lvl="0">
               <a:spcBef>
@@ -5795,15 +5980,19 @@
               <a:defRPr sz="4800"/>
             </a:lvl9pPr>
           </a:lstStyle>
-          <a:p/>
+          <a:p>
+            <a:endParaRPr/>
+          </a:p>
         </p:txBody>
       </p:sp>
       <p:sp>
         <p:nvSpPr>
           <p:cNvPr id="37" name="Google Shape;37;p8"/>
-          <p:cNvSpPr txBox="1"/>
+          <p:cNvSpPr txBox="1">
+            <a:spLocks noGrp="1"/>
+          </p:cNvSpPr>
           <p:nvPr>
-            <p:ph idx="12" type="sldNum"/>
+            <p:ph type="sldNum" idx="12"/>
           </p:nvPr>
         </p:nvSpPr>
         <p:spPr>
@@ -5816,7 +6005,7 @@
           </a:prstGeom>
         </p:spPr>
         <p:txBody>
-          <a:bodyPr anchorCtr="0" anchor="ctr" bIns="91425" lIns="91425" spcFirstLastPara="1" rIns="91425" wrap="square" tIns="91425">
+          <a:bodyPr spcFirstLastPara="1" wrap="square" lIns="91425" tIns="91425" rIns="91425" bIns="91425" anchor="ctr" anchorCtr="0">
             <a:noAutofit/>
           </a:bodyPr>
           <a:lstStyle>
@@ -5858,7 +6047,7 @@
             </a:lvl9pPr>
           </a:lstStyle>
           <a:p>
-            <a:pPr indent="0" lvl="0" marL="0" rtl="0" algn="r">
+            <a:pPr marL="0" lvl="0" indent="0" algn="r" rtl="0">
               <a:spcBef>
                 <a:spcPts val="0"/>
               </a:spcBef>
@@ -5884,11 +6073,11 @@
 </file>
 
 <file path=ppt/slideLayouts/slideLayout8.xml><?xml version="1.0" encoding="utf-8"?>
-<p:sldLayout xmlns:a="http://schemas.openxmlformats.org/drawingml/2006/main" xmlns:r="http://schemas.openxmlformats.org/officeDocument/2006/relationships" xmlns:mc="http://schemas.openxmlformats.org/markup-compatibility/2006" xmlns:mv="urn:schemas-microsoft-com:mac:vml" xmlns:p="http://schemas.openxmlformats.org/presentationml/2006/main" xmlns:c="http://schemas.openxmlformats.org/drawingml/2006/chart" xmlns:dgm="http://schemas.openxmlformats.org/drawingml/2006/diagram" xmlns:o="urn:schemas-microsoft-com:office:office" xmlns:v="urn:schemas-microsoft-com:vml" xmlns:pvml="urn:schemas-microsoft-com:office:powerpoint" xmlns:com="http://schemas.openxmlformats.org/drawingml/2006/compatibility" xmlns:p14="http://schemas.microsoft.com/office/powerpoint/2010/main" xmlns:p15="http://schemas.microsoft.com/office/powerpoint/2012/main" matchingName="Section title and description">
+<p:sldLayout xmlns:a="http://schemas.openxmlformats.org/drawingml/2006/main" xmlns:r="http://schemas.openxmlformats.org/officeDocument/2006/relationships" xmlns:p="http://schemas.openxmlformats.org/presentationml/2006/main" matchingName="Section title and description">
   <p:cSld name="SECTION_TITLE_AND_DESCRIPTION">
     <p:spTree>
       <p:nvGrpSpPr>
-        <p:cNvPr id="38" name="Shape 38"/>
+        <p:cNvPr id="1" name="Shape 38"/>
         <p:cNvGrpSpPr/>
         <p:nvPr/>
       </p:nvGrpSpPr>
@@ -5922,12 +6111,12 @@
           </a:ln>
         </p:spPr>
         <p:txBody>
-          <a:bodyPr anchorCtr="0" anchor="ctr" bIns="91425" lIns="91425" spcFirstLastPara="1" rIns="91425" wrap="square" tIns="91425">
+          <a:bodyPr spcFirstLastPara="1" wrap="square" lIns="91425" tIns="91425" rIns="91425" bIns="91425" anchor="ctr" anchorCtr="0">
             <a:noAutofit/>
           </a:bodyPr>
           <a:lstStyle/>
           <a:p>
-            <a:pPr indent="0" lvl="0" marL="0" rtl="0" algn="l">
+            <a:pPr marL="0" lvl="0" indent="0" algn="l" rtl="0">
               <a:spcBef>
                 <a:spcPts val="0"/>
               </a:spcBef>
@@ -5936,9 +6125,6 @@
               </a:spcAft>
               <a:buNone/>
             </a:pPr>
-            <a:r>
-              <a:t/>
-            </a:r>
             <a:endParaRPr/>
           </a:p>
         </p:txBody>
@@ -5958,21 +6144,23 @@
             <a:avLst/>
           </a:prstGeom>
           <a:noFill/>
-          <a:ln cap="flat" cmpd="sng" w="19050">
+          <a:ln w="19050" cap="flat" cmpd="sng">
             <a:solidFill>
               <a:schemeClr val="lt2"/>
             </a:solidFill>
             <a:prstDash val="solid"/>
             <a:round/>
-            <a:headEnd len="sm" w="sm" type="none"/>
-            <a:tailEnd len="sm" w="sm" type="none"/>
+            <a:headEnd type="none" w="sm" len="sm"/>
+            <a:tailEnd type="none" w="sm" len="sm"/>
           </a:ln>
         </p:spPr>
       </p:cxnSp>
       <p:sp>
         <p:nvSpPr>
           <p:cNvPr id="41" name="Google Shape;41;p9"/>
-          <p:cNvSpPr txBox="1"/>
+          <p:cNvSpPr txBox="1">
+            <a:spLocks noGrp="1"/>
+          </p:cNvSpPr>
           <p:nvPr>
             <p:ph type="title"/>
           </p:nvPr>
@@ -5987,7 +6175,7 @@
           </a:prstGeom>
         </p:spPr>
         <p:txBody>
-          <a:bodyPr anchorCtr="0" anchor="b" bIns="91425" lIns="91425" spcFirstLastPara="1" rIns="91425" wrap="square" tIns="91425"/>
+          <a:bodyPr spcFirstLastPara="1" wrap="square" lIns="91425" tIns="91425" rIns="91425" bIns="91425" anchor="b" anchorCtr="0"/>
           <a:lstStyle>
             <a:lvl1pPr lvl="0" algn="ctr">
               <a:spcBef>
@@ -6089,15 +6277,19 @@
               <a:defRPr sz="4200"/>
             </a:lvl9pPr>
           </a:lstStyle>
-          <a:p/>
+          <a:p>
+            <a:endParaRPr/>
+          </a:p>
         </p:txBody>
       </p:sp>
       <p:sp>
         <p:nvSpPr>
           <p:cNvPr id="42" name="Google Shape;42;p9"/>
-          <p:cNvSpPr txBox="1"/>
+          <p:cNvSpPr txBox="1">
+            <a:spLocks noGrp="1"/>
+          </p:cNvSpPr>
           <p:nvPr>
-            <p:ph idx="1" type="subTitle"/>
+            <p:ph type="subTitle" idx="1"/>
           </p:nvPr>
         </p:nvSpPr>
         <p:spPr>
@@ -6110,7 +6302,7 @@
           </a:prstGeom>
         </p:spPr>
         <p:txBody>
-          <a:bodyPr anchorCtr="0" anchor="t" bIns="91425" lIns="91425" spcFirstLastPara="1" rIns="91425" wrap="square" tIns="91425"/>
+          <a:bodyPr spcFirstLastPara="1" wrap="square" lIns="91425" tIns="91425" rIns="91425" bIns="91425" anchor="t" anchorCtr="0"/>
           <a:lstStyle>
             <a:lvl1pPr lvl="0" algn="ctr">
               <a:lnSpc>
@@ -6239,15 +6431,19 @@
               <a:defRPr sz="2100"/>
             </a:lvl9pPr>
           </a:lstStyle>
-          <a:p/>
+          <a:p>
+            <a:endParaRPr/>
+          </a:p>
         </p:txBody>
       </p:sp>
       <p:sp>
         <p:nvSpPr>
           <p:cNvPr id="43" name="Google Shape;43;p9"/>
-          <p:cNvSpPr txBox="1"/>
+          <p:cNvSpPr txBox="1">
+            <a:spLocks noGrp="1"/>
+          </p:cNvSpPr>
           <p:nvPr>
-            <p:ph idx="2" type="body"/>
+            <p:ph type="body" idx="2"/>
           </p:nvPr>
         </p:nvSpPr>
         <p:spPr>
@@ -6260,9 +6456,9 @@
           </a:prstGeom>
         </p:spPr>
         <p:txBody>
-          <a:bodyPr anchorCtr="0" anchor="ctr" bIns="91425" lIns="91425" spcFirstLastPara="1" rIns="91425" wrap="square" tIns="91425"/>
+          <a:bodyPr spcFirstLastPara="1" wrap="square" lIns="91425" tIns="91425" rIns="91425" bIns="91425" anchor="ctr" anchorCtr="0"/>
           <a:lstStyle>
-            <a:lvl1pPr indent="-342900" lvl="0" marL="457200">
+            <a:lvl1pPr marL="457200" lvl="0" indent="-342900">
               <a:spcBef>
                 <a:spcPts val="0"/>
               </a:spcBef>
@@ -6280,7 +6476,7 @@
                 </a:solidFill>
               </a:defRPr>
             </a:lvl1pPr>
-            <a:lvl2pPr indent="-317500" lvl="1" marL="914400">
+            <a:lvl2pPr marL="914400" lvl="1" indent="-317500">
               <a:spcBef>
                 <a:spcPts val="1600"/>
               </a:spcBef>
@@ -6298,7 +6494,7 @@
                 </a:solidFill>
               </a:defRPr>
             </a:lvl2pPr>
-            <a:lvl3pPr indent="-317500" lvl="2" marL="1371600">
+            <a:lvl3pPr marL="1371600" lvl="2" indent="-317500">
               <a:spcBef>
                 <a:spcPts val="1600"/>
               </a:spcBef>
@@ -6316,7 +6512,7 @@
                 </a:solidFill>
               </a:defRPr>
             </a:lvl3pPr>
-            <a:lvl4pPr indent="-317500" lvl="3" marL="1828800">
+            <a:lvl4pPr marL="1828800" lvl="3" indent="-317500">
               <a:spcBef>
                 <a:spcPts val="1600"/>
               </a:spcBef>
@@ -6334,7 +6530,7 @@
                 </a:solidFill>
               </a:defRPr>
             </a:lvl4pPr>
-            <a:lvl5pPr indent="-317500" lvl="4" marL="2286000">
+            <a:lvl5pPr marL="2286000" lvl="4" indent="-317500">
               <a:spcBef>
                 <a:spcPts val="1600"/>
               </a:spcBef>
@@ -6352,7 +6548,7 @@
                 </a:solidFill>
               </a:defRPr>
             </a:lvl5pPr>
-            <a:lvl6pPr indent="-317500" lvl="5" marL="2743200">
+            <a:lvl6pPr marL="2743200" lvl="5" indent="-317500">
               <a:spcBef>
                 <a:spcPts val="1600"/>
               </a:spcBef>
@@ -6370,7 +6566,7 @@
                 </a:solidFill>
               </a:defRPr>
             </a:lvl6pPr>
-            <a:lvl7pPr indent="-317500" lvl="6" marL="3200400">
+            <a:lvl7pPr marL="3200400" lvl="6" indent="-317500">
               <a:spcBef>
                 <a:spcPts val="1600"/>
               </a:spcBef>
@@ -6388,7 +6584,7 @@
                 </a:solidFill>
               </a:defRPr>
             </a:lvl7pPr>
-            <a:lvl8pPr indent="-317500" lvl="7" marL="3657600">
+            <a:lvl8pPr marL="3657600" lvl="7" indent="-317500">
               <a:spcBef>
                 <a:spcPts val="1600"/>
               </a:spcBef>
@@ -6406,7 +6602,7 @@
                 </a:solidFill>
               </a:defRPr>
             </a:lvl8pPr>
-            <a:lvl9pPr indent="-317500" lvl="8" marL="4114800">
+            <a:lvl9pPr marL="4114800" lvl="8" indent="-317500">
               <a:spcBef>
                 <a:spcPts val="1600"/>
               </a:spcBef>
@@ -6425,15 +6621,19 @@
               </a:defRPr>
             </a:lvl9pPr>
           </a:lstStyle>
-          <a:p/>
+          <a:p>
+            <a:endParaRPr/>
+          </a:p>
         </p:txBody>
       </p:sp>
       <p:sp>
         <p:nvSpPr>
           <p:cNvPr id="44" name="Google Shape;44;p9"/>
-          <p:cNvSpPr txBox="1"/>
+          <p:cNvSpPr txBox="1">
+            <a:spLocks noGrp="1"/>
+          </p:cNvSpPr>
           <p:nvPr>
-            <p:ph idx="12" type="sldNum"/>
+            <p:ph type="sldNum" idx="12"/>
           </p:nvPr>
         </p:nvSpPr>
         <p:spPr>
@@ -6446,7 +6646,7 @@
           </a:prstGeom>
         </p:spPr>
         <p:txBody>
-          <a:bodyPr anchorCtr="0" anchor="ctr" bIns="91425" lIns="91425" spcFirstLastPara="1" rIns="91425" wrap="square" tIns="91425">
+          <a:bodyPr spcFirstLastPara="1" wrap="square" lIns="91425" tIns="91425" rIns="91425" bIns="91425" anchor="ctr" anchorCtr="0">
             <a:noAutofit/>
           </a:bodyPr>
           <a:lstStyle>
@@ -6524,7 +6724,7 @@
             </a:lvl9pPr>
           </a:lstStyle>
           <a:p>
-            <a:pPr indent="0" lvl="0" marL="0" rtl="0" algn="r">
+            <a:pPr marL="0" lvl="0" indent="0" algn="r" rtl="0">
               <a:spcBef>
                 <a:spcPts val="0"/>
               </a:spcBef>
@@ -6550,11 +6750,11 @@
 </file>
 
 <file path=ppt/slideLayouts/slideLayout9.xml><?xml version="1.0" encoding="utf-8"?>
-<p:sldLayout xmlns:a="http://schemas.openxmlformats.org/drawingml/2006/main" xmlns:r="http://schemas.openxmlformats.org/officeDocument/2006/relationships" xmlns:mc="http://schemas.openxmlformats.org/markup-compatibility/2006" xmlns:mv="urn:schemas-microsoft-com:mac:vml" xmlns:p="http://schemas.openxmlformats.org/presentationml/2006/main" xmlns:c="http://schemas.openxmlformats.org/drawingml/2006/chart" xmlns:dgm="http://schemas.openxmlformats.org/drawingml/2006/diagram" xmlns:o="urn:schemas-microsoft-com:office:office" xmlns:v="urn:schemas-microsoft-com:vml" xmlns:pvml="urn:schemas-microsoft-com:office:powerpoint" xmlns:com="http://schemas.openxmlformats.org/drawingml/2006/compatibility" xmlns:p14="http://schemas.microsoft.com/office/powerpoint/2010/main" xmlns:p15="http://schemas.microsoft.com/office/powerpoint/2012/main" matchingName="Caption">
+<p:sldLayout xmlns:a="http://schemas.openxmlformats.org/drawingml/2006/main" xmlns:r="http://schemas.openxmlformats.org/officeDocument/2006/relationships" xmlns:p="http://schemas.openxmlformats.org/presentationml/2006/main" matchingName="Caption">
   <p:cSld name="CAPTION_ONLY">
     <p:spTree>
       <p:nvGrpSpPr>
-        <p:cNvPr id="45" name="Shape 45"/>
+        <p:cNvPr id="1" name="Shape 45"/>
         <p:cNvGrpSpPr/>
         <p:nvPr/>
       </p:nvGrpSpPr>
@@ -6569,9 +6769,11 @@
       <p:sp>
         <p:nvSpPr>
           <p:cNvPr id="46" name="Google Shape;46;p10"/>
-          <p:cNvSpPr txBox="1"/>
+          <p:cNvSpPr txBox="1">
+            <a:spLocks noGrp="1"/>
+          </p:cNvSpPr>
           <p:nvPr>
-            <p:ph idx="1" type="body"/>
+            <p:ph type="body" idx="1"/>
           </p:nvPr>
         </p:nvSpPr>
         <p:spPr>
@@ -6584,9 +6786,9 @@
           </a:prstGeom>
         </p:spPr>
         <p:txBody>
-          <a:bodyPr anchorCtr="0" anchor="ctr" bIns="91425" lIns="91425" spcFirstLastPara="1" rIns="91425" wrap="square" tIns="91425"/>
+          <a:bodyPr spcFirstLastPara="1" wrap="square" lIns="91425" tIns="91425" rIns="91425" bIns="91425" anchor="ctr" anchorCtr="0"/>
           <a:lstStyle>
-            <a:lvl1pPr indent="-228600" lvl="0" marL="457200">
+            <a:lvl1pPr marL="457200" lvl="0" indent="-228600">
               <a:lnSpc>
                 <a:spcPct val="100000"/>
               </a:lnSpc>
@@ -6601,15 +6803,19 @@
               <a:defRPr sz="2100"/>
             </a:lvl1pPr>
           </a:lstStyle>
-          <a:p/>
+          <a:p>
+            <a:endParaRPr/>
+          </a:p>
         </p:txBody>
       </p:sp>
       <p:sp>
         <p:nvSpPr>
           <p:cNvPr id="47" name="Google Shape;47;p10"/>
-          <p:cNvSpPr txBox="1"/>
+          <p:cNvSpPr txBox="1">
+            <a:spLocks noGrp="1"/>
+          </p:cNvSpPr>
           <p:nvPr>
-            <p:ph idx="12" type="sldNum"/>
+            <p:ph type="sldNum" idx="12"/>
           </p:nvPr>
         </p:nvSpPr>
         <p:spPr>
@@ -6622,7 +6828,7 @@
           </a:prstGeom>
         </p:spPr>
         <p:txBody>
-          <a:bodyPr anchorCtr="0" anchor="ctr" bIns="91425" lIns="91425" spcFirstLastPara="1" rIns="91425" wrap="square" tIns="91425">
+          <a:bodyPr spcFirstLastPara="1" wrap="square" lIns="91425" tIns="91425" rIns="91425" bIns="91425" anchor="ctr" anchorCtr="0">
             <a:noAutofit/>
           </a:bodyPr>
           <a:lstStyle>
@@ -6664,7 +6870,7 @@
             </a:lvl9pPr>
           </a:lstStyle>
           <a:p>
-            <a:pPr indent="0" lvl="0" marL="0" rtl="0" algn="r">
+            <a:pPr marL="0" lvl="0" indent="0" algn="r" rtl="0">
               <a:spcBef>
                 <a:spcPts val="0"/>
               </a:spcBef>
@@ -6690,18 +6896,19 @@
 </file>
 
 <file path=ppt/slideMasters/slideMaster1.xml><?xml version="1.0" encoding="utf-8"?>
-<p:sldMaster xmlns:a="http://schemas.openxmlformats.org/drawingml/2006/main" xmlns:r="http://schemas.openxmlformats.org/officeDocument/2006/relationships" xmlns:mc="http://schemas.openxmlformats.org/markup-compatibility/2006" xmlns:mv="urn:schemas-microsoft-com:mac:vml" xmlns:p="http://schemas.openxmlformats.org/presentationml/2006/main" xmlns:c="http://schemas.openxmlformats.org/drawingml/2006/chart" xmlns:dgm="http://schemas.openxmlformats.org/drawingml/2006/diagram" xmlns:o="urn:schemas-microsoft-com:office:office" xmlns:v="urn:schemas-microsoft-com:vml" xmlns:pvml="urn:schemas-microsoft-com:office:powerpoint" xmlns:com="http://schemas.openxmlformats.org/drawingml/2006/compatibility" xmlns:p14="http://schemas.microsoft.com/office/powerpoint/2010/main" xmlns:p15="http://schemas.microsoft.com/office/powerpoint/2012/main">
+<p:sldMaster xmlns:a="http://schemas.openxmlformats.org/drawingml/2006/main" xmlns:r="http://schemas.openxmlformats.org/officeDocument/2006/relationships" xmlns:p="http://schemas.openxmlformats.org/presentationml/2006/main">
   <p:cSld name="spearmint">
     <p:bg>
       <p:bgPr>
         <a:solidFill>
           <a:schemeClr val="lt1"/>
         </a:solidFill>
+        <a:effectLst/>
       </p:bgPr>
     </p:bg>
     <p:spTree>
       <p:nvGrpSpPr>
-        <p:cNvPr id="5" name="Shape 5"/>
+        <p:cNvPr id="1" name="Shape 5"/>
         <p:cNvGrpSpPr/>
         <p:nvPr/>
       </p:nvGrpSpPr>
@@ -6716,7 +6923,9 @@
       <p:sp>
         <p:nvSpPr>
           <p:cNvPr id="6" name="Google Shape;6;p1"/>
-          <p:cNvSpPr txBox="1"/>
+          <p:cNvSpPr txBox="1">
+            <a:spLocks noGrp="1"/>
+          </p:cNvSpPr>
           <p:nvPr>
             <p:ph type="title"/>
           </p:nvPr>
@@ -6735,7 +6944,7 @@
           </a:ln>
         </p:spPr>
         <p:txBody>
-          <a:bodyPr anchorCtr="0" anchor="t" bIns="91425" lIns="91425" spcFirstLastPara="1" rIns="91425" wrap="square" tIns="91425"/>
+          <a:bodyPr spcFirstLastPara="1" wrap="square" lIns="91425" tIns="91425" rIns="91425" bIns="91425" anchor="t" anchorCtr="0"/>
           <a:lstStyle>
             <a:lvl1pPr lvl="0">
               <a:spcBef>
@@ -6945,15 +7154,19 @@
               </a:defRPr>
             </a:lvl9pPr>
           </a:lstStyle>
-          <a:p/>
+          <a:p>
+            <a:endParaRPr/>
+          </a:p>
         </p:txBody>
       </p:sp>
       <p:sp>
         <p:nvSpPr>
           <p:cNvPr id="7" name="Google Shape;7;p1"/>
-          <p:cNvSpPr txBox="1"/>
+          <p:cNvSpPr txBox="1">
+            <a:spLocks noGrp="1"/>
+          </p:cNvSpPr>
           <p:nvPr>
-            <p:ph idx="1" type="body"/>
+            <p:ph type="body" idx="1"/>
           </p:nvPr>
         </p:nvSpPr>
         <p:spPr>
@@ -6970,9 +7183,9 @@
           </a:ln>
         </p:spPr>
         <p:txBody>
-          <a:bodyPr anchorCtr="0" anchor="t" bIns="91425" lIns="91425" spcFirstLastPara="1" rIns="91425" wrap="square" tIns="91425"/>
+          <a:bodyPr spcFirstLastPara="1" wrap="square" lIns="91425" tIns="91425" rIns="91425" bIns="91425" anchor="t" anchorCtr="0"/>
           <a:lstStyle>
-            <a:lvl1pPr indent="-342900" lvl="0" marL="457200">
+            <a:lvl1pPr marL="457200" lvl="0" indent="-342900">
               <a:lnSpc>
                 <a:spcPct val="115000"/>
               </a:lnSpc>
@@ -6998,7 +7211,7 @@
                 <a:sym typeface="Proxima Nova"/>
               </a:defRPr>
             </a:lvl1pPr>
-            <a:lvl2pPr indent="-317500" lvl="1" marL="914400">
+            <a:lvl2pPr marL="914400" lvl="1" indent="-317500">
               <a:lnSpc>
                 <a:spcPct val="115000"/>
               </a:lnSpc>
@@ -7024,7 +7237,7 @@
                 <a:sym typeface="Proxima Nova"/>
               </a:defRPr>
             </a:lvl2pPr>
-            <a:lvl3pPr indent="-317500" lvl="2" marL="1371600">
+            <a:lvl3pPr marL="1371600" lvl="2" indent="-317500">
               <a:lnSpc>
                 <a:spcPct val="115000"/>
               </a:lnSpc>
@@ -7050,7 +7263,7 @@
                 <a:sym typeface="Proxima Nova"/>
               </a:defRPr>
             </a:lvl3pPr>
-            <a:lvl4pPr indent="-317500" lvl="3" marL="1828800">
+            <a:lvl4pPr marL="1828800" lvl="3" indent="-317500">
               <a:lnSpc>
                 <a:spcPct val="115000"/>
               </a:lnSpc>
@@ -7076,7 +7289,7 @@
                 <a:sym typeface="Proxima Nova"/>
               </a:defRPr>
             </a:lvl4pPr>
-            <a:lvl5pPr indent="-317500" lvl="4" marL="2286000">
+            <a:lvl5pPr marL="2286000" lvl="4" indent="-317500">
               <a:lnSpc>
                 <a:spcPct val="115000"/>
               </a:lnSpc>
@@ -7102,7 +7315,7 @@
                 <a:sym typeface="Proxima Nova"/>
               </a:defRPr>
             </a:lvl5pPr>
-            <a:lvl6pPr indent="-317500" lvl="5" marL="2743200">
+            <a:lvl6pPr marL="2743200" lvl="5" indent="-317500">
               <a:lnSpc>
                 <a:spcPct val="115000"/>
               </a:lnSpc>
@@ -7128,7 +7341,7 @@
                 <a:sym typeface="Proxima Nova"/>
               </a:defRPr>
             </a:lvl6pPr>
-            <a:lvl7pPr indent="-317500" lvl="6" marL="3200400">
+            <a:lvl7pPr marL="3200400" lvl="6" indent="-317500">
               <a:lnSpc>
                 <a:spcPct val="115000"/>
               </a:lnSpc>
@@ -7154,7 +7367,7 @@
                 <a:sym typeface="Proxima Nova"/>
               </a:defRPr>
             </a:lvl7pPr>
-            <a:lvl8pPr indent="-317500" lvl="7" marL="3657600">
+            <a:lvl8pPr marL="3657600" lvl="7" indent="-317500">
               <a:lnSpc>
                 <a:spcPct val="115000"/>
               </a:lnSpc>
@@ -7180,7 +7393,7 @@
                 <a:sym typeface="Proxima Nova"/>
               </a:defRPr>
             </a:lvl8pPr>
-            <a:lvl9pPr indent="-317500" lvl="8" marL="4114800">
+            <a:lvl9pPr marL="4114800" lvl="8" indent="-317500">
               <a:lnSpc>
                 <a:spcPct val="115000"/>
               </a:lnSpc>
@@ -7207,15 +7420,19 @@
               </a:defRPr>
             </a:lvl9pPr>
           </a:lstStyle>
-          <a:p/>
+          <a:p>
+            <a:endParaRPr/>
+          </a:p>
         </p:txBody>
       </p:sp>
       <p:sp>
         <p:nvSpPr>
           <p:cNvPr id="8" name="Google Shape;8;p1"/>
-          <p:cNvSpPr txBox="1"/>
+          <p:cNvSpPr txBox="1">
+            <a:spLocks noGrp="1"/>
+          </p:cNvSpPr>
           <p:nvPr>
-            <p:ph idx="12" type="sldNum"/>
+            <p:ph type="sldNum" idx="12"/>
           </p:nvPr>
         </p:nvSpPr>
         <p:spPr>
@@ -7232,7 +7449,7 @@
           </a:ln>
         </p:spPr>
         <p:txBody>
-          <a:bodyPr anchorCtr="0" anchor="ctr" bIns="91425" lIns="91425" spcFirstLastPara="1" rIns="91425" wrap="square" tIns="91425">
+          <a:bodyPr spcFirstLastPara="1" wrap="square" lIns="91425" tIns="91425" rIns="91425" bIns="91425" anchor="ctr" anchorCtr="0">
             <a:noAutofit/>
           </a:bodyPr>
           <a:lstStyle>
@@ -7346,7 +7563,7 @@
             </a:lvl9pPr>
           </a:lstStyle>
           <a:p>
-            <a:pPr indent="0" lvl="0" marL="0" rtl="0" algn="r">
+            <a:pPr marL="0" lvl="0" indent="0" algn="r" rtl="0">
               <a:spcBef>
                 <a:spcPts val="0"/>
               </a:spcBef>
@@ -7365,7 +7582,7 @@
       </p:sp>
     </p:spTree>
   </p:cSld>
-  <p:clrMap accent1="accent1" accent2="accent2" accent3="accent3" accent4="accent4" accent5="accent5" accent6="accent6" bg1="lt1" bg2="dk2" tx1="dk1" tx2="lt2" folHlink="folHlink" hlink="hlink"/>
+  <p:clrMap bg1="lt1" tx1="dk1" bg2="dk2" tx2="lt2" accent1="accent1" accent2="accent2" accent3="accent3" accent4="accent4" accent5="accent5" accent6="accent6" hlink="hlink" folHlink="folHlink"/>
   <p:sldLayoutIdLst>
     <p:sldLayoutId id="2147483648" r:id="rId1"/>
     <p:sldLayoutId id="2147483649" r:id="rId2"/>
@@ -7379,10 +7596,10 @@
     <p:sldLayoutId id="2147483657" r:id="rId10"/>
     <p:sldLayoutId id="2147483658" r:id="rId11"/>
   </p:sldLayoutIdLst>
-  <p:hf dt="0" ftr="0" hdr="0" sldNum="0"/>
+  <p:hf sldNum="0" hdr="0" ftr="0" dt="0"/>
   <p:txStyles>
     <p:titleStyle>
-      <a:defPPr lvl="0" marR="0" rtl="0" algn="l">
+      <a:defPPr marR="0" lvl="0" algn="l" rtl="0">
         <a:lnSpc>
           <a:spcPct val="100000"/>
         </a:lnSpc>
@@ -7393,7 +7610,7 @@
           <a:spcPts val="0"/>
         </a:spcAft>
       </a:defPPr>
-      <a:lvl1pPr lvl="0" marR="0" rtl="0" algn="l">
+      <a:lvl1pPr marR="0" lvl="0" algn="l" rtl="0">
         <a:lnSpc>
           <a:spcPct val="100000"/>
         </a:lnSpc>
@@ -7407,7 +7624,7 @@
           <a:srgbClr val="000000"/>
         </a:buClr>
         <a:buFont typeface="Arial"/>
-        <a:defRPr b="0" i="0" sz="1400" u="none" cap="none" strike="noStrike">
+        <a:defRPr sz="1400" b="0" i="0" u="none" strike="noStrike" cap="none">
           <a:solidFill>
             <a:srgbClr val="000000"/>
           </a:solidFill>
@@ -7417,7 +7634,7 @@
           <a:sym typeface="Arial"/>
         </a:defRPr>
       </a:lvl1pPr>
-      <a:lvl2pPr lvl="1" marR="0" rtl="0" algn="l">
+      <a:lvl2pPr marR="0" lvl="1" algn="l" rtl="0">
         <a:lnSpc>
           <a:spcPct val="100000"/>
         </a:lnSpc>
@@ -7431,7 +7648,7 @@
           <a:srgbClr val="000000"/>
         </a:buClr>
         <a:buFont typeface="Arial"/>
-        <a:defRPr b="0" i="0" sz="1400" u="none" cap="none" strike="noStrike">
+        <a:defRPr sz="1400" b="0" i="0" u="none" strike="noStrike" cap="none">
           <a:solidFill>
             <a:srgbClr val="000000"/>
           </a:solidFill>
@@ -7441,7 +7658,7 @@
           <a:sym typeface="Arial"/>
         </a:defRPr>
       </a:lvl2pPr>
-      <a:lvl3pPr lvl="2" marR="0" rtl="0" algn="l">
+      <a:lvl3pPr marR="0" lvl="2" algn="l" rtl="0">
         <a:lnSpc>
           <a:spcPct val="100000"/>
         </a:lnSpc>
@@ -7455,7 +7672,7 @@
           <a:srgbClr val="000000"/>
         </a:buClr>
         <a:buFont typeface="Arial"/>
-        <a:defRPr b="0" i="0" sz="1400" u="none" cap="none" strike="noStrike">
+        <a:defRPr sz="1400" b="0" i="0" u="none" strike="noStrike" cap="none">
           <a:solidFill>
             <a:srgbClr val="000000"/>
           </a:solidFill>
@@ -7465,7 +7682,7 @@
           <a:sym typeface="Arial"/>
         </a:defRPr>
       </a:lvl3pPr>
-      <a:lvl4pPr lvl="3" marR="0" rtl="0" algn="l">
+      <a:lvl4pPr marR="0" lvl="3" algn="l" rtl="0">
         <a:lnSpc>
           <a:spcPct val="100000"/>
         </a:lnSpc>
@@ -7479,7 +7696,7 @@
           <a:srgbClr val="000000"/>
         </a:buClr>
         <a:buFont typeface="Arial"/>
-        <a:defRPr b="0" i="0" sz="1400" u="none" cap="none" strike="noStrike">
+        <a:defRPr sz="1400" b="0" i="0" u="none" strike="noStrike" cap="none">
           <a:solidFill>
             <a:srgbClr val="000000"/>
           </a:solidFill>
@@ -7489,7 +7706,7 @@
           <a:sym typeface="Arial"/>
         </a:defRPr>
       </a:lvl4pPr>
-      <a:lvl5pPr lvl="4" marR="0" rtl="0" algn="l">
+      <a:lvl5pPr marR="0" lvl="4" algn="l" rtl="0">
         <a:lnSpc>
           <a:spcPct val="100000"/>
         </a:lnSpc>
@@ -7503,7 +7720,7 @@
           <a:srgbClr val="000000"/>
         </a:buClr>
         <a:buFont typeface="Arial"/>
-        <a:defRPr b="0" i="0" sz="1400" u="none" cap="none" strike="noStrike">
+        <a:defRPr sz="1400" b="0" i="0" u="none" strike="noStrike" cap="none">
           <a:solidFill>
             <a:srgbClr val="000000"/>
           </a:solidFill>
@@ -7513,7 +7730,7 @@
           <a:sym typeface="Arial"/>
         </a:defRPr>
       </a:lvl5pPr>
-      <a:lvl6pPr lvl="5" marR="0" rtl="0" algn="l">
+      <a:lvl6pPr marR="0" lvl="5" algn="l" rtl="0">
         <a:lnSpc>
           <a:spcPct val="100000"/>
         </a:lnSpc>
@@ -7527,7 +7744,7 @@
           <a:srgbClr val="000000"/>
         </a:buClr>
         <a:buFont typeface="Arial"/>
-        <a:defRPr b="0" i="0" sz="1400" u="none" cap="none" strike="noStrike">
+        <a:defRPr sz="1400" b="0" i="0" u="none" strike="noStrike" cap="none">
           <a:solidFill>
             <a:srgbClr val="000000"/>
           </a:solidFill>
@@ -7537,7 +7754,7 @@
           <a:sym typeface="Arial"/>
         </a:defRPr>
       </a:lvl6pPr>
-      <a:lvl7pPr lvl="6" marR="0" rtl="0" algn="l">
+      <a:lvl7pPr marR="0" lvl="6" algn="l" rtl="0">
         <a:lnSpc>
           <a:spcPct val="100000"/>
         </a:lnSpc>
@@ -7551,7 +7768,7 @@
           <a:srgbClr val="000000"/>
         </a:buClr>
         <a:buFont typeface="Arial"/>
-        <a:defRPr b="0" i="0" sz="1400" u="none" cap="none" strike="noStrike">
+        <a:defRPr sz="1400" b="0" i="0" u="none" strike="noStrike" cap="none">
           <a:solidFill>
             <a:srgbClr val="000000"/>
           </a:solidFill>
@@ -7561,7 +7778,7 @@
           <a:sym typeface="Arial"/>
         </a:defRPr>
       </a:lvl7pPr>
-      <a:lvl8pPr lvl="7" marR="0" rtl="0" algn="l">
+      <a:lvl8pPr marR="0" lvl="7" algn="l" rtl="0">
         <a:lnSpc>
           <a:spcPct val="100000"/>
         </a:lnSpc>
@@ -7575,7 +7792,7 @@
           <a:srgbClr val="000000"/>
         </a:buClr>
         <a:buFont typeface="Arial"/>
-        <a:defRPr b="0" i="0" sz="1400" u="none" cap="none" strike="noStrike">
+        <a:defRPr sz="1400" b="0" i="0" u="none" strike="noStrike" cap="none">
           <a:solidFill>
             <a:srgbClr val="000000"/>
           </a:solidFill>
@@ -7585,7 +7802,7 @@
           <a:sym typeface="Arial"/>
         </a:defRPr>
       </a:lvl8pPr>
-      <a:lvl9pPr lvl="8" marR="0" rtl="0" algn="l">
+      <a:lvl9pPr marR="0" lvl="8" algn="l" rtl="0">
         <a:lnSpc>
           <a:spcPct val="100000"/>
         </a:lnSpc>
@@ -7599,7 +7816,7 @@
           <a:srgbClr val="000000"/>
         </a:buClr>
         <a:buFont typeface="Arial"/>
-        <a:defRPr b="0" i="0" sz="1400" u="none" cap="none" strike="noStrike">
+        <a:defRPr sz="1400" b="0" i="0" u="none" strike="noStrike" cap="none">
           <a:solidFill>
             <a:srgbClr val="000000"/>
           </a:solidFill>
@@ -7611,7 +7828,7 @@
       </a:lvl9pPr>
     </p:titleStyle>
     <p:bodyStyle>
-      <a:defPPr lvl="0" marR="0" rtl="0" algn="l">
+      <a:defPPr marR="0" lvl="0" algn="l" rtl="0">
         <a:lnSpc>
           <a:spcPct val="100000"/>
         </a:lnSpc>
@@ -7622,7 +7839,7 @@
           <a:spcPts val="0"/>
         </a:spcAft>
       </a:defPPr>
-      <a:lvl1pPr lvl="0" marR="0" rtl="0" algn="l">
+      <a:lvl1pPr marR="0" lvl="0" algn="l" rtl="0">
         <a:lnSpc>
           <a:spcPct val="100000"/>
         </a:lnSpc>
@@ -7636,7 +7853,7 @@
           <a:srgbClr val="000000"/>
         </a:buClr>
         <a:buFont typeface="Arial"/>
-        <a:defRPr b="0" i="0" sz="1400" u="none" cap="none" strike="noStrike">
+        <a:defRPr sz="1400" b="0" i="0" u="none" strike="noStrike" cap="none">
           <a:solidFill>
             <a:srgbClr val="000000"/>
           </a:solidFill>
@@ -7646,7 +7863,7 @@
           <a:sym typeface="Arial"/>
         </a:defRPr>
       </a:lvl1pPr>
-      <a:lvl2pPr lvl="1" marR="0" rtl="0" algn="l">
+      <a:lvl2pPr marR="0" lvl="1" algn="l" rtl="0">
         <a:lnSpc>
           <a:spcPct val="100000"/>
         </a:lnSpc>
@@ -7660,7 +7877,7 @@
           <a:srgbClr val="000000"/>
         </a:buClr>
         <a:buFont typeface="Arial"/>
-        <a:defRPr b="0" i="0" sz="1400" u="none" cap="none" strike="noStrike">
+        <a:defRPr sz="1400" b="0" i="0" u="none" strike="noStrike" cap="none">
           <a:solidFill>
             <a:srgbClr val="000000"/>
           </a:solidFill>
@@ -7670,7 +7887,7 @@
           <a:sym typeface="Arial"/>
         </a:defRPr>
       </a:lvl2pPr>
-      <a:lvl3pPr lvl="2" marR="0" rtl="0" algn="l">
+      <a:lvl3pPr marR="0" lvl="2" algn="l" rtl="0">
         <a:lnSpc>
           <a:spcPct val="100000"/>
         </a:lnSpc>
@@ -7684,7 +7901,7 @@
           <a:srgbClr val="000000"/>
         </a:buClr>
         <a:buFont typeface="Arial"/>
-        <a:defRPr b="0" i="0" sz="1400" u="none" cap="none" strike="noStrike">
+        <a:defRPr sz="1400" b="0" i="0" u="none" strike="noStrike" cap="none">
           <a:solidFill>
             <a:srgbClr val="000000"/>
           </a:solidFill>
@@ -7694,7 +7911,7 @@
           <a:sym typeface="Arial"/>
         </a:defRPr>
       </a:lvl3pPr>
-      <a:lvl4pPr lvl="3" marR="0" rtl="0" algn="l">
+      <a:lvl4pPr marR="0" lvl="3" algn="l" rtl="0">
         <a:lnSpc>
           <a:spcPct val="100000"/>
         </a:lnSpc>
@@ -7708,7 +7925,7 @@
           <a:srgbClr val="000000"/>
         </a:buClr>
         <a:buFont typeface="Arial"/>
-        <a:defRPr b="0" i="0" sz="1400" u="none" cap="none" strike="noStrike">
+        <a:defRPr sz="1400" b="0" i="0" u="none" strike="noStrike" cap="none">
           <a:solidFill>
             <a:srgbClr val="000000"/>
           </a:solidFill>
@@ -7718,7 +7935,7 @@
           <a:sym typeface="Arial"/>
         </a:defRPr>
       </a:lvl4pPr>
-      <a:lvl5pPr lvl="4" marR="0" rtl="0" algn="l">
+      <a:lvl5pPr marR="0" lvl="4" algn="l" rtl="0">
         <a:lnSpc>
           <a:spcPct val="100000"/>
         </a:lnSpc>
@@ -7732,7 +7949,7 @@
           <a:srgbClr val="000000"/>
         </a:buClr>
         <a:buFont typeface="Arial"/>
-        <a:defRPr b="0" i="0" sz="1400" u="none" cap="none" strike="noStrike">
+        <a:defRPr sz="1400" b="0" i="0" u="none" strike="noStrike" cap="none">
           <a:solidFill>
             <a:srgbClr val="000000"/>
           </a:solidFill>
@@ -7742,7 +7959,7 @@
           <a:sym typeface="Arial"/>
         </a:defRPr>
       </a:lvl5pPr>
-      <a:lvl6pPr lvl="5" marR="0" rtl="0" algn="l">
+      <a:lvl6pPr marR="0" lvl="5" algn="l" rtl="0">
         <a:lnSpc>
           <a:spcPct val="100000"/>
         </a:lnSpc>
@@ -7756,7 +7973,7 @@
           <a:srgbClr val="000000"/>
         </a:buClr>
         <a:buFont typeface="Arial"/>
-        <a:defRPr b="0" i="0" sz="1400" u="none" cap="none" strike="noStrike">
+        <a:defRPr sz="1400" b="0" i="0" u="none" strike="noStrike" cap="none">
           <a:solidFill>
             <a:srgbClr val="000000"/>
           </a:solidFill>
@@ -7766,7 +7983,7 @@
           <a:sym typeface="Arial"/>
         </a:defRPr>
       </a:lvl6pPr>
-      <a:lvl7pPr lvl="6" marR="0" rtl="0" algn="l">
+      <a:lvl7pPr marR="0" lvl="6" algn="l" rtl="0">
         <a:lnSpc>
           <a:spcPct val="100000"/>
         </a:lnSpc>
@@ -7780,7 +7997,7 @@
           <a:srgbClr val="000000"/>
         </a:buClr>
         <a:buFont typeface="Arial"/>
-        <a:defRPr b="0" i="0" sz="1400" u="none" cap="none" strike="noStrike">
+        <a:defRPr sz="1400" b="0" i="0" u="none" strike="noStrike" cap="none">
           <a:solidFill>
             <a:srgbClr val="000000"/>
           </a:solidFill>
@@ -7790,7 +8007,7 @@
           <a:sym typeface="Arial"/>
         </a:defRPr>
       </a:lvl7pPr>
-      <a:lvl8pPr lvl="7" marR="0" rtl="0" algn="l">
+      <a:lvl8pPr marR="0" lvl="7" algn="l" rtl="0">
         <a:lnSpc>
           <a:spcPct val="100000"/>
         </a:lnSpc>
@@ -7804,7 +8021,7 @@
           <a:srgbClr val="000000"/>
         </a:buClr>
         <a:buFont typeface="Arial"/>
-        <a:defRPr b="0" i="0" sz="1400" u="none" cap="none" strike="noStrike">
+        <a:defRPr sz="1400" b="0" i="0" u="none" strike="noStrike" cap="none">
           <a:solidFill>
             <a:srgbClr val="000000"/>
           </a:solidFill>
@@ -7814,7 +8031,7 @@
           <a:sym typeface="Arial"/>
         </a:defRPr>
       </a:lvl8pPr>
-      <a:lvl9pPr lvl="8" marR="0" rtl="0" algn="l">
+      <a:lvl9pPr marR="0" lvl="8" algn="l" rtl="0">
         <a:lnSpc>
           <a:spcPct val="100000"/>
         </a:lnSpc>
@@ -7828,7 +8045,7 @@
           <a:srgbClr val="000000"/>
         </a:buClr>
         <a:buFont typeface="Arial"/>
-        <a:defRPr b="0" i="0" sz="1400" u="none" cap="none" strike="noStrike">
+        <a:defRPr sz="1400" b="0" i="0" u="none" strike="noStrike" cap="none">
           <a:solidFill>
             <a:srgbClr val="000000"/>
           </a:solidFill>
@@ -7840,7 +8057,7 @@
       </a:lvl9pPr>
     </p:bodyStyle>
     <p:otherStyle>
-      <a:defPPr lvl="0" marR="0" rtl="0" algn="l">
+      <a:defPPr marR="0" lvl="0" algn="l" rtl="0">
         <a:lnSpc>
           <a:spcPct val="100000"/>
         </a:lnSpc>
@@ -7851,7 +8068,7 @@
           <a:spcPts val="0"/>
         </a:spcAft>
       </a:defPPr>
-      <a:lvl1pPr lvl="0" marR="0" rtl="0" algn="l">
+      <a:lvl1pPr marR="0" lvl="0" algn="l" rtl="0">
         <a:lnSpc>
           <a:spcPct val="100000"/>
         </a:lnSpc>
@@ -7865,7 +8082,7 @@
           <a:srgbClr val="000000"/>
         </a:buClr>
         <a:buFont typeface="Arial"/>
-        <a:defRPr b="0" i="0" sz="1400" u="none" cap="none" strike="noStrike">
+        <a:defRPr sz="1400" b="0" i="0" u="none" strike="noStrike" cap="none">
           <a:solidFill>
             <a:srgbClr val="000000"/>
           </a:solidFill>
@@ -7875,7 +8092,7 @@
           <a:sym typeface="Arial"/>
         </a:defRPr>
       </a:lvl1pPr>
-      <a:lvl2pPr lvl="1" marR="0" rtl="0" algn="l">
+      <a:lvl2pPr marR="0" lvl="1" algn="l" rtl="0">
         <a:lnSpc>
           <a:spcPct val="100000"/>
         </a:lnSpc>
@@ -7889,7 +8106,7 @@
           <a:srgbClr val="000000"/>
         </a:buClr>
         <a:buFont typeface="Arial"/>
-        <a:defRPr b="0" i="0" sz="1400" u="none" cap="none" strike="noStrike">
+        <a:defRPr sz="1400" b="0" i="0" u="none" strike="noStrike" cap="none">
           <a:solidFill>
             <a:srgbClr val="000000"/>
           </a:solidFill>
@@ -7899,7 +8116,7 @@
           <a:sym typeface="Arial"/>
         </a:defRPr>
       </a:lvl2pPr>
-      <a:lvl3pPr lvl="2" marR="0" rtl="0" algn="l">
+      <a:lvl3pPr marR="0" lvl="2" algn="l" rtl="0">
         <a:lnSpc>
           <a:spcPct val="100000"/>
         </a:lnSpc>
@@ -7913,7 +8130,7 @@
           <a:srgbClr val="000000"/>
         </a:buClr>
         <a:buFont typeface="Arial"/>
-        <a:defRPr b="0" i="0" sz="1400" u="none" cap="none" strike="noStrike">
+        <a:defRPr sz="1400" b="0" i="0" u="none" strike="noStrike" cap="none">
           <a:solidFill>
             <a:srgbClr val="000000"/>
           </a:solidFill>
@@ -7923,7 +8140,7 @@
           <a:sym typeface="Arial"/>
         </a:defRPr>
       </a:lvl3pPr>
-      <a:lvl4pPr lvl="3" marR="0" rtl="0" algn="l">
+      <a:lvl4pPr marR="0" lvl="3" algn="l" rtl="0">
         <a:lnSpc>
           <a:spcPct val="100000"/>
         </a:lnSpc>
@@ -7937,7 +8154,7 @@
           <a:srgbClr val="000000"/>
         </a:buClr>
         <a:buFont typeface="Arial"/>
-        <a:defRPr b="0" i="0" sz="1400" u="none" cap="none" strike="noStrike">
+        <a:defRPr sz="1400" b="0" i="0" u="none" strike="noStrike" cap="none">
           <a:solidFill>
             <a:srgbClr val="000000"/>
           </a:solidFill>
@@ -7947,7 +8164,7 @@
           <a:sym typeface="Arial"/>
         </a:defRPr>
       </a:lvl4pPr>
-      <a:lvl5pPr lvl="4" marR="0" rtl="0" algn="l">
+      <a:lvl5pPr marR="0" lvl="4" algn="l" rtl="0">
         <a:lnSpc>
           <a:spcPct val="100000"/>
         </a:lnSpc>
@@ -7961,7 +8178,7 @@
           <a:srgbClr val="000000"/>
         </a:buClr>
         <a:buFont typeface="Arial"/>
-        <a:defRPr b="0" i="0" sz="1400" u="none" cap="none" strike="noStrike">
+        <a:defRPr sz="1400" b="0" i="0" u="none" strike="noStrike" cap="none">
           <a:solidFill>
             <a:srgbClr val="000000"/>
           </a:solidFill>
@@ -7971,7 +8188,7 @@
           <a:sym typeface="Arial"/>
         </a:defRPr>
       </a:lvl5pPr>
-      <a:lvl6pPr lvl="5" marR="0" rtl="0" algn="l">
+      <a:lvl6pPr marR="0" lvl="5" algn="l" rtl="0">
         <a:lnSpc>
           <a:spcPct val="100000"/>
         </a:lnSpc>
@@ -7985,7 +8202,7 @@
           <a:srgbClr val="000000"/>
         </a:buClr>
         <a:buFont typeface="Arial"/>
-        <a:defRPr b="0" i="0" sz="1400" u="none" cap="none" strike="noStrike">
+        <a:defRPr sz="1400" b="0" i="0" u="none" strike="noStrike" cap="none">
           <a:solidFill>
             <a:srgbClr val="000000"/>
           </a:solidFill>
@@ -7995,7 +8212,7 @@
           <a:sym typeface="Arial"/>
         </a:defRPr>
       </a:lvl6pPr>
-      <a:lvl7pPr lvl="6" marR="0" rtl="0" algn="l">
+      <a:lvl7pPr marR="0" lvl="6" algn="l" rtl="0">
         <a:lnSpc>
           <a:spcPct val="100000"/>
         </a:lnSpc>
@@ -8009,7 +8226,7 @@
           <a:srgbClr val="000000"/>
         </a:buClr>
         <a:buFont typeface="Arial"/>
-        <a:defRPr b="0" i="0" sz="1400" u="none" cap="none" strike="noStrike">
+        <a:defRPr sz="1400" b="0" i="0" u="none" strike="noStrike" cap="none">
           <a:solidFill>
             <a:srgbClr val="000000"/>
           </a:solidFill>
@@ -8019,7 +8236,7 @@
           <a:sym typeface="Arial"/>
         </a:defRPr>
       </a:lvl7pPr>
-      <a:lvl8pPr lvl="7" marR="0" rtl="0" algn="l">
+      <a:lvl8pPr marR="0" lvl="7" algn="l" rtl="0">
         <a:lnSpc>
           <a:spcPct val="100000"/>
         </a:lnSpc>
@@ -8033,7 +8250,7 @@
           <a:srgbClr val="000000"/>
         </a:buClr>
         <a:buFont typeface="Arial"/>
-        <a:defRPr b="0" i="0" sz="1400" u="none" cap="none" strike="noStrike">
+        <a:defRPr sz="1400" b="0" i="0" u="none" strike="noStrike" cap="none">
           <a:solidFill>
             <a:srgbClr val="000000"/>
           </a:solidFill>
@@ -8043,7 +8260,7 @@
           <a:sym typeface="Arial"/>
         </a:defRPr>
       </a:lvl8pPr>
-      <a:lvl9pPr lvl="8" marR="0" rtl="0" algn="l">
+      <a:lvl9pPr marR="0" lvl="8" algn="l" rtl="0">
         <a:lnSpc>
           <a:spcPct val="100000"/>
         </a:lnSpc>
@@ -8057,7 +8274,7 @@
           <a:srgbClr val="000000"/>
         </a:buClr>
         <a:buFont typeface="Arial"/>
-        <a:defRPr b="0" i="0" sz="1400" u="none" cap="none" strike="noStrike">
+        <a:defRPr sz="1400" b="0" i="0" u="none" strike="noStrike" cap="none">
           <a:solidFill>
             <a:srgbClr val="000000"/>
           </a:solidFill>
@@ -8073,11 +8290,11 @@
 </file>
 
 <file path=ppt/slides/slide1.xml><?xml version="1.0" encoding="utf-8"?>
-<p:sld xmlns:a="http://schemas.openxmlformats.org/drawingml/2006/main" xmlns:r="http://schemas.openxmlformats.org/officeDocument/2006/relationships" xmlns:mc="http://schemas.openxmlformats.org/markup-compatibility/2006" xmlns:mv="urn:schemas-microsoft-com:mac:vml" xmlns:p="http://schemas.openxmlformats.org/presentationml/2006/main" xmlns:c="http://schemas.openxmlformats.org/drawingml/2006/chart" xmlns:dgm="http://schemas.openxmlformats.org/drawingml/2006/diagram" xmlns:o="urn:schemas-microsoft-com:office:office" xmlns:v="urn:schemas-microsoft-com:vml" xmlns:pvml="urn:schemas-microsoft-com:office:powerpoint" xmlns:com="http://schemas.openxmlformats.org/drawingml/2006/compatibility" xmlns:p14="http://schemas.microsoft.com/office/powerpoint/2010/main" xmlns:p15="http://schemas.microsoft.com/office/powerpoint/2012/main">
+<p:sld xmlns:a="http://schemas.openxmlformats.org/drawingml/2006/main" xmlns:r="http://schemas.openxmlformats.org/officeDocument/2006/relationships" xmlns:p="http://schemas.openxmlformats.org/presentationml/2006/main">
   <p:cSld>
     <p:spTree>
       <p:nvGrpSpPr>
-        <p:cNvPr id="58" name="Shape 58"/>
+        <p:cNvPr id="1" name="Shape 58"/>
         <p:cNvGrpSpPr/>
         <p:nvPr/>
       </p:nvGrpSpPr>
@@ -8092,7 +8309,9 @@
       <p:sp>
         <p:nvSpPr>
           <p:cNvPr id="59" name="Google Shape;59;p13"/>
-          <p:cNvSpPr txBox="1"/>
+          <p:cNvSpPr txBox="1">
+            <a:spLocks noGrp="1"/>
+          </p:cNvSpPr>
           <p:nvPr>
             <p:ph type="ctrTitle"/>
           </p:nvPr>
@@ -8107,12 +8326,12 @@
           </a:prstGeom>
         </p:spPr>
         <p:txBody>
-          <a:bodyPr anchorCtr="0" anchor="b" bIns="91425" lIns="91425" spcFirstLastPara="1" rIns="91425" wrap="square" tIns="91425">
+          <a:bodyPr spcFirstLastPara="1" wrap="square" lIns="91425" tIns="91425" rIns="91425" bIns="91425" anchor="b" anchorCtr="0">
             <a:noAutofit/>
           </a:bodyPr>
           <a:lstStyle/>
           <a:p>
-            <a:pPr indent="0" lvl="0" marL="0" rtl="0" algn="l">
+            <a:pPr marL="0" lvl="0" indent="0" algn="l" rtl="0">
               <a:spcBef>
                 <a:spcPts val="0"/>
               </a:spcBef>
@@ -8132,9 +8351,11 @@
       <p:sp>
         <p:nvSpPr>
           <p:cNvPr id="60" name="Google Shape;60;p13"/>
-          <p:cNvSpPr txBox="1"/>
+          <p:cNvSpPr txBox="1">
+            <a:spLocks noGrp="1"/>
+          </p:cNvSpPr>
           <p:nvPr>
-            <p:ph idx="1" type="subTitle"/>
+            <p:ph type="subTitle" idx="1"/>
           </p:nvPr>
         </p:nvSpPr>
         <p:spPr>
@@ -8147,12 +8368,12 @@
           </a:prstGeom>
         </p:spPr>
         <p:txBody>
-          <a:bodyPr anchorCtr="0" anchor="t" bIns="91425" lIns="91425" spcFirstLastPara="1" rIns="91425" wrap="square" tIns="91425">
+          <a:bodyPr spcFirstLastPara="1" wrap="square" lIns="91425" tIns="91425" rIns="91425" bIns="91425" anchor="t" anchorCtr="0">
             <a:noAutofit/>
           </a:bodyPr>
           <a:lstStyle/>
           <a:p>
-            <a:pPr indent="0" lvl="0" marL="0" rtl="0" algn="r">
+            <a:pPr marL="0" lvl="0" indent="0" algn="r" rtl="0">
               <a:spcBef>
                 <a:spcPts val="0"/>
               </a:spcBef>
@@ -8173,7 +8394,7 @@
             <a:endParaRPr/>
           </a:p>
           <a:p>
-            <a:pPr indent="0" lvl="0" marL="0" rtl="0" algn="r">
+            <a:pPr marL="0" lvl="0" indent="0" algn="r" rtl="0">
               <a:spcBef>
                 <a:spcPts val="0"/>
               </a:spcBef>
@@ -8199,11 +8420,11 @@
 </file>
 
 <file path=ppt/slides/slide10.xml><?xml version="1.0" encoding="utf-8"?>
-<p:sld xmlns:a="http://schemas.openxmlformats.org/drawingml/2006/main" xmlns:r="http://schemas.openxmlformats.org/officeDocument/2006/relationships" xmlns:mc="http://schemas.openxmlformats.org/markup-compatibility/2006" xmlns:mv="urn:schemas-microsoft-com:mac:vml" xmlns:p="http://schemas.openxmlformats.org/presentationml/2006/main" xmlns:c="http://schemas.openxmlformats.org/drawingml/2006/chart" xmlns:dgm="http://schemas.openxmlformats.org/drawingml/2006/diagram" xmlns:o="urn:schemas-microsoft-com:office:office" xmlns:v="urn:schemas-microsoft-com:vml" xmlns:pvml="urn:schemas-microsoft-com:office:powerpoint" xmlns:com="http://schemas.openxmlformats.org/drawingml/2006/compatibility" xmlns:p14="http://schemas.microsoft.com/office/powerpoint/2010/main" xmlns:p15="http://schemas.microsoft.com/office/powerpoint/2012/main">
+<p:sld xmlns:a="http://schemas.openxmlformats.org/drawingml/2006/main" xmlns:r="http://schemas.openxmlformats.org/officeDocument/2006/relationships" xmlns:p="http://schemas.openxmlformats.org/presentationml/2006/main">
   <p:cSld>
     <p:spTree>
       <p:nvGrpSpPr>
-        <p:cNvPr id="124" name="Shape 124"/>
+        <p:cNvPr id="1" name="Shape 124"/>
         <p:cNvGrpSpPr/>
         <p:nvPr/>
       </p:nvGrpSpPr>
@@ -8218,7 +8439,9 @@
       <p:sp>
         <p:nvSpPr>
           <p:cNvPr id="125" name="Google Shape;125;p22"/>
-          <p:cNvSpPr txBox="1"/>
+          <p:cNvSpPr txBox="1">
+            <a:spLocks noGrp="1"/>
+          </p:cNvSpPr>
           <p:nvPr>
             <p:ph type="title"/>
           </p:nvPr>
@@ -8233,12 +8456,12 @@
           </a:prstGeom>
         </p:spPr>
         <p:txBody>
-          <a:bodyPr anchorCtr="0" anchor="t" bIns="91425" lIns="91425" spcFirstLastPara="1" rIns="91425" wrap="square" tIns="91425">
+          <a:bodyPr spcFirstLastPara="1" wrap="square" lIns="91425" tIns="91425" rIns="91425" bIns="91425" anchor="t" anchorCtr="0">
             <a:noAutofit/>
           </a:bodyPr>
           <a:lstStyle/>
           <a:p>
-            <a:pPr indent="0" lvl="0" marL="0" rtl="0" algn="l">
+            <a:pPr marL="0" lvl="0" indent="0" algn="l" rtl="0">
               <a:spcBef>
                 <a:spcPts val="0"/>
               </a:spcBef>
@@ -8248,19 +8471,25 @@
               <a:buNone/>
             </a:pPr>
             <a:r>
-              <a:rPr lang="en"/>
-              <a:t>Global Functions</a:t>
+              <a:rPr lang="en-US" dirty="0"/>
+              <a:t>User-Defined</a:t>
             </a:r>
-            <a:endParaRPr/>
+            <a:r>
+              <a:rPr lang="en" dirty="0"/>
+              <a:t> Functions</a:t>
+            </a:r>
+            <a:endParaRPr dirty="0"/>
           </a:p>
         </p:txBody>
       </p:sp>
       <p:sp>
         <p:nvSpPr>
           <p:cNvPr id="126" name="Google Shape;126;p22"/>
-          <p:cNvSpPr txBox="1"/>
+          <p:cNvSpPr txBox="1">
+            <a:spLocks noGrp="1"/>
+          </p:cNvSpPr>
           <p:nvPr>
-            <p:ph idx="1" type="body"/>
+            <p:ph type="body" idx="1"/>
           </p:nvPr>
         </p:nvSpPr>
         <p:spPr>
@@ -8273,12 +8502,12 @@
           </a:prstGeom>
         </p:spPr>
         <p:txBody>
-          <a:bodyPr anchorCtr="0" anchor="t" bIns="91425" lIns="91425" spcFirstLastPara="1" rIns="91425" wrap="square" tIns="91425">
+          <a:bodyPr spcFirstLastPara="1" wrap="square" lIns="91425" tIns="91425" rIns="91425" bIns="91425" anchor="t" anchorCtr="0">
             <a:noAutofit/>
           </a:bodyPr>
           <a:lstStyle/>
           <a:p>
-            <a:pPr indent="0" lvl="0" marL="0" rtl="0" algn="l">
+            <a:pPr marL="0" lvl="0" indent="0" algn="l" rtl="0">
               <a:spcBef>
                 <a:spcPts val="0"/>
               </a:spcBef>
@@ -8288,10 +8517,10 @@
               <a:buNone/>
             </a:pPr>
             <a:r>
-              <a:rPr lang="en"/>
-              <a:t>Global functions are exactly the same as user-defined functions. However, you can specify if you want to be able to use these functions outside of the app. These functions are defined in the global section of the app code, along with any other global functions and global properties.</a:t>
+              <a:rPr lang="en-US" dirty="0"/>
+              <a:t>User-defined functions are made in the methods section of the code. These functions can be either public or private, but this is not important for this project. You may define your functions as either private or public, but this should not affect functionality.</a:t>
             </a:r>
-            <a:endParaRPr/>
+            <a:endParaRPr lang="en" dirty="0"/>
           </a:p>
         </p:txBody>
       </p:sp>
@@ -8360,11 +8589,11 @@
 </file>
 
 <file path=ppt/slides/slide11.xml><?xml version="1.0" encoding="utf-8"?>
-<p:sld xmlns:a="http://schemas.openxmlformats.org/drawingml/2006/main" xmlns:r="http://schemas.openxmlformats.org/officeDocument/2006/relationships" xmlns:mc="http://schemas.openxmlformats.org/markup-compatibility/2006" xmlns:mv="urn:schemas-microsoft-com:mac:vml" xmlns:p="http://schemas.openxmlformats.org/presentationml/2006/main" xmlns:c="http://schemas.openxmlformats.org/drawingml/2006/chart" xmlns:dgm="http://schemas.openxmlformats.org/drawingml/2006/diagram" xmlns:o="urn:schemas-microsoft-com:office:office" xmlns:v="urn:schemas-microsoft-com:vml" xmlns:pvml="urn:schemas-microsoft-com:office:powerpoint" xmlns:com="http://schemas.openxmlformats.org/drawingml/2006/compatibility" xmlns:p14="http://schemas.microsoft.com/office/powerpoint/2010/main" xmlns:p15="http://schemas.microsoft.com/office/powerpoint/2012/main">
+<p:sld xmlns:a="http://schemas.openxmlformats.org/drawingml/2006/main" xmlns:r="http://schemas.openxmlformats.org/officeDocument/2006/relationships" xmlns:p="http://schemas.openxmlformats.org/presentationml/2006/main">
   <p:cSld>
     <p:spTree>
       <p:nvGrpSpPr>
-        <p:cNvPr id="132" name="Shape 132"/>
+        <p:cNvPr id="1" name="Shape 132"/>
         <p:cNvGrpSpPr/>
         <p:nvPr/>
       </p:nvGrpSpPr>
@@ -8379,7 +8608,9 @@
       <p:sp>
         <p:nvSpPr>
           <p:cNvPr id="133" name="Google Shape;133;p23"/>
-          <p:cNvSpPr txBox="1"/>
+          <p:cNvSpPr txBox="1">
+            <a:spLocks noGrp="1"/>
+          </p:cNvSpPr>
           <p:nvPr>
             <p:ph type="ctrTitle"/>
           </p:nvPr>
@@ -8394,12 +8625,12 @@
           </a:prstGeom>
         </p:spPr>
         <p:txBody>
-          <a:bodyPr anchorCtr="0" anchor="b" bIns="91425" lIns="91425" spcFirstLastPara="1" rIns="91425" wrap="square" tIns="91425">
+          <a:bodyPr spcFirstLastPara="1" wrap="square" lIns="91425" tIns="91425" rIns="91425" bIns="91425" anchor="b" anchorCtr="0">
             <a:noAutofit/>
           </a:bodyPr>
           <a:lstStyle/>
           <a:p>
-            <a:pPr indent="0" lvl="0" marL="0" rtl="0" algn="l">
+            <a:pPr marL="0" lvl="0" indent="0" algn="l" rtl="0">
               <a:spcBef>
                 <a:spcPts val="0"/>
               </a:spcBef>
@@ -8419,9 +8650,11 @@
       <p:sp>
         <p:nvSpPr>
           <p:cNvPr id="134" name="Google Shape;134;p23"/>
-          <p:cNvSpPr txBox="1"/>
+          <p:cNvSpPr txBox="1">
+            <a:spLocks noGrp="1"/>
+          </p:cNvSpPr>
           <p:nvPr>
-            <p:ph idx="1" type="subTitle"/>
+            <p:ph type="subTitle" idx="1"/>
           </p:nvPr>
         </p:nvSpPr>
         <p:spPr>
@@ -8434,12 +8667,12 @@
           </a:prstGeom>
         </p:spPr>
         <p:txBody>
-          <a:bodyPr anchorCtr="0" anchor="t" bIns="91425" lIns="91425" spcFirstLastPara="1" rIns="91425" wrap="square" tIns="91425">
+          <a:bodyPr spcFirstLastPara="1" wrap="square" lIns="91425" tIns="91425" rIns="91425" bIns="91425" anchor="t" anchorCtr="0">
             <a:noAutofit/>
           </a:bodyPr>
           <a:lstStyle/>
           <a:p>
-            <a:pPr indent="0" lvl="0" marL="0" rtl="0" algn="r">
+            <a:pPr marL="0" lvl="0" indent="0" algn="r" rtl="0">
               <a:spcBef>
                 <a:spcPts val="0"/>
               </a:spcBef>
@@ -8455,7 +8688,7 @@
             <a:endParaRPr/>
           </a:p>
           <a:p>
-            <a:pPr indent="0" lvl="0" marL="0" rtl="0" algn="r">
+            <a:pPr marL="0" lvl="0" indent="0" algn="r" rtl="0">
               <a:spcBef>
                 <a:spcPts val="0"/>
               </a:spcBef>
@@ -8481,11 +8714,11 @@
 </file>
 
 <file path=ppt/slides/slide12.xml><?xml version="1.0" encoding="utf-8"?>
-<p:sld xmlns:a="http://schemas.openxmlformats.org/drawingml/2006/main" xmlns:r="http://schemas.openxmlformats.org/officeDocument/2006/relationships" xmlns:mc="http://schemas.openxmlformats.org/markup-compatibility/2006" xmlns:mv="urn:schemas-microsoft-com:mac:vml" xmlns:p="http://schemas.openxmlformats.org/presentationml/2006/main" xmlns:c="http://schemas.openxmlformats.org/drawingml/2006/chart" xmlns:dgm="http://schemas.openxmlformats.org/drawingml/2006/diagram" xmlns:o="urn:schemas-microsoft-com:office:office" xmlns:v="urn:schemas-microsoft-com:vml" xmlns:pvml="urn:schemas-microsoft-com:office:powerpoint" xmlns:com="http://schemas.openxmlformats.org/drawingml/2006/compatibility" xmlns:p14="http://schemas.microsoft.com/office/powerpoint/2010/main" xmlns:p15="http://schemas.microsoft.com/office/powerpoint/2012/main">
+<p:sld xmlns:a="http://schemas.openxmlformats.org/drawingml/2006/main" xmlns:r="http://schemas.openxmlformats.org/officeDocument/2006/relationships" xmlns:p="http://schemas.openxmlformats.org/presentationml/2006/main">
   <p:cSld>
     <p:spTree>
       <p:nvGrpSpPr>
-        <p:cNvPr id="138" name="Shape 138"/>
+        <p:cNvPr id="1" name="Shape 138"/>
         <p:cNvGrpSpPr/>
         <p:nvPr/>
       </p:nvGrpSpPr>
@@ -8500,7 +8733,9 @@
       <p:sp>
         <p:nvSpPr>
           <p:cNvPr id="139" name="Google Shape;139;p24"/>
-          <p:cNvSpPr txBox="1"/>
+          <p:cNvSpPr txBox="1">
+            <a:spLocks noGrp="1"/>
+          </p:cNvSpPr>
           <p:nvPr>
             <p:ph type="title"/>
           </p:nvPr>
@@ -8515,12 +8750,12 @@
           </a:prstGeom>
         </p:spPr>
         <p:txBody>
-          <a:bodyPr anchorCtr="0" anchor="t" bIns="91425" lIns="91425" spcFirstLastPara="1" rIns="91425" wrap="square" tIns="91425">
+          <a:bodyPr spcFirstLastPara="1" wrap="square" lIns="91425" tIns="91425" rIns="91425" bIns="91425" anchor="t" anchorCtr="0">
             <a:noAutofit/>
           </a:bodyPr>
           <a:lstStyle/>
           <a:p>
-            <a:pPr indent="0" lvl="0" marL="0" rtl="0" algn="l">
+            <a:pPr marL="0" lvl="0" indent="0" algn="l" rtl="0">
               <a:spcBef>
                 <a:spcPts val="0"/>
               </a:spcBef>
@@ -8540,9 +8775,11 @@
       <p:sp>
         <p:nvSpPr>
           <p:cNvPr id="140" name="Google Shape;140;p24"/>
-          <p:cNvSpPr txBox="1"/>
+          <p:cNvSpPr txBox="1">
+            <a:spLocks noGrp="1"/>
+          </p:cNvSpPr>
           <p:nvPr>
-            <p:ph idx="1" type="body"/>
+            <p:ph type="body" idx="1"/>
           </p:nvPr>
         </p:nvSpPr>
         <p:spPr>
@@ -8555,12 +8792,12 @@
           </a:prstGeom>
         </p:spPr>
         <p:txBody>
-          <a:bodyPr anchorCtr="0" anchor="t" bIns="91425" lIns="91425" spcFirstLastPara="1" rIns="91425" wrap="square" tIns="91425">
+          <a:bodyPr spcFirstLastPara="1" wrap="square" lIns="91425" tIns="91425" rIns="91425" bIns="91425" anchor="t" anchorCtr="0">
             <a:noAutofit/>
           </a:bodyPr>
           <a:lstStyle/>
           <a:p>
-            <a:pPr indent="0" lvl="0" marL="0" rtl="0" algn="l">
+            <a:pPr marL="0" lvl="0" indent="0" algn="l" rtl="0">
               <a:spcBef>
                 <a:spcPts val="0"/>
               </a:spcBef>
@@ -8570,13 +8807,21 @@
               <a:buNone/>
             </a:pPr>
             <a:r>
-              <a:rPr lang="en"/>
-              <a:t>In this project we will be making a series of circuits on a breadboard. We need a device that can communicate with MATLAB and send the corresponding signals to the elements on the breadboard. For this project, the device we will be using is an Arduino Uno.</a:t>
+              <a:rPr lang="en" dirty="0"/>
+              <a:t>In this project we will be making multiple circuits on a breadboard. We need a device that can communicate with MATLAB and send the corresponding signals to the elements </a:t>
             </a:r>
-            <a:endParaRPr/>
-          </a:p>
-          <a:p>
-            <a:pPr indent="0" lvl="0" marL="0" rtl="0" algn="l">
+            <a:r>
+              <a:rPr lang="en-US" dirty="0"/>
+              <a:t>in these circuits</a:t>
+            </a:r>
+            <a:r>
+              <a:rPr lang="en" dirty="0"/>
+              <a:t>. For this project, the device we will be using is an Arduino Uno.</a:t>
+            </a:r>
+            <a:endParaRPr dirty="0"/>
+          </a:p>
+          <a:p>
+            <a:pPr marL="0" lvl="0" indent="0" algn="l" rtl="0">
               <a:spcBef>
                 <a:spcPts val="1600"/>
               </a:spcBef>
@@ -8586,13 +8831,13 @@
               <a:buNone/>
             </a:pPr>
             <a:r>
-              <a:rPr lang="en"/>
-              <a:t>To use the Arduino Uno with MATLAB, you will need to install an add-on that gives you the ability to control the Arduino with MATLAB code. In particular, we will be using the Simulink Support Package for Arduino Hardware.</a:t>
+              <a:rPr lang="en" dirty="0"/>
+              <a:t>To use the Arduino Uno with MATLAB, you will need to install an add-on that gives you the ability to control the Arduino with MATLAB code. We will be using the Simulink Support Package for Arduino Hardware.</a:t>
             </a:r>
-            <a:endParaRPr/>
-          </a:p>
-          <a:p>
-            <a:pPr indent="0" lvl="0" marL="0" rtl="0" algn="l">
+            <a:endParaRPr dirty="0"/>
+          </a:p>
+          <a:p>
+            <a:pPr marL="0" lvl="0" indent="0" algn="l" rtl="0">
               <a:spcBef>
                 <a:spcPts val="1600"/>
               </a:spcBef>
@@ -8602,7 +8847,7 @@
               <a:buNone/>
             </a:pPr>
             <a:r>
-              <a:rPr lang="en" u="sng">
+              <a:rPr lang="en" u="sng" dirty="0">
                 <a:solidFill>
                   <a:schemeClr val="hlink"/>
                 </a:solidFill>
@@ -8610,7 +8855,7 @@
               </a:rPr>
               <a:t>Click here to go to the download page</a:t>
             </a:r>
-            <a:endParaRPr/>
+            <a:endParaRPr dirty="0"/>
           </a:p>
         </p:txBody>
       </p:sp>
@@ -8623,11 +8868,11 @@
 </file>
 
 <file path=ppt/slides/slide13.xml><?xml version="1.0" encoding="utf-8"?>
-<p:sld xmlns:a="http://schemas.openxmlformats.org/drawingml/2006/main" xmlns:r="http://schemas.openxmlformats.org/officeDocument/2006/relationships" xmlns:mc="http://schemas.openxmlformats.org/markup-compatibility/2006" xmlns:mv="urn:schemas-microsoft-com:mac:vml" xmlns:p="http://schemas.openxmlformats.org/presentationml/2006/main" xmlns:c="http://schemas.openxmlformats.org/drawingml/2006/chart" xmlns:dgm="http://schemas.openxmlformats.org/drawingml/2006/diagram" xmlns:o="urn:schemas-microsoft-com:office:office" xmlns:v="urn:schemas-microsoft-com:vml" xmlns:pvml="urn:schemas-microsoft-com:office:powerpoint" xmlns:com="http://schemas.openxmlformats.org/drawingml/2006/compatibility" xmlns:p14="http://schemas.microsoft.com/office/powerpoint/2010/main" xmlns:p15="http://schemas.microsoft.com/office/powerpoint/2012/main">
+<p:sld xmlns:a="http://schemas.openxmlformats.org/drawingml/2006/main" xmlns:r="http://schemas.openxmlformats.org/officeDocument/2006/relationships" xmlns:p="http://schemas.openxmlformats.org/presentationml/2006/main">
   <p:cSld>
     <p:spTree>
       <p:nvGrpSpPr>
-        <p:cNvPr id="144" name="Shape 144"/>
+        <p:cNvPr id="1" name="Shape 144"/>
         <p:cNvGrpSpPr/>
         <p:nvPr/>
       </p:nvGrpSpPr>
@@ -8642,7 +8887,9 @@
       <p:sp>
         <p:nvSpPr>
           <p:cNvPr id="145" name="Google Shape;145;p25"/>
-          <p:cNvSpPr txBox="1"/>
+          <p:cNvSpPr txBox="1">
+            <a:spLocks noGrp="1"/>
+          </p:cNvSpPr>
           <p:nvPr>
             <p:ph type="title"/>
           </p:nvPr>
@@ -8657,12 +8904,12 @@
           </a:prstGeom>
         </p:spPr>
         <p:txBody>
-          <a:bodyPr anchorCtr="0" anchor="t" bIns="91425" lIns="91425" spcFirstLastPara="1" rIns="91425" wrap="square" tIns="91425">
+          <a:bodyPr spcFirstLastPara="1" wrap="square" lIns="91425" tIns="91425" rIns="91425" bIns="91425" anchor="t" anchorCtr="0">
             <a:noAutofit/>
           </a:bodyPr>
           <a:lstStyle/>
           <a:p>
-            <a:pPr indent="0" lvl="0" marL="0" rtl="0" algn="l">
+            <a:pPr marL="0" lvl="0" indent="0" algn="l" rtl="0">
               <a:spcBef>
                 <a:spcPts val="0"/>
               </a:spcBef>
@@ -8682,9 +8929,11 @@
       <p:sp>
         <p:nvSpPr>
           <p:cNvPr id="146" name="Google Shape;146;p25"/>
-          <p:cNvSpPr txBox="1"/>
+          <p:cNvSpPr txBox="1">
+            <a:spLocks noGrp="1"/>
+          </p:cNvSpPr>
           <p:nvPr>
-            <p:ph idx="1" type="body"/>
+            <p:ph type="body" idx="1"/>
           </p:nvPr>
         </p:nvSpPr>
         <p:spPr>
@@ -8697,12 +8946,12 @@
           </a:prstGeom>
         </p:spPr>
         <p:txBody>
-          <a:bodyPr anchorCtr="0" anchor="t" bIns="91425" lIns="91425" spcFirstLastPara="1" rIns="91425" wrap="square" tIns="91425">
+          <a:bodyPr spcFirstLastPara="1" wrap="square" lIns="91425" tIns="91425" rIns="91425" bIns="91425" anchor="t" anchorCtr="0">
             <a:noAutofit/>
           </a:bodyPr>
           <a:lstStyle/>
           <a:p>
-            <a:pPr indent="0" lvl="0" marL="0" rtl="0" algn="l">
+            <a:pPr marL="0" lvl="0" indent="0" algn="l" rtl="0">
               <a:spcBef>
                 <a:spcPts val="0"/>
               </a:spcBef>
@@ -8712,13 +8961,13 @@
               <a:buNone/>
             </a:pPr>
             <a:r>
-              <a:rPr lang="en"/>
+              <a:rPr lang="en" dirty="0"/>
               <a:t>An Arduino is a microcontroller. A microcontroller is a device that contains a processor, memory, and pins that can both send and receive signals. </a:t>
             </a:r>
-            <a:endParaRPr/>
-          </a:p>
-          <a:p>
-            <a:pPr indent="0" lvl="0" marL="0" rtl="0" algn="l">
+            <a:endParaRPr dirty="0"/>
+          </a:p>
+          <a:p>
+            <a:pPr marL="0" lvl="0" indent="0" algn="l" rtl="0">
               <a:spcBef>
                 <a:spcPts val="1000"/>
               </a:spcBef>
@@ -8728,14 +8977,10 @@
               <a:buNone/>
             </a:pPr>
             <a:r>
-              <a:rPr lang="en"/>
-              <a:t>There are two types of pins, analog and digital. </a:t>
+              <a:rPr lang="en" dirty="0"/>
+              <a:t>There are two types of pins, analog and digital. Digital pins only output 2 values: 1s and 0s. Analog pins can output 256 values, from 0 to 255. In this project, you will only be using the digital pins.</a:t>
             </a:r>
-            <a:r>
-              <a:rPr lang="en"/>
-              <a:t>Digital pins only output 2 values: 1s and 0s. Analog pins can output 256 values, from 0 to 255. In this project, you will only be using the digital pins.</a:t>
-            </a:r>
-            <a:endParaRPr/>
+            <a:endParaRPr dirty="0"/>
           </a:p>
         </p:txBody>
       </p:sp>
@@ -8787,12 +9032,12 @@
           </a:ln>
         </p:spPr>
         <p:txBody>
-          <a:bodyPr anchorCtr="0" anchor="t" bIns="91425" lIns="91425" spcFirstLastPara="1" rIns="91425" wrap="square" tIns="91425">
+          <a:bodyPr spcFirstLastPara="1" wrap="square" lIns="91425" tIns="91425" rIns="91425" bIns="91425" anchor="t" anchorCtr="0">
             <a:noAutofit/>
           </a:bodyPr>
           <a:lstStyle/>
           <a:p>
-            <a:pPr indent="0" lvl="0" marL="0" rtl="0" algn="ctr">
+            <a:pPr marL="0" lvl="0" indent="0" algn="ctr" rtl="0">
               <a:spcBef>
                 <a:spcPts val="0"/>
               </a:spcBef>
@@ -8829,12 +9074,12 @@
           </a:ln>
         </p:spPr>
         <p:txBody>
-          <a:bodyPr anchorCtr="0" anchor="t" bIns="91425" lIns="91425" spcFirstLastPara="1" rIns="91425" wrap="square" tIns="91425">
+          <a:bodyPr spcFirstLastPara="1" wrap="square" lIns="91425" tIns="91425" rIns="91425" bIns="91425" anchor="t" anchorCtr="0">
             <a:noAutofit/>
           </a:bodyPr>
           <a:lstStyle/>
           <a:p>
-            <a:pPr indent="0" lvl="0" marL="0" rtl="0" algn="ctr">
+            <a:pPr marL="0" lvl="0" indent="0" algn="ctr" rtl="0">
               <a:spcBef>
                 <a:spcPts val="0"/>
               </a:spcBef>
@@ -8845,11 +9090,7 @@
             </a:pPr>
             <a:r>
               <a:rPr lang="en"/>
-              <a:t>Analog</a:t>
-            </a:r>
-            <a:r>
-              <a:rPr lang="en"/>
-              <a:t> Pins</a:t>
+              <a:t>Analog Pins</a:t>
             </a:r>
             <a:endParaRPr/>
           </a:p>
@@ -8868,30 +9109,30 @@
           </a:xfrm>
           <a:prstGeom prst="leftArrow">
             <a:avLst>
-              <a:gd fmla="val 50000" name="adj1"/>
-              <a:gd fmla="val 50000" name="adj2"/>
+              <a:gd name="adj1" fmla="val 50000"/>
+              <a:gd name="adj2" fmla="val 50000"/>
             </a:avLst>
           </a:prstGeom>
           <a:solidFill>
             <a:srgbClr val="FF0000"/>
           </a:solidFill>
-          <a:ln cap="flat" cmpd="sng" w="9525">
+          <a:ln w="9525" cap="flat" cmpd="sng">
             <a:solidFill>
               <a:schemeClr val="dk2"/>
             </a:solidFill>
             <a:prstDash val="solid"/>
             <a:round/>
-            <a:headEnd len="sm" w="sm" type="none"/>
-            <a:tailEnd len="sm" w="sm" type="none"/>
+            <a:headEnd type="none" w="sm" len="sm"/>
+            <a:tailEnd type="none" w="sm" len="sm"/>
           </a:ln>
         </p:spPr>
         <p:txBody>
-          <a:bodyPr anchorCtr="0" anchor="ctr" bIns="91425" lIns="91425" spcFirstLastPara="1" rIns="91425" wrap="square" tIns="91425">
+          <a:bodyPr spcFirstLastPara="1" wrap="square" lIns="91425" tIns="91425" rIns="91425" bIns="91425" anchor="ctr" anchorCtr="0">
             <a:noAutofit/>
           </a:bodyPr>
           <a:lstStyle/>
           <a:p>
-            <a:pPr indent="0" lvl="0" marL="0" rtl="0" algn="l">
+            <a:pPr marL="0" lvl="0" indent="0" algn="l" rtl="0">
               <a:spcBef>
                 <a:spcPts val="0"/>
               </a:spcBef>
@@ -8900,9 +9141,6 @@
               </a:spcAft>
               <a:buNone/>
             </a:pPr>
-            <a:r>
-              <a:t/>
-            </a:r>
             <a:endParaRPr/>
           </a:p>
         </p:txBody>
@@ -8920,30 +9158,30 @@
           </a:xfrm>
           <a:prstGeom prst="leftArrow">
             <a:avLst>
-              <a:gd fmla="val 50000" name="adj1"/>
-              <a:gd fmla="val 50000" name="adj2"/>
+              <a:gd name="adj1" fmla="val 50000"/>
+              <a:gd name="adj2" fmla="val 50000"/>
             </a:avLst>
           </a:prstGeom>
           <a:solidFill>
             <a:srgbClr val="FF0000"/>
           </a:solidFill>
-          <a:ln cap="flat" cmpd="sng" w="9525">
+          <a:ln w="9525" cap="flat" cmpd="sng">
             <a:solidFill>
               <a:schemeClr val="dk2"/>
             </a:solidFill>
             <a:prstDash val="solid"/>
             <a:round/>
-            <a:headEnd len="sm" w="sm" type="none"/>
-            <a:tailEnd len="sm" w="sm" type="none"/>
+            <a:headEnd type="none" w="sm" len="sm"/>
+            <a:tailEnd type="none" w="sm" len="sm"/>
           </a:ln>
         </p:spPr>
         <p:txBody>
-          <a:bodyPr anchorCtr="0" anchor="ctr" bIns="91425" lIns="91425" spcFirstLastPara="1" rIns="91425" wrap="square" tIns="91425">
+          <a:bodyPr spcFirstLastPara="1" wrap="square" lIns="91425" tIns="91425" rIns="91425" bIns="91425" anchor="ctr" anchorCtr="0">
             <a:noAutofit/>
           </a:bodyPr>
           <a:lstStyle/>
           <a:p>
-            <a:pPr indent="0" lvl="0" marL="0" rtl="0" algn="l">
+            <a:pPr marL="0" lvl="0" indent="0" algn="l" rtl="0">
               <a:spcBef>
                 <a:spcPts val="0"/>
               </a:spcBef>
@@ -8952,9 +9190,6 @@
               </a:spcAft>
               <a:buNone/>
             </a:pPr>
-            <a:r>
-              <a:t/>
-            </a:r>
             <a:endParaRPr/>
           </a:p>
         </p:txBody>
@@ -8979,12 +9214,12 @@
           </a:ln>
         </p:spPr>
         <p:txBody>
-          <a:bodyPr anchorCtr="0" anchor="t" bIns="91425" lIns="91425" spcFirstLastPara="1" rIns="91425" wrap="square" tIns="91425">
+          <a:bodyPr spcFirstLastPara="1" wrap="square" lIns="91425" tIns="91425" rIns="91425" bIns="91425" anchor="t" anchorCtr="0">
             <a:noAutofit/>
           </a:bodyPr>
           <a:lstStyle/>
           <a:p>
-            <a:pPr indent="0" lvl="0" marL="0" rtl="0" algn="ctr">
+            <a:pPr marL="0" lvl="0" indent="0" algn="ctr" rtl="0">
               <a:spcBef>
                 <a:spcPts val="0"/>
               </a:spcBef>
@@ -9014,30 +9249,30 @@
           </a:xfrm>
           <a:prstGeom prst="rightArrow">
             <a:avLst>
-              <a:gd fmla="val 50000" name="adj1"/>
-              <a:gd fmla="val 50000" name="adj2"/>
+              <a:gd name="adj1" fmla="val 50000"/>
+              <a:gd name="adj2" fmla="val 50000"/>
             </a:avLst>
           </a:prstGeom>
           <a:solidFill>
             <a:srgbClr val="FF0000"/>
           </a:solidFill>
-          <a:ln cap="flat" cmpd="sng" w="9525">
+          <a:ln w="9525" cap="flat" cmpd="sng">
             <a:solidFill>
               <a:schemeClr val="dk2"/>
             </a:solidFill>
             <a:prstDash val="solid"/>
             <a:round/>
-            <a:headEnd len="sm" w="sm" type="none"/>
-            <a:tailEnd len="sm" w="sm" type="none"/>
+            <a:headEnd type="none" w="sm" len="sm"/>
+            <a:tailEnd type="none" w="sm" len="sm"/>
           </a:ln>
         </p:spPr>
         <p:txBody>
-          <a:bodyPr anchorCtr="0" anchor="ctr" bIns="91425" lIns="91425" spcFirstLastPara="1" rIns="91425" wrap="square" tIns="91425">
+          <a:bodyPr spcFirstLastPara="1" wrap="square" lIns="91425" tIns="91425" rIns="91425" bIns="91425" anchor="ctr" anchorCtr="0">
             <a:noAutofit/>
           </a:bodyPr>
           <a:lstStyle/>
           <a:p>
-            <a:pPr indent="0" lvl="0" marL="0" rtl="0" algn="l">
+            <a:pPr marL="0" lvl="0" indent="0" algn="l" rtl="0">
               <a:spcBef>
                 <a:spcPts val="0"/>
               </a:spcBef>
@@ -9046,9 +9281,6 @@
               </a:spcAft>
               <a:buNone/>
             </a:pPr>
-            <a:r>
-              <a:t/>
-            </a:r>
             <a:endParaRPr/>
           </a:p>
         </p:txBody>
@@ -9062,11 +9294,11 @@
 </file>
 
 <file path=ppt/slides/slide14.xml><?xml version="1.0" encoding="utf-8"?>
-<p:sld xmlns:a="http://schemas.openxmlformats.org/drawingml/2006/main" xmlns:r="http://schemas.openxmlformats.org/officeDocument/2006/relationships" xmlns:mc="http://schemas.openxmlformats.org/markup-compatibility/2006" xmlns:mv="urn:schemas-microsoft-com:mac:vml" xmlns:p="http://schemas.openxmlformats.org/presentationml/2006/main" xmlns:c="http://schemas.openxmlformats.org/drawingml/2006/chart" xmlns:dgm="http://schemas.openxmlformats.org/drawingml/2006/diagram" xmlns:o="urn:schemas-microsoft-com:office:office" xmlns:v="urn:schemas-microsoft-com:vml" xmlns:pvml="urn:schemas-microsoft-com:office:powerpoint" xmlns:com="http://schemas.openxmlformats.org/drawingml/2006/compatibility" xmlns:p14="http://schemas.microsoft.com/office/powerpoint/2010/main" xmlns:p15="http://schemas.microsoft.com/office/powerpoint/2012/main">
+<p:sld xmlns:a="http://schemas.openxmlformats.org/drawingml/2006/main" xmlns:r="http://schemas.openxmlformats.org/officeDocument/2006/relationships" xmlns:p="http://schemas.openxmlformats.org/presentationml/2006/main">
   <p:cSld>
     <p:spTree>
       <p:nvGrpSpPr>
-        <p:cNvPr id="157" name="Shape 157"/>
+        <p:cNvPr id="1" name="Shape 157"/>
         <p:cNvGrpSpPr/>
         <p:nvPr/>
       </p:nvGrpSpPr>
@@ -9081,7 +9313,9 @@
       <p:sp>
         <p:nvSpPr>
           <p:cNvPr id="158" name="Google Shape;158;p26"/>
-          <p:cNvSpPr txBox="1"/>
+          <p:cNvSpPr txBox="1">
+            <a:spLocks noGrp="1"/>
+          </p:cNvSpPr>
           <p:nvPr>
             <p:ph type="title"/>
           </p:nvPr>
@@ -9096,12 +9330,12 @@
           </a:prstGeom>
         </p:spPr>
         <p:txBody>
-          <a:bodyPr anchorCtr="0" anchor="t" bIns="91425" lIns="91425" spcFirstLastPara="1" rIns="91425" wrap="square" tIns="91425">
+          <a:bodyPr spcFirstLastPara="1" wrap="square" lIns="91425" tIns="91425" rIns="91425" bIns="91425" anchor="t" anchorCtr="0">
             <a:noAutofit/>
           </a:bodyPr>
           <a:lstStyle/>
           <a:p>
-            <a:pPr indent="0" lvl="0" marL="0" rtl="0" algn="l">
+            <a:pPr marL="0" lvl="0" indent="0" algn="l" rtl="0">
               <a:spcBef>
                 <a:spcPts val="0"/>
               </a:spcBef>
@@ -9121,9 +9355,11 @@
       <p:sp>
         <p:nvSpPr>
           <p:cNvPr id="159" name="Google Shape;159;p26"/>
-          <p:cNvSpPr txBox="1"/>
+          <p:cNvSpPr txBox="1">
+            <a:spLocks noGrp="1"/>
+          </p:cNvSpPr>
           <p:nvPr>
-            <p:ph idx="1" type="body"/>
+            <p:ph type="body" idx="1"/>
           </p:nvPr>
         </p:nvSpPr>
         <p:spPr>
@@ -9136,12 +9372,12 @@
           </a:prstGeom>
         </p:spPr>
         <p:txBody>
-          <a:bodyPr anchorCtr="0" anchor="t" bIns="91425" lIns="91425" spcFirstLastPara="1" rIns="91425" wrap="square" tIns="91425">
+          <a:bodyPr spcFirstLastPara="1" wrap="square" lIns="91425" tIns="91425" rIns="91425" bIns="91425" anchor="t" anchorCtr="0">
             <a:noAutofit/>
           </a:bodyPr>
           <a:lstStyle/>
           <a:p>
-            <a:pPr indent="0" lvl="0" marL="0" rtl="0" algn="l">
+            <a:pPr marL="0" lvl="0" indent="0" algn="l" rtl="0">
               <a:spcBef>
                 <a:spcPts val="0"/>
               </a:spcBef>
@@ -9151,13 +9387,13 @@
               <a:buNone/>
             </a:pPr>
             <a:r>
-              <a:rPr lang="en"/>
+              <a:rPr lang="en" dirty="0"/>
               <a:t>The MATLAB support package for Arduino hardware comes with many built-in functions that allow you to communicate with your Arduino.</a:t>
             </a:r>
-            <a:endParaRPr/>
-          </a:p>
-          <a:p>
-            <a:pPr indent="0" lvl="0" marL="0" rtl="0" algn="l">
+            <a:endParaRPr dirty="0"/>
+          </a:p>
+          <a:p>
+            <a:pPr marL="0" lvl="0" indent="0" algn="l" rtl="0">
               <a:spcBef>
                 <a:spcPts val="1600"/>
               </a:spcBef>
@@ -9167,81 +9403,85 @@
               <a:buNone/>
             </a:pPr>
             <a:r>
-              <a:rPr lang="en"/>
+              <a:rPr lang="en" dirty="0"/>
+              <a:t>arduino() creates an arduino object. Typically we write ard = arduino() to assign the arduino object to the variable “ard”. An arduino object contains information about your Arduino Uno and allows MATLAB to communicate with it.</a:t>
+            </a:r>
+            <a:endParaRPr dirty="0"/>
+          </a:p>
+          <a:p>
+            <a:pPr marL="0" lvl="0" indent="0" algn="l" rtl="0">
+              <a:spcBef>
+                <a:spcPts val="1600"/>
+              </a:spcBef>
+              <a:spcAft>
+                <a:spcPts val="0"/>
+              </a:spcAft>
+              <a:buNone/>
+            </a:pPr>
+            <a:r>
+              <a:rPr lang="en" dirty="0"/>
+              <a:t>writeDigitialPin(</a:t>
+            </a:r>
+            <a:r>
+              <a:rPr lang="en" i="1" dirty="0"/>
               <a:t>a</a:t>
             </a:r>
             <a:r>
-              <a:rPr lang="en"/>
-              <a:t>rduino() creates an arduino object. Typically we write ard = arduino() to assign the arduino object to the variable “ard”. An arduino object contains information about your Arduino Uno and allows MATLAB to communicate with it.</a:t>
-            </a:r>
-            <a:endParaRPr/>
-          </a:p>
-          <a:p>
-            <a:pPr indent="0" lvl="0" marL="0" rtl="0" algn="l">
-              <a:spcBef>
-                <a:spcPts val="1600"/>
-              </a:spcBef>
-              <a:spcAft>
-                <a:spcPts val="0"/>
-              </a:spcAft>
-              <a:buNone/>
-            </a:pPr>
-            <a:r>
-              <a:rPr lang="en"/>
-              <a:t>writeDigitialPin(</a:t>
+              <a:rPr lang="en-US" i="1" dirty="0" err="1"/>
+              <a:t>rd</a:t>
             </a:r>
             <a:r>
-              <a:rPr i="1" lang="en"/>
+              <a:rPr lang="en" dirty="0"/>
+              <a:t>, </a:t>
+            </a:r>
+            <a:r>
+              <a:rPr lang="en" i="1" dirty="0"/>
+              <a:t>pin</a:t>
+            </a:r>
+            <a:r>
+              <a:rPr lang="en" dirty="0"/>
+              <a:t>, </a:t>
+            </a:r>
+            <a:r>
+              <a:rPr lang="en" i="1" dirty="0"/>
+              <a:t>value</a:t>
+            </a:r>
+            <a:r>
+              <a:rPr lang="en" dirty="0"/>
+              <a:t>) takes in an arduino </a:t>
+            </a:r>
+            <a:r>
+              <a:rPr lang="en" i="1" dirty="0"/>
               <a:t>a</a:t>
             </a:r>
             <a:r>
-              <a:rPr lang="en"/>
-              <a:t>, </a:t>
+              <a:rPr lang="en-US" i="1" dirty="0" err="1"/>
+              <a:t>rd</a:t>
             </a:r>
             <a:r>
-              <a:rPr i="1" lang="en"/>
+              <a:rPr lang="en" dirty="0"/>
+              <a:t>, a pin number </a:t>
+            </a:r>
+            <a:r>
+              <a:rPr lang="en" i="1" dirty="0"/>
               <a:t>pin</a:t>
             </a:r>
             <a:r>
-              <a:rPr lang="en"/>
-              <a:t>, </a:t>
+              <a:rPr lang="en" dirty="0"/>
+              <a:t> such as “D12” that specifies the pin we are communicating with, and a </a:t>
             </a:r>
             <a:r>
-              <a:rPr i="1" lang="en"/>
+              <a:rPr lang="en" i="1" dirty="0"/>
               <a:t>value</a:t>
             </a:r>
             <a:r>
-              <a:rPr lang="en"/>
-              <a:t>) takes in an arduino </a:t>
-            </a:r>
-            <a:r>
-              <a:rPr i="1" lang="en"/>
-              <a:t>a</a:t>
-            </a:r>
-            <a:r>
-              <a:rPr lang="en"/>
-              <a:t>, a pin number </a:t>
-            </a:r>
-            <a:r>
-              <a:rPr i="1" lang="en"/>
-              <a:t>pin</a:t>
-            </a:r>
-            <a:r>
-              <a:rPr lang="en"/>
-              <a:t> such as “D12” that specifies the pin we are communicating with, and a </a:t>
-            </a:r>
-            <a:r>
-              <a:rPr i="1" lang="en"/>
-              <a:t>value</a:t>
-            </a:r>
-            <a:r>
-              <a:rPr lang="en"/>
+              <a:rPr lang="en" dirty="0"/>
               <a:t> of 1 or 0, which means “on” and “off”, respectively. </a:t>
             </a:r>
-            <a:endParaRPr/>
-          </a:p>
-          <a:p>
-            <a:pPr indent="0" lvl="0" marL="0" rtl="0" algn="l">
+            <a:endParaRPr dirty="0"/>
+          </a:p>
+          <a:p>
+            <a:pPr marL="0" lvl="0" indent="0" algn="l" rtl="0">
               <a:spcBef>
                 <a:spcPts val="1600"/>
               </a:spcBef>
@@ -9250,13 +9490,10 @@
               </a:spcAft>
               <a:buNone/>
             </a:pPr>
-            <a:r>
-              <a:t/>
-            </a:r>
-            <a:endParaRPr/>
-          </a:p>
-          <a:p>
-            <a:pPr indent="0" lvl="0" marL="0" rtl="0" algn="l">
+            <a:endParaRPr dirty="0"/>
+          </a:p>
+          <a:p>
+            <a:pPr marL="0" lvl="0" indent="0" algn="l" rtl="0">
               <a:spcBef>
                 <a:spcPts val="1600"/>
               </a:spcBef>
@@ -9265,10 +9502,7 @@
               </a:spcAft>
               <a:buNone/>
             </a:pPr>
-            <a:r>
-              <a:t/>
-            </a:r>
-            <a:endParaRPr/>
+            <a:endParaRPr dirty="0"/>
           </a:p>
         </p:txBody>
       </p:sp>
@@ -9281,11 +9515,11 @@
 </file>
 
 <file path=ppt/slides/slide15.xml><?xml version="1.0" encoding="utf-8"?>
-<p:sld xmlns:a="http://schemas.openxmlformats.org/drawingml/2006/main" xmlns:r="http://schemas.openxmlformats.org/officeDocument/2006/relationships" xmlns:mc="http://schemas.openxmlformats.org/markup-compatibility/2006" xmlns:mv="urn:schemas-microsoft-com:mac:vml" xmlns:p="http://schemas.openxmlformats.org/presentationml/2006/main" xmlns:c="http://schemas.openxmlformats.org/drawingml/2006/chart" xmlns:dgm="http://schemas.openxmlformats.org/drawingml/2006/diagram" xmlns:o="urn:schemas-microsoft-com:office:office" xmlns:v="urn:schemas-microsoft-com:vml" xmlns:pvml="urn:schemas-microsoft-com:office:powerpoint" xmlns:com="http://schemas.openxmlformats.org/drawingml/2006/compatibility" xmlns:p14="http://schemas.microsoft.com/office/powerpoint/2010/main" xmlns:p15="http://schemas.microsoft.com/office/powerpoint/2012/main">
+<p:sld xmlns:a="http://schemas.openxmlformats.org/drawingml/2006/main" xmlns:r="http://schemas.openxmlformats.org/officeDocument/2006/relationships" xmlns:p="http://schemas.openxmlformats.org/presentationml/2006/main">
   <p:cSld>
     <p:spTree>
       <p:nvGrpSpPr>
-        <p:cNvPr id="163" name="Shape 163"/>
+        <p:cNvPr id="1" name="Shape 163"/>
         <p:cNvGrpSpPr/>
         <p:nvPr/>
       </p:nvGrpSpPr>
@@ -9300,7 +9534,9 @@
       <p:sp>
         <p:nvSpPr>
           <p:cNvPr id="164" name="Google Shape;164;p27"/>
-          <p:cNvSpPr txBox="1"/>
+          <p:cNvSpPr txBox="1">
+            <a:spLocks noGrp="1"/>
+          </p:cNvSpPr>
           <p:nvPr>
             <p:ph type="title"/>
           </p:nvPr>
@@ -9315,12 +9551,12 @@
           </a:prstGeom>
         </p:spPr>
         <p:txBody>
-          <a:bodyPr anchorCtr="0" anchor="t" bIns="91425" lIns="91425" spcFirstLastPara="1" rIns="91425" wrap="square" tIns="91425">
+          <a:bodyPr spcFirstLastPara="1" wrap="square" lIns="91425" tIns="91425" rIns="91425" bIns="91425" anchor="t" anchorCtr="0">
             <a:noAutofit/>
           </a:bodyPr>
           <a:lstStyle/>
           <a:p>
-            <a:pPr indent="0" lvl="0" marL="0" rtl="0" algn="l">
+            <a:pPr marL="0" lvl="0" indent="0" algn="l" rtl="0">
               <a:spcBef>
                 <a:spcPts val="0"/>
               </a:spcBef>
@@ -9340,14 +9576,16 @@
       <p:sp>
         <p:nvSpPr>
           <p:cNvPr id="165" name="Google Shape;165;p27"/>
-          <p:cNvSpPr txBox="1"/>
+          <p:cNvSpPr txBox="1">
+            <a:spLocks noGrp="1"/>
+          </p:cNvSpPr>
           <p:nvPr>
-            <p:ph idx="1" type="body"/>
+            <p:ph type="body" idx="1"/>
           </p:nvPr>
         </p:nvSpPr>
         <p:spPr>
           <a:xfrm>
-            <a:off x="3402825" y="1115100"/>
+            <a:off x="3375930" y="1030166"/>
             <a:ext cx="5635200" cy="3908100"/>
           </a:xfrm>
           <a:prstGeom prst="rect">
@@ -9355,12 +9593,12 @@
           </a:prstGeom>
         </p:spPr>
         <p:txBody>
-          <a:bodyPr anchorCtr="0" anchor="t" bIns="91425" lIns="91425" spcFirstLastPara="1" rIns="91425" wrap="square" tIns="91425">
+          <a:bodyPr spcFirstLastPara="1" wrap="square" lIns="91425" tIns="91425" rIns="91425" bIns="91425" anchor="t" anchorCtr="0">
             <a:noAutofit/>
           </a:bodyPr>
           <a:lstStyle/>
           <a:p>
-            <a:pPr indent="0" lvl="0" marL="0" rtl="0" algn="l">
+            <a:pPr marL="0" lvl="0" indent="0" algn="l" rtl="0">
               <a:spcBef>
                 <a:spcPts val="0"/>
               </a:spcBef>
@@ -9370,13 +9608,13 @@
               <a:buNone/>
             </a:pPr>
             <a:r>
-              <a:rPr lang="en"/>
+              <a:rPr lang="en" dirty="0"/>
               <a:t>In this project, you will be wiring LEDs to your Arduino using a breadboard. Breadboards provide an easy way to make circuits without soldering.</a:t>
             </a:r>
-            <a:endParaRPr/>
-          </a:p>
-          <a:p>
-            <a:pPr indent="0" lvl="0" marL="0" rtl="0" algn="l">
+            <a:endParaRPr dirty="0"/>
+          </a:p>
+          <a:p>
+            <a:pPr marL="0" lvl="0" indent="0" algn="l" rtl="0">
               <a:spcBef>
                 <a:spcPts val="1600"/>
               </a:spcBef>
@@ -9386,13 +9624,13 @@
               <a:buNone/>
             </a:pPr>
             <a:r>
-              <a:rPr lang="en"/>
+              <a:rPr lang="en" dirty="0"/>
               <a:t>Your circuit in this project will consist of an LED in series with a resistor, connected to the Arduino (series means the current through the resistor and the LED is the same). </a:t>
             </a:r>
-            <a:endParaRPr/>
-          </a:p>
-          <a:p>
-            <a:pPr indent="0" lvl="0" marL="0" rtl="0" algn="l">
+            <a:endParaRPr dirty="0"/>
+          </a:p>
+          <a:p>
+            <a:pPr marL="0" lvl="0" indent="0" algn="l" rtl="0">
               <a:spcBef>
                 <a:spcPts val="1600"/>
               </a:spcBef>
@@ -9402,10 +9640,10 @@
               <a:buNone/>
             </a:pPr>
             <a:r>
-              <a:rPr lang="en"/>
+              <a:rPr lang="en" dirty="0"/>
               <a:t>The diagram on the left shows how the holes on the breadboard are connected to each other. If the holes are connected by a straight red line, they are in series with each other.</a:t>
             </a:r>
-            <a:endParaRPr/>
+            <a:endParaRPr dirty="0"/>
           </a:p>
         </p:txBody>
       </p:sp>
@@ -9446,11 +9684,11 @@
 </file>
 
 <file path=ppt/slides/slide16.xml><?xml version="1.0" encoding="utf-8"?>
-<p:sld xmlns:a="http://schemas.openxmlformats.org/drawingml/2006/main" xmlns:r="http://schemas.openxmlformats.org/officeDocument/2006/relationships" xmlns:mc="http://schemas.openxmlformats.org/markup-compatibility/2006" xmlns:mv="urn:schemas-microsoft-com:mac:vml" xmlns:p="http://schemas.openxmlformats.org/presentationml/2006/main" xmlns:c="http://schemas.openxmlformats.org/drawingml/2006/chart" xmlns:dgm="http://schemas.openxmlformats.org/drawingml/2006/diagram" xmlns:o="urn:schemas-microsoft-com:office:office" xmlns:v="urn:schemas-microsoft-com:vml" xmlns:pvml="urn:schemas-microsoft-com:office:powerpoint" xmlns:com="http://schemas.openxmlformats.org/drawingml/2006/compatibility" xmlns:p14="http://schemas.microsoft.com/office/powerpoint/2010/main" xmlns:p15="http://schemas.microsoft.com/office/powerpoint/2012/main">
+<p:sld xmlns:a="http://schemas.openxmlformats.org/drawingml/2006/main" xmlns:r="http://schemas.openxmlformats.org/officeDocument/2006/relationships" xmlns:p="http://schemas.openxmlformats.org/presentationml/2006/main">
   <p:cSld>
     <p:spTree>
       <p:nvGrpSpPr>
-        <p:cNvPr id="170" name="Shape 170"/>
+        <p:cNvPr id="1" name="Shape 170"/>
         <p:cNvGrpSpPr/>
         <p:nvPr/>
       </p:nvGrpSpPr>
@@ -9465,7 +9703,9 @@
       <p:sp>
         <p:nvSpPr>
           <p:cNvPr id="171" name="Google Shape;171;p28"/>
-          <p:cNvSpPr txBox="1"/>
+          <p:cNvSpPr txBox="1">
+            <a:spLocks noGrp="1"/>
+          </p:cNvSpPr>
           <p:nvPr>
             <p:ph type="title"/>
           </p:nvPr>
@@ -9480,12 +9720,12 @@
           </a:prstGeom>
         </p:spPr>
         <p:txBody>
-          <a:bodyPr anchorCtr="0" anchor="t" bIns="91425" lIns="91425" spcFirstLastPara="1" rIns="91425" wrap="square" tIns="91425">
+          <a:bodyPr spcFirstLastPara="1" wrap="square" lIns="91425" tIns="91425" rIns="91425" bIns="91425" anchor="t" anchorCtr="0">
             <a:noAutofit/>
           </a:bodyPr>
           <a:lstStyle/>
           <a:p>
-            <a:pPr indent="0" lvl="0" marL="0" rtl="0" algn="l">
+            <a:pPr marL="0" lvl="0" indent="0" algn="l" rtl="0">
               <a:spcBef>
                 <a:spcPts val="0"/>
               </a:spcBef>
@@ -9505,9 +9745,11 @@
       <p:sp>
         <p:nvSpPr>
           <p:cNvPr id="172" name="Google Shape;172;p28"/>
-          <p:cNvSpPr txBox="1"/>
+          <p:cNvSpPr txBox="1">
+            <a:spLocks noGrp="1"/>
+          </p:cNvSpPr>
           <p:nvPr>
-            <p:ph idx="1" type="body"/>
+            <p:ph type="body" idx="1"/>
           </p:nvPr>
         </p:nvSpPr>
         <p:spPr>
@@ -9520,12 +9762,12 @@
           </a:prstGeom>
         </p:spPr>
         <p:txBody>
-          <a:bodyPr anchorCtr="0" anchor="t" bIns="91425" lIns="91425" spcFirstLastPara="1" rIns="91425" wrap="square" tIns="91425">
+          <a:bodyPr spcFirstLastPara="1" wrap="square" lIns="91425" tIns="91425" rIns="91425" bIns="91425" anchor="t" anchorCtr="0">
             <a:noAutofit/>
           </a:bodyPr>
           <a:lstStyle/>
           <a:p>
-            <a:pPr indent="0" lvl="0" marL="0" rtl="0" algn="l">
+            <a:pPr marL="0" lvl="0" indent="0" algn="l" rtl="0">
               <a:spcBef>
                 <a:spcPts val="0"/>
               </a:spcBef>
@@ -9541,7 +9783,7 @@
             <a:endParaRPr/>
           </a:p>
           <a:p>
-            <a:pPr indent="0" lvl="0" marL="0" rtl="0" algn="l">
+            <a:pPr marL="0" lvl="0" indent="0" algn="l" rtl="0">
               <a:spcBef>
                 <a:spcPts val="1600"/>
               </a:spcBef>
@@ -9560,29 +9802,32 @@
       </p:sp>
       <p:pic>
         <p:nvPicPr>
-          <p:cNvPr id="173" name="Google Shape;173;p28"/>
-          <p:cNvPicPr preferRelativeResize="0"/>
+          <p:cNvPr id="2" name="Picture 1">
+            <a:extLst>
+              <a:ext uri="{FF2B5EF4-FFF2-40B4-BE49-F238E27FC236}">
+                <a16:creationId xmlns:a16="http://schemas.microsoft.com/office/drawing/2014/main" id="{7B77730B-5FB6-43C9-B38B-3C1DA75F5EB5}"/>
+              </a:ext>
+            </a:extLst>
+          </p:cNvPr>
+          <p:cNvPicPr>
+            <a:picLocks noChangeAspect="1"/>
+          </p:cNvPicPr>
           <p:nvPr/>
         </p:nvPicPr>
-        <p:blipFill rotWithShape="1">
-          <a:blip r:embed="rId3">
-            <a:alphaModFix/>
-          </a:blip>
-          <a:srcRect b="6183" l="12298" r="23946" t="4065"/>
-          <a:stretch/>
+        <p:blipFill>
+          <a:blip r:embed="rId3"/>
+          <a:stretch>
+            <a:fillRect/>
+          </a:stretch>
         </p:blipFill>
         <p:spPr>
           <a:xfrm>
-            <a:off x="5091925" y="1361901"/>
-            <a:ext cx="3948815" cy="3127000"/>
+            <a:off x="5051234" y="1229522"/>
+            <a:ext cx="3781066" cy="3339353"/>
           </a:xfrm>
           <a:prstGeom prst="rect">
             <a:avLst/>
           </a:prstGeom>
-          <a:noFill/>
-          <a:ln>
-            <a:noFill/>
-          </a:ln>
         </p:spPr>
       </p:pic>
     </p:spTree>
@@ -9594,11 +9839,11 @@
 </file>
 
 <file path=ppt/slides/slide17.xml><?xml version="1.0" encoding="utf-8"?>
-<p:sld xmlns:a="http://schemas.openxmlformats.org/drawingml/2006/main" xmlns:r="http://schemas.openxmlformats.org/officeDocument/2006/relationships" xmlns:mc="http://schemas.openxmlformats.org/markup-compatibility/2006" xmlns:mv="urn:schemas-microsoft-com:mac:vml" xmlns:p="http://schemas.openxmlformats.org/presentationml/2006/main" xmlns:c="http://schemas.openxmlformats.org/drawingml/2006/chart" xmlns:dgm="http://schemas.openxmlformats.org/drawingml/2006/diagram" xmlns:o="urn:schemas-microsoft-com:office:office" xmlns:v="urn:schemas-microsoft-com:vml" xmlns:pvml="urn:schemas-microsoft-com:office:powerpoint" xmlns:com="http://schemas.openxmlformats.org/drawingml/2006/compatibility" xmlns:p14="http://schemas.microsoft.com/office/powerpoint/2010/main" xmlns:p15="http://schemas.microsoft.com/office/powerpoint/2012/main">
+<p:sld xmlns:a="http://schemas.openxmlformats.org/drawingml/2006/main" xmlns:r="http://schemas.openxmlformats.org/officeDocument/2006/relationships" xmlns:p="http://schemas.openxmlformats.org/presentationml/2006/main">
   <p:cSld>
     <p:spTree>
       <p:nvGrpSpPr>
-        <p:cNvPr id="177" name="Shape 177"/>
+        <p:cNvPr id="1" name="Shape 177"/>
         <p:cNvGrpSpPr/>
         <p:nvPr/>
       </p:nvGrpSpPr>
@@ -9613,7 +9858,9 @@
       <p:sp>
         <p:nvSpPr>
           <p:cNvPr id="178" name="Google Shape;178;p29"/>
-          <p:cNvSpPr txBox="1"/>
+          <p:cNvSpPr txBox="1">
+            <a:spLocks noGrp="1"/>
+          </p:cNvSpPr>
           <p:nvPr>
             <p:ph type="title"/>
           </p:nvPr>
@@ -9628,12 +9875,12 @@
           </a:prstGeom>
         </p:spPr>
         <p:txBody>
-          <a:bodyPr anchorCtr="0" anchor="t" bIns="91425" lIns="91425" spcFirstLastPara="1" rIns="91425" wrap="square" tIns="91425">
+          <a:bodyPr spcFirstLastPara="1" wrap="square" lIns="91425" tIns="91425" rIns="91425" bIns="91425" anchor="t" anchorCtr="0">
             <a:noAutofit/>
           </a:bodyPr>
           <a:lstStyle/>
           <a:p>
-            <a:pPr indent="0" lvl="0" marL="0" rtl="0" algn="l">
+            <a:pPr marL="0" lvl="0" indent="0" algn="l" rtl="0">
               <a:spcBef>
                 <a:spcPts val="0"/>
               </a:spcBef>
@@ -9653,9 +9900,11 @@
       <p:sp>
         <p:nvSpPr>
           <p:cNvPr id="179" name="Google Shape;179;p29"/>
-          <p:cNvSpPr txBox="1"/>
+          <p:cNvSpPr txBox="1">
+            <a:spLocks noGrp="1"/>
+          </p:cNvSpPr>
           <p:nvPr>
-            <p:ph idx="1" type="body"/>
+            <p:ph type="body" idx="1"/>
           </p:nvPr>
         </p:nvSpPr>
         <p:spPr>
@@ -9668,12 +9917,12 @@
           </a:prstGeom>
         </p:spPr>
         <p:txBody>
-          <a:bodyPr anchorCtr="0" anchor="t" bIns="91425" lIns="91425" spcFirstLastPara="1" rIns="91425" wrap="square" tIns="91425">
+          <a:bodyPr spcFirstLastPara="1" wrap="square" lIns="91425" tIns="91425" rIns="91425" bIns="91425" anchor="t" anchorCtr="0">
             <a:noAutofit/>
           </a:bodyPr>
           <a:lstStyle/>
           <a:p>
-            <a:pPr indent="0" lvl="0" marL="0" rtl="0" algn="l">
+            <a:pPr marL="0" lvl="0" indent="0" algn="l" rtl="0">
               <a:spcBef>
                 <a:spcPts val="0"/>
               </a:spcBef>
@@ -9694,7 +9943,7 @@
             <a:endParaRPr/>
           </a:p>
           <a:p>
-            <a:pPr indent="0" lvl="0" marL="0" rtl="0" algn="l">
+            <a:pPr marL="0" lvl="0" indent="0" algn="l" rtl="0">
               <a:spcBef>
                 <a:spcPts val="1600"/>
               </a:spcBef>
@@ -9715,7 +9964,7 @@
             <a:endParaRPr/>
           </a:p>
           <a:p>
-            <a:pPr indent="0" lvl="0" marL="0" rtl="0" algn="l">
+            <a:pPr marL="0" lvl="0" indent="0" algn="l" rtl="0">
               <a:spcBef>
                 <a:spcPts val="1600"/>
               </a:spcBef>
@@ -9724,9 +9973,6 @@
               </a:spcAft>
               <a:buNone/>
             </a:pPr>
-            <a:r>
-              <a:t/>
-            </a:r>
             <a:endParaRPr/>
           </a:p>
         </p:txBody>
@@ -9772,29 +10018,29 @@
           </a:xfrm>
           <a:prstGeom prst="mathPlus">
             <a:avLst>
-              <a:gd fmla="val 23520" name="adj1"/>
+              <a:gd name="adj1" fmla="val 23520"/>
             </a:avLst>
           </a:prstGeom>
           <a:solidFill>
             <a:srgbClr val="FF0000"/>
           </a:solidFill>
-          <a:ln cap="flat" cmpd="sng" w="9525">
+          <a:ln w="9525" cap="flat" cmpd="sng">
             <a:solidFill>
               <a:srgbClr val="000000"/>
             </a:solidFill>
             <a:prstDash val="solid"/>
             <a:round/>
-            <a:headEnd len="sm" w="sm" type="none"/>
-            <a:tailEnd len="sm" w="sm" type="none"/>
+            <a:headEnd type="none" w="sm" len="sm"/>
+            <a:tailEnd type="none" w="sm" len="sm"/>
           </a:ln>
         </p:spPr>
         <p:txBody>
-          <a:bodyPr anchorCtr="0" anchor="ctr" bIns="91425" lIns="91425" spcFirstLastPara="1" rIns="91425" wrap="square" tIns="91425">
+          <a:bodyPr spcFirstLastPara="1" wrap="square" lIns="91425" tIns="91425" rIns="91425" bIns="91425" anchor="ctr" anchorCtr="0">
             <a:noAutofit/>
           </a:bodyPr>
           <a:lstStyle/>
           <a:p>
-            <a:pPr indent="0" lvl="0" marL="0" rtl="0" algn="l">
+            <a:pPr marL="0" lvl="0" indent="0" algn="l" rtl="0">
               <a:spcBef>
                 <a:spcPts val="0"/>
               </a:spcBef>
@@ -9803,9 +10049,6 @@
               </a:spcAft>
               <a:buNone/>
             </a:pPr>
-            <a:r>
-              <a:t/>
-            </a:r>
             <a:endParaRPr/>
           </a:p>
         </p:txBody>
@@ -9823,29 +10066,29 @@
           </a:xfrm>
           <a:prstGeom prst="mathMinus">
             <a:avLst>
-              <a:gd fmla="val 23520" name="adj1"/>
+              <a:gd name="adj1" fmla="val 23520"/>
             </a:avLst>
           </a:prstGeom>
           <a:solidFill>
             <a:srgbClr val="000000"/>
           </a:solidFill>
-          <a:ln cap="flat" cmpd="sng" w="9525">
+          <a:ln w="9525" cap="flat" cmpd="sng">
             <a:solidFill>
               <a:srgbClr val="000000"/>
             </a:solidFill>
             <a:prstDash val="solid"/>
             <a:round/>
-            <a:headEnd len="sm" w="sm" type="none"/>
-            <a:tailEnd len="sm" w="sm" type="none"/>
+            <a:headEnd type="none" w="sm" len="sm"/>
+            <a:tailEnd type="none" w="sm" len="sm"/>
           </a:ln>
         </p:spPr>
         <p:txBody>
-          <a:bodyPr anchorCtr="0" anchor="ctr" bIns="91425" lIns="91425" spcFirstLastPara="1" rIns="91425" wrap="square" tIns="91425">
+          <a:bodyPr spcFirstLastPara="1" wrap="square" lIns="91425" tIns="91425" rIns="91425" bIns="91425" anchor="ctr" anchorCtr="0">
             <a:noAutofit/>
           </a:bodyPr>
           <a:lstStyle/>
           <a:p>
-            <a:pPr indent="0" lvl="0" marL="0" rtl="0" algn="l">
+            <a:pPr marL="0" lvl="0" indent="0" algn="l" rtl="0">
               <a:spcBef>
                 <a:spcPts val="0"/>
               </a:spcBef>
@@ -9854,9 +10097,6 @@
               </a:spcAft>
               <a:buNone/>
             </a:pPr>
-            <a:r>
-              <a:t/>
-            </a:r>
             <a:endParaRPr/>
           </a:p>
         </p:txBody>
@@ -9870,11 +10110,11 @@
 </file>
 
 <file path=ppt/slides/slide18.xml><?xml version="1.0" encoding="utf-8"?>
-<p:sld xmlns:a="http://schemas.openxmlformats.org/drawingml/2006/main" xmlns:r="http://schemas.openxmlformats.org/officeDocument/2006/relationships" xmlns:mc="http://schemas.openxmlformats.org/markup-compatibility/2006" xmlns:mv="urn:schemas-microsoft-com:mac:vml" xmlns:p="http://schemas.openxmlformats.org/presentationml/2006/main" xmlns:c="http://schemas.openxmlformats.org/drawingml/2006/chart" xmlns:dgm="http://schemas.openxmlformats.org/drawingml/2006/diagram" xmlns:o="urn:schemas-microsoft-com:office:office" xmlns:v="urn:schemas-microsoft-com:vml" xmlns:pvml="urn:schemas-microsoft-com:office:powerpoint" xmlns:com="http://schemas.openxmlformats.org/drawingml/2006/compatibility" xmlns:p14="http://schemas.microsoft.com/office/powerpoint/2010/main" xmlns:p15="http://schemas.microsoft.com/office/powerpoint/2012/main">
+<p:sld xmlns:a="http://schemas.openxmlformats.org/drawingml/2006/main" xmlns:r="http://schemas.openxmlformats.org/officeDocument/2006/relationships" xmlns:p="http://schemas.openxmlformats.org/presentationml/2006/main">
   <p:cSld>
     <p:spTree>
       <p:nvGrpSpPr>
-        <p:cNvPr id="186" name="Shape 186"/>
+        <p:cNvPr id="1" name="Shape 186"/>
         <p:cNvGrpSpPr/>
         <p:nvPr/>
       </p:nvGrpSpPr>
@@ -9889,7 +10129,9 @@
       <p:sp>
         <p:nvSpPr>
           <p:cNvPr id="187" name="Google Shape;187;p30"/>
-          <p:cNvSpPr txBox="1"/>
+          <p:cNvSpPr txBox="1">
+            <a:spLocks noGrp="1"/>
+          </p:cNvSpPr>
           <p:nvPr>
             <p:ph type="title"/>
           </p:nvPr>
@@ -9904,12 +10146,12 @@
           </a:prstGeom>
         </p:spPr>
         <p:txBody>
-          <a:bodyPr anchorCtr="0" anchor="t" bIns="91425" lIns="91425" spcFirstLastPara="1" rIns="91425" wrap="square" tIns="91425">
+          <a:bodyPr spcFirstLastPara="1" wrap="square" lIns="91425" tIns="91425" rIns="91425" bIns="91425" anchor="t" anchorCtr="0">
             <a:noAutofit/>
           </a:bodyPr>
           <a:lstStyle/>
           <a:p>
-            <a:pPr indent="0" lvl="0" marL="0" rtl="0" algn="l">
+            <a:pPr marL="0" lvl="0" indent="0" algn="l" rtl="0">
               <a:spcBef>
                 <a:spcPts val="0"/>
               </a:spcBef>
@@ -9929,9 +10171,11 @@
       <p:sp>
         <p:nvSpPr>
           <p:cNvPr id="188" name="Google Shape;188;p30"/>
-          <p:cNvSpPr txBox="1"/>
+          <p:cNvSpPr txBox="1">
+            <a:spLocks noGrp="1"/>
+          </p:cNvSpPr>
           <p:nvPr>
-            <p:ph idx="1" type="body"/>
+            <p:ph type="body" idx="1"/>
           </p:nvPr>
         </p:nvSpPr>
         <p:spPr>
@@ -9944,12 +10188,12 @@
           </a:prstGeom>
         </p:spPr>
         <p:txBody>
-          <a:bodyPr anchorCtr="0" anchor="t" bIns="91425" lIns="91425" spcFirstLastPara="1" rIns="91425" wrap="square" tIns="91425">
+          <a:bodyPr spcFirstLastPara="1" wrap="square" lIns="91425" tIns="91425" rIns="91425" bIns="91425" anchor="t" anchorCtr="0">
             <a:noAutofit/>
           </a:bodyPr>
           <a:lstStyle/>
           <a:p>
-            <a:pPr indent="0" lvl="0" marL="0" rtl="0" algn="l">
+            <a:pPr marL="0" lvl="0" indent="0" algn="l" rtl="0">
               <a:spcBef>
                 <a:spcPts val="0"/>
               </a:spcBef>
@@ -9965,7 +10209,7 @@
             <a:endParaRPr/>
           </a:p>
           <a:p>
-            <a:pPr indent="0" lvl="0" marL="0" rtl="0" algn="l">
+            <a:pPr marL="0" lvl="0" indent="0" algn="l" rtl="0">
               <a:spcBef>
                 <a:spcPts val="1600"/>
               </a:spcBef>
@@ -9984,29 +10228,32 @@
       </p:sp>
       <p:pic>
         <p:nvPicPr>
-          <p:cNvPr id="189" name="Google Shape;189;p30"/>
-          <p:cNvPicPr preferRelativeResize="0"/>
+          <p:cNvPr id="5" name="Picture 4">
+            <a:extLst>
+              <a:ext uri="{FF2B5EF4-FFF2-40B4-BE49-F238E27FC236}">
+                <a16:creationId xmlns:a16="http://schemas.microsoft.com/office/drawing/2014/main" id="{24DE1600-F81E-4602-9D2C-66518A968F23}"/>
+              </a:ext>
+            </a:extLst>
+          </p:cNvPr>
+          <p:cNvPicPr>
+            <a:picLocks noChangeAspect="1"/>
+          </p:cNvPicPr>
           <p:nvPr/>
         </p:nvPicPr>
-        <p:blipFill rotWithShape="1">
-          <a:blip r:embed="rId3">
-            <a:alphaModFix/>
-          </a:blip>
-          <a:srcRect b="6183" l="12298" r="23946" t="4065"/>
-          <a:stretch/>
+        <p:blipFill>
+          <a:blip r:embed="rId3"/>
+          <a:stretch>
+            <a:fillRect/>
+          </a:stretch>
         </p:blipFill>
         <p:spPr>
           <a:xfrm>
-            <a:off x="5091925" y="1361901"/>
-            <a:ext cx="3948815" cy="3127000"/>
+            <a:off x="5051234" y="1229522"/>
+            <a:ext cx="3781066" cy="3339353"/>
           </a:xfrm>
           <a:prstGeom prst="rect">
             <a:avLst/>
           </a:prstGeom>
-          <a:noFill/>
-          <a:ln>
-            <a:noFill/>
-          </a:ln>
         </p:spPr>
       </p:pic>
     </p:spTree>
@@ -10018,11 +10265,11 @@
 </file>
 
 <file path=ppt/slides/slide19.xml><?xml version="1.0" encoding="utf-8"?>
-<p:sld xmlns:a="http://schemas.openxmlformats.org/drawingml/2006/main" xmlns:r="http://schemas.openxmlformats.org/officeDocument/2006/relationships" xmlns:mc="http://schemas.openxmlformats.org/markup-compatibility/2006" xmlns:mv="urn:schemas-microsoft-com:mac:vml" xmlns:p="http://schemas.openxmlformats.org/presentationml/2006/main" xmlns:c="http://schemas.openxmlformats.org/drawingml/2006/chart" xmlns:dgm="http://schemas.openxmlformats.org/drawingml/2006/diagram" xmlns:o="urn:schemas-microsoft-com:office:office" xmlns:v="urn:schemas-microsoft-com:vml" xmlns:pvml="urn:schemas-microsoft-com:office:powerpoint" xmlns:com="http://schemas.openxmlformats.org/drawingml/2006/compatibility" xmlns:p14="http://schemas.microsoft.com/office/powerpoint/2010/main" xmlns:p15="http://schemas.microsoft.com/office/powerpoint/2012/main">
+<p:sld xmlns:a="http://schemas.openxmlformats.org/drawingml/2006/main" xmlns:r="http://schemas.openxmlformats.org/officeDocument/2006/relationships" xmlns:p="http://schemas.openxmlformats.org/presentationml/2006/main">
   <p:cSld>
     <p:spTree>
       <p:nvGrpSpPr>
-        <p:cNvPr id="193" name="Shape 193"/>
+        <p:cNvPr id="1" name="Shape 193"/>
         <p:cNvGrpSpPr/>
         <p:nvPr/>
       </p:nvGrpSpPr>
@@ -10037,7 +10284,9 @@
       <p:sp>
         <p:nvSpPr>
           <p:cNvPr id="194" name="Google Shape;194;p31"/>
-          <p:cNvSpPr txBox="1"/>
+          <p:cNvSpPr txBox="1">
+            <a:spLocks noGrp="1"/>
+          </p:cNvSpPr>
           <p:nvPr>
             <p:ph type="title"/>
           </p:nvPr>
@@ -10052,12 +10301,12 @@
           </a:prstGeom>
         </p:spPr>
         <p:txBody>
-          <a:bodyPr anchorCtr="0" anchor="t" bIns="91425" lIns="91425" spcFirstLastPara="1" rIns="91425" wrap="square" tIns="91425">
+          <a:bodyPr spcFirstLastPara="1" wrap="square" lIns="91425" tIns="91425" rIns="91425" bIns="91425" anchor="t" anchorCtr="0">
             <a:noAutofit/>
           </a:bodyPr>
           <a:lstStyle/>
           <a:p>
-            <a:pPr indent="0" lvl="0" marL="0" rtl="0" algn="l">
+            <a:pPr marL="0" lvl="0" indent="0" algn="l" rtl="0">
               <a:spcBef>
                 <a:spcPts val="0"/>
               </a:spcBef>
@@ -10077,9 +10326,11 @@
       <p:sp>
         <p:nvSpPr>
           <p:cNvPr id="195" name="Google Shape;195;p31"/>
-          <p:cNvSpPr txBox="1"/>
+          <p:cNvSpPr txBox="1">
+            <a:spLocks noGrp="1"/>
+          </p:cNvSpPr>
           <p:nvPr>
-            <p:ph idx="1" type="body"/>
+            <p:ph type="body" idx="1"/>
           </p:nvPr>
         </p:nvSpPr>
         <p:spPr>
@@ -10092,12 +10343,12 @@
           </a:prstGeom>
         </p:spPr>
         <p:txBody>
-          <a:bodyPr anchorCtr="0" anchor="t" bIns="91425" lIns="91425" spcFirstLastPara="1" rIns="91425" wrap="square" tIns="91425">
+          <a:bodyPr spcFirstLastPara="1" wrap="square" lIns="91425" tIns="91425" rIns="91425" bIns="91425" anchor="t" anchorCtr="0">
             <a:noAutofit/>
           </a:bodyPr>
           <a:lstStyle/>
           <a:p>
-            <a:pPr indent="0" lvl="0" marL="0" rtl="0" algn="l">
+            <a:pPr marL="0" lvl="0" indent="0" algn="l" rtl="0">
               <a:spcBef>
                 <a:spcPts val="0"/>
               </a:spcBef>
@@ -10113,7 +10364,7 @@
             <a:endParaRPr/>
           </a:p>
           <a:p>
-            <a:pPr indent="0" lvl="0" marL="0" rtl="0" algn="l">
+            <a:pPr marL="0" lvl="0" indent="0" algn="l" rtl="0">
               <a:spcBef>
                 <a:spcPts val="1600"/>
               </a:spcBef>
@@ -10132,29 +10383,32 @@
       </p:sp>
       <p:pic>
         <p:nvPicPr>
-          <p:cNvPr id="196" name="Google Shape;196;p31"/>
-          <p:cNvPicPr preferRelativeResize="0"/>
+          <p:cNvPr id="5" name="Picture 4">
+            <a:extLst>
+              <a:ext uri="{FF2B5EF4-FFF2-40B4-BE49-F238E27FC236}">
+                <a16:creationId xmlns:a16="http://schemas.microsoft.com/office/drawing/2014/main" id="{A445F4CD-BBCC-4317-98C4-3D94E83118DD}"/>
+              </a:ext>
+            </a:extLst>
+          </p:cNvPr>
+          <p:cNvPicPr>
+            <a:picLocks noChangeAspect="1"/>
+          </p:cNvPicPr>
           <p:nvPr/>
         </p:nvPicPr>
-        <p:blipFill rotWithShape="1">
-          <a:blip r:embed="rId3">
-            <a:alphaModFix/>
-          </a:blip>
-          <a:srcRect b="6183" l="12298" r="23946" t="4065"/>
-          <a:stretch/>
+        <p:blipFill>
+          <a:blip r:embed="rId3"/>
+          <a:stretch>
+            <a:fillRect/>
+          </a:stretch>
         </p:blipFill>
         <p:spPr>
           <a:xfrm>
-            <a:off x="5091925" y="1361901"/>
-            <a:ext cx="3948815" cy="3127000"/>
+            <a:off x="5051234" y="1229522"/>
+            <a:ext cx="3781066" cy="3339353"/>
           </a:xfrm>
           <a:prstGeom prst="rect">
             <a:avLst/>
           </a:prstGeom>
-          <a:noFill/>
-          <a:ln>
-            <a:noFill/>
-          </a:ln>
         </p:spPr>
       </p:pic>
     </p:spTree>
@@ -10166,11 +10420,11 @@
 </file>
 
 <file path=ppt/slides/slide2.xml><?xml version="1.0" encoding="utf-8"?>
-<p:sld xmlns:a="http://schemas.openxmlformats.org/drawingml/2006/main" xmlns:r="http://schemas.openxmlformats.org/officeDocument/2006/relationships" xmlns:mc="http://schemas.openxmlformats.org/markup-compatibility/2006" xmlns:mv="urn:schemas-microsoft-com:mac:vml" xmlns:p="http://schemas.openxmlformats.org/presentationml/2006/main" xmlns:c="http://schemas.openxmlformats.org/drawingml/2006/chart" xmlns:dgm="http://schemas.openxmlformats.org/drawingml/2006/diagram" xmlns:o="urn:schemas-microsoft-com:office:office" xmlns:v="urn:schemas-microsoft-com:vml" xmlns:pvml="urn:schemas-microsoft-com:office:powerpoint" xmlns:com="http://schemas.openxmlformats.org/drawingml/2006/compatibility" xmlns:p14="http://schemas.microsoft.com/office/powerpoint/2010/main" xmlns:p15="http://schemas.microsoft.com/office/powerpoint/2012/main">
+<p:sld xmlns:a="http://schemas.openxmlformats.org/drawingml/2006/main" xmlns:r="http://schemas.openxmlformats.org/officeDocument/2006/relationships" xmlns:p="http://schemas.openxmlformats.org/presentationml/2006/main">
   <p:cSld>
     <p:spTree>
       <p:nvGrpSpPr>
-        <p:cNvPr id="64" name="Shape 64"/>
+        <p:cNvPr id="1" name="Shape 64"/>
         <p:cNvGrpSpPr/>
         <p:nvPr/>
       </p:nvGrpSpPr>
@@ -10185,7 +10439,9 @@
       <p:sp>
         <p:nvSpPr>
           <p:cNvPr id="65" name="Google Shape;65;p14"/>
-          <p:cNvSpPr txBox="1"/>
+          <p:cNvSpPr txBox="1">
+            <a:spLocks noGrp="1"/>
+          </p:cNvSpPr>
           <p:nvPr>
             <p:ph type="title"/>
           </p:nvPr>
@@ -10200,12 +10456,12 @@
           </a:prstGeom>
         </p:spPr>
         <p:txBody>
-          <a:bodyPr anchorCtr="0" anchor="t" bIns="91425" lIns="91425" spcFirstLastPara="1" rIns="91425" wrap="square" tIns="91425">
+          <a:bodyPr spcFirstLastPara="1" wrap="square" lIns="91425" tIns="91425" rIns="91425" bIns="91425" anchor="t" anchorCtr="0">
             <a:noAutofit/>
           </a:bodyPr>
           <a:lstStyle/>
           <a:p>
-            <a:pPr indent="0" lvl="0" marL="0" rtl="0" algn="l">
+            <a:pPr marL="0" lvl="0" indent="0" algn="l" rtl="0">
               <a:spcBef>
                 <a:spcPts val="0"/>
               </a:spcBef>
@@ -10225,9 +10481,11 @@
       <p:sp>
         <p:nvSpPr>
           <p:cNvPr id="66" name="Google Shape;66;p14"/>
-          <p:cNvSpPr txBox="1"/>
+          <p:cNvSpPr txBox="1">
+            <a:spLocks noGrp="1"/>
+          </p:cNvSpPr>
           <p:nvPr>
-            <p:ph idx="1" type="body"/>
+            <p:ph type="body" idx="1"/>
           </p:nvPr>
         </p:nvSpPr>
         <p:spPr>
@@ -10240,12 +10498,12 @@
           </a:prstGeom>
         </p:spPr>
         <p:txBody>
-          <a:bodyPr anchorCtr="0" anchor="t" bIns="91425" lIns="91425" spcFirstLastPara="1" rIns="91425" wrap="square" tIns="91425">
+          <a:bodyPr spcFirstLastPara="1" wrap="square" lIns="91425" tIns="91425" rIns="91425" bIns="91425" anchor="t" anchorCtr="0">
             <a:noAutofit/>
           </a:bodyPr>
           <a:lstStyle/>
           <a:p>
-            <a:pPr indent="0" lvl="0" marL="0" rtl="0" algn="l">
+            <a:pPr marL="0" lvl="0" indent="0" algn="l" rtl="0">
               <a:spcBef>
                 <a:spcPts val="0"/>
               </a:spcBef>
@@ -10261,7 +10519,7 @@
             <a:endParaRPr/>
           </a:p>
           <a:p>
-            <a:pPr indent="0" lvl="0" marL="0" rtl="0" algn="l">
+            <a:pPr marL="0" lvl="0" indent="0" algn="l" rtl="0">
               <a:spcBef>
                 <a:spcPts val="1600"/>
               </a:spcBef>
@@ -10277,7 +10535,7 @@
             <a:endParaRPr/>
           </a:p>
           <a:p>
-            <a:pPr indent="0" lvl="0" marL="0" rtl="0" algn="l">
+            <a:pPr marL="0" lvl="0" indent="0" algn="l" rtl="0">
               <a:spcBef>
                 <a:spcPts val="1600"/>
               </a:spcBef>
@@ -10298,7 +10556,7 @@
             <a:endParaRPr/>
           </a:p>
           <a:p>
-            <a:pPr indent="0" lvl="0" marL="0" rtl="0" algn="l">
+            <a:pPr marL="0" lvl="0" indent="0" algn="l" rtl="0">
               <a:spcBef>
                 <a:spcPts val="1600"/>
               </a:spcBef>
@@ -10329,11 +10587,11 @@
 </file>
 
 <file path=ppt/slides/slide20.xml><?xml version="1.0" encoding="utf-8"?>
-<p:sld xmlns:a="http://schemas.openxmlformats.org/drawingml/2006/main" xmlns:r="http://schemas.openxmlformats.org/officeDocument/2006/relationships" xmlns:mc="http://schemas.openxmlformats.org/markup-compatibility/2006" xmlns:mv="urn:schemas-microsoft-com:mac:vml" xmlns:p="http://schemas.openxmlformats.org/presentationml/2006/main" xmlns:c="http://schemas.openxmlformats.org/drawingml/2006/chart" xmlns:dgm="http://schemas.openxmlformats.org/drawingml/2006/diagram" xmlns:o="urn:schemas-microsoft-com:office:office" xmlns:v="urn:schemas-microsoft-com:vml" xmlns:pvml="urn:schemas-microsoft-com:office:powerpoint" xmlns:com="http://schemas.openxmlformats.org/drawingml/2006/compatibility" xmlns:p14="http://schemas.microsoft.com/office/powerpoint/2010/main" xmlns:p15="http://schemas.microsoft.com/office/powerpoint/2012/main">
+<p:sld xmlns:a="http://schemas.openxmlformats.org/drawingml/2006/main" xmlns:r="http://schemas.openxmlformats.org/officeDocument/2006/relationships" xmlns:p="http://schemas.openxmlformats.org/presentationml/2006/main">
   <p:cSld>
     <p:spTree>
       <p:nvGrpSpPr>
-        <p:cNvPr id="200" name="Shape 200"/>
+        <p:cNvPr id="1" name="Shape 200"/>
         <p:cNvGrpSpPr/>
         <p:nvPr/>
       </p:nvGrpSpPr>
@@ -10348,7 +10606,9 @@
       <p:sp>
         <p:nvSpPr>
           <p:cNvPr id="201" name="Google Shape;201;p32"/>
-          <p:cNvSpPr txBox="1"/>
+          <p:cNvSpPr txBox="1">
+            <a:spLocks noGrp="1"/>
+          </p:cNvSpPr>
           <p:nvPr>
             <p:ph type="title"/>
           </p:nvPr>
@@ -10363,12 +10623,12 @@
           </a:prstGeom>
         </p:spPr>
         <p:txBody>
-          <a:bodyPr anchorCtr="0" anchor="t" bIns="91425" lIns="91425" spcFirstLastPara="1" rIns="91425" wrap="square" tIns="91425">
+          <a:bodyPr spcFirstLastPara="1" wrap="square" lIns="91425" tIns="91425" rIns="91425" bIns="91425" anchor="t" anchorCtr="0">
             <a:noAutofit/>
           </a:bodyPr>
           <a:lstStyle/>
           <a:p>
-            <a:pPr indent="0" lvl="0" marL="0" rtl="0" algn="l">
+            <a:pPr marL="0" lvl="0" indent="0" algn="l" rtl="0">
               <a:spcBef>
                 <a:spcPts val="0"/>
               </a:spcBef>
@@ -10388,9 +10648,11 @@
       <p:sp>
         <p:nvSpPr>
           <p:cNvPr id="202" name="Google Shape;202;p32"/>
-          <p:cNvSpPr txBox="1"/>
+          <p:cNvSpPr txBox="1">
+            <a:spLocks noGrp="1"/>
+          </p:cNvSpPr>
           <p:nvPr>
-            <p:ph idx="1" type="body"/>
+            <p:ph type="body" idx="1"/>
           </p:nvPr>
         </p:nvSpPr>
         <p:spPr>
@@ -10403,12 +10665,12 @@
           </a:prstGeom>
         </p:spPr>
         <p:txBody>
-          <a:bodyPr anchorCtr="0" anchor="t" bIns="91425" lIns="91425" spcFirstLastPara="1" rIns="91425" wrap="square" tIns="91425">
+          <a:bodyPr spcFirstLastPara="1" wrap="square" lIns="91425" tIns="91425" rIns="91425" bIns="91425" anchor="t" anchorCtr="0">
             <a:noAutofit/>
           </a:bodyPr>
           <a:lstStyle/>
           <a:p>
-            <a:pPr indent="0" lvl="0" marL="0" rtl="0" algn="l">
+            <a:pPr marL="0" lvl="0" indent="0" algn="l" rtl="0">
               <a:spcBef>
                 <a:spcPts val="0"/>
               </a:spcBef>
@@ -10418,13 +10680,21 @@
               <a:buNone/>
             </a:pPr>
             <a:r>
-              <a:rPr lang="en"/>
-              <a:t>The sides of the breadboards are connected vertically and are known as bus strips. They are labeled as + and -, but you can ignore those labels. Bus strips exist so you can easily connect a circuit to an electrical ground.</a:t>
+              <a:rPr lang="en" dirty="0"/>
+              <a:t>The sides of the breadboards are connected vertically and are known as bus strips. They are labeled as + and -, </a:t>
             </a:r>
-            <a:endParaRPr/>
-          </a:p>
-          <a:p>
-            <a:pPr indent="0" lvl="0" marL="0" rtl="0" algn="l">
+            <a:r>
+              <a:rPr lang="en-US" dirty="0"/>
+              <a:t>one for input voltage and the other for ground. </a:t>
+            </a:r>
+            <a:r>
+              <a:rPr lang="en" dirty="0"/>
+              <a:t>Bus strips exist so you can easily connect a circuit to an electrical ground.</a:t>
+            </a:r>
+            <a:endParaRPr dirty="0"/>
+          </a:p>
+          <a:p>
+            <a:pPr marL="0" lvl="0" indent="0" algn="l" rtl="0">
               <a:spcBef>
                 <a:spcPts val="1600"/>
               </a:spcBef>
@@ -10434,38 +10704,41 @@
               <a:buNone/>
             </a:pPr>
             <a:r>
-              <a:rPr lang="en"/>
+              <a:rPr lang="en" dirty="0"/>
               <a:t>All circuits must form closed loops. A closed loop in our case means that if the circuit begins at the Arduino, it should end at the Arduino.</a:t>
             </a:r>
-            <a:endParaRPr/>
+            <a:endParaRPr dirty="0"/>
           </a:p>
         </p:txBody>
       </p:sp>
       <p:pic>
         <p:nvPicPr>
-          <p:cNvPr id="203" name="Google Shape;203;p32"/>
-          <p:cNvPicPr preferRelativeResize="0"/>
+          <p:cNvPr id="5" name="Picture 4">
+            <a:extLst>
+              <a:ext uri="{FF2B5EF4-FFF2-40B4-BE49-F238E27FC236}">
+                <a16:creationId xmlns:a16="http://schemas.microsoft.com/office/drawing/2014/main" id="{96D0D13F-7FDF-4121-86C8-71D4DA0E2548}"/>
+              </a:ext>
+            </a:extLst>
+          </p:cNvPr>
+          <p:cNvPicPr>
+            <a:picLocks noChangeAspect="1"/>
+          </p:cNvPicPr>
           <p:nvPr/>
         </p:nvPicPr>
-        <p:blipFill rotWithShape="1">
-          <a:blip r:embed="rId3">
-            <a:alphaModFix/>
-          </a:blip>
-          <a:srcRect b="6183" l="12298" r="23946" t="4065"/>
-          <a:stretch/>
+        <p:blipFill>
+          <a:blip r:embed="rId3"/>
+          <a:stretch>
+            <a:fillRect/>
+          </a:stretch>
         </p:blipFill>
         <p:spPr>
           <a:xfrm>
-            <a:off x="5091925" y="1361901"/>
-            <a:ext cx="3948815" cy="3127000"/>
+            <a:off x="5051234" y="1229522"/>
+            <a:ext cx="3781066" cy="3339353"/>
           </a:xfrm>
           <a:prstGeom prst="rect">
             <a:avLst/>
           </a:prstGeom>
-          <a:noFill/>
-          <a:ln>
-            <a:noFill/>
-          </a:ln>
         </p:spPr>
       </p:pic>
     </p:spTree>
@@ -10477,11 +10750,11 @@
 </file>
 
 <file path=ppt/slides/slide21.xml><?xml version="1.0" encoding="utf-8"?>
-<p:sld xmlns:a="http://schemas.openxmlformats.org/drawingml/2006/main" xmlns:r="http://schemas.openxmlformats.org/officeDocument/2006/relationships" xmlns:mc="http://schemas.openxmlformats.org/markup-compatibility/2006" xmlns:mv="urn:schemas-microsoft-com:mac:vml" xmlns:p="http://schemas.openxmlformats.org/presentationml/2006/main" xmlns:c="http://schemas.openxmlformats.org/drawingml/2006/chart" xmlns:dgm="http://schemas.openxmlformats.org/drawingml/2006/diagram" xmlns:o="urn:schemas-microsoft-com:office:office" xmlns:v="urn:schemas-microsoft-com:vml" xmlns:pvml="urn:schemas-microsoft-com:office:powerpoint" xmlns:com="http://schemas.openxmlformats.org/drawingml/2006/compatibility" xmlns:p14="http://schemas.microsoft.com/office/powerpoint/2010/main" xmlns:p15="http://schemas.microsoft.com/office/powerpoint/2012/main">
+<p:sld xmlns:a="http://schemas.openxmlformats.org/drawingml/2006/main" xmlns:r="http://schemas.openxmlformats.org/officeDocument/2006/relationships" xmlns:p="http://schemas.openxmlformats.org/presentationml/2006/main">
   <p:cSld>
     <p:spTree>
       <p:nvGrpSpPr>
-        <p:cNvPr id="207" name="Shape 207"/>
+        <p:cNvPr id="1" name="Shape 207"/>
         <p:cNvGrpSpPr/>
         <p:nvPr/>
       </p:nvGrpSpPr>
@@ -10496,7 +10769,9 @@
       <p:sp>
         <p:nvSpPr>
           <p:cNvPr id="208" name="Google Shape;208;p33"/>
-          <p:cNvSpPr txBox="1"/>
+          <p:cNvSpPr txBox="1">
+            <a:spLocks noGrp="1"/>
+          </p:cNvSpPr>
           <p:nvPr>
             <p:ph type="title"/>
           </p:nvPr>
@@ -10511,12 +10786,12 @@
           </a:prstGeom>
         </p:spPr>
         <p:txBody>
-          <a:bodyPr anchorCtr="0" anchor="t" bIns="91425" lIns="91425" spcFirstLastPara="1" rIns="91425" wrap="square" tIns="91425">
+          <a:bodyPr spcFirstLastPara="1" wrap="square" lIns="91425" tIns="91425" rIns="91425" bIns="91425" anchor="t" anchorCtr="0">
             <a:noAutofit/>
           </a:bodyPr>
           <a:lstStyle/>
           <a:p>
-            <a:pPr indent="0" lvl="0" marL="0" rtl="0" algn="l">
+            <a:pPr marL="0" lvl="0" indent="0" algn="l" rtl="0">
               <a:spcBef>
                 <a:spcPts val="0"/>
               </a:spcBef>
@@ -10536,9 +10811,11 @@
       <p:sp>
         <p:nvSpPr>
           <p:cNvPr id="209" name="Google Shape;209;p33"/>
-          <p:cNvSpPr txBox="1"/>
+          <p:cNvSpPr txBox="1">
+            <a:spLocks noGrp="1"/>
+          </p:cNvSpPr>
           <p:nvPr>
-            <p:ph idx="1" type="body"/>
+            <p:ph type="body" idx="1"/>
           </p:nvPr>
         </p:nvSpPr>
         <p:spPr>
@@ -10551,12 +10828,12 @@
           </a:prstGeom>
         </p:spPr>
         <p:txBody>
-          <a:bodyPr anchorCtr="0" anchor="t" bIns="91425" lIns="91425" spcFirstLastPara="1" rIns="91425" wrap="square" tIns="91425">
+          <a:bodyPr spcFirstLastPara="1" wrap="square" lIns="91425" tIns="91425" rIns="91425" bIns="91425" anchor="t" anchorCtr="0">
             <a:noAutofit/>
           </a:bodyPr>
           <a:lstStyle/>
           <a:p>
-            <a:pPr indent="0" lvl="0" marL="0" rtl="0" algn="l">
+            <a:pPr marL="0" lvl="0" indent="0" algn="l" rtl="0">
               <a:spcBef>
                 <a:spcPts val="0"/>
               </a:spcBef>
@@ -10572,7 +10849,7 @@
             <a:endParaRPr/>
           </a:p>
           <a:p>
-            <a:pPr indent="0" lvl="0" marL="0" rtl="0" algn="l">
+            <a:pPr marL="0" lvl="0" indent="0" algn="l" rtl="0">
               <a:spcBef>
                 <a:spcPts val="1600"/>
               </a:spcBef>
@@ -10583,15 +10860,7 @@
             </a:pPr>
             <a:r>
               <a:rPr lang="en"/>
-              <a:t>The reason we connect each circuit to the bus strip instead of directly to the Arduino is because we will be making more than three LED circuits, but </a:t>
-            </a:r>
-            <a:r>
-              <a:rPr lang="en"/>
-              <a:t>we only have</a:t>
-            </a:r>
-            <a:r>
-              <a:rPr lang="en"/>
-              <a:t> three ground pins. It is simpler to connect each circuit to a bus strip and connect the bus strip to ground.</a:t>
+              <a:t>The reason we connect each circuit to the bus strip instead of directly to the Arduino is because we will be making more than three LED circuits, but we only have three ground pins. It is simpler to connect each circuit to a bus strip and connect the bus strip to ground.</a:t>
             </a:r>
             <a:endParaRPr/>
           </a:p>
@@ -10607,7 +10876,7 @@
           <a:blip r:embed="rId3">
             <a:alphaModFix/>
           </a:blip>
-          <a:srcRect b="6183" l="12298" r="23946" t="4065"/>
+          <a:srcRect l="12298" t="4065" r="23946" b="6183"/>
           <a:stretch/>
         </p:blipFill>
         <p:spPr>
@@ -10633,11 +10902,11 @@
 </file>
 
 <file path=ppt/slides/slide3.xml><?xml version="1.0" encoding="utf-8"?>
-<p:sld xmlns:a="http://schemas.openxmlformats.org/drawingml/2006/main" xmlns:r="http://schemas.openxmlformats.org/officeDocument/2006/relationships" xmlns:mc="http://schemas.openxmlformats.org/markup-compatibility/2006" xmlns:mv="urn:schemas-microsoft-com:mac:vml" xmlns:p="http://schemas.openxmlformats.org/presentationml/2006/main" xmlns:c="http://schemas.openxmlformats.org/drawingml/2006/chart" xmlns:dgm="http://schemas.openxmlformats.org/drawingml/2006/diagram" xmlns:o="urn:schemas-microsoft-com:office:office" xmlns:v="urn:schemas-microsoft-com:vml" xmlns:pvml="urn:schemas-microsoft-com:office:powerpoint" xmlns:com="http://schemas.openxmlformats.org/drawingml/2006/compatibility" xmlns:p14="http://schemas.microsoft.com/office/powerpoint/2010/main" xmlns:p15="http://schemas.microsoft.com/office/powerpoint/2012/main">
+<p:sld xmlns:a="http://schemas.openxmlformats.org/drawingml/2006/main" xmlns:r="http://schemas.openxmlformats.org/officeDocument/2006/relationships" xmlns:p="http://schemas.openxmlformats.org/presentationml/2006/main">
   <p:cSld>
     <p:spTree>
       <p:nvGrpSpPr>
-        <p:cNvPr id="70" name="Shape 70"/>
+        <p:cNvPr id="1" name="Shape 70"/>
         <p:cNvGrpSpPr/>
         <p:nvPr/>
       </p:nvGrpSpPr>
@@ -10652,7 +10921,9 @@
       <p:sp>
         <p:nvSpPr>
           <p:cNvPr id="71" name="Google Shape;71;p15"/>
-          <p:cNvSpPr txBox="1"/>
+          <p:cNvSpPr txBox="1">
+            <a:spLocks noGrp="1"/>
+          </p:cNvSpPr>
           <p:nvPr>
             <p:ph type="title"/>
           </p:nvPr>
@@ -10667,12 +10938,12 @@
           </a:prstGeom>
         </p:spPr>
         <p:txBody>
-          <a:bodyPr anchorCtr="0" anchor="t" bIns="91425" lIns="91425" spcFirstLastPara="1" rIns="91425" wrap="square" tIns="91425">
+          <a:bodyPr spcFirstLastPara="1" wrap="square" lIns="91425" tIns="91425" rIns="91425" bIns="91425" anchor="t" anchorCtr="0">
             <a:noAutofit/>
           </a:bodyPr>
           <a:lstStyle/>
           <a:p>
-            <a:pPr indent="0" lvl="0" marL="0" rtl="0" algn="l">
+            <a:pPr marL="0" lvl="0" indent="0" algn="l" rtl="0">
               <a:spcBef>
                 <a:spcPts val="0"/>
               </a:spcBef>
@@ -10692,9 +10963,11 @@
       <p:sp>
         <p:nvSpPr>
           <p:cNvPr id="72" name="Google Shape;72;p15"/>
-          <p:cNvSpPr txBox="1"/>
+          <p:cNvSpPr txBox="1">
+            <a:spLocks noGrp="1"/>
+          </p:cNvSpPr>
           <p:nvPr>
-            <p:ph idx="1" type="body"/>
+            <p:ph type="body" idx="1"/>
           </p:nvPr>
         </p:nvSpPr>
         <p:spPr>
@@ -10707,12 +10980,12 @@
           </a:prstGeom>
         </p:spPr>
         <p:txBody>
-          <a:bodyPr anchorCtr="0" anchor="t" bIns="91425" lIns="91425" spcFirstLastPara="1" rIns="91425" wrap="square" tIns="91425">
+          <a:bodyPr spcFirstLastPara="1" wrap="square" lIns="91425" tIns="91425" rIns="91425" bIns="91425" anchor="t" anchorCtr="0">
             <a:noAutofit/>
           </a:bodyPr>
           <a:lstStyle/>
           <a:p>
-            <a:pPr indent="0" lvl="0" marL="0" rtl="0" algn="l">
+            <a:pPr marL="0" lvl="0" indent="0" algn="l" rtl="0">
               <a:spcBef>
                 <a:spcPts val="0"/>
               </a:spcBef>
@@ -10728,7 +11001,7 @@
             <a:endParaRPr/>
           </a:p>
           <a:p>
-            <a:pPr indent="0" lvl="0" marL="0" rtl="0" algn="l">
+            <a:pPr marL="0" lvl="0" indent="0" algn="l" rtl="0">
               <a:spcBef>
                 <a:spcPts val="1600"/>
               </a:spcBef>
@@ -10754,11 +11027,11 @@
 </file>
 
 <file path=ppt/slides/slide4.xml><?xml version="1.0" encoding="utf-8"?>
-<p:sld xmlns:a="http://schemas.openxmlformats.org/drawingml/2006/main" xmlns:r="http://schemas.openxmlformats.org/officeDocument/2006/relationships" xmlns:mc="http://schemas.openxmlformats.org/markup-compatibility/2006" xmlns:mv="urn:schemas-microsoft-com:mac:vml" xmlns:p="http://schemas.openxmlformats.org/presentationml/2006/main" xmlns:c="http://schemas.openxmlformats.org/drawingml/2006/chart" xmlns:dgm="http://schemas.openxmlformats.org/drawingml/2006/diagram" xmlns:o="urn:schemas-microsoft-com:office:office" xmlns:v="urn:schemas-microsoft-com:vml" xmlns:pvml="urn:schemas-microsoft-com:office:powerpoint" xmlns:com="http://schemas.openxmlformats.org/drawingml/2006/compatibility" xmlns:p14="http://schemas.microsoft.com/office/powerpoint/2010/main" xmlns:p15="http://schemas.microsoft.com/office/powerpoint/2012/main">
+<p:sld xmlns:a="http://schemas.openxmlformats.org/drawingml/2006/main" xmlns:r="http://schemas.openxmlformats.org/officeDocument/2006/relationships" xmlns:p="http://schemas.openxmlformats.org/presentationml/2006/main">
   <p:cSld>
     <p:spTree>
       <p:nvGrpSpPr>
-        <p:cNvPr id="76" name="Shape 76"/>
+        <p:cNvPr id="1" name="Shape 76"/>
         <p:cNvGrpSpPr/>
         <p:nvPr/>
       </p:nvGrpSpPr>
@@ -10773,7 +11046,9 @@
       <p:sp>
         <p:nvSpPr>
           <p:cNvPr id="77" name="Google Shape;77;p16"/>
-          <p:cNvSpPr txBox="1"/>
+          <p:cNvSpPr txBox="1">
+            <a:spLocks noGrp="1"/>
+          </p:cNvSpPr>
           <p:nvPr>
             <p:ph type="title"/>
           </p:nvPr>
@@ -10788,12 +11063,12 @@
           </a:prstGeom>
         </p:spPr>
         <p:txBody>
-          <a:bodyPr anchorCtr="0" anchor="t" bIns="91425" lIns="91425" spcFirstLastPara="1" rIns="91425" wrap="square" tIns="91425">
+          <a:bodyPr spcFirstLastPara="1" wrap="square" lIns="91425" tIns="91425" rIns="91425" bIns="91425" anchor="t" anchorCtr="0">
             <a:noAutofit/>
           </a:bodyPr>
           <a:lstStyle/>
           <a:p>
-            <a:pPr indent="0" lvl="0" marL="0" rtl="0" algn="l">
+            <a:pPr marL="0" lvl="0" indent="0" algn="l" rtl="0">
               <a:spcBef>
                 <a:spcPts val="0"/>
               </a:spcBef>
@@ -10813,9 +11088,11 @@
       <p:sp>
         <p:nvSpPr>
           <p:cNvPr id="78" name="Google Shape;78;p16"/>
-          <p:cNvSpPr txBox="1"/>
+          <p:cNvSpPr txBox="1">
+            <a:spLocks noGrp="1"/>
+          </p:cNvSpPr>
           <p:nvPr>
-            <p:ph idx="1" type="body"/>
+            <p:ph type="body" idx="1"/>
           </p:nvPr>
         </p:nvSpPr>
         <p:spPr>
@@ -10828,12 +11105,12 @@
           </a:prstGeom>
         </p:spPr>
         <p:txBody>
-          <a:bodyPr anchorCtr="0" anchor="t" bIns="91425" lIns="91425" spcFirstLastPara="1" rIns="91425" wrap="square" tIns="91425">
+          <a:bodyPr spcFirstLastPara="1" wrap="square" lIns="91425" tIns="91425" rIns="91425" bIns="91425" anchor="t" anchorCtr="0">
             <a:noAutofit/>
           </a:bodyPr>
           <a:lstStyle/>
           <a:p>
-            <a:pPr indent="0" lvl="0" marL="0" rtl="0" algn="l">
+            <a:pPr marL="0" lvl="0" indent="0" algn="l" rtl="0">
               <a:spcBef>
                 <a:spcPts val="0"/>
               </a:spcBef>
@@ -10843,66 +11120,34 @@
               <a:buNone/>
             </a:pPr>
             <a:r>
-              <a:rPr lang="en"/>
-              <a:t>GUIs are built on interactive components. Usually there are several clickable </a:t>
+              <a:rPr lang="en" dirty="0"/>
+              <a:t>GUIs are built on interactive components. Usually there are several clickable components which all have different purposes (the x button on the top right of your browser is different than the _ button)</a:t>
+            </a:r>
+            <a:endParaRPr dirty="0"/>
+          </a:p>
+          <a:p>
+            <a:pPr marL="0" lvl="0" indent="0" algn="l" rtl="0">
+              <a:spcBef>
+                <a:spcPts val="1600"/>
+              </a:spcBef>
+              <a:spcAft>
+                <a:spcPts val="1600"/>
+              </a:spcAft>
+              <a:buNone/>
+            </a:pPr>
+            <a:r>
+              <a:rPr lang="en" dirty="0"/>
+              <a:t>App Designer makes it easy to add components to your GUI. </a:t>
             </a:r>
             <a:r>
-              <a:rPr lang="en"/>
-              <a:t>component</a:t>
+              <a:rPr lang="en-US" dirty="0"/>
+              <a:t>Upon</a:t>
             </a:r>
             <a:r>
-              <a:rPr lang="en"/>
-              <a:t>s which all have different purposes (the x button on the top right of your browser is different than the _ button)</a:t>
+              <a:rPr lang="en" dirty="0"/>
+              <a:t> opening App Designer, you will see a blank canvas with a component library on the left. Click and drag a component to the canvas to insert it into your GUI. Each component has a different intended purpose, but they do not do anything yet.</a:t>
             </a:r>
-            <a:endParaRPr/>
-          </a:p>
-          <a:p>
-            <a:pPr indent="0" lvl="0" marL="0" rtl="0" algn="l">
-              <a:spcBef>
-                <a:spcPts val="1600"/>
-              </a:spcBef>
-              <a:spcAft>
-                <a:spcPts val="1600"/>
-              </a:spcAft>
-              <a:buNone/>
-            </a:pPr>
-            <a:r>
-              <a:rPr lang="en"/>
-              <a:t>App Designer makes it easy to add </a:t>
-            </a:r>
-            <a:r>
-              <a:rPr lang="en"/>
-              <a:t>component</a:t>
-            </a:r>
-            <a:r>
-              <a:rPr lang="en"/>
-              <a:t>s to your GUI. On opening App Designer, you will see a blank canvas with a component library on the left. Click and drag </a:t>
-            </a:r>
-            <a:r>
-              <a:rPr lang="en"/>
-              <a:t>a component</a:t>
-            </a:r>
-            <a:r>
-              <a:rPr lang="en"/>
-              <a:t> to the </a:t>
-            </a:r>
-            <a:r>
-              <a:rPr lang="en"/>
-              <a:t>canvas</a:t>
-            </a:r>
-            <a:r>
-              <a:rPr lang="en"/>
-              <a:t> to insert it into your GUI. Each </a:t>
-            </a:r>
-            <a:r>
-              <a:rPr lang="en"/>
-              <a:t>component</a:t>
-            </a:r>
-            <a:r>
-              <a:rPr lang="en"/>
-              <a:t> has a different intended purpose, but they do not do anything yet.</a:t>
-            </a:r>
-            <a:endParaRPr/>
+            <a:endParaRPr dirty="0"/>
           </a:p>
         </p:txBody>
       </p:sp>
@@ -10954,12 +11199,12 @@
           </a:ln>
         </p:spPr>
         <p:txBody>
-          <a:bodyPr anchorCtr="0" anchor="t" bIns="91425" lIns="91425" spcFirstLastPara="1" rIns="91425" wrap="square" tIns="91425">
+          <a:bodyPr spcFirstLastPara="1" wrap="square" lIns="91425" tIns="91425" rIns="91425" bIns="91425" anchor="t" anchorCtr="0">
             <a:noAutofit/>
           </a:bodyPr>
           <a:lstStyle/>
           <a:p>
-            <a:pPr indent="0" lvl="0" marL="0" rtl="0" algn="ctr">
+            <a:pPr marL="0" lvl="0" indent="0" algn="ctr" rtl="0">
               <a:spcBef>
                 <a:spcPts val="0"/>
               </a:spcBef>
@@ -10985,11 +11230,11 @@
 </file>
 
 <file path=ppt/slides/slide5.xml><?xml version="1.0" encoding="utf-8"?>
-<p:sld xmlns:a="http://schemas.openxmlformats.org/drawingml/2006/main" xmlns:r="http://schemas.openxmlformats.org/officeDocument/2006/relationships" xmlns:mc="http://schemas.openxmlformats.org/markup-compatibility/2006" xmlns:mv="urn:schemas-microsoft-com:mac:vml" xmlns:p="http://schemas.openxmlformats.org/presentationml/2006/main" xmlns:c="http://schemas.openxmlformats.org/drawingml/2006/chart" xmlns:dgm="http://schemas.openxmlformats.org/drawingml/2006/diagram" xmlns:o="urn:schemas-microsoft-com:office:office" xmlns:v="urn:schemas-microsoft-com:vml" xmlns:pvml="urn:schemas-microsoft-com:office:powerpoint" xmlns:com="http://schemas.openxmlformats.org/drawingml/2006/compatibility" xmlns:p14="http://schemas.microsoft.com/office/powerpoint/2010/main" xmlns:p15="http://schemas.microsoft.com/office/powerpoint/2012/main">
+<p:sld xmlns:a="http://schemas.openxmlformats.org/drawingml/2006/main" xmlns:r="http://schemas.openxmlformats.org/officeDocument/2006/relationships" xmlns:p="http://schemas.openxmlformats.org/presentationml/2006/main">
   <p:cSld>
     <p:spTree>
       <p:nvGrpSpPr>
-        <p:cNvPr id="84" name="Shape 84"/>
+        <p:cNvPr id="1" name="Shape 84"/>
         <p:cNvGrpSpPr/>
         <p:nvPr/>
       </p:nvGrpSpPr>
@@ -11004,7 +11249,9 @@
       <p:sp>
         <p:nvSpPr>
           <p:cNvPr id="85" name="Google Shape;85;p17"/>
-          <p:cNvSpPr txBox="1"/>
+          <p:cNvSpPr txBox="1">
+            <a:spLocks noGrp="1"/>
+          </p:cNvSpPr>
           <p:nvPr>
             <p:ph type="title"/>
           </p:nvPr>
@@ -11019,12 +11266,12 @@
           </a:prstGeom>
         </p:spPr>
         <p:txBody>
-          <a:bodyPr anchorCtr="0" anchor="t" bIns="91425" lIns="91425" spcFirstLastPara="1" rIns="91425" wrap="square" tIns="91425">
+          <a:bodyPr spcFirstLastPara="1" wrap="square" lIns="91425" tIns="91425" rIns="91425" bIns="91425" anchor="t" anchorCtr="0">
             <a:noAutofit/>
           </a:bodyPr>
           <a:lstStyle/>
           <a:p>
-            <a:pPr indent="0" lvl="0" marL="0" rtl="0" algn="l">
+            <a:pPr marL="0" lvl="0" indent="0" algn="l" rtl="0">
               <a:spcBef>
                 <a:spcPts val="0"/>
               </a:spcBef>
@@ -11044,9 +11291,11 @@
       <p:sp>
         <p:nvSpPr>
           <p:cNvPr id="86" name="Google Shape;86;p17"/>
-          <p:cNvSpPr txBox="1"/>
+          <p:cNvSpPr txBox="1">
+            <a:spLocks noGrp="1"/>
+          </p:cNvSpPr>
           <p:nvPr>
-            <p:ph idx="1" type="body"/>
+            <p:ph type="body" idx="1"/>
           </p:nvPr>
         </p:nvSpPr>
         <p:spPr>
@@ -11059,12 +11308,12 @@
           </a:prstGeom>
         </p:spPr>
         <p:txBody>
-          <a:bodyPr anchorCtr="0" anchor="t" bIns="91425" lIns="91425" spcFirstLastPara="1" rIns="91425" wrap="square" tIns="91425">
+          <a:bodyPr spcFirstLastPara="1" wrap="square" lIns="91425" tIns="91425" rIns="91425" bIns="91425" anchor="t" anchorCtr="0">
             <a:noAutofit/>
           </a:bodyPr>
           <a:lstStyle/>
           <a:p>
-            <a:pPr indent="0" lvl="0" marL="0" rtl="0" algn="l">
+            <a:pPr marL="0" lvl="0" indent="0" algn="l" rtl="0">
               <a:spcBef>
                 <a:spcPts val="0"/>
               </a:spcBef>
@@ -11075,44 +11324,20 @@
             </a:pPr>
             <a:r>
               <a:rPr lang="en"/>
-              <a:t>The code the GUI executes after the user interacts with a </a:t>
+              <a:t>The code the GUI executes after the user interacts with a component is called a </a:t>
             </a:r>
             <a:r>
-              <a:rPr lang="en"/>
-              <a:t>component</a:t>
-            </a:r>
-            <a:r>
-              <a:rPr lang="en"/>
-              <a:t> is called a </a:t>
-            </a:r>
-            <a:r>
-              <a:rPr b="1" lang="en"/>
+              <a:rPr lang="en" b="1"/>
               <a:t>callback function</a:t>
             </a:r>
             <a:r>
               <a:rPr lang="en"/>
-              <a:t>. Each </a:t>
-            </a:r>
-            <a:r>
-              <a:rPr lang="en"/>
-              <a:t>component</a:t>
-            </a:r>
-            <a:r>
-              <a:rPr lang="en"/>
-              <a:t> in the GUI has its own unique callback function, which you can view by clicking on the ‘code view’ tab above the </a:t>
-            </a:r>
-            <a:r>
-              <a:rPr lang="en"/>
-              <a:t>canvas</a:t>
-            </a:r>
-            <a:r>
-              <a:rPr lang="en"/>
-              <a:t>.</a:t>
+              <a:t>. Each component in the GUI has its own unique callback function, which you can view by clicking on the ‘code view’ tab above the canvas.</a:t>
             </a:r>
             <a:endParaRPr/>
           </a:p>
           <a:p>
-            <a:pPr indent="0" lvl="0" marL="0" rtl="0" algn="l">
+            <a:pPr marL="0" lvl="0" indent="0" algn="l" rtl="0">
               <a:spcBef>
                 <a:spcPts val="1600"/>
               </a:spcBef>
@@ -11123,20 +11348,12 @@
             </a:pPr>
             <a:r>
               <a:rPr lang="en"/>
-              <a:t>The code is already organized and segmented for you, your job is to write code that does what you want it to do. Most of the GUI code is </a:t>
-            </a:r>
-            <a:r>
-              <a:rPr lang="en"/>
-              <a:t>pre-generated</a:t>
-            </a:r>
-            <a:r>
-              <a:rPr lang="en"/>
-              <a:t> by MATLAB and is not editable.</a:t>
+              <a:t>The code is already organized and segmented for you, your job is to write code that does what you want it to do. Most of the GUI code is pre-generated by MATLAB and is not editable.</a:t>
             </a:r>
             <a:endParaRPr/>
           </a:p>
           <a:p>
-            <a:pPr indent="0" lvl="0" marL="0" rtl="0" algn="l">
+            <a:pPr marL="0" lvl="0" indent="0" algn="l" rtl="0">
               <a:spcBef>
                 <a:spcPts val="1600"/>
               </a:spcBef>
@@ -11145,9 +11362,6 @@
               </a:spcAft>
               <a:buNone/>
             </a:pPr>
-            <a:r>
-              <a:t/>
-            </a:r>
             <a:endParaRPr/>
           </a:p>
         </p:txBody>
@@ -11161,11 +11375,11 @@
 </file>
 
 <file path=ppt/slides/slide6.xml><?xml version="1.0" encoding="utf-8"?>
-<p:sld xmlns:a="http://schemas.openxmlformats.org/drawingml/2006/main" xmlns:r="http://schemas.openxmlformats.org/officeDocument/2006/relationships" xmlns:mc="http://schemas.openxmlformats.org/markup-compatibility/2006" xmlns:mv="urn:schemas-microsoft-com:mac:vml" xmlns:p="http://schemas.openxmlformats.org/presentationml/2006/main" xmlns:c="http://schemas.openxmlformats.org/drawingml/2006/chart" xmlns:dgm="http://schemas.openxmlformats.org/drawingml/2006/diagram" xmlns:o="urn:schemas-microsoft-com:office:office" xmlns:v="urn:schemas-microsoft-com:vml" xmlns:pvml="urn:schemas-microsoft-com:office:powerpoint" xmlns:com="http://schemas.openxmlformats.org/drawingml/2006/compatibility" xmlns:p14="http://schemas.microsoft.com/office/powerpoint/2010/main" xmlns:p15="http://schemas.microsoft.com/office/powerpoint/2012/main">
+<p:sld xmlns:a="http://schemas.openxmlformats.org/drawingml/2006/main" xmlns:r="http://schemas.openxmlformats.org/officeDocument/2006/relationships" xmlns:p="http://schemas.openxmlformats.org/presentationml/2006/main">
   <p:cSld>
     <p:spTree>
       <p:nvGrpSpPr>
-        <p:cNvPr id="90" name="Shape 90"/>
+        <p:cNvPr id="1" name="Shape 90"/>
         <p:cNvGrpSpPr/>
         <p:nvPr/>
       </p:nvGrpSpPr>
@@ -11180,7 +11394,9 @@
       <p:sp>
         <p:nvSpPr>
           <p:cNvPr id="91" name="Google Shape;91;p18"/>
-          <p:cNvSpPr txBox="1"/>
+          <p:cNvSpPr txBox="1">
+            <a:spLocks noGrp="1"/>
+          </p:cNvSpPr>
           <p:nvPr>
             <p:ph type="title"/>
           </p:nvPr>
@@ -11195,12 +11411,12 @@
           </a:prstGeom>
         </p:spPr>
         <p:txBody>
-          <a:bodyPr anchorCtr="0" anchor="t" bIns="91425" lIns="91425" spcFirstLastPara="1" rIns="91425" wrap="square" tIns="91425">
+          <a:bodyPr spcFirstLastPara="1" wrap="square" lIns="91425" tIns="91425" rIns="91425" bIns="91425" anchor="t" anchorCtr="0">
             <a:noAutofit/>
           </a:bodyPr>
           <a:lstStyle/>
           <a:p>
-            <a:pPr indent="0" lvl="0" marL="0" rtl="0" algn="l">
+            <a:pPr marL="0" lvl="0" indent="0" algn="l" rtl="0">
               <a:spcBef>
                 <a:spcPts val="0"/>
               </a:spcBef>
@@ -11227,7 +11443,7 @@
           <a:blip r:embed="rId3">
             <a:alphaModFix/>
           </a:blip>
-          <a:srcRect b="0" l="0" r="2114" t="0"/>
+          <a:srcRect r="2114"/>
           <a:stretch/>
         </p:blipFill>
         <p:spPr>
@@ -11284,9 +11500,13 @@
             <a:ext cx="7258350" cy="404693"/>
           </a:xfrm>
           <a:custGeom>
-            <a:rect b="b" l="l" r="r" t="t"/>
+            <a:avLst/>
+            <a:gdLst/>
+            <a:ahLst/>
+            <a:cxnLst/>
+            <a:rect l="l" t="t" r="r" b="b"/>
             <a:pathLst>
-              <a:path extrusionOk="0" h="8942" w="290334">
+              <a:path w="290334" h="8942" extrusionOk="0">
                 <a:moveTo>
                   <a:pt x="0" y="8942"/>
                 </a:moveTo>
@@ -11304,14 +11524,14 @@
             </a:pathLst>
           </a:custGeom>
           <a:noFill/>
-          <a:ln cap="flat" cmpd="sng" w="38100">
+          <a:ln w="38100" cap="flat" cmpd="sng">
             <a:solidFill>
               <a:srgbClr val="FF0000"/>
             </a:solidFill>
             <a:prstDash val="solid"/>
             <a:round/>
-            <a:headEnd len="med" w="med" type="stealth"/>
-            <a:tailEnd len="med" w="med" type="stealth"/>
+            <a:headEnd type="stealth" w="med" len="med"/>
+            <a:tailEnd type="stealth" w="med" len="med"/>
           </a:ln>
         </p:spPr>
       </p:sp>
@@ -11335,12 +11555,12 @@
           </a:ln>
         </p:spPr>
         <p:txBody>
-          <a:bodyPr anchorCtr="0" anchor="t" bIns="91425" lIns="91425" spcFirstLastPara="1" rIns="91425" wrap="square" tIns="91425">
+          <a:bodyPr spcFirstLastPara="1" wrap="square" lIns="91425" tIns="91425" rIns="91425" bIns="91425" anchor="t" anchorCtr="0">
             <a:noAutofit/>
           </a:bodyPr>
           <a:lstStyle/>
           <a:p>
-            <a:pPr indent="0" lvl="0" marL="0" rtl="0" algn="l">
+            <a:pPr marL="0" lvl="0" indent="0" algn="l" rtl="0">
               <a:spcBef>
                 <a:spcPts val="0"/>
               </a:spcBef>
@@ -11366,11 +11586,11 @@
 </file>
 
 <file path=ppt/slides/slide7.xml><?xml version="1.0" encoding="utf-8"?>
-<p:sld xmlns:a="http://schemas.openxmlformats.org/drawingml/2006/main" xmlns:r="http://schemas.openxmlformats.org/officeDocument/2006/relationships" xmlns:mc="http://schemas.openxmlformats.org/markup-compatibility/2006" xmlns:mv="urn:schemas-microsoft-com:mac:vml" xmlns:p="http://schemas.openxmlformats.org/presentationml/2006/main" xmlns:c="http://schemas.openxmlformats.org/drawingml/2006/chart" xmlns:dgm="http://schemas.openxmlformats.org/drawingml/2006/diagram" xmlns:o="urn:schemas-microsoft-com:office:office" xmlns:v="urn:schemas-microsoft-com:vml" xmlns:pvml="urn:schemas-microsoft-com:office:powerpoint" xmlns:com="http://schemas.openxmlformats.org/drawingml/2006/compatibility" xmlns:p14="http://schemas.microsoft.com/office/powerpoint/2010/main" xmlns:p15="http://schemas.microsoft.com/office/powerpoint/2012/main">
+<p:sld xmlns:a="http://schemas.openxmlformats.org/drawingml/2006/main" xmlns:r="http://schemas.openxmlformats.org/officeDocument/2006/relationships" xmlns:p="http://schemas.openxmlformats.org/presentationml/2006/main">
   <p:cSld>
     <p:spTree>
       <p:nvGrpSpPr>
-        <p:cNvPr id="99" name="Shape 99"/>
+        <p:cNvPr id="1" name="Shape 99"/>
         <p:cNvGrpSpPr/>
         <p:nvPr/>
       </p:nvGrpSpPr>
@@ -11385,7 +11605,9 @@
       <p:sp>
         <p:nvSpPr>
           <p:cNvPr id="100" name="Google Shape;100;p19"/>
-          <p:cNvSpPr txBox="1"/>
+          <p:cNvSpPr txBox="1">
+            <a:spLocks noGrp="1"/>
+          </p:cNvSpPr>
           <p:nvPr>
             <p:ph type="title"/>
           </p:nvPr>
@@ -11400,12 +11622,12 @@
           </a:prstGeom>
         </p:spPr>
         <p:txBody>
-          <a:bodyPr anchorCtr="0" anchor="t" bIns="91425" lIns="91425" spcFirstLastPara="1" rIns="91425" wrap="square" tIns="91425">
+          <a:bodyPr spcFirstLastPara="1" wrap="square" lIns="91425" tIns="91425" rIns="91425" bIns="91425" anchor="t" anchorCtr="0">
             <a:noAutofit/>
           </a:bodyPr>
           <a:lstStyle/>
           <a:p>
-            <a:pPr indent="0" lvl="0" marL="0" rtl="0" algn="l">
+            <a:pPr marL="0" lvl="0" indent="0" algn="l" rtl="0">
               <a:spcBef>
                 <a:spcPts val="0"/>
               </a:spcBef>
@@ -11425,9 +11647,11 @@
       <p:sp>
         <p:nvSpPr>
           <p:cNvPr id="101" name="Google Shape;101;p19"/>
-          <p:cNvSpPr txBox="1"/>
+          <p:cNvSpPr txBox="1">
+            <a:spLocks noGrp="1"/>
+          </p:cNvSpPr>
           <p:nvPr>
-            <p:ph idx="1" type="body"/>
+            <p:ph type="body" idx="1"/>
           </p:nvPr>
         </p:nvSpPr>
         <p:spPr>
@@ -11440,12 +11664,12 @@
           </a:prstGeom>
         </p:spPr>
         <p:txBody>
-          <a:bodyPr anchorCtr="0" anchor="t" bIns="91425" lIns="91425" spcFirstLastPara="1" rIns="91425" wrap="square" tIns="91425">
+          <a:bodyPr spcFirstLastPara="1" wrap="square" lIns="91425" tIns="91425" rIns="91425" bIns="91425" anchor="t" anchorCtr="0">
             <a:noAutofit/>
           </a:bodyPr>
           <a:lstStyle/>
           <a:p>
-            <a:pPr indent="0" lvl="0" marL="0" rtl="0" algn="l">
+            <a:pPr marL="0" lvl="0" indent="0" algn="l" rtl="0">
               <a:spcBef>
                 <a:spcPts val="0"/>
               </a:spcBef>
@@ -11527,11 +11751,11 @@
 </file>
 
 <file path=ppt/slides/slide8.xml><?xml version="1.0" encoding="utf-8"?>
-<p:sld xmlns:a="http://schemas.openxmlformats.org/drawingml/2006/main" xmlns:r="http://schemas.openxmlformats.org/officeDocument/2006/relationships" xmlns:mc="http://schemas.openxmlformats.org/markup-compatibility/2006" xmlns:mv="urn:schemas-microsoft-com:mac:vml" xmlns:p="http://schemas.openxmlformats.org/presentationml/2006/main" xmlns:c="http://schemas.openxmlformats.org/drawingml/2006/chart" xmlns:dgm="http://schemas.openxmlformats.org/drawingml/2006/diagram" xmlns:o="urn:schemas-microsoft-com:office:office" xmlns:v="urn:schemas-microsoft-com:vml" xmlns:pvml="urn:schemas-microsoft-com:office:powerpoint" xmlns:com="http://schemas.openxmlformats.org/drawingml/2006/compatibility" xmlns:p14="http://schemas.microsoft.com/office/powerpoint/2010/main" xmlns:p15="http://schemas.microsoft.com/office/powerpoint/2012/main">
+<p:sld xmlns:a="http://schemas.openxmlformats.org/drawingml/2006/main" xmlns:r="http://schemas.openxmlformats.org/officeDocument/2006/relationships" xmlns:p="http://schemas.openxmlformats.org/presentationml/2006/main">
   <p:cSld>
     <p:spTree>
       <p:nvGrpSpPr>
-        <p:cNvPr id="107" name="Shape 107"/>
+        <p:cNvPr id="1" name="Shape 107"/>
         <p:cNvGrpSpPr/>
         <p:nvPr/>
       </p:nvGrpSpPr>
@@ -11546,7 +11770,9 @@
       <p:sp>
         <p:nvSpPr>
           <p:cNvPr id="108" name="Google Shape;108;p20"/>
-          <p:cNvSpPr txBox="1"/>
+          <p:cNvSpPr txBox="1">
+            <a:spLocks noGrp="1"/>
+          </p:cNvSpPr>
           <p:nvPr>
             <p:ph type="title"/>
           </p:nvPr>
@@ -11561,12 +11787,12 @@
           </a:prstGeom>
         </p:spPr>
         <p:txBody>
-          <a:bodyPr anchorCtr="0" anchor="t" bIns="91425" lIns="91425" spcFirstLastPara="1" rIns="91425" wrap="square" tIns="91425">
+          <a:bodyPr spcFirstLastPara="1" wrap="square" lIns="91425" tIns="91425" rIns="91425" bIns="91425" anchor="t" anchorCtr="0">
             <a:noAutofit/>
           </a:bodyPr>
           <a:lstStyle/>
           <a:p>
-            <a:pPr indent="0" lvl="0" marL="0" rtl="0" algn="l">
+            <a:pPr marL="0" lvl="0" indent="0" algn="l" rtl="0">
               <a:spcBef>
                 <a:spcPts val="0"/>
               </a:spcBef>
@@ -11586,9 +11812,11 @@
       <p:sp>
         <p:nvSpPr>
           <p:cNvPr id="109" name="Google Shape;109;p20"/>
-          <p:cNvSpPr txBox="1"/>
+          <p:cNvSpPr txBox="1">
+            <a:spLocks noGrp="1"/>
+          </p:cNvSpPr>
           <p:nvPr>
-            <p:ph idx="1" type="body"/>
+            <p:ph type="body" idx="1"/>
           </p:nvPr>
         </p:nvSpPr>
         <p:spPr>
@@ -11601,12 +11829,12 @@
           </a:prstGeom>
         </p:spPr>
         <p:txBody>
-          <a:bodyPr anchorCtr="0" anchor="t" bIns="91425" lIns="91425" spcFirstLastPara="1" rIns="91425" wrap="square" tIns="91425">
+          <a:bodyPr spcFirstLastPara="1" wrap="square" lIns="91425" tIns="91425" rIns="91425" bIns="91425" anchor="t" anchorCtr="0">
             <a:noAutofit/>
           </a:bodyPr>
           <a:lstStyle/>
           <a:p>
-            <a:pPr indent="0" lvl="0" marL="0" rtl="0" algn="l">
+            <a:pPr marL="0" lvl="0" indent="0" algn="l" rtl="0">
               <a:spcBef>
                 <a:spcPts val="0"/>
               </a:spcBef>
@@ -11622,7 +11850,7 @@
             <a:endParaRPr/>
           </a:p>
           <a:p>
-            <a:pPr indent="0" lvl="0" marL="0" rtl="0" algn="l">
+            <a:pPr marL="0" lvl="0" indent="0" algn="l" rtl="0">
               <a:spcBef>
                 <a:spcPts val="1600"/>
               </a:spcBef>
@@ -11633,16 +11861,12 @@
             </a:pPr>
             <a:r>
               <a:rPr lang="en"/>
-              <a:t>When creating properties, you don’t have to give them a value. </a:t>
-            </a:r>
-            <a:r>
-              <a:rPr lang="en"/>
-              <a:t>In this project you will be using a property to refer to your arduino object. We recommend initializing this property to the arduino using the arduino() function when you create it. </a:t>
+              <a:t>When creating properties, you don’t have to give them a value. In this project you will be using a property to refer to your arduino object. We recommend initializing this property to the arduino using the arduino() function when you create it. </a:t>
             </a:r>
             <a:endParaRPr/>
           </a:p>
           <a:p>
-            <a:pPr indent="0" lvl="0" marL="0" rtl="0" algn="l">
+            <a:pPr marL="0" lvl="0" indent="0" algn="l" rtl="0">
               <a:spcBef>
                 <a:spcPts val="1600"/>
               </a:spcBef>
@@ -11735,12 +11959,12 @@
           </a:ln>
         </p:spPr>
         <p:txBody>
-          <a:bodyPr anchorCtr="0" anchor="t" bIns="91425" lIns="91425" spcFirstLastPara="1" rIns="91425" wrap="square" tIns="91425">
+          <a:bodyPr spcFirstLastPara="1" wrap="square" lIns="91425" tIns="91425" rIns="91425" bIns="91425" anchor="t" anchorCtr="0">
             <a:noAutofit/>
           </a:bodyPr>
           <a:lstStyle/>
           <a:p>
-            <a:pPr indent="0" lvl="0" marL="0" rtl="0" algn="l">
+            <a:pPr marL="0" lvl="0" indent="0" algn="l" rtl="0">
               <a:spcBef>
                 <a:spcPts val="0"/>
               </a:spcBef>
@@ -11766,11 +11990,11 @@
 </file>
 
 <file path=ppt/slides/slide9.xml><?xml version="1.0" encoding="utf-8"?>
-<p:sld xmlns:a="http://schemas.openxmlformats.org/drawingml/2006/main" xmlns:r="http://schemas.openxmlformats.org/officeDocument/2006/relationships" xmlns:mc="http://schemas.openxmlformats.org/markup-compatibility/2006" xmlns:mv="urn:schemas-microsoft-com:mac:vml" xmlns:p="http://schemas.openxmlformats.org/presentationml/2006/main" xmlns:c="http://schemas.openxmlformats.org/drawingml/2006/chart" xmlns:dgm="http://schemas.openxmlformats.org/drawingml/2006/diagram" xmlns:o="urn:schemas-microsoft-com:office:office" xmlns:v="urn:schemas-microsoft-com:vml" xmlns:pvml="urn:schemas-microsoft-com:office:powerpoint" xmlns:com="http://schemas.openxmlformats.org/drawingml/2006/compatibility" xmlns:p14="http://schemas.microsoft.com/office/powerpoint/2010/main" xmlns:p15="http://schemas.microsoft.com/office/powerpoint/2012/main">
+<p:sld xmlns:a="http://schemas.openxmlformats.org/drawingml/2006/main" xmlns:r="http://schemas.openxmlformats.org/officeDocument/2006/relationships" xmlns:p="http://schemas.openxmlformats.org/presentationml/2006/main">
   <p:cSld>
     <p:spTree>
       <p:nvGrpSpPr>
-        <p:cNvPr id="116" name="Shape 116"/>
+        <p:cNvPr id="1" name="Shape 116"/>
         <p:cNvGrpSpPr/>
         <p:nvPr/>
       </p:nvGrpSpPr>
@@ -11785,7 +12009,9 @@
       <p:sp>
         <p:nvSpPr>
           <p:cNvPr id="117" name="Google Shape;117;p21"/>
-          <p:cNvSpPr txBox="1"/>
+          <p:cNvSpPr txBox="1">
+            <a:spLocks noGrp="1"/>
+          </p:cNvSpPr>
           <p:nvPr>
             <p:ph type="title"/>
           </p:nvPr>
@@ -11800,12 +12026,12 @@
           </a:prstGeom>
         </p:spPr>
         <p:txBody>
-          <a:bodyPr anchorCtr="0" anchor="t" bIns="91425" lIns="91425" spcFirstLastPara="1" rIns="91425" wrap="square" tIns="91425">
+          <a:bodyPr spcFirstLastPara="1" wrap="square" lIns="91425" tIns="91425" rIns="91425" bIns="91425" anchor="t" anchorCtr="0">
             <a:noAutofit/>
           </a:bodyPr>
           <a:lstStyle/>
           <a:p>
-            <a:pPr indent="0" lvl="0" marL="0" rtl="0" algn="l">
+            <a:pPr marL="0" lvl="0" indent="0" algn="l" rtl="0">
               <a:spcBef>
                 <a:spcPts val="0"/>
               </a:spcBef>
@@ -11825,9 +12051,11 @@
       <p:sp>
         <p:nvSpPr>
           <p:cNvPr id="118" name="Google Shape;118;p21"/>
-          <p:cNvSpPr txBox="1"/>
+          <p:cNvSpPr txBox="1">
+            <a:spLocks noGrp="1"/>
+          </p:cNvSpPr>
           <p:nvPr>
-            <p:ph idx="1" type="body"/>
+            <p:ph type="body" idx="1"/>
           </p:nvPr>
         </p:nvSpPr>
         <p:spPr>
@@ -11840,12 +12068,12 @@
           </a:prstGeom>
         </p:spPr>
         <p:txBody>
-          <a:bodyPr anchorCtr="0" anchor="t" bIns="91425" lIns="91425" spcFirstLastPara="1" rIns="91425" wrap="square" tIns="91425">
+          <a:bodyPr spcFirstLastPara="1" wrap="square" lIns="91425" tIns="91425" rIns="91425" bIns="91425" anchor="t" anchorCtr="0">
             <a:noAutofit/>
           </a:bodyPr>
           <a:lstStyle/>
           <a:p>
-            <a:pPr indent="0" lvl="0" marL="0" rtl="0" algn="l">
+            <a:pPr marL="0" lvl="0" indent="0" algn="l" rtl="0">
               <a:spcBef>
                 <a:spcPts val="0"/>
               </a:spcBef>
@@ -11927,7 +12155,288 @@
 </file>
 
 <file path=ppt/theme/theme1.xml><?xml version="1.0" encoding="utf-8"?>
-<a:theme xmlns:a="http://schemas.openxmlformats.org/drawingml/2006/main" xmlns:r="http://schemas.openxmlformats.org/officeDocument/2006/relationships">
+<a:theme xmlns:a="http://schemas.openxmlformats.org/drawingml/2006/main" name="Spearmint">
+  <a:themeElements>
+    <a:clrScheme name="Spearmint">
+      <a:dk1>
+        <a:srgbClr val="202729"/>
+      </a:dk1>
+      <a:lt1>
+        <a:srgbClr val="FFFFFF"/>
+      </a:lt1>
+      <a:dk2>
+        <a:srgbClr val="4BA173"/>
+      </a:dk2>
+      <a:lt2>
+        <a:srgbClr val="63D297"/>
+      </a:lt2>
+      <a:accent1>
+        <a:srgbClr val="353744"/>
+      </a:accent1>
+      <a:accent2>
+        <a:srgbClr val="424242"/>
+      </a:accent2>
+      <a:accent3>
+        <a:srgbClr val="616161"/>
+      </a:accent3>
+      <a:accent4>
+        <a:srgbClr val="999999"/>
+      </a:accent4>
+      <a:accent5>
+        <a:srgbClr val="FF5252"/>
+      </a:accent5>
+      <a:accent6>
+        <a:srgbClr val="FFF176"/>
+      </a:accent6>
+      <a:hlink>
+        <a:srgbClr val="FF5252"/>
+      </a:hlink>
+      <a:folHlink>
+        <a:srgbClr val="FF5252"/>
+      </a:folHlink>
+    </a:clrScheme>
+    <a:fontScheme name="Office">
+      <a:majorFont>
+        <a:latin typeface="Arial"/>
+        <a:ea typeface=""/>
+        <a:cs typeface=""/>
+        <a:font script="Jpan" typeface="ＭＳ Ｐゴシック"/>
+        <a:font script="Hang" typeface="맑은 고딕"/>
+        <a:font script="Hans" typeface="宋体"/>
+        <a:font script="Hant" typeface="新細明體"/>
+        <a:font script="Arab" typeface="Times New Roman"/>
+        <a:font script="Hebr" typeface="Times New Roman"/>
+        <a:font script="Thai" typeface="Angsana New"/>
+        <a:font script="Ethi" typeface="Nyala"/>
+        <a:font script="Beng" typeface="Vrinda"/>
+        <a:font script="Gujr" typeface="Shruti"/>
+        <a:font script="Khmr" typeface="MoolBoran"/>
+        <a:font script="Knda" typeface="Tunga"/>
+        <a:font script="Guru" typeface="Raavi"/>
+        <a:font script="Cans" typeface="Euphemia"/>
+        <a:font script="Cher" typeface="Plantagenet Cherokee"/>
+        <a:font script="Yiii" typeface="Microsoft Yi Baiti"/>
+        <a:font script="Tibt" typeface="Microsoft Himalaya"/>
+        <a:font script="Thaa" typeface="MV Boli"/>
+        <a:font script="Deva" typeface="Mangal"/>
+        <a:font script="Telu" typeface="Gautami"/>
+        <a:font script="Taml" typeface="Latha"/>
+        <a:font script="Syrc" typeface="Estrangelo Edessa"/>
+        <a:font script="Orya" typeface="Kalinga"/>
+        <a:font script="Mlym" typeface="Kartika"/>
+        <a:font script="Laoo" typeface="DokChampa"/>
+        <a:font script="Sinh" typeface="Iskoola Pota"/>
+        <a:font script="Mong" typeface="Mongolian Baiti"/>
+        <a:font script="Viet" typeface="Times New Roman"/>
+        <a:font script="Uigh" typeface="Microsoft Uighur"/>
+        <a:font script="Geor" typeface="Sylfaen"/>
+      </a:majorFont>
+      <a:minorFont>
+        <a:latin typeface="Arial"/>
+        <a:ea typeface=""/>
+        <a:cs typeface=""/>
+        <a:font script="Jpan" typeface="ＭＳ Ｐゴシック"/>
+        <a:font script="Hang" typeface="맑은 고딕"/>
+        <a:font script="Hans" typeface="宋体"/>
+        <a:font script="Hant" typeface="新細明體"/>
+        <a:font script="Arab" typeface="Arial"/>
+        <a:font script="Hebr" typeface="Arial"/>
+        <a:font script="Thai" typeface="Cordia New"/>
+        <a:font script="Ethi" typeface="Nyala"/>
+        <a:font script="Beng" typeface="Vrinda"/>
+        <a:font script="Gujr" typeface="Shruti"/>
+        <a:font script="Khmr" typeface="DaunPenh"/>
+        <a:font script="Knda" typeface="Tunga"/>
+        <a:font script="Guru" typeface="Raavi"/>
+        <a:font script="Cans" typeface="Euphemia"/>
+        <a:font script="Cher" typeface="Plantagenet Cherokee"/>
+        <a:font script="Yiii" typeface="Microsoft Yi Baiti"/>
+        <a:font script="Tibt" typeface="Microsoft Himalaya"/>
+        <a:font script="Thaa" typeface="MV Boli"/>
+        <a:font script="Deva" typeface="Mangal"/>
+        <a:font script="Telu" typeface="Gautami"/>
+        <a:font script="Taml" typeface="Latha"/>
+        <a:font script="Syrc" typeface="Estrangelo Edessa"/>
+        <a:font script="Orya" typeface="Kalinga"/>
+        <a:font script="Mlym" typeface="Kartika"/>
+        <a:font script="Laoo" typeface="DokChampa"/>
+        <a:font script="Sinh" typeface="Iskoola Pota"/>
+        <a:font script="Mong" typeface="Mongolian Baiti"/>
+        <a:font script="Viet" typeface="Arial"/>
+        <a:font script="Uigh" typeface="Microsoft Uighur"/>
+        <a:font script="Geor" typeface="Sylfaen"/>
+      </a:minorFont>
+    </a:fontScheme>
+    <a:fmtScheme name="Office">
+      <a:fillStyleLst>
+        <a:solidFill>
+          <a:schemeClr val="phClr"/>
+        </a:solidFill>
+        <a:gradFill rotWithShape="1">
+          <a:gsLst>
+            <a:gs pos="0">
+              <a:schemeClr val="phClr">
+                <a:tint val="50000"/>
+                <a:satMod val="300000"/>
+              </a:schemeClr>
+            </a:gs>
+            <a:gs pos="35000">
+              <a:schemeClr val="phClr">
+                <a:tint val="37000"/>
+                <a:satMod val="300000"/>
+              </a:schemeClr>
+            </a:gs>
+            <a:gs pos="100000">
+              <a:schemeClr val="phClr">
+                <a:tint val="15000"/>
+                <a:satMod val="350000"/>
+              </a:schemeClr>
+            </a:gs>
+          </a:gsLst>
+          <a:lin ang="16200000" scaled="1"/>
+        </a:gradFill>
+        <a:gradFill rotWithShape="1">
+          <a:gsLst>
+            <a:gs pos="0">
+              <a:schemeClr val="phClr">
+                <a:tint val="100000"/>
+                <a:shade val="100000"/>
+                <a:satMod val="130000"/>
+              </a:schemeClr>
+            </a:gs>
+            <a:gs pos="100000">
+              <a:schemeClr val="phClr">
+                <a:tint val="50000"/>
+                <a:shade val="100000"/>
+                <a:satMod val="350000"/>
+              </a:schemeClr>
+            </a:gs>
+          </a:gsLst>
+          <a:lin ang="16200000" scaled="0"/>
+        </a:gradFill>
+      </a:fillStyleLst>
+      <a:lnStyleLst>
+        <a:ln w="9525" cap="flat" cmpd="sng" algn="ctr">
+          <a:solidFill>
+            <a:schemeClr val="phClr">
+              <a:shade val="95000"/>
+              <a:satMod val="105000"/>
+            </a:schemeClr>
+          </a:solidFill>
+          <a:prstDash val="solid"/>
+        </a:ln>
+        <a:ln w="25400" cap="flat" cmpd="sng" algn="ctr">
+          <a:solidFill>
+            <a:schemeClr val="phClr"/>
+          </a:solidFill>
+          <a:prstDash val="solid"/>
+        </a:ln>
+        <a:ln w="38100" cap="flat" cmpd="sng" algn="ctr">
+          <a:solidFill>
+            <a:schemeClr val="phClr"/>
+          </a:solidFill>
+          <a:prstDash val="solid"/>
+        </a:ln>
+      </a:lnStyleLst>
+      <a:effectStyleLst>
+        <a:effectStyle>
+          <a:effectLst>
+            <a:outerShdw blurRad="40000" dist="20000" dir="5400000" rotWithShape="0">
+              <a:srgbClr val="000000">
+                <a:alpha val="38000"/>
+              </a:srgbClr>
+            </a:outerShdw>
+          </a:effectLst>
+        </a:effectStyle>
+        <a:effectStyle>
+          <a:effectLst>
+            <a:outerShdw blurRad="40000" dist="23000" dir="5400000" rotWithShape="0">
+              <a:srgbClr val="000000">
+                <a:alpha val="35000"/>
+              </a:srgbClr>
+            </a:outerShdw>
+          </a:effectLst>
+        </a:effectStyle>
+        <a:effectStyle>
+          <a:effectLst>
+            <a:outerShdw blurRad="40000" dist="23000" dir="5400000" rotWithShape="0">
+              <a:srgbClr val="000000">
+                <a:alpha val="35000"/>
+              </a:srgbClr>
+            </a:outerShdw>
+          </a:effectLst>
+          <a:scene3d>
+            <a:camera prst="orthographicFront">
+              <a:rot lat="0" lon="0" rev="0"/>
+            </a:camera>
+            <a:lightRig rig="threePt" dir="t">
+              <a:rot lat="0" lon="0" rev="1200000"/>
+            </a:lightRig>
+          </a:scene3d>
+          <a:sp3d>
+            <a:bevelT w="63500" h="25400"/>
+          </a:sp3d>
+        </a:effectStyle>
+      </a:effectStyleLst>
+      <a:bgFillStyleLst>
+        <a:solidFill>
+          <a:schemeClr val="phClr"/>
+        </a:solidFill>
+        <a:gradFill rotWithShape="1">
+          <a:gsLst>
+            <a:gs pos="0">
+              <a:schemeClr val="phClr">
+                <a:tint val="40000"/>
+                <a:satMod val="350000"/>
+              </a:schemeClr>
+            </a:gs>
+            <a:gs pos="40000">
+              <a:schemeClr val="phClr">
+                <a:tint val="45000"/>
+                <a:shade val="99000"/>
+                <a:satMod val="350000"/>
+              </a:schemeClr>
+            </a:gs>
+            <a:gs pos="100000">
+              <a:schemeClr val="phClr">
+                <a:shade val="20000"/>
+                <a:satMod val="255000"/>
+              </a:schemeClr>
+            </a:gs>
+          </a:gsLst>
+          <a:path path="circle">
+            <a:fillToRect l="50000" t="-80000" r="50000" b="180000"/>
+          </a:path>
+        </a:gradFill>
+        <a:gradFill rotWithShape="1">
+          <a:gsLst>
+            <a:gs pos="0">
+              <a:schemeClr val="phClr">
+                <a:tint val="80000"/>
+                <a:satMod val="300000"/>
+              </a:schemeClr>
+            </a:gs>
+            <a:gs pos="100000">
+              <a:schemeClr val="phClr">
+                <a:shade val="30000"/>
+                <a:satMod val="200000"/>
+              </a:schemeClr>
+            </a:gs>
+          </a:gsLst>
+          <a:path path="circle">
+            <a:fillToRect l="50000" t="50000" r="50000" b="50000"/>
+          </a:path>
+        </a:gradFill>
+      </a:bgFillStyleLst>
+    </a:fmtScheme>
+  </a:themeElements>
+  <a:objectDefaults/>
+  <a:extraClrSchemeLst/>
+</a:theme>
+</file>
+
+<file path=ppt/theme/theme2.xml><?xml version="1.0" encoding="utf-8"?>
+<a:theme xmlns:a="http://schemas.openxmlformats.org/drawingml/2006/main">
   <a:themeElements>
     <a:clrScheme name="Default">
       <a:dk1>
@@ -12202,284 +12711,7 @@
       </a:bgFillStyleLst>
     </a:fmtScheme>
   </a:themeElements>
-</a:theme>
-</file>
-
-<file path=ppt/theme/theme2.xml><?xml version="1.0" encoding="utf-8"?>
-<a:theme xmlns:a="http://schemas.openxmlformats.org/drawingml/2006/main" xmlns:r="http://schemas.openxmlformats.org/officeDocument/2006/relationships" name="Spearmint">
-  <a:themeElements>
-    <a:clrScheme name="Spearmint">
-      <a:dk1>
-        <a:srgbClr val="202729"/>
-      </a:dk1>
-      <a:lt1>
-        <a:srgbClr val="FFFFFF"/>
-      </a:lt1>
-      <a:dk2>
-        <a:srgbClr val="4BA173"/>
-      </a:dk2>
-      <a:lt2>
-        <a:srgbClr val="63D297"/>
-      </a:lt2>
-      <a:accent1>
-        <a:srgbClr val="353744"/>
-      </a:accent1>
-      <a:accent2>
-        <a:srgbClr val="424242"/>
-      </a:accent2>
-      <a:accent3>
-        <a:srgbClr val="616161"/>
-      </a:accent3>
-      <a:accent4>
-        <a:srgbClr val="999999"/>
-      </a:accent4>
-      <a:accent5>
-        <a:srgbClr val="FF5252"/>
-      </a:accent5>
-      <a:accent6>
-        <a:srgbClr val="FFF176"/>
-      </a:accent6>
-      <a:hlink>
-        <a:srgbClr val="FF5252"/>
-      </a:hlink>
-      <a:folHlink>
-        <a:srgbClr val="FF5252"/>
-      </a:folHlink>
-    </a:clrScheme>
-    <a:fontScheme name="Office">
-      <a:majorFont>
-        <a:latin typeface="Arial"/>
-        <a:ea typeface=""/>
-        <a:cs typeface=""/>
-        <a:font script="Jpan" typeface="ＭＳ Ｐゴシック"/>
-        <a:font script="Hang" typeface="맑은 고딕"/>
-        <a:font script="Hans" typeface="宋体"/>
-        <a:font script="Hant" typeface="新細明體"/>
-        <a:font script="Arab" typeface="Times New Roman"/>
-        <a:font script="Hebr" typeface="Times New Roman"/>
-        <a:font script="Thai" typeface="Angsana New"/>
-        <a:font script="Ethi" typeface="Nyala"/>
-        <a:font script="Beng" typeface="Vrinda"/>
-        <a:font script="Gujr" typeface="Shruti"/>
-        <a:font script="Khmr" typeface="MoolBoran"/>
-        <a:font script="Knda" typeface="Tunga"/>
-        <a:font script="Guru" typeface="Raavi"/>
-        <a:font script="Cans" typeface="Euphemia"/>
-        <a:font script="Cher" typeface="Plantagenet Cherokee"/>
-        <a:font script="Yiii" typeface="Microsoft Yi Baiti"/>
-        <a:font script="Tibt" typeface="Microsoft Himalaya"/>
-        <a:font script="Thaa" typeface="MV Boli"/>
-        <a:font script="Deva" typeface="Mangal"/>
-        <a:font script="Telu" typeface="Gautami"/>
-        <a:font script="Taml" typeface="Latha"/>
-        <a:font script="Syrc" typeface="Estrangelo Edessa"/>
-        <a:font script="Orya" typeface="Kalinga"/>
-        <a:font script="Mlym" typeface="Kartika"/>
-        <a:font script="Laoo" typeface="DokChampa"/>
-        <a:font script="Sinh" typeface="Iskoola Pota"/>
-        <a:font script="Mong" typeface="Mongolian Baiti"/>
-        <a:font script="Viet" typeface="Times New Roman"/>
-        <a:font script="Uigh" typeface="Microsoft Uighur"/>
-        <a:font script="Geor" typeface="Sylfaen"/>
-      </a:majorFont>
-      <a:minorFont>
-        <a:latin typeface="Arial"/>
-        <a:ea typeface=""/>
-        <a:cs typeface=""/>
-        <a:font script="Jpan" typeface="ＭＳ Ｐゴシック"/>
-        <a:font script="Hang" typeface="맑은 고딕"/>
-        <a:font script="Hans" typeface="宋体"/>
-        <a:font script="Hant" typeface="新細明體"/>
-        <a:font script="Arab" typeface="Arial"/>
-        <a:font script="Hebr" typeface="Arial"/>
-        <a:font script="Thai" typeface="Cordia New"/>
-        <a:font script="Ethi" typeface="Nyala"/>
-        <a:font script="Beng" typeface="Vrinda"/>
-        <a:font script="Gujr" typeface="Shruti"/>
-        <a:font script="Khmr" typeface="DaunPenh"/>
-        <a:font script="Knda" typeface="Tunga"/>
-        <a:font script="Guru" typeface="Raavi"/>
-        <a:font script="Cans" typeface="Euphemia"/>
-        <a:font script="Cher" typeface="Plantagenet Cherokee"/>
-        <a:font script="Yiii" typeface="Microsoft Yi Baiti"/>
-        <a:font script="Tibt" typeface="Microsoft Himalaya"/>
-        <a:font script="Thaa" typeface="MV Boli"/>
-        <a:font script="Deva" typeface="Mangal"/>
-        <a:font script="Telu" typeface="Gautami"/>
-        <a:font script="Taml" typeface="Latha"/>
-        <a:font script="Syrc" typeface="Estrangelo Edessa"/>
-        <a:font script="Orya" typeface="Kalinga"/>
-        <a:font script="Mlym" typeface="Kartika"/>
-        <a:font script="Laoo" typeface="DokChampa"/>
-        <a:font script="Sinh" typeface="Iskoola Pota"/>
-        <a:font script="Mong" typeface="Mongolian Baiti"/>
-        <a:font script="Viet" typeface="Arial"/>
-        <a:font script="Uigh" typeface="Microsoft Uighur"/>
-        <a:font script="Geor" typeface="Sylfaen"/>
-      </a:minorFont>
-    </a:fontScheme>
-    <a:fmtScheme name="Office">
-      <a:fillStyleLst>
-        <a:solidFill>
-          <a:schemeClr val="phClr"/>
-        </a:solidFill>
-        <a:gradFill rotWithShape="1">
-          <a:gsLst>
-            <a:gs pos="0">
-              <a:schemeClr val="phClr">
-                <a:tint val="50000"/>
-                <a:satMod val="300000"/>
-              </a:schemeClr>
-            </a:gs>
-            <a:gs pos="35000">
-              <a:schemeClr val="phClr">
-                <a:tint val="37000"/>
-                <a:satMod val="300000"/>
-              </a:schemeClr>
-            </a:gs>
-            <a:gs pos="100000">
-              <a:schemeClr val="phClr">
-                <a:tint val="15000"/>
-                <a:satMod val="350000"/>
-              </a:schemeClr>
-            </a:gs>
-          </a:gsLst>
-          <a:lin ang="16200000" scaled="1"/>
-        </a:gradFill>
-        <a:gradFill rotWithShape="1">
-          <a:gsLst>
-            <a:gs pos="0">
-              <a:schemeClr val="phClr">
-                <a:tint val="100000"/>
-                <a:shade val="100000"/>
-                <a:satMod val="130000"/>
-              </a:schemeClr>
-            </a:gs>
-            <a:gs pos="100000">
-              <a:schemeClr val="phClr">
-                <a:tint val="50000"/>
-                <a:shade val="100000"/>
-                <a:satMod val="350000"/>
-              </a:schemeClr>
-            </a:gs>
-          </a:gsLst>
-          <a:lin ang="16200000" scaled="0"/>
-        </a:gradFill>
-      </a:fillStyleLst>
-      <a:lnStyleLst>
-        <a:ln w="9525" cap="flat" cmpd="sng" algn="ctr">
-          <a:solidFill>
-            <a:schemeClr val="phClr">
-              <a:shade val="95000"/>
-              <a:satMod val="105000"/>
-            </a:schemeClr>
-          </a:solidFill>
-          <a:prstDash val="solid"/>
-        </a:ln>
-        <a:ln w="25400" cap="flat" cmpd="sng" algn="ctr">
-          <a:solidFill>
-            <a:schemeClr val="phClr"/>
-          </a:solidFill>
-          <a:prstDash val="solid"/>
-        </a:ln>
-        <a:ln w="38100" cap="flat" cmpd="sng" algn="ctr">
-          <a:solidFill>
-            <a:schemeClr val="phClr"/>
-          </a:solidFill>
-          <a:prstDash val="solid"/>
-        </a:ln>
-      </a:lnStyleLst>
-      <a:effectStyleLst>
-        <a:effectStyle>
-          <a:effectLst>
-            <a:outerShdw blurRad="40000" dist="20000" dir="5400000" rotWithShape="0">
-              <a:srgbClr val="000000">
-                <a:alpha val="38000"/>
-              </a:srgbClr>
-            </a:outerShdw>
-          </a:effectLst>
-        </a:effectStyle>
-        <a:effectStyle>
-          <a:effectLst>
-            <a:outerShdw blurRad="40000" dist="23000" dir="5400000" rotWithShape="0">
-              <a:srgbClr val="000000">
-                <a:alpha val="35000"/>
-              </a:srgbClr>
-            </a:outerShdw>
-          </a:effectLst>
-        </a:effectStyle>
-        <a:effectStyle>
-          <a:effectLst>
-            <a:outerShdw blurRad="40000" dist="23000" dir="5400000" rotWithShape="0">
-              <a:srgbClr val="000000">
-                <a:alpha val="35000"/>
-              </a:srgbClr>
-            </a:outerShdw>
-          </a:effectLst>
-          <a:scene3d>
-            <a:camera prst="orthographicFront">
-              <a:rot lat="0" lon="0" rev="0"/>
-            </a:camera>
-            <a:lightRig rig="threePt" dir="t">
-              <a:rot lat="0" lon="0" rev="1200000"/>
-            </a:lightRig>
-          </a:scene3d>
-          <a:sp3d>
-            <a:bevelT w="63500" h="25400"/>
-          </a:sp3d>
-        </a:effectStyle>
-      </a:effectStyleLst>
-      <a:bgFillStyleLst>
-        <a:solidFill>
-          <a:schemeClr val="phClr"/>
-        </a:solidFill>
-        <a:gradFill rotWithShape="1">
-          <a:gsLst>
-            <a:gs pos="0">
-              <a:schemeClr val="phClr">
-                <a:tint val="40000"/>
-                <a:satMod val="350000"/>
-              </a:schemeClr>
-            </a:gs>
-            <a:gs pos="40000">
-              <a:schemeClr val="phClr">
-                <a:tint val="45000"/>
-                <a:shade val="99000"/>
-                <a:satMod val="350000"/>
-              </a:schemeClr>
-            </a:gs>
-            <a:gs pos="100000">
-              <a:schemeClr val="phClr">
-                <a:shade val="20000"/>
-                <a:satMod val="255000"/>
-              </a:schemeClr>
-            </a:gs>
-          </a:gsLst>
-          <a:path path="circle">
-            <a:fillToRect l="50000" t="-80000" r="50000" b="180000"/>
-          </a:path>
-        </a:gradFill>
-        <a:gradFill rotWithShape="1">
-          <a:gsLst>
-            <a:gs pos="0">
-              <a:schemeClr val="phClr">
-                <a:tint val="80000"/>
-                <a:satMod val="300000"/>
-              </a:schemeClr>
-            </a:gs>
-            <a:gs pos="100000">
-              <a:schemeClr val="phClr">
-                <a:shade val="30000"/>
-                <a:satMod val="200000"/>
-              </a:schemeClr>
-            </a:gs>
-          </a:gsLst>
-          <a:path path="circle">
-            <a:fillToRect l="50000" t="50000" r="50000" b="50000"/>
-          </a:path>
-        </a:gradFill>
-      </a:bgFillStyleLst>
-    </a:fmtScheme>
-  </a:themeElements>
+  <a:objectDefaults/>
+  <a:extraClrSchemeLst/>
 </a:theme>
 </file>